--- a/Study/정리/Deep Learning02.pptx
+++ b/Study/정리/Deep Learning02.pptx
@@ -5,10 +5,10 @@
     <p:sldMasterId id="2147483648" r:id="rId1"/>
   </p:sldMasterIdLst>
   <p:notesMasterIdLst>
-    <p:notesMasterId r:id="rId27"/>
+    <p:notesMasterId r:id="rId28"/>
   </p:notesMasterIdLst>
   <p:handoutMasterIdLst>
-    <p:handoutMasterId r:id="rId28"/>
+    <p:handoutMasterId r:id="rId29"/>
   </p:handoutMasterIdLst>
   <p:sldIdLst>
     <p:sldId id="268" r:id="rId2"/>
@@ -32,10 +32,11 @@
     <p:sldId id="311" r:id="rId20"/>
     <p:sldId id="312" r:id="rId21"/>
     <p:sldId id="313" r:id="rId22"/>
-    <p:sldId id="274" r:id="rId23"/>
-    <p:sldId id="277" r:id="rId24"/>
-    <p:sldId id="299" r:id="rId25"/>
-    <p:sldId id="260" r:id="rId26"/>
+    <p:sldId id="314" r:id="rId23"/>
+    <p:sldId id="274" r:id="rId24"/>
+    <p:sldId id="277" r:id="rId25"/>
+    <p:sldId id="299" r:id="rId26"/>
+    <p:sldId id="260" r:id="rId27"/>
   </p:sldIdLst>
   <p:sldSz cx="9144000" cy="6858000" type="screen4x3"/>
   <p:notesSz cx="6858000" cy="9144000"/>
@@ -573,7 +574,7 @@
               <a:pPr>
                 <a:defRPr/>
               </a:pPr>
-              <a:t>2019-12-10</a:t>
+              <a:t>2019-12-11</a:t>
             </a:fld>
             <a:endParaRPr lang="ko-KR" altLang="en-US"/>
           </a:p>
@@ -1283,6 +1284,130 @@
           </a:bodyPr>
           <a:lstStyle/>
           <a:p>
+            <a:r>
+              <a:rPr kumimoji="1" lang="ko-KR" altLang="en-US" dirty="0" smtClean="0"/>
+              <a:t>이 가중치와 바이어스에 </a:t>
+            </a:r>
+            <a:r>
+              <a:rPr kumimoji="1" lang="en-US" altLang="ko-KR" dirty="0" smtClean="0"/>
+              <a:t>x1, x2</a:t>
+            </a:r>
+            <a:r>
+              <a:rPr kumimoji="1" lang="ko-KR" altLang="en-US" dirty="0" smtClean="0"/>
+              <a:t>값을 넣어보면</a:t>
+            </a:r>
+            <a:endParaRPr kumimoji="1" lang="en-US" altLang="ko-KR" dirty="0" smtClean="0"/>
+          </a:p>
+          <a:p>
+            <a:r>
+              <a:rPr kumimoji="1" lang="ko-KR" altLang="en-US" dirty="0" smtClean="0"/>
+              <a:t>노드</a:t>
+            </a:r>
+            <a:r>
+              <a:rPr kumimoji="1" lang="en-US" altLang="ko-KR" dirty="0" smtClean="0"/>
+              <a:t>1</a:t>
+            </a:r>
+            <a:r>
+              <a:rPr kumimoji="1" lang="ko-KR" altLang="en-US" dirty="0" smtClean="0"/>
+              <a:t>에서 값이 </a:t>
+            </a:r>
+            <a:r>
+              <a:rPr kumimoji="1" lang="en-US" altLang="ko-KR" dirty="0" smtClean="0"/>
+              <a:t>1,1,1,0</a:t>
+            </a:r>
+          </a:p>
+          <a:p>
+            <a:r>
+              <a:rPr kumimoji="1" lang="ko-KR" altLang="en-US" dirty="0" smtClean="0"/>
+              <a:t>노드</a:t>
+            </a:r>
+            <a:r>
+              <a:rPr kumimoji="1" lang="en-US" altLang="ko-KR" dirty="0" smtClean="0"/>
+              <a:t>2</a:t>
+            </a:r>
+            <a:r>
+              <a:rPr kumimoji="1" lang="ko-KR" altLang="en-US" dirty="0" smtClean="0"/>
+              <a:t>에서 값이 </a:t>
+            </a:r>
+            <a:r>
+              <a:rPr kumimoji="1" lang="en-US" altLang="ko-KR" dirty="0" smtClean="0"/>
+              <a:t>0,1,1,1</a:t>
+            </a:r>
+            <a:r>
+              <a:rPr kumimoji="1" lang="ko-KR" altLang="en-US" dirty="0" smtClean="0"/>
+              <a:t>이 나오게 되고</a:t>
+            </a:r>
+            <a:endParaRPr kumimoji="1" lang="en-US" altLang="ko-KR" dirty="0" smtClean="0"/>
+          </a:p>
+          <a:p>
+            <a:r>
+              <a:rPr kumimoji="1" lang="ko-KR" altLang="en-US" dirty="0" smtClean="0"/>
+              <a:t>이 값들이 다시 가중치와 바이어스를 만나서 계산이 되면 </a:t>
+            </a:r>
+            <a:r>
+              <a:rPr kumimoji="1" lang="en-US" altLang="ko-KR" dirty="0" smtClean="0"/>
+              <a:t>0,1,1,0 </a:t>
+            </a:r>
+            <a:r>
+              <a:rPr kumimoji="1" lang="ko-KR" altLang="en-US" dirty="0" smtClean="0"/>
+              <a:t>값이 나오게 됩니다</a:t>
+            </a:r>
+            <a:r>
+              <a:rPr kumimoji="1" lang="en-US" altLang="ko-KR" dirty="0" smtClean="0"/>
+              <a:t>.</a:t>
+            </a:r>
+          </a:p>
+          <a:p>
+            <a:r>
+              <a:rPr kumimoji="1" lang="ko-KR" altLang="en-US" dirty="0" smtClean="0"/>
+              <a:t>실제로 계산해 보니 우리가 원했던 </a:t>
+            </a:r>
+            <a:r>
+              <a:rPr kumimoji="1" lang="en-US" altLang="ko-KR" dirty="0" smtClean="0"/>
+              <a:t>XOR</a:t>
+            </a:r>
+            <a:r>
+              <a:rPr kumimoji="1" lang="ko-KR" altLang="en-US" dirty="0" smtClean="0"/>
+              <a:t>의 </a:t>
+            </a:r>
+            <a:r>
+              <a:rPr kumimoji="1" lang="ko-KR" altLang="en-US" dirty="0" err="1" smtClean="0"/>
+              <a:t>결괏값을</a:t>
+            </a:r>
+            <a:r>
+              <a:rPr kumimoji="1" lang="ko-KR" altLang="en-US" dirty="0" smtClean="0"/>
+              <a:t> 구할 수 있었습니다</a:t>
+            </a:r>
+            <a:r>
+              <a:rPr kumimoji="1" lang="en-US" altLang="ko-KR" dirty="0" smtClean="0"/>
+              <a:t>.</a:t>
+            </a:r>
+          </a:p>
+          <a:p>
+            <a:r>
+              <a:rPr kumimoji="1" lang="ko-KR" altLang="en-US" dirty="0" smtClean="0"/>
+              <a:t>이렇게 숨어있는 두 개의 노드를 둔 다층 </a:t>
+            </a:r>
+            <a:r>
+              <a:rPr kumimoji="1" lang="ko-KR" altLang="en-US" dirty="0" err="1" smtClean="0"/>
+              <a:t>퍼셉트론을</a:t>
+            </a:r>
+            <a:r>
+              <a:rPr kumimoji="1" lang="ko-KR" altLang="en-US" dirty="0" smtClean="0"/>
+              <a:t> 통해서 </a:t>
+            </a:r>
+            <a:r>
+              <a:rPr kumimoji="1" lang="en-US" altLang="ko-KR" dirty="0" smtClean="0"/>
+              <a:t>XOR</a:t>
+            </a:r>
+            <a:r>
+              <a:rPr kumimoji="1" lang="ko-KR" altLang="en-US" dirty="0" smtClean="0"/>
+              <a:t>문제가 해결할 수 있었습니다</a:t>
+            </a:r>
+            <a:r>
+              <a:rPr kumimoji="1" lang="en-US" altLang="ko-KR" dirty="0" smtClean="0"/>
+              <a:t>.</a:t>
+            </a:r>
             <a:endParaRPr kumimoji="1" lang="ko-KR" altLang="en-US" dirty="0" smtClean="0"/>
           </a:p>
         </p:txBody>
@@ -1536,11 +1661,297 @@
             <a:prstTxWarp prst="textNoShape">
               <a:avLst/>
             </a:prstTxWarp>
-            <a:normAutofit/>
+            <a:normAutofit lnSpcReduction="10000"/>
           </a:bodyPr>
           <a:lstStyle/>
           <a:p>
-            <a:endParaRPr kumimoji="1" lang="ko-KR" altLang="en-US" dirty="0" smtClean="0"/>
+            <a:r>
+              <a:rPr kumimoji="1" lang="ko-KR" altLang="en-US" dirty="0" smtClean="0"/>
+              <a:t>이제 </a:t>
+            </a:r>
+            <a:r>
+              <a:rPr kumimoji="1" lang="ko-KR" altLang="en-US" dirty="0" err="1" smtClean="0"/>
+              <a:t>퍼셉트론으로</a:t>
+            </a:r>
+            <a:r>
+              <a:rPr kumimoji="1" lang="ko-KR" altLang="en-US" dirty="0" smtClean="0"/>
+              <a:t> 해결되지 않던 문제를 신경망을 이용해 해결했습니다</a:t>
+            </a:r>
+            <a:r>
+              <a:rPr kumimoji="1" lang="en-US" altLang="ko-KR" dirty="0" smtClean="0"/>
+              <a:t>. </a:t>
+            </a:r>
+            <a:r>
+              <a:rPr kumimoji="1" lang="ko-KR" altLang="en-US" dirty="0" smtClean="0"/>
+              <a:t>그래서 이 신경망 내부의 가중치는 오차 </a:t>
+            </a:r>
+            <a:r>
+              <a:rPr kumimoji="1" lang="ko-KR" altLang="en-US" dirty="0" err="1" smtClean="0"/>
+              <a:t>역전파라는</a:t>
+            </a:r>
+            <a:r>
+              <a:rPr kumimoji="1" lang="ko-KR" altLang="en-US" dirty="0" smtClean="0"/>
+              <a:t> 계산을 이용해서 </a:t>
+            </a:r>
+            <a:r>
+              <a:rPr kumimoji="1" lang="ko-KR" altLang="en-US" dirty="0" err="1" smtClean="0"/>
+              <a:t>구하게됩니다</a:t>
+            </a:r>
+            <a:r>
+              <a:rPr kumimoji="1" lang="en-US" altLang="ko-KR" dirty="0" smtClean="0"/>
+              <a:t>.</a:t>
+            </a:r>
+          </a:p>
+          <a:p>
+            <a:r>
+              <a:rPr kumimoji="1" lang="ko-KR" altLang="en-US" dirty="0" smtClean="0"/>
+              <a:t>이는 앞서 배웠던 경사 </a:t>
+            </a:r>
+            <a:r>
+              <a:rPr kumimoji="1" lang="ko-KR" altLang="en-US" dirty="0" err="1" smtClean="0"/>
+              <a:t>하강법의</a:t>
+            </a:r>
+            <a:r>
+              <a:rPr kumimoji="1" lang="ko-KR" altLang="en-US" dirty="0" smtClean="0"/>
+              <a:t> 확장 개념이라고 생각하시면 됩니다</a:t>
+            </a:r>
+            <a:r>
+              <a:rPr kumimoji="1" lang="en-US" altLang="ko-KR" dirty="0" smtClean="0"/>
+              <a:t>. </a:t>
+            </a:r>
+          </a:p>
+          <a:p>
+            <a:endParaRPr kumimoji="1" lang="en-US" altLang="ko-KR" dirty="0" smtClean="0"/>
+          </a:p>
+          <a:p>
+            <a:r>
+              <a:rPr kumimoji="1" lang="ko-KR" altLang="en-US" dirty="0" smtClean="0"/>
+              <a:t>단일 </a:t>
+            </a:r>
+            <a:r>
+              <a:rPr kumimoji="1" lang="ko-KR" altLang="en-US" dirty="0" err="1" smtClean="0"/>
+              <a:t>퍼셉트론에서는</a:t>
+            </a:r>
+            <a:r>
+              <a:rPr kumimoji="1" lang="ko-KR" altLang="en-US" dirty="0" smtClean="0"/>
+              <a:t> </a:t>
+            </a:r>
+            <a:r>
+              <a:rPr kumimoji="1" lang="ko-KR" altLang="en-US" dirty="0" err="1" smtClean="0"/>
+              <a:t>결괏값을</a:t>
+            </a:r>
+            <a:r>
+              <a:rPr kumimoji="1" lang="ko-KR" altLang="en-US" dirty="0" smtClean="0"/>
+              <a:t> 얻으면 오차를 구해 이를 토대로 앞 </a:t>
+            </a:r>
+            <a:r>
+              <a:rPr kumimoji="1" lang="ko-KR" altLang="en-US" dirty="0" err="1" smtClean="0"/>
+              <a:t>단게에서</a:t>
+            </a:r>
+            <a:r>
+              <a:rPr kumimoji="1" lang="ko-KR" altLang="en-US" dirty="0" smtClean="0"/>
+              <a:t> 정한 가중치를 조정합니다</a:t>
+            </a:r>
+            <a:r>
+              <a:rPr kumimoji="1" lang="en-US" altLang="ko-KR" dirty="0" smtClean="0"/>
+              <a:t>.</a:t>
+            </a:r>
+          </a:p>
+          <a:p>
+            <a:r>
+              <a:rPr kumimoji="1" lang="ko-KR" altLang="en-US" dirty="0" smtClean="0"/>
+              <a:t>이와 마찬가지로 다층 </a:t>
+            </a:r>
+            <a:r>
+              <a:rPr kumimoji="1" lang="ko-KR" altLang="en-US" dirty="0" err="1" smtClean="0"/>
+              <a:t>퍼셉트론에서도</a:t>
+            </a:r>
+            <a:r>
+              <a:rPr kumimoji="1" lang="ko-KR" altLang="en-US" dirty="0" smtClean="0"/>
+              <a:t> 역시 결과값의 오차를 구해 이를 토대로 하나 앞선 가중치를 차례로 거슬러 올라가며 조정해 </a:t>
+            </a:r>
+            <a:r>
+              <a:rPr kumimoji="1" lang="ko-KR" altLang="en-US" dirty="0" err="1" smtClean="0"/>
+              <a:t>값니다</a:t>
+            </a:r>
+            <a:r>
+              <a:rPr kumimoji="1" lang="en-US" altLang="ko-KR" dirty="0" smtClean="0"/>
+              <a:t>.</a:t>
+            </a:r>
+          </a:p>
+          <a:p>
+            <a:endParaRPr kumimoji="1" lang="en-US" altLang="ko-KR" dirty="0" smtClean="0"/>
+          </a:p>
+          <a:p>
+            <a:r>
+              <a:rPr kumimoji="1" lang="ko-KR" altLang="en-US" dirty="0" smtClean="0"/>
+              <a:t>그러다 보니 최적화의 계산 방향이 </a:t>
+            </a:r>
+            <a:r>
+              <a:rPr kumimoji="1" lang="ko-KR" altLang="en-US" dirty="0" err="1" smtClean="0"/>
+              <a:t>출력층에서</a:t>
+            </a:r>
+            <a:r>
+              <a:rPr kumimoji="1" lang="ko-KR" altLang="en-US" dirty="0" smtClean="0"/>
+              <a:t> 시작해 앞으로 진행해 </a:t>
+            </a:r>
+            <a:r>
+              <a:rPr kumimoji="1" lang="ko-KR" altLang="en-US" dirty="0" err="1" smtClean="0"/>
+              <a:t>다층퍼셉트론에서는</a:t>
+            </a:r>
+            <a:r>
+              <a:rPr kumimoji="1" lang="ko-KR" altLang="en-US" dirty="0" smtClean="0"/>
+              <a:t> 이 최적화 과정을 오차 </a:t>
+            </a:r>
+            <a:r>
+              <a:rPr kumimoji="1" lang="ko-KR" altLang="en-US" dirty="0" err="1" smtClean="0"/>
+              <a:t>역전파라고</a:t>
+            </a:r>
+            <a:r>
+              <a:rPr kumimoji="1" lang="ko-KR" altLang="en-US" dirty="0" smtClean="0"/>
+              <a:t> 부릅니다</a:t>
+            </a:r>
+            <a:r>
+              <a:rPr kumimoji="1" lang="en-US" altLang="ko-KR" dirty="0" smtClean="0"/>
+              <a:t>.</a:t>
+            </a:r>
+          </a:p>
+          <a:p>
+            <a:r>
+              <a:rPr kumimoji="1" lang="ko-KR" altLang="en-US" dirty="0" smtClean="0"/>
+              <a:t>오차 </a:t>
+            </a:r>
+            <a:r>
+              <a:rPr kumimoji="1" lang="ko-KR" altLang="en-US" dirty="0" err="1" smtClean="0"/>
+              <a:t>역전파가</a:t>
+            </a:r>
+            <a:r>
+              <a:rPr kumimoji="1" lang="ko-KR" altLang="en-US" dirty="0" smtClean="0"/>
+              <a:t> 구동하는 과정을 한번 보면</a:t>
+            </a:r>
+            <a:endParaRPr kumimoji="1" lang="en-US" altLang="ko-KR" dirty="0" smtClean="0"/>
+          </a:p>
+          <a:p>
+            <a:pPr marL="228600" indent="-228600">
+              <a:buAutoNum type="arabicPeriod"/>
+            </a:pPr>
+            <a:r>
+              <a:rPr kumimoji="1" lang="ko-KR" altLang="en-US" dirty="0" smtClean="0"/>
+              <a:t>임의의 초기 가중치를 정하고 계산을 통해서 결과를 계산해 산출합니다</a:t>
+            </a:r>
+            <a:r>
+              <a:rPr kumimoji="1" lang="en-US" altLang="ko-KR" dirty="0" smtClean="0"/>
+              <a:t>.</a:t>
+            </a:r>
+          </a:p>
+          <a:p>
+            <a:pPr marL="228600" indent="-228600">
+              <a:buAutoNum type="arabicPeriod"/>
+            </a:pPr>
+            <a:r>
+              <a:rPr kumimoji="1" lang="ko-KR" altLang="en-US" dirty="0" smtClean="0"/>
+              <a:t>결과값과 </a:t>
+            </a:r>
+            <a:r>
+              <a:rPr kumimoji="1" lang="ko-KR" altLang="en-US" dirty="0" err="1" smtClean="0"/>
+              <a:t>실제값의</a:t>
+            </a:r>
+            <a:r>
+              <a:rPr kumimoji="1" lang="ko-KR" altLang="en-US" dirty="0" smtClean="0"/>
+              <a:t> 오차를 구합니다</a:t>
+            </a:r>
+            <a:r>
+              <a:rPr kumimoji="1" lang="en-US" altLang="ko-KR" dirty="0" smtClean="0"/>
+              <a:t>.</a:t>
+            </a:r>
+          </a:p>
+          <a:p>
+            <a:pPr marL="228600" indent="-228600">
+              <a:buAutoNum type="arabicPeriod"/>
+            </a:pPr>
+            <a:r>
+              <a:rPr kumimoji="1" lang="ko-KR" altLang="en-US" dirty="0" smtClean="0"/>
+              <a:t>경사 </a:t>
+            </a:r>
+            <a:r>
+              <a:rPr kumimoji="1" lang="ko-KR" altLang="en-US" dirty="0" err="1" smtClean="0"/>
+              <a:t>하강법을</a:t>
+            </a:r>
+            <a:r>
+              <a:rPr kumimoji="1" lang="ko-KR" altLang="en-US" dirty="0" smtClean="0"/>
+              <a:t> 이용해서 앞 가중치가 작아지는 쪽으로 업데이트합니다</a:t>
+            </a:r>
+            <a:r>
+              <a:rPr kumimoji="1" lang="en-US" altLang="ko-KR" dirty="0" smtClean="0"/>
+              <a:t>.</a:t>
+            </a:r>
+          </a:p>
+          <a:p>
+            <a:pPr marL="0" indent="0">
+              <a:buNone/>
+            </a:pPr>
+            <a:r>
+              <a:rPr kumimoji="1" lang="ko-KR" altLang="en-US" dirty="0" smtClean="0"/>
+              <a:t>여기서 업데이트 한다는 얘기는 미분한 값이 </a:t>
+            </a:r>
+            <a:r>
+              <a:rPr kumimoji="1" lang="en-US" altLang="ko-KR" dirty="0" smtClean="0"/>
+              <a:t>0</a:t>
+            </a:r>
+            <a:r>
+              <a:rPr kumimoji="1" lang="ko-KR" altLang="en-US" dirty="0" smtClean="0"/>
+              <a:t>에 가까워지는 방향을 말합니다</a:t>
+            </a:r>
+            <a:r>
+              <a:rPr kumimoji="1" lang="en-US" altLang="ko-KR" dirty="0" smtClean="0"/>
+              <a:t>.</a:t>
+            </a:r>
+          </a:p>
+          <a:p>
+            <a:pPr marL="0" indent="0">
+              <a:buNone/>
+            </a:pPr>
+            <a:r>
+              <a:rPr kumimoji="1" lang="en-US" altLang="ko-KR" dirty="0" smtClean="0"/>
+              <a:t>4. </a:t>
+            </a:r>
+            <a:r>
+              <a:rPr kumimoji="1" lang="ko-KR" altLang="en-US" dirty="0" smtClean="0"/>
+              <a:t>위 과정을 더 이상 오차가 줄어들지 않을 때까지 반복합니다</a:t>
+            </a:r>
+            <a:r>
+              <a:rPr kumimoji="1" lang="en-US" altLang="ko-KR" dirty="0" smtClean="0"/>
+              <a:t>. </a:t>
+            </a:r>
+          </a:p>
+          <a:p>
+            <a:pPr marL="0" indent="0">
+              <a:buNone/>
+            </a:pPr>
+            <a:r>
+              <a:rPr kumimoji="1" lang="ko-KR" altLang="en-US" dirty="0" smtClean="0"/>
+              <a:t>이 식을 보시면 즉 기울기가 </a:t>
+            </a:r>
+            <a:r>
+              <a:rPr kumimoji="1" lang="en-US" altLang="ko-KR" dirty="0" smtClean="0"/>
+              <a:t>0</a:t>
+            </a:r>
+            <a:r>
+              <a:rPr kumimoji="1" lang="ko-KR" altLang="en-US" dirty="0" smtClean="0"/>
+              <a:t>이 되는 방향으로 나아가야하는데 </a:t>
+            </a:r>
+            <a:r>
+              <a:rPr kumimoji="1" lang="ko-KR" altLang="en-US" dirty="0" err="1" smtClean="0"/>
+              <a:t>이말은</a:t>
+            </a:r>
+            <a:r>
+              <a:rPr kumimoji="1" lang="ko-KR" altLang="en-US" dirty="0" smtClean="0"/>
+              <a:t> 가중치에서 기울기를 뺐을 때 가중치의 변화가 전혀 없는 상태를 말합니다</a:t>
+            </a:r>
+            <a:r>
+              <a:rPr kumimoji="1" lang="en-US" altLang="ko-KR" dirty="0" smtClean="0"/>
+              <a:t>. </a:t>
+            </a:r>
           </a:p>
         </p:txBody>
       </p:sp>
@@ -1796,7 +2207,74 @@
           </a:bodyPr>
           <a:lstStyle/>
           <a:p>
-            <a:endParaRPr kumimoji="1" lang="ko-KR" altLang="en-US" dirty="0" smtClean="0"/>
+            <a:r>
+              <a:rPr kumimoji="1" lang="ko-KR" altLang="en-US" dirty="0" smtClean="0"/>
+              <a:t>이렇게 다층 </a:t>
+            </a:r>
+            <a:r>
+              <a:rPr kumimoji="1" lang="ko-KR" altLang="en-US" dirty="0" err="1" smtClean="0"/>
+              <a:t>퍼셉트론이</a:t>
+            </a:r>
+            <a:r>
+              <a:rPr kumimoji="1" lang="ko-KR" altLang="en-US" dirty="0" smtClean="0"/>
+              <a:t> 오차 </a:t>
+            </a:r>
+            <a:r>
+              <a:rPr kumimoji="1" lang="ko-KR" altLang="en-US" dirty="0" err="1" smtClean="0"/>
+              <a:t>역전파를</a:t>
+            </a:r>
+            <a:r>
+              <a:rPr kumimoji="1" lang="ko-KR" altLang="en-US" dirty="0" smtClean="0"/>
+              <a:t> 만나 신경망이 되었고</a:t>
+            </a:r>
+            <a:r>
+              <a:rPr kumimoji="1" lang="en-US" altLang="ko-KR" dirty="0" smtClean="0"/>
+              <a:t>, </a:t>
+            </a:r>
+            <a:r>
+              <a:rPr kumimoji="1" lang="ko-KR" altLang="en-US" dirty="0" smtClean="0"/>
+              <a:t>신경망은 </a:t>
+            </a:r>
+            <a:r>
+              <a:rPr kumimoji="1" lang="en-US" altLang="ko-KR" dirty="0" smtClean="0"/>
+              <a:t>XOR </a:t>
+            </a:r>
+            <a:r>
+              <a:rPr kumimoji="1" lang="ko-KR" altLang="en-US" dirty="0" smtClean="0"/>
+              <a:t>문제를 간단하게 해결했습니다</a:t>
+            </a:r>
+            <a:r>
+              <a:rPr kumimoji="1" lang="en-US" altLang="ko-KR" dirty="0" smtClean="0"/>
+              <a:t>.</a:t>
+            </a:r>
+          </a:p>
+          <a:p>
+            <a:r>
+              <a:rPr kumimoji="1" lang="ko-KR" altLang="en-US" dirty="0" smtClean="0"/>
+              <a:t>이제 사람들은 신경망을 그림처럼 차곡차곡 </a:t>
+            </a:r>
+            <a:r>
+              <a:rPr kumimoji="1" lang="ko-KR" altLang="en-US" dirty="0" err="1" smtClean="0"/>
+              <a:t>쌓아올리면</a:t>
+            </a:r>
+            <a:r>
+              <a:rPr kumimoji="1" lang="ko-KR" altLang="en-US" dirty="0" smtClean="0"/>
+              <a:t> 마치 사람처럼 생각하고 판단하는 인공지능이 금방이라도 완성될것처럼 보였습니다</a:t>
+            </a:r>
+            <a:r>
+              <a:rPr kumimoji="1" lang="en-US" altLang="ko-KR" dirty="0" smtClean="0"/>
+              <a:t>.</a:t>
+            </a:r>
+          </a:p>
+          <a:p>
+            <a:r>
+              <a:rPr kumimoji="1" lang="ko-KR" altLang="en-US" dirty="0" smtClean="0"/>
+              <a:t>하지만 기대만큼 결과가 좋지는 않았는데 어떤 문제가 있었고 어떻게 해결이 되었는지 살펴보겠습니다</a:t>
+            </a:r>
+            <a:r>
+              <a:rPr kumimoji="1" lang="en-US" altLang="ko-KR" dirty="0" smtClean="0"/>
+              <a:t>.</a:t>
+            </a:r>
           </a:p>
         </p:txBody>
       </p:sp>
@@ -2052,6 +2530,83 @@
           </a:bodyPr>
           <a:lstStyle/>
           <a:p>
+            <a:r>
+              <a:rPr kumimoji="1" lang="ko-KR" altLang="en-US" dirty="0" smtClean="0"/>
+              <a:t>먼저 기울기 </a:t>
+            </a:r>
+            <a:r>
+              <a:rPr kumimoji="1" lang="ko-KR" altLang="en-US" dirty="0" err="1" smtClean="0"/>
+              <a:t>소실문제가</a:t>
+            </a:r>
+            <a:r>
+              <a:rPr kumimoji="1" lang="ko-KR" altLang="en-US" dirty="0" smtClean="0"/>
+              <a:t> 발생했습니다</a:t>
+            </a:r>
+            <a:r>
+              <a:rPr kumimoji="1" lang="en-US" altLang="ko-KR" dirty="0" smtClean="0"/>
+              <a:t>. </a:t>
+            </a:r>
+            <a:r>
+              <a:rPr kumimoji="1" lang="ko-KR" altLang="en-US" dirty="0" smtClean="0"/>
+              <a:t>가중치를 수정하려면 </a:t>
+            </a:r>
+            <a:r>
+              <a:rPr kumimoji="1" lang="ko-KR" altLang="en-US" dirty="0" err="1" smtClean="0"/>
+              <a:t>미분한값이</a:t>
+            </a:r>
+            <a:r>
+              <a:rPr kumimoji="1" lang="ko-KR" altLang="en-US" dirty="0" smtClean="0"/>
+              <a:t> 필요하다고 했는데</a:t>
+            </a:r>
+            <a:endParaRPr kumimoji="1" lang="en-US" altLang="ko-KR" dirty="0" smtClean="0"/>
+          </a:p>
+          <a:p>
+            <a:r>
+              <a:rPr kumimoji="1" lang="ko-KR" altLang="en-US" dirty="0" smtClean="0"/>
+              <a:t>층이 늘어나면서 기울기가 </a:t>
+            </a:r>
+            <a:r>
+              <a:rPr kumimoji="1" lang="en-US" altLang="ko-KR" dirty="0" smtClean="0"/>
+              <a:t>0</a:t>
+            </a:r>
+            <a:r>
+              <a:rPr kumimoji="1" lang="ko-KR" altLang="en-US" dirty="0" smtClean="0"/>
+              <a:t>이 되어버리는 기울기 </a:t>
+            </a:r>
+            <a:r>
+              <a:rPr kumimoji="1" lang="ko-KR" altLang="en-US" dirty="0" err="1" smtClean="0"/>
+              <a:t>소실문제가</a:t>
+            </a:r>
+            <a:r>
+              <a:rPr kumimoji="1" lang="ko-KR" altLang="en-US" dirty="0" smtClean="0"/>
+              <a:t> 발생했습니다</a:t>
+            </a:r>
+            <a:r>
+              <a:rPr kumimoji="1" lang="en-US" altLang="ko-KR" dirty="0" smtClean="0"/>
+              <a:t>.</a:t>
+            </a:r>
+          </a:p>
+          <a:p>
+            <a:r>
+              <a:rPr kumimoji="1" lang="ko-KR" altLang="en-US" dirty="0" smtClean="0"/>
+              <a:t>이는 활성화 함수로 사용된 </a:t>
+            </a:r>
+            <a:r>
+              <a:rPr kumimoji="1" lang="ko-KR" altLang="en-US" dirty="0" err="1" smtClean="0"/>
+              <a:t>시그모이드함수의</a:t>
+            </a:r>
+            <a:r>
+              <a:rPr kumimoji="1" lang="ko-KR" altLang="en-US" dirty="0" smtClean="0"/>
+              <a:t> </a:t>
+            </a:r>
+            <a:r>
+              <a:rPr kumimoji="1" lang="ko-KR" altLang="en-US" dirty="0" err="1" smtClean="0"/>
+              <a:t>특성때문인데</a:t>
+            </a:r>
+            <a:r>
+              <a:rPr kumimoji="1" lang="ko-KR" altLang="en-US" dirty="0" err="1" smtClean="0"/>
+              <a:t>요</a:t>
+            </a:r>
             <a:endParaRPr kumimoji="1" lang="ko-KR" altLang="en-US" dirty="0" smtClean="0"/>
           </a:p>
         </p:txBody>
@@ -2308,6 +2863,70 @@
           </a:bodyPr>
           <a:lstStyle/>
           <a:p>
+            <a:r>
+              <a:rPr kumimoji="1" lang="ko-KR" altLang="en-US" dirty="0" err="1" smtClean="0"/>
+              <a:t>시그모이드를</a:t>
+            </a:r>
+            <a:r>
+              <a:rPr kumimoji="1" lang="ko-KR" altLang="en-US" dirty="0" smtClean="0"/>
+              <a:t> 미분하면 최대치가 </a:t>
+            </a:r>
+            <a:r>
+              <a:rPr kumimoji="1" lang="en-US" altLang="ko-KR" dirty="0" smtClean="0"/>
+              <a:t>0.3</a:t>
+            </a:r>
+            <a:r>
+              <a:rPr kumimoji="1" lang="ko-KR" altLang="en-US" dirty="0" smtClean="0"/>
+              <a:t>이 됩니다</a:t>
+            </a:r>
+            <a:r>
+              <a:rPr kumimoji="1" lang="en-US" altLang="ko-KR" dirty="0" smtClean="0"/>
+              <a:t>. 1</a:t>
+            </a:r>
+            <a:r>
+              <a:rPr kumimoji="1" lang="ko-KR" altLang="en-US" dirty="0" smtClean="0"/>
+              <a:t>보다 작으므로 계속 곱하다 보면 </a:t>
+            </a:r>
+            <a:r>
+              <a:rPr kumimoji="1" lang="en-US" altLang="ko-KR" dirty="0" smtClean="0"/>
+              <a:t>0</a:t>
+            </a:r>
+            <a:r>
+              <a:rPr kumimoji="1" lang="ko-KR" altLang="en-US" dirty="0" smtClean="0"/>
+              <a:t>에 가까워집니다</a:t>
+            </a:r>
+            <a:r>
+              <a:rPr kumimoji="1" lang="en-US" altLang="ko-KR" dirty="0" smtClean="0"/>
+              <a:t>.</a:t>
+            </a:r>
+          </a:p>
+          <a:p>
+            <a:r>
+              <a:rPr kumimoji="1" lang="ko-KR" altLang="en-US" dirty="0" smtClean="0"/>
+              <a:t>따라서 층을 거쳐 갈수록 기울기가 사라져 가중치를 수정하기가 어려지는 겁니다</a:t>
+            </a:r>
+            <a:r>
+              <a:rPr kumimoji="1" lang="en-US" altLang="ko-KR" dirty="0" smtClean="0"/>
+              <a:t>. </a:t>
+            </a:r>
+          </a:p>
+          <a:p>
+            <a:r>
+              <a:rPr kumimoji="1" lang="ko-KR" altLang="en-US" dirty="0" smtClean="0"/>
+              <a:t>이를 해결하기 위해서 활성화 함수를 </a:t>
+            </a:r>
+            <a:r>
+              <a:rPr kumimoji="1" lang="ko-KR" altLang="en-US" dirty="0" err="1" smtClean="0"/>
+              <a:t>시그모이드</a:t>
+            </a:r>
+            <a:r>
+              <a:rPr kumimoji="1" lang="ko-KR" altLang="en-US" baseline="0" dirty="0" smtClean="0"/>
+              <a:t> 함수가 아닌 여러 함수로 대체하기 시작했습니다</a:t>
+            </a:r>
+            <a:r>
+              <a:rPr kumimoji="1" lang="en-US" altLang="ko-KR" baseline="0" dirty="0" smtClean="0"/>
+              <a:t>.</a:t>
+            </a:r>
             <a:endParaRPr kumimoji="1" lang="ko-KR" altLang="en-US" dirty="0" smtClean="0"/>
           </a:p>
         </p:txBody>
@@ -2564,6 +3183,273 @@
           </a:bodyPr>
           <a:lstStyle/>
           <a:p>
+            <a:r>
+              <a:rPr kumimoji="1" lang="ko-KR" altLang="en-US" dirty="0" smtClean="0"/>
+              <a:t>먼저 </a:t>
+            </a:r>
+            <a:r>
+              <a:rPr kumimoji="1" lang="ko-KR" altLang="en-US" dirty="0" err="1" smtClean="0"/>
+              <a:t>시그모이드</a:t>
+            </a:r>
+            <a:r>
+              <a:rPr kumimoji="1" lang="ko-KR" altLang="en-US" dirty="0" smtClean="0"/>
+              <a:t> 함수의 범위를 </a:t>
+            </a:r>
+            <a:r>
+              <a:rPr kumimoji="1" lang="en-US" altLang="ko-KR" dirty="0" smtClean="0"/>
+              <a:t>-1</a:t>
+            </a:r>
+            <a:r>
+              <a:rPr kumimoji="1" lang="ko-KR" altLang="en-US" dirty="0" smtClean="0"/>
+              <a:t>에서 </a:t>
+            </a:r>
+            <a:r>
+              <a:rPr kumimoji="1" lang="en-US" altLang="ko-KR" dirty="0" smtClean="0"/>
+              <a:t>1</a:t>
+            </a:r>
+            <a:r>
+              <a:rPr kumimoji="1" lang="ko-KR" altLang="en-US" dirty="0" smtClean="0"/>
+              <a:t>로 확장한 개념이 </a:t>
+            </a:r>
+            <a:r>
+              <a:rPr kumimoji="1" lang="ko-KR" altLang="en-US" dirty="0" err="1" smtClean="0"/>
+              <a:t>하이퍼볼릭</a:t>
+            </a:r>
+            <a:r>
+              <a:rPr kumimoji="1" lang="ko-KR" altLang="en-US" dirty="0" smtClean="0"/>
+              <a:t> 탄젠트 함수는 </a:t>
+            </a:r>
+            <a:endParaRPr kumimoji="1" lang="en-US" altLang="ko-KR" dirty="0" smtClean="0"/>
+          </a:p>
+          <a:p>
+            <a:r>
+              <a:rPr kumimoji="1" lang="ko-KR" altLang="en-US" dirty="0" smtClean="0"/>
+              <a:t>미분한 범위가 함께 확장되는 효과를 가져왔지만 여전히 </a:t>
+            </a:r>
+            <a:r>
+              <a:rPr kumimoji="1" lang="en-US" altLang="ko-KR" dirty="0" smtClean="0"/>
+              <a:t>1</a:t>
+            </a:r>
+            <a:r>
+              <a:rPr kumimoji="1" lang="ko-KR" altLang="en-US" dirty="0" smtClean="0"/>
+              <a:t>보다 작은 값이 존재하므로 기울기 소실 </a:t>
+            </a:r>
+            <a:r>
+              <a:rPr kumimoji="1" lang="ko-KR" altLang="en-US" dirty="0" err="1" smtClean="0"/>
+              <a:t>문제는사라지지</a:t>
+            </a:r>
+            <a:r>
+              <a:rPr kumimoji="1" lang="ko-KR" altLang="en-US" dirty="0" smtClean="0"/>
+              <a:t> 않았습니다</a:t>
+            </a:r>
+            <a:r>
+              <a:rPr kumimoji="1" lang="en-US" altLang="ko-KR" dirty="0" smtClean="0"/>
+              <a:t>.</a:t>
+            </a:r>
+          </a:p>
+          <a:p>
+            <a:endParaRPr kumimoji="1" lang="en-US" altLang="ko-KR" dirty="0" smtClean="0"/>
+          </a:p>
+          <a:p>
+            <a:r>
+              <a:rPr kumimoji="1" lang="ko-KR" altLang="en-US" dirty="0" smtClean="0"/>
+              <a:t>토론톤대학교의 </a:t>
+            </a:r>
+            <a:r>
+              <a:rPr kumimoji="1" lang="ko-KR" altLang="en-US" dirty="0" err="1" smtClean="0"/>
+              <a:t>제프리</a:t>
+            </a:r>
+            <a:r>
+              <a:rPr kumimoji="1" lang="ko-KR" altLang="en-US" dirty="0" smtClean="0"/>
+              <a:t> </a:t>
+            </a:r>
+            <a:r>
+              <a:rPr kumimoji="1" lang="ko-KR" altLang="en-US" dirty="0" err="1" smtClean="0"/>
+              <a:t>힌튼교수가</a:t>
+            </a:r>
+            <a:r>
+              <a:rPr kumimoji="1" lang="ko-KR" altLang="en-US" dirty="0" smtClean="0"/>
+              <a:t> 제안한 </a:t>
+            </a:r>
+            <a:r>
+              <a:rPr kumimoji="1" lang="ko-KR" altLang="en-US" dirty="0" err="1" smtClean="0"/>
+              <a:t>렐루는</a:t>
+            </a:r>
+            <a:r>
+              <a:rPr kumimoji="1" lang="ko-KR" altLang="en-US" dirty="0" smtClean="0"/>
+              <a:t> </a:t>
+            </a:r>
+            <a:r>
+              <a:rPr kumimoji="1" lang="ko-KR" altLang="en-US" dirty="0" err="1" smtClean="0"/>
+              <a:t>시그모이드의</a:t>
+            </a:r>
+            <a:r>
+              <a:rPr kumimoji="1" lang="ko-KR" altLang="en-US" dirty="0" smtClean="0"/>
+              <a:t> 대안으로 떠오르며 현재 가장 많이 사용하고 있는 활성화 함수인데</a:t>
+            </a:r>
+            <a:endParaRPr kumimoji="1" lang="en-US" altLang="ko-KR" dirty="0" smtClean="0"/>
+          </a:p>
+          <a:p>
+            <a:r>
+              <a:rPr kumimoji="1" lang="ko-KR" altLang="en-US" dirty="0" smtClean="0"/>
+              <a:t>이 함수는 </a:t>
+            </a:r>
+            <a:r>
+              <a:rPr kumimoji="1" lang="en-US" altLang="ko-KR" dirty="0" smtClean="0"/>
+              <a:t>x</a:t>
+            </a:r>
+            <a:r>
+              <a:rPr kumimoji="1" lang="ko-KR" altLang="en-US" dirty="0" smtClean="0"/>
+              <a:t>가 </a:t>
+            </a:r>
+            <a:r>
+              <a:rPr kumimoji="1" lang="en-US" altLang="ko-KR" dirty="0" smtClean="0"/>
+              <a:t>0</a:t>
+            </a:r>
+            <a:r>
+              <a:rPr kumimoji="1" lang="ko-KR" altLang="en-US" dirty="0" smtClean="0"/>
+              <a:t>보다 </a:t>
+            </a:r>
+            <a:r>
+              <a:rPr kumimoji="1" lang="ko-KR" altLang="en-US" dirty="0" err="1" smtClean="0"/>
+              <a:t>작을때는</a:t>
+            </a:r>
+            <a:r>
+              <a:rPr kumimoji="1" lang="ko-KR" altLang="en-US" dirty="0" smtClean="0"/>
+              <a:t> </a:t>
+            </a:r>
+            <a:r>
+              <a:rPr kumimoji="1" lang="en-US" altLang="ko-KR" dirty="0" smtClean="0"/>
+              <a:t>0</a:t>
+            </a:r>
+            <a:r>
+              <a:rPr kumimoji="1" lang="ko-KR" altLang="en-US" dirty="0" smtClean="0"/>
+              <a:t>으로</a:t>
+            </a:r>
+            <a:r>
+              <a:rPr kumimoji="1" lang="en-US" altLang="ko-KR" dirty="0" smtClean="0"/>
+              <a:t>, 0</a:t>
+            </a:r>
+            <a:r>
+              <a:rPr kumimoji="1" lang="ko-KR" altLang="en-US" dirty="0" smtClean="0"/>
+              <a:t>보다 크면 </a:t>
+            </a:r>
+            <a:r>
+              <a:rPr kumimoji="1" lang="en-US" altLang="ko-KR" dirty="0" smtClean="0"/>
+              <a:t>x</a:t>
+            </a:r>
+            <a:r>
+              <a:rPr kumimoji="1" lang="ko-KR" altLang="en-US" dirty="0" smtClean="0"/>
+              <a:t>를 그대로 사용하는 함수로</a:t>
+            </a:r>
+            <a:endParaRPr kumimoji="1" lang="en-US" altLang="ko-KR" dirty="0" smtClean="0"/>
+          </a:p>
+          <a:p>
+            <a:r>
+              <a:rPr kumimoji="1" lang="ko-KR" altLang="en-US" dirty="0" smtClean="0"/>
+              <a:t>값이 </a:t>
+            </a:r>
+            <a:r>
+              <a:rPr kumimoji="1" lang="en-US" altLang="ko-KR" dirty="0" smtClean="0"/>
+              <a:t>0</a:t>
+            </a:r>
+            <a:r>
+              <a:rPr kumimoji="1" lang="ko-KR" altLang="en-US" dirty="0" smtClean="0"/>
+              <a:t>보다 </a:t>
+            </a:r>
+            <a:r>
+              <a:rPr kumimoji="1" lang="ko-KR" altLang="en-US" dirty="0" err="1" smtClean="0"/>
+              <a:t>크기만하면</a:t>
+            </a:r>
+            <a:r>
+              <a:rPr kumimoji="1" lang="ko-KR" altLang="en-US" dirty="0" smtClean="0"/>
+              <a:t> </a:t>
+            </a:r>
+            <a:r>
+              <a:rPr kumimoji="1" lang="ko-KR" altLang="en-US" dirty="0" err="1" smtClean="0"/>
+              <a:t>미분값이</a:t>
+            </a:r>
+            <a:r>
+              <a:rPr kumimoji="1" lang="ko-KR" altLang="en-US" dirty="0" smtClean="0"/>
+              <a:t> </a:t>
+            </a:r>
+            <a:r>
+              <a:rPr kumimoji="1" lang="en-US" altLang="ko-KR" dirty="0" smtClean="0"/>
+              <a:t>1</a:t>
+            </a:r>
+            <a:r>
+              <a:rPr kumimoji="1" lang="ko-KR" altLang="en-US" dirty="0" smtClean="0"/>
+              <a:t>이 되어 기울기 </a:t>
+            </a:r>
+            <a:r>
+              <a:rPr kumimoji="1" lang="ko-KR" altLang="en-US" dirty="0" err="1" smtClean="0"/>
+              <a:t>소실문제를</a:t>
+            </a:r>
+            <a:r>
+              <a:rPr kumimoji="1" lang="ko-KR" altLang="en-US" dirty="0" smtClean="0"/>
+              <a:t> </a:t>
+            </a:r>
+            <a:r>
+              <a:rPr kumimoji="1" lang="ko-KR" altLang="en-US" dirty="0" err="1" smtClean="0"/>
+              <a:t>해결할수</a:t>
+            </a:r>
+            <a:r>
+              <a:rPr kumimoji="1" lang="ko-KR" altLang="en-US" dirty="0" smtClean="0"/>
+              <a:t> 있었습니다</a:t>
+            </a:r>
+            <a:r>
+              <a:rPr kumimoji="1" lang="en-US" altLang="ko-KR" dirty="0" smtClean="0"/>
+              <a:t>. </a:t>
+            </a:r>
+          </a:p>
+          <a:p>
+            <a:endParaRPr kumimoji="1" lang="en-US" altLang="ko-KR" dirty="0" smtClean="0"/>
+          </a:p>
+          <a:p>
+            <a:r>
+              <a:rPr kumimoji="1" lang="ko-KR" altLang="en-US" dirty="0" smtClean="0"/>
+              <a:t>이후에 </a:t>
+            </a:r>
+            <a:r>
+              <a:rPr kumimoji="1" lang="ko-KR" altLang="en-US" dirty="0" err="1" smtClean="0"/>
+              <a:t>렐루의</a:t>
+            </a:r>
+            <a:r>
+              <a:rPr kumimoji="1" lang="ko-KR" altLang="en-US" dirty="0" smtClean="0"/>
+              <a:t> </a:t>
+            </a:r>
+            <a:r>
+              <a:rPr kumimoji="1" lang="en-US" altLang="ko-KR" dirty="0" smtClean="0"/>
+              <a:t>0</a:t>
+            </a:r>
+            <a:r>
+              <a:rPr kumimoji="1" lang="ko-KR" altLang="en-US" dirty="0" smtClean="0"/>
+              <a:t>이 되는 순간을 완화한 소프트플러스 등 </a:t>
+            </a:r>
+            <a:r>
+              <a:rPr kumimoji="1" lang="ko-KR" altLang="en-US" dirty="0" err="1" smtClean="0"/>
+              <a:t>렐루를</a:t>
+            </a:r>
+            <a:r>
+              <a:rPr kumimoji="1" lang="ko-KR" altLang="en-US" dirty="0" smtClean="0"/>
+              <a:t> 변형한 함수도 개발 중이고</a:t>
+            </a:r>
+            <a:r>
+              <a:rPr kumimoji="1" lang="en-US" altLang="ko-KR" dirty="0" smtClean="0"/>
+              <a:t>, </a:t>
+            </a:r>
+            <a:r>
+              <a:rPr kumimoji="1" lang="ko-KR" altLang="en-US" dirty="0" smtClean="0"/>
+              <a:t>좀 더 나은 활성화 함수를 만들기 위해 </a:t>
+            </a:r>
+            <a:r>
+              <a:rPr kumimoji="1" lang="ko-KR" altLang="en-US" dirty="0" err="1" smtClean="0"/>
+              <a:t>노력중입니다</a:t>
+            </a:r>
+            <a:r>
+              <a:rPr kumimoji="1" lang="en-US" altLang="ko-KR" dirty="0" smtClean="0"/>
+              <a:t>.</a:t>
+            </a:r>
             <a:endParaRPr kumimoji="1" lang="ko-KR" altLang="en-US" dirty="0" smtClean="0"/>
           </a:p>
         </p:txBody>
@@ -2820,6 +3706,76 @@
           </a:bodyPr>
           <a:lstStyle/>
           <a:p>
+            <a:r>
+              <a:rPr kumimoji="1" lang="ko-KR" altLang="en-US" dirty="0" smtClean="0"/>
+              <a:t>그리고 속도와 정확도에도 문제가 있었습니다</a:t>
+            </a:r>
+            <a:r>
+              <a:rPr kumimoji="1" lang="en-US" altLang="ko-KR" dirty="0" smtClean="0"/>
+              <a:t>. </a:t>
+            </a:r>
+          </a:p>
+          <a:p>
+            <a:r>
+              <a:rPr kumimoji="1" lang="ko-KR" altLang="en-US" dirty="0" smtClean="0"/>
+              <a:t>가중치를 업데이트 하는 방법으로 경사 </a:t>
+            </a:r>
+            <a:r>
+              <a:rPr kumimoji="1" lang="ko-KR" altLang="en-US" dirty="0" err="1" smtClean="0"/>
+              <a:t>하강법을</a:t>
+            </a:r>
+            <a:r>
+              <a:rPr kumimoji="1" lang="ko-KR" altLang="en-US" dirty="0" smtClean="0"/>
+              <a:t> 배웠는데 경사 </a:t>
+            </a:r>
+            <a:r>
+              <a:rPr kumimoji="1" lang="ko-KR" altLang="en-US" dirty="0" err="1" smtClean="0"/>
+              <a:t>하강법은</a:t>
+            </a:r>
+            <a:r>
+              <a:rPr kumimoji="1" lang="ko-KR" altLang="en-US" dirty="0" smtClean="0"/>
+              <a:t> 정확하게 가중치를 찾아가지만</a:t>
+            </a:r>
+            <a:endParaRPr kumimoji="1" lang="en-US" altLang="ko-KR" dirty="0" smtClean="0"/>
+          </a:p>
+          <a:p>
+            <a:r>
+              <a:rPr kumimoji="1" lang="ko-KR" altLang="en-US" dirty="0" smtClean="0"/>
+              <a:t>한번 업데이트를 할 때마다 전체 데이터를 미분해야 하므로 </a:t>
+            </a:r>
+            <a:r>
+              <a:rPr kumimoji="1" lang="ko-KR" altLang="en-US" dirty="0" err="1" smtClean="0"/>
+              <a:t>계산량이</a:t>
+            </a:r>
+            <a:r>
+              <a:rPr kumimoji="1" lang="ko-KR" altLang="en-US" dirty="0" smtClean="0"/>
+              <a:t> 매우 많다는 단점이 있었습니다</a:t>
+            </a:r>
+            <a:r>
+              <a:rPr kumimoji="1" lang="en-US" altLang="ko-KR" dirty="0" smtClean="0"/>
+              <a:t>. </a:t>
+            </a:r>
+          </a:p>
+          <a:p>
+            <a:r>
+              <a:rPr kumimoji="1" lang="ko-KR" altLang="en-US" dirty="0" smtClean="0"/>
+              <a:t>이러한 점을 보완한 여러가지 방법이 나왔는데</a:t>
+            </a:r>
+            <a:endParaRPr kumimoji="1" lang="en-US" altLang="ko-KR" dirty="0" smtClean="0"/>
+          </a:p>
+          <a:p>
+            <a:r>
+              <a:rPr kumimoji="1" lang="ko-KR" altLang="en-US" dirty="0" smtClean="0"/>
+              <a:t>먼저 확률적 경사 </a:t>
+            </a:r>
+            <a:r>
+              <a:rPr kumimoji="1" lang="ko-KR" altLang="en-US" dirty="0" err="1" smtClean="0"/>
+              <a:t>하강법입니다</a:t>
+            </a:r>
+            <a:r>
+              <a:rPr kumimoji="1" lang="en-US" altLang="ko-KR" smtClean="0"/>
+              <a:t>. </a:t>
+            </a:r>
             <a:endParaRPr kumimoji="1" lang="ko-KR" altLang="en-US" dirty="0" smtClean="0"/>
           </a:p>
         </p:txBody>
@@ -3332,6 +4288,262 @@
           </a:bodyPr>
           <a:lstStyle/>
           <a:p>
+            <a:endParaRPr kumimoji="1" lang="ko-KR" altLang="en-US" dirty="0" smtClean="0"/>
+          </a:p>
+        </p:txBody>
+      </p:sp>
+      <p:sp>
+        <p:nvSpPr>
+          <p:cNvPr id="11268" name="슬라이드 번호 개체 틀 3"/>
+          <p:cNvSpPr>
+            <a:spLocks noGrp="1" noChangeArrowheads="1"/>
+          </p:cNvSpPr>
+          <p:nvPr>
+            <p:ph type="sldNum" sz="quarter" idx="5"/>
+          </p:nvPr>
+        </p:nvSpPr>
+        <p:spPr bwMode="auto">
+          <a:noFill/>
+          <a:extLst>
+            <a:ext uri="{909E8E84-426E-40DD-AFC4-6F175D3DCCD1}">
+              <a14:hiddenFill xmlns:a14="http://schemas.microsoft.com/office/drawing/2010/main">
+                <a:solidFill>
+                  <a:srgbClr val="FFFFFF"/>
+                </a:solidFill>
+              </a14:hiddenFill>
+            </a:ext>
+            <a:ext uri="{91240B29-F687-4F45-9708-019B960494DF}">
+              <a14:hiddenLine xmlns:a14="http://schemas.microsoft.com/office/drawing/2010/main" w="9525">
+                <a:solidFill>
+                  <a:srgbClr val="000000"/>
+                </a:solidFill>
+                <a:miter lim="800000"/>
+                <a:headEnd/>
+                <a:tailEnd/>
+              </a14:hiddenLine>
+            </a:ext>
+          </a:extLst>
+        </p:spPr>
+        <p:txBody>
+          <a:bodyPr/>
+          <a:lstStyle>
+            <a:lvl1pPr>
+              <a:defRPr kumimoji="1">
+                <a:solidFill>
+                  <a:schemeClr val="tx1"/>
+                </a:solidFill>
+                <a:latin typeface="굴림" panose="020B0600000101010101" pitchFamily="50" charset="-127"/>
+                <a:ea typeface="굴림" panose="020B0600000101010101" pitchFamily="50" charset="-127"/>
+              </a:defRPr>
+            </a:lvl1pPr>
+            <a:lvl2pPr marL="742950" indent="-285750">
+              <a:defRPr kumimoji="1">
+                <a:solidFill>
+                  <a:schemeClr val="tx1"/>
+                </a:solidFill>
+                <a:latin typeface="굴림" panose="020B0600000101010101" pitchFamily="50" charset="-127"/>
+                <a:ea typeface="굴림" panose="020B0600000101010101" pitchFamily="50" charset="-127"/>
+              </a:defRPr>
+            </a:lvl2pPr>
+            <a:lvl3pPr marL="1143000" indent="-228600">
+              <a:defRPr kumimoji="1">
+                <a:solidFill>
+                  <a:schemeClr val="tx1"/>
+                </a:solidFill>
+                <a:latin typeface="굴림" panose="020B0600000101010101" pitchFamily="50" charset="-127"/>
+                <a:ea typeface="굴림" panose="020B0600000101010101" pitchFamily="50" charset="-127"/>
+              </a:defRPr>
+            </a:lvl3pPr>
+            <a:lvl4pPr marL="1600200" indent="-228600">
+              <a:defRPr kumimoji="1">
+                <a:solidFill>
+                  <a:schemeClr val="tx1"/>
+                </a:solidFill>
+                <a:latin typeface="굴림" panose="020B0600000101010101" pitchFamily="50" charset="-127"/>
+                <a:ea typeface="굴림" panose="020B0600000101010101" pitchFamily="50" charset="-127"/>
+              </a:defRPr>
+            </a:lvl4pPr>
+            <a:lvl5pPr marL="2057400" indent="-228600">
+              <a:defRPr kumimoji="1">
+                <a:solidFill>
+                  <a:schemeClr val="tx1"/>
+                </a:solidFill>
+                <a:latin typeface="굴림" panose="020B0600000101010101" pitchFamily="50" charset="-127"/>
+                <a:ea typeface="굴림" panose="020B0600000101010101" pitchFamily="50" charset="-127"/>
+              </a:defRPr>
+            </a:lvl5pPr>
+            <a:lvl6pPr marL="2514600" indent="-228600" eaLnBrk="0" fontAlgn="base" hangingPunct="0">
+              <a:spcBef>
+                <a:spcPct val="0"/>
+              </a:spcBef>
+              <a:spcAft>
+                <a:spcPct val="0"/>
+              </a:spcAft>
+              <a:defRPr kumimoji="1">
+                <a:solidFill>
+                  <a:schemeClr val="tx1"/>
+                </a:solidFill>
+                <a:latin typeface="굴림" panose="020B0600000101010101" pitchFamily="50" charset="-127"/>
+                <a:ea typeface="굴림" panose="020B0600000101010101" pitchFamily="50" charset="-127"/>
+              </a:defRPr>
+            </a:lvl6pPr>
+            <a:lvl7pPr marL="2971800" indent="-228600" eaLnBrk="0" fontAlgn="base" hangingPunct="0">
+              <a:spcBef>
+                <a:spcPct val="0"/>
+              </a:spcBef>
+              <a:spcAft>
+                <a:spcPct val="0"/>
+              </a:spcAft>
+              <a:defRPr kumimoji="1">
+                <a:solidFill>
+                  <a:schemeClr val="tx1"/>
+                </a:solidFill>
+                <a:latin typeface="굴림" panose="020B0600000101010101" pitchFamily="50" charset="-127"/>
+                <a:ea typeface="굴림" panose="020B0600000101010101" pitchFamily="50" charset="-127"/>
+              </a:defRPr>
+            </a:lvl7pPr>
+            <a:lvl8pPr marL="3429000" indent="-228600" eaLnBrk="0" fontAlgn="base" hangingPunct="0">
+              <a:spcBef>
+                <a:spcPct val="0"/>
+              </a:spcBef>
+              <a:spcAft>
+                <a:spcPct val="0"/>
+              </a:spcAft>
+              <a:defRPr kumimoji="1">
+                <a:solidFill>
+                  <a:schemeClr val="tx1"/>
+                </a:solidFill>
+                <a:latin typeface="굴림" panose="020B0600000101010101" pitchFamily="50" charset="-127"/>
+                <a:ea typeface="굴림" panose="020B0600000101010101" pitchFamily="50" charset="-127"/>
+              </a:defRPr>
+            </a:lvl8pPr>
+            <a:lvl9pPr marL="3886200" indent="-228600" eaLnBrk="0" fontAlgn="base" hangingPunct="0">
+              <a:spcBef>
+                <a:spcPct val="0"/>
+              </a:spcBef>
+              <a:spcAft>
+                <a:spcPct val="0"/>
+              </a:spcAft>
+              <a:defRPr kumimoji="1">
+                <a:solidFill>
+                  <a:schemeClr val="tx1"/>
+                </a:solidFill>
+                <a:latin typeface="굴림" panose="020B0600000101010101" pitchFamily="50" charset="-127"/>
+                <a:ea typeface="굴림" panose="020B0600000101010101" pitchFamily="50" charset="-127"/>
+              </a:defRPr>
+            </a:lvl9pPr>
+          </a:lstStyle>
+          <a:p>
+            <a:fld id="{969F08EA-942F-48FB-B6FD-D4FF8599C3D1}" type="slidenum">
+              <a:rPr lang="ko-KR" altLang="en-US" smtClean="0"/>
+              <a:pPr/>
+              <a:t>22</a:t>
+            </a:fld>
+            <a:endParaRPr lang="en-US" altLang="ko-KR" smtClean="0"/>
+          </a:p>
+        </p:txBody>
+      </p:sp>
+    </p:spTree>
+    <p:extLst>
+      <p:ext uri="{BB962C8B-B14F-4D97-AF65-F5344CB8AC3E}">
+        <p14:creationId xmlns:p14="http://schemas.microsoft.com/office/powerpoint/2010/main" val="3099171592"/>
+      </p:ext>
+    </p:extLst>
+  </p:cSld>
+  <p:clrMapOvr>
+    <a:masterClrMapping/>
+  </p:clrMapOvr>
+</p:notes>
+</file>
+
+<file path=ppt/notesSlides/notesSlide19.xml><?xml version="1.0" encoding="utf-8"?>
+<p:notes xmlns:a="http://schemas.openxmlformats.org/drawingml/2006/main" xmlns:r="http://schemas.openxmlformats.org/officeDocument/2006/relationships" xmlns:p="http://schemas.openxmlformats.org/presentationml/2006/main">
+  <p:cSld>
+    <p:spTree>
+      <p:nvGrpSpPr>
+        <p:cNvPr id="1" name=""/>
+        <p:cNvGrpSpPr/>
+        <p:nvPr/>
+      </p:nvGrpSpPr>
+      <p:grpSpPr>
+        <a:xfrm>
+          <a:off x="0" y="0"/>
+          <a:ext cx="0" cy="0"/>
+          <a:chOff x="0" y="0"/>
+          <a:chExt cx="0" cy="0"/>
+        </a:xfrm>
+      </p:grpSpPr>
+      <p:sp>
+        <p:nvSpPr>
+          <p:cNvPr id="11266" name="슬라이드 이미지 개체 틀 1"/>
+          <p:cNvSpPr>
+            <a:spLocks noGrp="1" noRot="1" noChangeAspect="1" noChangeArrowheads="1" noTextEdit="1"/>
+          </p:cNvSpPr>
+          <p:nvPr>
+            <p:ph type="sldImg"/>
+          </p:nvPr>
+        </p:nvSpPr>
+        <p:spPr bwMode="auto">
+          <a:noFill/>
+          <a:ln>
+            <a:solidFill>
+              <a:srgbClr val="000000"/>
+            </a:solidFill>
+            <a:miter lim="800000"/>
+            <a:headEnd/>
+            <a:tailEnd/>
+          </a:ln>
+          <a:extLst>
+            <a:ext uri="{909E8E84-426E-40DD-AFC4-6F175D3DCCD1}">
+              <a14:hiddenFill xmlns:a14="http://schemas.microsoft.com/office/drawing/2010/main">
+                <a:solidFill>
+                  <a:srgbClr val="FFFFFF"/>
+                </a:solidFill>
+              </a14:hiddenFill>
+            </a:ext>
+          </a:extLst>
+        </p:spPr>
+      </p:sp>
+      <p:sp>
+        <p:nvSpPr>
+          <p:cNvPr id="11267" name="슬라이드 노트 개체 틀 2"/>
+          <p:cNvSpPr>
+            <a:spLocks noGrp="1" noChangeArrowheads="1"/>
+          </p:cNvSpPr>
+          <p:nvPr>
+            <p:ph type="body" idx="1"/>
+          </p:nvPr>
+        </p:nvSpPr>
+        <p:spPr bwMode="auto">
+          <a:noFill/>
+          <a:extLst>
+            <a:ext uri="{909E8E84-426E-40DD-AFC4-6F175D3DCCD1}">
+              <a14:hiddenFill xmlns:a14="http://schemas.microsoft.com/office/drawing/2010/main">
+                <a:solidFill>
+                  <a:srgbClr val="FFFFFF"/>
+                </a:solidFill>
+              </a14:hiddenFill>
+            </a:ext>
+            <a:ext uri="{91240B29-F687-4F45-9708-019B960494DF}">
+              <a14:hiddenLine xmlns:a14="http://schemas.microsoft.com/office/drawing/2010/main" w="9525">
+                <a:solidFill>
+                  <a:srgbClr val="000000"/>
+                </a:solidFill>
+                <a:miter lim="800000"/>
+                <a:headEnd/>
+                <a:tailEnd/>
+              </a14:hiddenLine>
+            </a:ext>
+          </a:extLst>
+        </p:spPr>
+        <p:txBody>
+          <a:bodyPr wrap="square" numCol="1" anchor="t" anchorCtr="0" compatLnSpc="1">
+            <a:prstTxWarp prst="textNoShape">
+              <a:avLst/>
+            </a:prstTxWarp>
+          </a:bodyPr>
+          <a:lstStyle/>
+          <a:p>
             <a:endParaRPr kumimoji="1" lang="en-US" altLang="ko-KR" dirty="0" smtClean="0"/>
           </a:p>
         </p:txBody>
@@ -3481,7 +4693,7 @@
             <a:fld id="{969F08EA-942F-48FB-B6FD-D4FF8599C3D1}" type="slidenum">
               <a:rPr lang="ko-KR" altLang="en-US" smtClean="0"/>
               <a:pPr/>
-              <a:t>24</a:t>
+              <a:t>25</a:t>
             </a:fld>
             <a:endParaRPr lang="en-US" altLang="ko-KR" smtClean="0"/>
           </a:p>
@@ -4363,6 +5575,113 @@
           </a:bodyPr>
           <a:lstStyle/>
           <a:p>
+            <a:r>
+              <a:rPr kumimoji="1" lang="ko-KR" altLang="en-US" dirty="0" smtClean="0"/>
+              <a:t>이 그림에서 임의의 선을 그려서 한쪽에는 </a:t>
+            </a:r>
+            <a:r>
+              <a:rPr kumimoji="1" lang="ko-KR" altLang="en-US" dirty="0" err="1" smtClean="0"/>
+              <a:t>검은점만</a:t>
+            </a:r>
+            <a:r>
+              <a:rPr kumimoji="1" lang="ko-KR" altLang="en-US" dirty="0" smtClean="0"/>
+              <a:t> 다른 한쪽에는 </a:t>
+            </a:r>
+            <a:r>
+              <a:rPr kumimoji="1" lang="ko-KR" altLang="en-US" dirty="0" err="1" smtClean="0"/>
+              <a:t>흰점만</a:t>
+            </a:r>
+            <a:r>
+              <a:rPr kumimoji="1" lang="ko-KR" altLang="en-US" dirty="0" smtClean="0"/>
+              <a:t> 오게끔 선을 </a:t>
+            </a:r>
+            <a:r>
+              <a:rPr kumimoji="1" lang="ko-KR" altLang="en-US" dirty="0" err="1" smtClean="0"/>
+              <a:t>그릴수</a:t>
+            </a:r>
+            <a:r>
+              <a:rPr kumimoji="1" lang="ko-KR" altLang="en-US" dirty="0" smtClean="0"/>
+              <a:t> 있을까요</a:t>
+            </a:r>
+            <a:r>
+              <a:rPr kumimoji="1" lang="en-US" altLang="ko-KR" dirty="0" smtClean="0"/>
+              <a:t>?</a:t>
+            </a:r>
+          </a:p>
+          <a:p>
+            <a:r>
+              <a:rPr kumimoji="1" lang="ko-KR" altLang="en-US" dirty="0" smtClean="0"/>
+              <a:t>여러 개의 선을 아무리 그려도 </a:t>
+            </a:r>
+            <a:r>
+              <a:rPr kumimoji="1" lang="ko-KR" altLang="en-US" dirty="0" err="1" smtClean="0"/>
+              <a:t>흰점과</a:t>
+            </a:r>
+            <a:r>
+              <a:rPr kumimoji="1" lang="ko-KR" altLang="en-US" dirty="0" smtClean="0"/>
+              <a:t> </a:t>
+            </a:r>
+            <a:r>
+              <a:rPr kumimoji="1" lang="ko-KR" altLang="en-US" dirty="0" err="1" smtClean="0"/>
+              <a:t>검은점을</a:t>
+            </a:r>
+            <a:r>
+              <a:rPr kumimoji="1" lang="ko-KR" altLang="en-US" dirty="0" smtClean="0"/>
+              <a:t> 구분할 수는 없습니다</a:t>
+            </a:r>
+            <a:r>
+              <a:rPr kumimoji="1" lang="en-US" altLang="ko-KR" dirty="0" smtClean="0"/>
+              <a:t>.</a:t>
+            </a:r>
+          </a:p>
+          <a:p>
+            <a:r>
+              <a:rPr kumimoji="1" lang="ko-KR" altLang="en-US" dirty="0" smtClean="0"/>
+              <a:t>앞서 </a:t>
+            </a:r>
+            <a:r>
+              <a:rPr kumimoji="1" lang="ko-KR" altLang="en-US" dirty="0" err="1" smtClean="0"/>
+              <a:t>선형회귀와</a:t>
+            </a:r>
+            <a:r>
+              <a:rPr kumimoji="1" lang="ko-KR" altLang="en-US" dirty="0" smtClean="0"/>
+              <a:t> 로지스틱회귀를 통해 </a:t>
+            </a:r>
+            <a:r>
+              <a:rPr kumimoji="1" lang="ko-KR" altLang="en-US" dirty="0" err="1" smtClean="0"/>
+              <a:t>머신러닝이</a:t>
+            </a:r>
+            <a:r>
+              <a:rPr kumimoji="1" lang="ko-KR" altLang="en-US" dirty="0" smtClean="0"/>
+              <a:t> 선이나 </a:t>
+            </a:r>
+            <a:r>
+              <a:rPr kumimoji="1" lang="en-US" altLang="ko-KR" dirty="0" smtClean="0"/>
+              <a:t>2</a:t>
+            </a:r>
+            <a:r>
+              <a:rPr kumimoji="1" lang="ko-KR" altLang="en-US" dirty="0" smtClean="0"/>
+              <a:t>차원 평면을 그리는 작업이라고 배웠는데</a:t>
+            </a:r>
+            <a:endParaRPr kumimoji="1" lang="en-US" altLang="ko-KR" dirty="0" smtClean="0"/>
+          </a:p>
+          <a:p>
+            <a:r>
+              <a:rPr kumimoji="1" lang="ko-KR" altLang="en-US" dirty="0" smtClean="0"/>
+              <a:t>이처럼 경우에 </a:t>
+            </a:r>
+            <a:r>
+              <a:rPr kumimoji="1" lang="ko-KR" altLang="en-US" dirty="0" err="1" smtClean="0"/>
+              <a:t>다라서는</a:t>
+            </a:r>
+            <a:r>
+              <a:rPr kumimoji="1" lang="ko-KR" altLang="en-US" dirty="0" smtClean="0"/>
+              <a:t> 선을 아무리 그어도 해결되지 않는 상황이 있었습니다</a:t>
+            </a:r>
+            <a:r>
+              <a:rPr kumimoji="1" lang="en-US" altLang="ko-KR" dirty="0" smtClean="0"/>
+              <a:t>.</a:t>
+            </a:r>
             <a:endParaRPr kumimoji="1" lang="ko-KR" altLang="en-US" dirty="0" smtClean="0"/>
           </a:p>
         </p:txBody>
@@ -4620,6 +5939,255 @@
           </a:bodyPr>
           <a:lstStyle/>
           <a:p>
+            <a:r>
+              <a:rPr kumimoji="1" lang="ko-KR" altLang="en-US" dirty="0" smtClean="0"/>
+              <a:t>이것이 </a:t>
+            </a:r>
+            <a:r>
+              <a:rPr kumimoji="1" lang="ko-KR" altLang="en-US" dirty="0" err="1" smtClean="0"/>
+              <a:t>퍼셉트론의</a:t>
+            </a:r>
+            <a:r>
+              <a:rPr kumimoji="1" lang="ko-KR" altLang="en-US" dirty="0" smtClean="0"/>
+              <a:t> 한계를 </a:t>
+            </a:r>
+            <a:r>
+              <a:rPr kumimoji="1" lang="ko-KR" altLang="en-US" dirty="0" err="1" smtClean="0"/>
+              <a:t>설명할때</a:t>
+            </a:r>
+            <a:r>
+              <a:rPr kumimoji="1" lang="ko-KR" altLang="en-US" dirty="0" smtClean="0"/>
+              <a:t> 등장하는 </a:t>
+            </a:r>
+            <a:r>
+              <a:rPr kumimoji="1" lang="en-US" altLang="ko-KR" dirty="0" smtClean="0"/>
+              <a:t>XOR</a:t>
+            </a:r>
+            <a:r>
+              <a:rPr kumimoji="1" lang="ko-KR" altLang="en-US" dirty="0" smtClean="0"/>
+              <a:t>문제입니다</a:t>
+            </a:r>
+            <a:r>
+              <a:rPr kumimoji="1" lang="en-US" altLang="ko-KR" dirty="0" smtClean="0"/>
+              <a:t>.</a:t>
+            </a:r>
+          </a:p>
+          <a:p>
+            <a:r>
+              <a:rPr kumimoji="1" lang="ko-KR" altLang="en-US" dirty="0" smtClean="0"/>
+              <a:t>컴퓨터는 두 가지의 디지털 값</a:t>
+            </a:r>
+            <a:r>
+              <a:rPr kumimoji="1" lang="en-US" altLang="ko-KR" dirty="0" smtClean="0"/>
+              <a:t>, 0</a:t>
+            </a:r>
+            <a:r>
+              <a:rPr kumimoji="1" lang="ko-KR" altLang="en-US" dirty="0" smtClean="0"/>
+              <a:t>과 </a:t>
+            </a:r>
+            <a:r>
+              <a:rPr kumimoji="1" lang="en-US" altLang="ko-KR" dirty="0" smtClean="0"/>
+              <a:t>1</a:t>
+            </a:r>
+            <a:r>
+              <a:rPr kumimoji="1" lang="ko-KR" altLang="en-US" dirty="0" smtClean="0"/>
+              <a:t>을 </a:t>
+            </a:r>
+            <a:r>
+              <a:rPr kumimoji="1" lang="ko-KR" altLang="en-US" dirty="0" err="1" smtClean="0"/>
+              <a:t>입려해</a:t>
+            </a:r>
+            <a:r>
+              <a:rPr kumimoji="1" lang="ko-KR" altLang="en-US" dirty="0" smtClean="0"/>
+              <a:t> 값을 출력하는 회로가 모여 만들어지는데</a:t>
+            </a:r>
+            <a:r>
+              <a:rPr kumimoji="1" lang="en-US" altLang="ko-KR" dirty="0" smtClean="0"/>
+              <a:t>,</a:t>
+            </a:r>
+            <a:r>
+              <a:rPr kumimoji="1" lang="en-US" altLang="ko-KR" baseline="0" dirty="0" smtClean="0"/>
+              <a:t> </a:t>
+            </a:r>
+            <a:r>
+              <a:rPr kumimoji="1" lang="ko-KR" altLang="en-US" baseline="0" dirty="0" smtClean="0"/>
+              <a:t>이 회로를 </a:t>
+            </a:r>
+            <a:r>
+              <a:rPr kumimoji="1" lang="en-US" altLang="ko-KR" baseline="0" dirty="0" smtClean="0"/>
+              <a:t>‘</a:t>
+            </a:r>
+            <a:r>
+              <a:rPr kumimoji="1" lang="ko-KR" altLang="en-US" baseline="0" dirty="0" smtClean="0"/>
+              <a:t>게이트</a:t>
+            </a:r>
+            <a:r>
+              <a:rPr kumimoji="1" lang="en-US" altLang="ko-KR" baseline="0" dirty="0" smtClean="0"/>
+              <a:t>’</a:t>
+            </a:r>
+            <a:r>
+              <a:rPr kumimoji="1" lang="ko-KR" altLang="en-US" baseline="0" dirty="0" smtClean="0"/>
+              <a:t>라고 합니다</a:t>
+            </a:r>
+            <a:r>
+              <a:rPr kumimoji="1" lang="en-US" altLang="ko-KR" baseline="0" dirty="0" smtClean="0"/>
+              <a:t>.</a:t>
+            </a:r>
+          </a:p>
+          <a:p>
+            <a:r>
+              <a:rPr kumimoji="1" lang="ko-KR" altLang="en-US" baseline="0" dirty="0" smtClean="0"/>
+              <a:t>표를 보시면 </a:t>
+            </a:r>
+            <a:r>
+              <a:rPr kumimoji="1" lang="en-US" altLang="ko-KR" baseline="0" dirty="0" smtClean="0"/>
+              <a:t>AND</a:t>
+            </a:r>
+            <a:r>
+              <a:rPr kumimoji="1" lang="ko-KR" altLang="en-US" baseline="0" dirty="0" smtClean="0"/>
+              <a:t>게이트</a:t>
+            </a:r>
+            <a:r>
+              <a:rPr kumimoji="1" lang="en-US" altLang="ko-KR" baseline="0" dirty="0" smtClean="0"/>
+              <a:t>, OR</a:t>
+            </a:r>
+            <a:r>
+              <a:rPr kumimoji="1" lang="ko-KR" altLang="en-US" baseline="0" dirty="0" smtClean="0"/>
+              <a:t>게이트</a:t>
+            </a:r>
+            <a:r>
+              <a:rPr kumimoji="1" lang="en-US" altLang="ko-KR" baseline="0" dirty="0" smtClean="0"/>
+              <a:t>, XOR</a:t>
+            </a:r>
+            <a:r>
+              <a:rPr kumimoji="1" lang="ko-KR" altLang="en-US" baseline="0" dirty="0" smtClean="0"/>
+              <a:t>게이트가 있습니다</a:t>
+            </a:r>
+            <a:r>
+              <a:rPr kumimoji="1" lang="en-US" altLang="ko-KR" baseline="0" dirty="0" smtClean="0"/>
+              <a:t>.</a:t>
+            </a:r>
+          </a:p>
+          <a:p>
+            <a:r>
+              <a:rPr kumimoji="1" lang="en-US" altLang="ko-KR" baseline="0" dirty="0" smtClean="0"/>
+              <a:t>And</a:t>
+            </a:r>
+            <a:r>
+              <a:rPr kumimoji="1" lang="ko-KR" altLang="en-US" baseline="0" dirty="0" smtClean="0"/>
+              <a:t>게이트는 </a:t>
+            </a:r>
+            <a:r>
+              <a:rPr kumimoji="1" lang="en-US" altLang="ko-KR" baseline="0" dirty="0" smtClean="0"/>
+              <a:t>x1,x2</a:t>
+            </a:r>
+            <a:r>
+              <a:rPr kumimoji="1" lang="ko-KR" altLang="en-US" baseline="0" dirty="0" smtClean="0"/>
+              <a:t>가 둘다 </a:t>
+            </a:r>
+            <a:r>
+              <a:rPr kumimoji="1" lang="en-US" altLang="ko-KR" baseline="0" dirty="0" smtClean="0"/>
+              <a:t>1</a:t>
+            </a:r>
+            <a:r>
+              <a:rPr kumimoji="1" lang="ko-KR" altLang="en-US" baseline="0" dirty="0" err="1" smtClean="0"/>
+              <a:t>일때</a:t>
+            </a:r>
+            <a:r>
+              <a:rPr kumimoji="1" lang="ko-KR" altLang="en-US" baseline="0" dirty="0" smtClean="0"/>
+              <a:t> </a:t>
+            </a:r>
+            <a:r>
+              <a:rPr kumimoji="1" lang="en-US" altLang="ko-KR" baseline="0" dirty="0" smtClean="0"/>
+              <a:t>1</a:t>
+            </a:r>
+            <a:r>
+              <a:rPr kumimoji="1" lang="ko-KR" altLang="en-US" baseline="0" dirty="0" smtClean="0"/>
+              <a:t>을</a:t>
+            </a:r>
+            <a:endParaRPr kumimoji="1" lang="en-US" altLang="ko-KR" baseline="0" dirty="0" smtClean="0"/>
+          </a:p>
+          <a:p>
+            <a:r>
+              <a:rPr kumimoji="1" lang="en-US" altLang="ko-KR" baseline="0" dirty="0" smtClean="0"/>
+              <a:t>Or</a:t>
+            </a:r>
+            <a:r>
+              <a:rPr kumimoji="1" lang="ko-KR" altLang="en-US" baseline="0" dirty="0" smtClean="0"/>
+              <a:t>게이트는 </a:t>
+            </a:r>
+            <a:r>
+              <a:rPr kumimoji="1" lang="en-US" altLang="ko-KR" baseline="0" dirty="0" smtClean="0"/>
+              <a:t>x1,x2</a:t>
+            </a:r>
+            <a:r>
+              <a:rPr kumimoji="1" lang="ko-KR" altLang="en-US" baseline="0" dirty="0" smtClean="0"/>
+              <a:t>가 둘 중 하나라도 </a:t>
+            </a:r>
+            <a:r>
+              <a:rPr kumimoji="1" lang="en-US" altLang="ko-KR" baseline="0" dirty="0" smtClean="0"/>
+              <a:t>1</a:t>
+            </a:r>
+            <a:r>
+              <a:rPr kumimoji="1" lang="ko-KR" altLang="en-US" baseline="0" dirty="0" smtClean="0"/>
+              <a:t>이면 </a:t>
+            </a:r>
+            <a:r>
+              <a:rPr kumimoji="1" lang="en-US" altLang="ko-KR" baseline="0" dirty="0" smtClean="0"/>
+              <a:t>1</a:t>
+            </a:r>
+            <a:r>
+              <a:rPr kumimoji="1" lang="ko-KR" altLang="en-US" baseline="0" dirty="0" smtClean="0"/>
+              <a:t>을</a:t>
+            </a:r>
+            <a:endParaRPr kumimoji="1" lang="en-US" altLang="ko-KR" baseline="0" dirty="0" smtClean="0"/>
+          </a:p>
+          <a:p>
+            <a:r>
+              <a:rPr kumimoji="1" lang="en-US" altLang="ko-KR" baseline="0" dirty="0" err="1" smtClean="0"/>
+              <a:t>Xor</a:t>
+            </a:r>
+            <a:r>
+              <a:rPr kumimoji="1" lang="ko-KR" altLang="en-US" baseline="0" dirty="0" smtClean="0"/>
+              <a:t>게이트는 </a:t>
+            </a:r>
+            <a:r>
+              <a:rPr kumimoji="1" lang="en-US" altLang="ko-KR" baseline="0" dirty="0" smtClean="0"/>
+              <a:t>x1,x2</a:t>
+            </a:r>
+            <a:r>
+              <a:rPr kumimoji="1" lang="ko-KR" altLang="en-US" baseline="0" dirty="0" smtClean="0"/>
+              <a:t>가 둘 중 하나만 </a:t>
+            </a:r>
+            <a:r>
+              <a:rPr kumimoji="1" lang="en-US" altLang="ko-KR" baseline="0" dirty="0" smtClean="0"/>
+              <a:t>1</a:t>
+            </a:r>
+            <a:r>
+              <a:rPr kumimoji="1" lang="ko-KR" altLang="en-US" baseline="0" dirty="0" err="1" smtClean="0"/>
+              <a:t>일때</a:t>
+            </a:r>
+            <a:r>
+              <a:rPr kumimoji="1" lang="ko-KR" altLang="en-US" baseline="0" dirty="0" smtClean="0"/>
+              <a:t> </a:t>
+            </a:r>
+            <a:r>
+              <a:rPr kumimoji="1" lang="en-US" altLang="ko-KR" baseline="0" dirty="0" smtClean="0"/>
+              <a:t>1</a:t>
+            </a:r>
+            <a:r>
+              <a:rPr kumimoji="1" lang="ko-KR" altLang="en-US" baseline="0" dirty="0" smtClean="0"/>
+              <a:t>을 출력합니다</a:t>
+            </a:r>
+            <a:r>
+              <a:rPr kumimoji="1" lang="en-US" altLang="ko-KR" baseline="0" dirty="0" smtClean="0"/>
+              <a:t>.</a:t>
+            </a:r>
+          </a:p>
+          <a:p>
+            <a:endParaRPr kumimoji="1" lang="en-US" altLang="ko-KR" baseline="0" dirty="0" smtClean="0"/>
+          </a:p>
+          <a:p>
             <a:endParaRPr kumimoji="1" lang="ko-KR" altLang="en-US" dirty="0" smtClean="0"/>
           </a:p>
         </p:txBody>
@@ -4877,6 +6445,277 @@
           </a:bodyPr>
           <a:lstStyle/>
           <a:p>
+            <a:r>
+              <a:rPr kumimoji="1" lang="ko-KR" altLang="en-US" dirty="0" smtClean="0"/>
+              <a:t>앞서 보았던 표를 </a:t>
+            </a:r>
+            <a:r>
+              <a:rPr kumimoji="1" lang="ko-KR" altLang="en-US" dirty="0" err="1" smtClean="0"/>
+              <a:t>좌표평면에</a:t>
+            </a:r>
+            <a:r>
+              <a:rPr kumimoji="1" lang="ko-KR" altLang="en-US" dirty="0" smtClean="0"/>
+              <a:t> 나타내 보면</a:t>
+            </a:r>
+            <a:r>
+              <a:rPr kumimoji="1" lang="ko-KR" altLang="en-US" baseline="0" dirty="0" smtClean="0"/>
+              <a:t> 보시는 바와 같습니다</a:t>
+            </a:r>
+            <a:r>
+              <a:rPr kumimoji="1" lang="en-US" altLang="ko-KR" baseline="0" dirty="0" smtClean="0"/>
+              <a:t>.</a:t>
+            </a:r>
+          </a:p>
+          <a:p>
+            <a:r>
+              <a:rPr kumimoji="1" lang="en-US" altLang="ko-KR" baseline="0" dirty="0" smtClean="0"/>
+              <a:t>1</a:t>
+            </a:r>
+            <a:r>
+              <a:rPr kumimoji="1" lang="ko-KR" altLang="en-US" baseline="0" dirty="0" smtClean="0"/>
+              <a:t>을 </a:t>
+            </a:r>
+            <a:r>
+              <a:rPr kumimoji="1" lang="ko-KR" altLang="en-US" baseline="0" dirty="0" err="1" smtClean="0"/>
+              <a:t>검은점</a:t>
+            </a:r>
+            <a:r>
+              <a:rPr kumimoji="1" lang="en-US" altLang="ko-KR" baseline="0" dirty="0" smtClean="0"/>
+              <a:t>, 0</a:t>
+            </a:r>
+            <a:r>
+              <a:rPr kumimoji="1" lang="ko-KR" altLang="en-US" baseline="0" dirty="0" smtClean="0"/>
+              <a:t>을 </a:t>
+            </a:r>
+            <a:r>
+              <a:rPr kumimoji="1" lang="ko-KR" altLang="en-US" baseline="0" dirty="0" err="1" smtClean="0"/>
+              <a:t>흰점</a:t>
+            </a:r>
+            <a:endParaRPr kumimoji="1" lang="en-US" altLang="ko-KR" baseline="0" dirty="0" smtClean="0"/>
+          </a:p>
+          <a:p>
+            <a:endParaRPr kumimoji="1" lang="en-US" altLang="ko-KR" baseline="0" dirty="0" smtClean="0"/>
+          </a:p>
+          <a:p>
+            <a:r>
+              <a:rPr kumimoji="1" lang="en-US" altLang="ko-KR" baseline="0" dirty="0" smtClean="0"/>
+              <a:t>AND</a:t>
+            </a:r>
+            <a:r>
+              <a:rPr kumimoji="1" lang="ko-KR" altLang="en-US" baseline="0" dirty="0" smtClean="0"/>
+              <a:t>게이트와 </a:t>
+            </a:r>
+            <a:r>
+              <a:rPr kumimoji="1" lang="en-US" altLang="ko-KR" baseline="0" dirty="0" smtClean="0"/>
+              <a:t>OR</a:t>
+            </a:r>
+            <a:r>
+              <a:rPr kumimoji="1" lang="ko-KR" altLang="en-US" baseline="0" dirty="0" smtClean="0"/>
+              <a:t>게이트는 직선을 그어 </a:t>
+            </a:r>
+            <a:r>
+              <a:rPr kumimoji="1" lang="ko-KR" altLang="en-US" baseline="0" dirty="0" err="1" smtClean="0"/>
+              <a:t>결괏값을</a:t>
+            </a:r>
+            <a:r>
+              <a:rPr kumimoji="1" lang="ko-KR" altLang="en-US" baseline="0" dirty="0" smtClean="0"/>
+              <a:t> 구별할 수가 있는 반면에</a:t>
+            </a:r>
+            <a:endParaRPr kumimoji="1" lang="en-US" altLang="ko-KR" baseline="0" dirty="0" smtClean="0"/>
+          </a:p>
+          <a:p>
+            <a:r>
+              <a:rPr kumimoji="1" lang="en-US" altLang="ko-KR" baseline="0" dirty="0" smtClean="0"/>
+              <a:t>XOR</a:t>
+            </a:r>
+            <a:r>
+              <a:rPr kumimoji="1" lang="ko-KR" altLang="en-US" baseline="0" dirty="0" smtClean="0"/>
+              <a:t>게이트는 선을 그어 구별할 수가 없습니다</a:t>
+            </a:r>
+            <a:r>
+              <a:rPr kumimoji="1" lang="en-US" altLang="ko-KR" baseline="0" dirty="0" smtClean="0"/>
+              <a:t>.</a:t>
+            </a:r>
+          </a:p>
+          <a:p>
+            <a:endParaRPr kumimoji="1" lang="en-US" altLang="ko-KR" baseline="0" dirty="0" smtClean="0"/>
+          </a:p>
+          <a:p>
+            <a:r>
+              <a:rPr kumimoji="1" lang="ko-KR" altLang="en-US" baseline="0" dirty="0" smtClean="0"/>
+              <a:t>이는 인공지능 분야의 선구자였던 마빈 </a:t>
+            </a:r>
+            <a:r>
+              <a:rPr kumimoji="1" lang="ko-KR" altLang="en-US" baseline="0" dirty="0" err="1" smtClean="0"/>
+              <a:t>민스키</a:t>
+            </a:r>
+            <a:r>
+              <a:rPr kumimoji="1" lang="ko-KR" altLang="en-US" baseline="0" dirty="0" smtClean="0"/>
+              <a:t> 교수가 </a:t>
+            </a:r>
+            <a:r>
+              <a:rPr kumimoji="1" lang="en-US" altLang="ko-KR" baseline="0" dirty="0" smtClean="0"/>
+              <a:t>1969</a:t>
+            </a:r>
+            <a:r>
+              <a:rPr kumimoji="1" lang="ko-KR" altLang="en-US" baseline="0" dirty="0" smtClean="0"/>
+              <a:t>년에 발표한 </a:t>
+            </a:r>
+            <a:r>
+              <a:rPr kumimoji="1" lang="en-US" altLang="ko-KR" baseline="0" dirty="0" smtClean="0"/>
+              <a:t>&lt;</a:t>
+            </a:r>
+            <a:r>
+              <a:rPr kumimoji="1" lang="ko-KR" altLang="en-US" baseline="0" dirty="0" err="1" smtClean="0"/>
+              <a:t>퍼셉트론즈</a:t>
+            </a:r>
+            <a:r>
+              <a:rPr kumimoji="1" lang="en-US" altLang="ko-KR" baseline="0" dirty="0" smtClean="0"/>
+              <a:t>&gt;</a:t>
+            </a:r>
+            <a:r>
+              <a:rPr kumimoji="1" lang="ko-KR" altLang="en-US" baseline="0" dirty="0" smtClean="0"/>
+              <a:t>라는 논문에 나오는 내용입니다</a:t>
+            </a:r>
+            <a:r>
+              <a:rPr kumimoji="1" lang="en-US" altLang="ko-KR" baseline="0" dirty="0" smtClean="0"/>
+              <a:t>.</a:t>
+            </a:r>
+          </a:p>
+          <a:p>
+            <a:endParaRPr kumimoji="1" lang="en-US" altLang="ko-KR" baseline="0" dirty="0" smtClean="0"/>
+          </a:p>
+          <a:p>
+            <a:r>
+              <a:rPr kumimoji="1" lang="ko-KR" altLang="en-US" baseline="0" dirty="0" smtClean="0"/>
+              <a:t>뉴런 </a:t>
+            </a:r>
+            <a:r>
+              <a:rPr kumimoji="1" lang="en-US" altLang="ko-KR" baseline="0" dirty="0" smtClean="0"/>
+              <a:t>-&gt; </a:t>
+            </a:r>
+            <a:r>
+              <a:rPr kumimoji="1" lang="ko-KR" altLang="en-US" baseline="0" dirty="0" smtClean="0"/>
+              <a:t>신경망 </a:t>
+            </a:r>
+            <a:r>
+              <a:rPr kumimoji="1" lang="en-US" altLang="ko-KR" baseline="0" dirty="0" smtClean="0"/>
+              <a:t>-&gt; </a:t>
+            </a:r>
+            <a:r>
+              <a:rPr kumimoji="1" lang="ko-KR" altLang="en-US" baseline="0" dirty="0" smtClean="0"/>
+              <a:t>지능의 도식을 따라서</a:t>
+            </a:r>
+            <a:endParaRPr kumimoji="1" lang="en-US" altLang="ko-KR" baseline="0" dirty="0" smtClean="0"/>
+          </a:p>
+          <a:p>
+            <a:r>
+              <a:rPr kumimoji="1" lang="ko-KR" altLang="en-US" baseline="0" dirty="0" err="1" smtClean="0"/>
+              <a:t>퍼셉트론</a:t>
+            </a:r>
+            <a:r>
+              <a:rPr kumimoji="1" lang="ko-KR" altLang="en-US" baseline="0" dirty="0" smtClean="0"/>
+              <a:t> </a:t>
+            </a:r>
+            <a:r>
+              <a:rPr kumimoji="1" lang="en-US" altLang="ko-KR" baseline="0" dirty="0" smtClean="0"/>
+              <a:t>-&gt; </a:t>
+            </a:r>
+            <a:r>
+              <a:rPr kumimoji="1" lang="ko-KR" altLang="en-US" baseline="0" dirty="0" smtClean="0"/>
+              <a:t>인공 신경망 </a:t>
+            </a:r>
+            <a:r>
+              <a:rPr kumimoji="1" lang="en-US" altLang="ko-KR" baseline="0" dirty="0" smtClean="0"/>
+              <a:t>-&gt; </a:t>
+            </a:r>
+            <a:r>
+              <a:rPr kumimoji="1" lang="ko-KR" altLang="en-US" baseline="0" dirty="0" smtClean="0"/>
+              <a:t>인공지능이 </a:t>
+            </a:r>
+            <a:endParaRPr kumimoji="1" lang="en-US" altLang="ko-KR" baseline="0" dirty="0" smtClean="0"/>
+          </a:p>
+          <a:p>
+            <a:r>
+              <a:rPr kumimoji="1" lang="ko-KR" altLang="en-US" baseline="0" dirty="0" smtClean="0"/>
+              <a:t>가능하리라 했던 당시 많은 사람들이 이것이 생각처럼 쉽지 않다는 사실을 깨달았습니다</a:t>
+            </a:r>
+            <a:r>
+              <a:rPr kumimoji="1" lang="en-US" altLang="ko-KR" baseline="0" dirty="0" smtClean="0"/>
+              <a:t>. </a:t>
+            </a:r>
+          </a:p>
+          <a:p>
+            <a:r>
+              <a:rPr kumimoji="1" lang="ko-KR" altLang="en-US" baseline="0" dirty="0" err="1" smtClean="0"/>
+              <a:t>알고보니</a:t>
+            </a:r>
+            <a:r>
+              <a:rPr kumimoji="1" lang="ko-KR" altLang="en-US" baseline="0" dirty="0" smtClean="0"/>
+              <a:t> 간단한 </a:t>
+            </a:r>
+            <a:r>
+              <a:rPr kumimoji="1" lang="en-US" altLang="ko-KR" baseline="0" dirty="0" smtClean="0"/>
+              <a:t>XOR </a:t>
+            </a:r>
+            <a:r>
+              <a:rPr kumimoji="1" lang="ko-KR" altLang="en-US" baseline="0" dirty="0" smtClean="0"/>
+              <a:t>문제조차 </a:t>
+            </a:r>
+            <a:r>
+              <a:rPr kumimoji="1" lang="ko-KR" altLang="en-US" baseline="0" dirty="0" err="1" smtClean="0"/>
+              <a:t>해결할수</a:t>
+            </a:r>
+            <a:r>
+              <a:rPr kumimoji="1" lang="ko-KR" altLang="en-US" baseline="0" dirty="0" smtClean="0"/>
+              <a:t> 없었던 것입니다</a:t>
+            </a:r>
+            <a:r>
+              <a:rPr kumimoji="1" lang="en-US" altLang="ko-KR" baseline="0" dirty="0" smtClean="0"/>
+              <a:t>.</a:t>
+            </a:r>
+          </a:p>
+          <a:p>
+            <a:r>
+              <a:rPr kumimoji="1" lang="ko-KR" altLang="en-US" baseline="0" dirty="0" smtClean="0"/>
+              <a:t>이 논문 이후 한동한 </a:t>
+            </a:r>
+            <a:r>
+              <a:rPr kumimoji="1" lang="ko-KR" altLang="en-US" baseline="0" dirty="0" err="1" smtClean="0"/>
+              <a:t>침제기를</a:t>
+            </a:r>
+            <a:r>
+              <a:rPr kumimoji="1" lang="ko-KR" altLang="en-US" baseline="0" dirty="0" smtClean="0"/>
+              <a:t> 겪고 </a:t>
+            </a:r>
+            <a:r>
+              <a:rPr kumimoji="1" lang="en-US" altLang="ko-KR" baseline="0" dirty="0" smtClean="0"/>
+              <a:t>10</a:t>
+            </a:r>
+            <a:r>
+              <a:rPr kumimoji="1" lang="ko-KR" altLang="en-US" baseline="0" dirty="0" smtClean="0"/>
+              <a:t>여 년이 지난 후에야 이 문제가 해결이 됩니다</a:t>
+            </a:r>
+            <a:r>
+              <a:rPr kumimoji="1" lang="en-US" altLang="ko-KR" baseline="0" dirty="0" smtClean="0"/>
+              <a:t>.</a:t>
+            </a:r>
+          </a:p>
+          <a:p>
+            <a:r>
+              <a:rPr kumimoji="1" lang="ko-KR" altLang="en-US" baseline="0" dirty="0" smtClean="0"/>
+              <a:t>이를 해결한 개념이 바로 다층 </a:t>
+            </a:r>
+            <a:r>
+              <a:rPr kumimoji="1" lang="ko-KR" altLang="en-US" baseline="0" dirty="0" err="1" smtClean="0"/>
+              <a:t>퍼셉트론입니다</a:t>
+            </a:r>
+            <a:r>
+              <a:rPr kumimoji="1" lang="en-US" altLang="ko-KR" baseline="0" dirty="0" smtClean="0"/>
+              <a:t>.</a:t>
+            </a:r>
+          </a:p>
+          <a:p>
             <a:endParaRPr kumimoji="1" lang="ko-KR" altLang="en-US" dirty="0" smtClean="0"/>
           </a:p>
         </p:txBody>
@@ -5134,6 +6973,122 @@
           </a:bodyPr>
           <a:lstStyle/>
           <a:p>
+            <a:r>
+              <a:rPr kumimoji="1" lang="ko-KR" altLang="en-US" dirty="0" smtClean="0"/>
+              <a:t>인공지능 학자들은 인공 신경망을 개발하기 위해서 반드시 </a:t>
+            </a:r>
+            <a:r>
+              <a:rPr kumimoji="1" lang="en-US" altLang="ko-KR" dirty="0" smtClean="0"/>
+              <a:t>XOR</a:t>
+            </a:r>
+            <a:r>
+              <a:rPr kumimoji="1" lang="ko-KR" altLang="en-US" dirty="0" smtClean="0"/>
+              <a:t>문제를 극복해야만 했는데</a:t>
+            </a:r>
+            <a:endParaRPr kumimoji="1" lang="en-US" altLang="ko-KR" dirty="0" smtClean="0"/>
+          </a:p>
+          <a:p>
+            <a:r>
+              <a:rPr kumimoji="1" lang="ko-KR" altLang="en-US" dirty="0" smtClean="0"/>
+              <a:t>해결방법으로 고정관념을 깬 바로 종이를 </a:t>
+            </a:r>
+            <a:r>
+              <a:rPr kumimoji="1" lang="ko-KR" altLang="en-US" dirty="0" err="1" smtClean="0"/>
+              <a:t>휘어주는</a:t>
+            </a:r>
+            <a:r>
+              <a:rPr kumimoji="1" lang="ko-KR" altLang="en-US" dirty="0" smtClean="0"/>
+              <a:t> </a:t>
+            </a:r>
+            <a:r>
+              <a:rPr kumimoji="1" lang="ko-KR" altLang="en-US" dirty="0" err="1" smtClean="0"/>
+              <a:t>것이였습니다</a:t>
+            </a:r>
+            <a:r>
+              <a:rPr kumimoji="1" lang="en-US" altLang="ko-KR" dirty="0" smtClean="0"/>
+              <a:t>. </a:t>
+            </a:r>
+          </a:p>
+          <a:p>
+            <a:endParaRPr kumimoji="1" lang="en-US" altLang="ko-KR" dirty="0" smtClean="0"/>
+          </a:p>
+          <a:p>
+            <a:r>
+              <a:rPr kumimoji="1" lang="ko-KR" altLang="en-US" dirty="0" err="1" smtClean="0"/>
+              <a:t>좌표평면</a:t>
+            </a:r>
+            <a:r>
+              <a:rPr kumimoji="1" lang="ko-KR" altLang="en-US" dirty="0" smtClean="0"/>
+              <a:t> 자체에 변화를 </a:t>
+            </a:r>
+            <a:r>
+              <a:rPr kumimoji="1" lang="ko-KR" altLang="en-US" dirty="0" err="1" smtClean="0"/>
+              <a:t>주는것이었습니다</a:t>
+            </a:r>
+            <a:r>
+              <a:rPr kumimoji="1" lang="en-US" altLang="ko-KR" dirty="0" smtClean="0"/>
+              <a:t>. </a:t>
+            </a:r>
+          </a:p>
+          <a:p>
+            <a:r>
+              <a:rPr kumimoji="1" lang="en-US" altLang="ko-KR" dirty="0" smtClean="0"/>
+              <a:t>XOR</a:t>
+            </a:r>
+            <a:r>
+              <a:rPr kumimoji="1" lang="en-US" altLang="ko-KR" baseline="0" dirty="0" smtClean="0"/>
+              <a:t> </a:t>
+            </a:r>
+            <a:r>
+              <a:rPr kumimoji="1" lang="ko-KR" altLang="en-US" baseline="0" dirty="0" smtClean="0"/>
+              <a:t>문제를 해결하기 위해서 우리는 두 개의 </a:t>
+            </a:r>
+            <a:r>
+              <a:rPr kumimoji="1" lang="ko-KR" altLang="en-US" baseline="0" dirty="0" err="1" smtClean="0"/>
+              <a:t>퍼셉트론을</a:t>
+            </a:r>
+            <a:r>
+              <a:rPr kumimoji="1" lang="ko-KR" altLang="en-US" baseline="0" dirty="0" smtClean="0"/>
+              <a:t> 한번에 </a:t>
+            </a:r>
+            <a:r>
+              <a:rPr kumimoji="1" lang="ko-KR" altLang="en-US" baseline="0" dirty="0" err="1" smtClean="0"/>
+              <a:t>계산할수</a:t>
+            </a:r>
+            <a:r>
+              <a:rPr kumimoji="1" lang="ko-KR" altLang="en-US" baseline="0" dirty="0" smtClean="0"/>
+              <a:t> 있어야 합니다</a:t>
+            </a:r>
+            <a:r>
+              <a:rPr kumimoji="1" lang="en-US" altLang="ko-KR" baseline="0" dirty="0" smtClean="0"/>
+              <a:t>. </a:t>
+            </a:r>
+          </a:p>
+          <a:p>
+            <a:r>
+              <a:rPr kumimoji="1" lang="ko-KR" altLang="en-US" baseline="0" dirty="0" smtClean="0"/>
+              <a:t>이를 가능하게 하려면 숨어있는 측</a:t>
+            </a:r>
+            <a:r>
+              <a:rPr kumimoji="1" lang="en-US" altLang="ko-KR" baseline="0" dirty="0" smtClean="0"/>
+              <a:t>, </a:t>
+            </a:r>
+            <a:r>
+              <a:rPr kumimoji="1" lang="ko-KR" altLang="en-US" baseline="0" dirty="0" smtClean="0"/>
+              <a:t>즉 </a:t>
+            </a:r>
+            <a:r>
+              <a:rPr kumimoji="1" lang="ko-KR" altLang="en-US" baseline="0" dirty="0" err="1" smtClean="0"/>
+              <a:t>은닉층을</a:t>
+            </a:r>
+            <a:r>
+              <a:rPr kumimoji="1" lang="ko-KR" altLang="en-US" baseline="0" dirty="0" smtClean="0"/>
+              <a:t> 만들어주면 되는 겁니다</a:t>
+            </a:r>
+            <a:r>
+              <a:rPr kumimoji="1" lang="en-US" altLang="ko-KR" baseline="0" dirty="0" smtClean="0"/>
+              <a:t>.</a:t>
+            </a:r>
             <a:endParaRPr kumimoji="1" lang="ko-KR" altLang="en-US" dirty="0" smtClean="0"/>
           </a:p>
         </p:txBody>
@@ -5391,6 +7346,68 @@
           </a:bodyPr>
           <a:lstStyle/>
           <a:p>
+            <a:r>
+              <a:rPr kumimoji="1" lang="ko-KR" altLang="en-US" dirty="0" err="1" smtClean="0"/>
+              <a:t>입력값을</a:t>
+            </a:r>
+            <a:r>
+              <a:rPr kumimoji="1" lang="ko-KR" altLang="en-US" dirty="0" smtClean="0"/>
+              <a:t> 놓고 위 그래프와 아래 그래프를 구분한다고 </a:t>
+            </a:r>
+            <a:r>
+              <a:rPr kumimoji="1" lang="ko-KR" altLang="en-US" dirty="0" err="1" smtClean="0"/>
+              <a:t>할때</a:t>
+            </a:r>
+            <a:r>
+              <a:rPr kumimoji="1" lang="ko-KR" altLang="en-US" dirty="0" smtClean="0"/>
+              <a:t> 어떤 </a:t>
+            </a:r>
+            <a:r>
+              <a:rPr kumimoji="1" lang="ko-KR" altLang="en-US" dirty="0" err="1" smtClean="0"/>
+              <a:t>직선으로더</a:t>
+            </a:r>
+            <a:r>
+              <a:rPr kumimoji="1" lang="ko-KR" altLang="en-US" dirty="0" smtClean="0"/>
+              <a:t> 이를 </a:t>
+            </a:r>
+            <a:r>
+              <a:rPr kumimoji="1" lang="ko-KR" altLang="en-US" dirty="0" err="1" smtClean="0"/>
+              <a:t>해결할수는</a:t>
+            </a:r>
+            <a:r>
+              <a:rPr kumimoji="1" lang="ko-KR" altLang="en-US" dirty="0" smtClean="0"/>
+              <a:t> 없습니다</a:t>
+            </a:r>
+            <a:r>
+              <a:rPr kumimoji="1" lang="en-US" altLang="ko-KR" dirty="0" smtClean="0"/>
+              <a:t>.</a:t>
+            </a:r>
+          </a:p>
+          <a:p>
+            <a:r>
+              <a:rPr kumimoji="1" lang="ko-KR" altLang="en-US" dirty="0" smtClean="0"/>
+              <a:t>하지만 </a:t>
+            </a:r>
+            <a:r>
+              <a:rPr kumimoji="1" lang="ko-KR" altLang="en-US" dirty="0" err="1" smtClean="0"/>
+              <a:t>은닉층을</a:t>
+            </a:r>
+            <a:r>
+              <a:rPr kumimoji="1" lang="ko-KR" altLang="en-US" dirty="0" smtClean="0"/>
+              <a:t> 만들어 공간을 왜곡하면 두 영역을 가로지르는 직선으로 </a:t>
+            </a:r>
+            <a:r>
+              <a:rPr kumimoji="1" lang="ko-KR" altLang="en-US" dirty="0" err="1" smtClean="0"/>
+              <a:t>바귀게</a:t>
+            </a:r>
+            <a:r>
+              <a:rPr kumimoji="1" lang="ko-KR" altLang="en-US" dirty="0" smtClean="0"/>
+              <a:t> 됩니다</a:t>
+            </a:r>
+            <a:r>
+              <a:rPr kumimoji="1" lang="en-US" altLang="ko-KR" dirty="0" smtClean="0"/>
+              <a:t>.</a:t>
+            </a:r>
             <a:endParaRPr kumimoji="1" lang="ko-KR" altLang="en-US" dirty="0" smtClean="0"/>
           </a:p>
         </p:txBody>
@@ -5648,6 +7665,157 @@
           </a:bodyPr>
           <a:lstStyle/>
           <a:p>
+            <a:r>
+              <a:rPr kumimoji="1" lang="ko-KR" altLang="en-US" dirty="0" smtClean="0"/>
+              <a:t>가운데 숨어있는 </a:t>
+            </a:r>
+            <a:r>
+              <a:rPr kumimoji="1" lang="ko-KR" altLang="en-US" dirty="0" err="1" smtClean="0"/>
+              <a:t>은닉층으로</a:t>
+            </a:r>
+            <a:r>
+              <a:rPr kumimoji="1" lang="ko-KR" altLang="en-US" dirty="0" smtClean="0"/>
+              <a:t> </a:t>
+            </a:r>
+            <a:r>
+              <a:rPr kumimoji="1" lang="ko-KR" altLang="en-US" dirty="0" err="1" smtClean="0"/>
+              <a:t>퍼셉트론이</a:t>
+            </a:r>
+            <a:r>
+              <a:rPr kumimoji="1" lang="ko-KR" altLang="en-US" dirty="0" smtClean="0"/>
+              <a:t> 각각 가중치와 바이어스 값을 보내고</a:t>
+            </a:r>
+            <a:r>
+              <a:rPr kumimoji="1" lang="en-US" altLang="ko-KR" dirty="0" smtClean="0"/>
+              <a:t>,</a:t>
+            </a:r>
+          </a:p>
+          <a:p>
+            <a:r>
+              <a:rPr kumimoji="1" lang="ko-KR" altLang="en-US" dirty="0" smtClean="0"/>
+              <a:t>이 </a:t>
+            </a:r>
+            <a:r>
+              <a:rPr kumimoji="1" lang="ko-KR" altLang="en-US" dirty="0" err="1" smtClean="0"/>
+              <a:t>은닉층에서</a:t>
+            </a:r>
+            <a:r>
+              <a:rPr kumimoji="1" lang="ko-KR" altLang="en-US" dirty="0" smtClean="0"/>
+              <a:t> 모인 값이 한 번 더 </a:t>
+            </a:r>
+            <a:r>
+              <a:rPr kumimoji="1" lang="ko-KR" altLang="en-US" dirty="0" err="1" smtClean="0"/>
+              <a:t>시그모이드</a:t>
+            </a:r>
+            <a:r>
+              <a:rPr kumimoji="1" lang="ko-KR" altLang="en-US" dirty="0" smtClean="0"/>
+              <a:t> 함수를 이용해 </a:t>
+            </a:r>
+            <a:r>
+              <a:rPr kumimoji="1" lang="ko-KR" altLang="en-US" dirty="0" err="1" smtClean="0"/>
+              <a:t>최종값으로</a:t>
+            </a:r>
+            <a:r>
+              <a:rPr kumimoji="1" lang="ko-KR" altLang="en-US" dirty="0" smtClean="0"/>
+              <a:t> 결과를 보냅니다</a:t>
+            </a:r>
+            <a:r>
+              <a:rPr kumimoji="1" lang="en-US" altLang="ko-KR" dirty="0" smtClean="0"/>
+              <a:t>. </a:t>
+            </a:r>
+          </a:p>
+          <a:p>
+            <a:r>
+              <a:rPr kumimoji="1" lang="ko-KR" altLang="en-US" dirty="0" smtClean="0"/>
+              <a:t>이 중간 </a:t>
+            </a:r>
+            <a:r>
+              <a:rPr kumimoji="1" lang="ko-KR" altLang="en-US" dirty="0" err="1" smtClean="0"/>
+              <a:t>은닉층에서</a:t>
+            </a:r>
+            <a:r>
+              <a:rPr kumimoji="1" lang="ko-KR" altLang="en-US" dirty="0" smtClean="0"/>
+              <a:t> </a:t>
+            </a:r>
+            <a:r>
+              <a:rPr kumimoji="1" lang="en-US" altLang="ko-KR" dirty="0" smtClean="0"/>
+              <a:t>n1</a:t>
+            </a:r>
+            <a:r>
+              <a:rPr kumimoji="1" lang="en-US" altLang="ko-KR" baseline="0" dirty="0" smtClean="0"/>
+              <a:t>, n2</a:t>
+            </a:r>
+            <a:r>
+              <a:rPr kumimoji="1" lang="ko-KR" altLang="en-US" baseline="0" dirty="0" smtClean="0"/>
+              <a:t>를 노드인데 </a:t>
+            </a:r>
+            <a:r>
+              <a:rPr kumimoji="1" lang="ko-KR" altLang="en-US" baseline="0" dirty="0" err="1" smtClean="0"/>
+              <a:t>노드값은</a:t>
+            </a:r>
+            <a:r>
+              <a:rPr kumimoji="1" lang="ko-KR" altLang="en-US" baseline="0" dirty="0" smtClean="0"/>
+              <a:t> </a:t>
+            </a:r>
+            <a:r>
+              <a:rPr kumimoji="1" lang="ko-KR" altLang="en-US" baseline="0" dirty="0" err="1" smtClean="0"/>
+              <a:t>가중합의</a:t>
+            </a:r>
+            <a:r>
+              <a:rPr kumimoji="1" lang="ko-KR" altLang="en-US" baseline="0" dirty="0" smtClean="0"/>
+              <a:t> </a:t>
+            </a:r>
+            <a:r>
+              <a:rPr kumimoji="1" lang="ko-KR" altLang="en-US" baseline="0" dirty="0" err="1" smtClean="0"/>
+              <a:t>시그모이드</a:t>
+            </a:r>
+            <a:r>
+              <a:rPr kumimoji="1" lang="ko-KR" altLang="en-US" baseline="0" dirty="0" smtClean="0"/>
+              <a:t> 함수를 통해 </a:t>
+            </a:r>
+            <a:r>
+              <a:rPr kumimoji="1" lang="ko-KR" altLang="en-US" baseline="0" dirty="0" err="1" smtClean="0"/>
+              <a:t>출력값이</a:t>
+            </a:r>
+            <a:r>
+              <a:rPr kumimoji="1" lang="ko-KR" altLang="en-US" baseline="0" dirty="0" smtClean="0"/>
+              <a:t> 나오고</a:t>
+            </a:r>
+            <a:endParaRPr kumimoji="1" lang="en-US" altLang="ko-KR" baseline="0" dirty="0" smtClean="0"/>
+          </a:p>
+          <a:p>
+            <a:r>
+              <a:rPr kumimoji="1" lang="ko-KR" altLang="en-US" baseline="0" dirty="0" smtClean="0"/>
+              <a:t>이 </a:t>
+            </a:r>
+            <a:r>
+              <a:rPr kumimoji="1" lang="ko-KR" altLang="en-US" baseline="0" dirty="0" err="1" smtClean="0"/>
+              <a:t>출력값들이</a:t>
+            </a:r>
+            <a:r>
+              <a:rPr kumimoji="1" lang="ko-KR" altLang="en-US" baseline="0" dirty="0" smtClean="0"/>
+              <a:t> 다시 가중치와 바이어스를 만나고 역시 다시 </a:t>
+            </a:r>
+            <a:r>
+              <a:rPr kumimoji="1" lang="ko-KR" altLang="en-US" baseline="0" dirty="0" err="1" smtClean="0"/>
+              <a:t>시그모이드함수를</a:t>
+            </a:r>
+            <a:r>
+              <a:rPr kumimoji="1" lang="ko-KR" altLang="en-US" baseline="0" dirty="0" smtClean="0"/>
+              <a:t> 통해서 </a:t>
+            </a:r>
+            <a:r>
+              <a:rPr kumimoji="1" lang="ko-KR" altLang="en-US" baseline="0" dirty="0" err="1" smtClean="0"/>
+              <a:t>결괏값이</a:t>
+            </a:r>
+            <a:r>
+              <a:rPr kumimoji="1" lang="ko-KR" altLang="en-US" baseline="0" dirty="0" smtClean="0"/>
+              <a:t> 나옵니다</a:t>
+            </a:r>
+            <a:r>
+              <a:rPr kumimoji="1" lang="en-US" altLang="ko-KR" baseline="0" dirty="0" smtClean="0"/>
+              <a:t>.</a:t>
+            </a:r>
             <a:endParaRPr kumimoji="1" lang="ko-KR" altLang="en-US" dirty="0" smtClean="0"/>
           </a:p>
         </p:txBody>
@@ -5905,7 +8073,99 @@
           </a:bodyPr>
           <a:lstStyle/>
           <a:p>
-            <a:endParaRPr kumimoji="1" lang="ko-KR" altLang="en-US" dirty="0" smtClean="0"/>
+            <a:r>
+              <a:rPr kumimoji="1" lang="ko-KR" altLang="en-US" dirty="0" smtClean="0"/>
+              <a:t>그렇다면 각각 가중치와 바이어스 값을 정해서 </a:t>
+            </a:r>
+            <a:r>
+              <a:rPr kumimoji="1" lang="en-US" altLang="ko-KR" dirty="0" smtClean="0"/>
+              <a:t>2</a:t>
+            </a:r>
+            <a:r>
+              <a:rPr kumimoji="1" lang="ko-KR" altLang="en-US" dirty="0" smtClean="0"/>
+              <a:t>차원 배열로 늘어놓으면 다음과 같이 </a:t>
+            </a:r>
+            <a:r>
+              <a:rPr kumimoji="1" lang="ko-KR" altLang="en-US" dirty="0" err="1" smtClean="0"/>
+              <a:t>표시할수있습니다</a:t>
+            </a:r>
+            <a:r>
+              <a:rPr kumimoji="1" lang="en-US" altLang="ko-KR" dirty="0" smtClean="0"/>
+              <a:t>.</a:t>
+            </a:r>
+          </a:p>
+          <a:p>
+            <a:r>
+              <a:rPr kumimoji="1" lang="ko-KR" altLang="en-US" dirty="0" err="1" smtClean="0"/>
+              <a:t>은닉층을</a:t>
+            </a:r>
+            <a:r>
+              <a:rPr kumimoji="1" lang="ko-KR" altLang="en-US" dirty="0" smtClean="0"/>
+              <a:t> 포함해 가중치 </a:t>
+            </a:r>
+            <a:r>
+              <a:rPr kumimoji="1" lang="en-US" altLang="ko-KR" dirty="0" smtClean="0"/>
+              <a:t>6</a:t>
+            </a:r>
+            <a:r>
+              <a:rPr kumimoji="1" lang="ko-KR" altLang="en-US" dirty="0" smtClean="0"/>
+              <a:t>개</a:t>
+            </a:r>
+            <a:r>
+              <a:rPr kumimoji="1" lang="en-US" altLang="ko-KR" dirty="0" smtClean="0"/>
+              <a:t>, </a:t>
+            </a:r>
+            <a:r>
+              <a:rPr kumimoji="1" lang="ko-KR" altLang="en-US" dirty="0" smtClean="0"/>
+              <a:t>바이어스 </a:t>
+            </a:r>
+            <a:r>
+              <a:rPr kumimoji="1" lang="en-US" altLang="ko-KR" dirty="0" smtClean="0"/>
+              <a:t>3</a:t>
+            </a:r>
+            <a:r>
+              <a:rPr kumimoji="1" lang="ko-KR" altLang="en-US" dirty="0" smtClean="0"/>
+              <a:t>개가 필요합니다</a:t>
+            </a:r>
+            <a:r>
+              <a:rPr kumimoji="1" lang="en-US" altLang="ko-KR" dirty="0" smtClean="0"/>
+              <a:t>.</a:t>
+            </a:r>
+          </a:p>
+          <a:p>
+            <a:r>
+              <a:rPr kumimoji="1" lang="ko-KR" altLang="en-US" dirty="0" err="1" smtClean="0"/>
+              <a:t>변수값을</a:t>
+            </a:r>
+            <a:r>
+              <a:rPr kumimoji="1" lang="ko-KR" altLang="en-US" dirty="0" smtClean="0"/>
+              <a:t> 정하고 실제로 이 값을 이용해서 </a:t>
+            </a:r>
+            <a:r>
+              <a:rPr kumimoji="1" lang="en-US" altLang="ko-KR" dirty="0" smtClean="0"/>
+              <a:t>XOR </a:t>
+            </a:r>
+            <a:r>
+              <a:rPr kumimoji="1" lang="ko-KR" altLang="en-US" dirty="0" smtClean="0"/>
+              <a:t>문제를 해결해 보겠습니다</a:t>
+            </a:r>
+            <a:r>
+              <a:rPr kumimoji="1" lang="en-US" altLang="ko-KR" dirty="0" smtClean="0"/>
+              <a:t>.</a:t>
+            </a:r>
+          </a:p>
+          <a:p>
+            <a:r>
+              <a:rPr kumimoji="1" lang="ko-KR" altLang="en-US" dirty="0" smtClean="0"/>
+              <a:t>그리고 이를 도식에 대입하면 보이는것과 같습니다</a:t>
+            </a:r>
+            <a:r>
+              <a:rPr kumimoji="1" lang="en-US" altLang="ko-KR" dirty="0" smtClean="0"/>
+              <a:t>.</a:t>
+            </a:r>
+          </a:p>
+          <a:p>
+            <a:endParaRPr kumimoji="1" lang="en-US" altLang="ko-KR" dirty="0" smtClean="0"/>
           </a:p>
         </p:txBody>
       </p:sp>
@@ -7399,14 +9659,7 @@
                 <a:latin typeface="나눔고딕 ExtraBold" panose="020D0904000000000000" pitchFamily="50" charset="-127"/>
                 <a:ea typeface="나눔고딕 ExtraBold" panose="020D0904000000000000" pitchFamily="50" charset="-127"/>
               </a:rPr>
-              <a:t>1</a:t>
-            </a:r>
-            <a:r>
-              <a:rPr lang="en-US" altLang="ko-KR" sz="2800" dirty="0" smtClean="0">
-                <a:latin typeface="나눔고딕 ExtraBold" panose="020D0904000000000000" pitchFamily="50" charset="-127"/>
-                <a:ea typeface="나눔고딕 ExtraBold" panose="020D0904000000000000" pitchFamily="50" charset="-127"/>
-              </a:rPr>
-              <a:t>. </a:t>
+              <a:t>1. </a:t>
             </a:r>
             <a:r>
               <a:rPr lang="ko-KR" altLang="en-US" sz="2800" dirty="0" err="1" smtClean="0">
@@ -9451,14 +11704,7 @@
                 <a:latin typeface="나눔고딕 ExtraBold" panose="020D0904000000000000" pitchFamily="50" charset="-127"/>
                 <a:ea typeface="나눔고딕 ExtraBold" panose="020D0904000000000000" pitchFamily="50" charset="-127"/>
               </a:rPr>
-              <a:t>1</a:t>
-            </a:r>
-            <a:r>
-              <a:rPr lang="en-US" altLang="ko-KR" sz="2800" dirty="0" smtClean="0">
-                <a:latin typeface="나눔고딕 ExtraBold" panose="020D0904000000000000" pitchFamily="50" charset="-127"/>
-                <a:ea typeface="나눔고딕 ExtraBold" panose="020D0904000000000000" pitchFamily="50" charset="-127"/>
-              </a:rPr>
-              <a:t>. </a:t>
+              <a:t>1. </a:t>
             </a:r>
             <a:r>
               <a:rPr lang="ko-KR" altLang="en-US" sz="2800" dirty="0" err="1" smtClean="0">
@@ -10576,14 +12822,7 @@
                 <a:latin typeface="나눔고딕 ExtraBold" panose="020D0904000000000000" pitchFamily="50" charset="-127"/>
                 <a:ea typeface="나눔고딕 ExtraBold" panose="020D0904000000000000" pitchFamily="50" charset="-127"/>
               </a:rPr>
-              <a:t>1</a:t>
-            </a:r>
-            <a:r>
-              <a:rPr lang="en-US" altLang="ko-KR" sz="2800" dirty="0" smtClean="0">
-                <a:latin typeface="나눔고딕 ExtraBold" panose="020D0904000000000000" pitchFamily="50" charset="-127"/>
-                <a:ea typeface="나눔고딕 ExtraBold" panose="020D0904000000000000" pitchFamily="50" charset="-127"/>
-              </a:rPr>
-              <a:t>. </a:t>
+              <a:t>1. </a:t>
             </a:r>
             <a:r>
               <a:rPr lang="ko-KR" altLang="en-US" sz="2800" dirty="0" err="1" smtClean="0">
@@ -14423,14 +16662,6 @@
               </a:rPr>
               <a:t> 신경망으로</a:t>
             </a:r>
-            <a:endParaRPr lang="ko-KR" altLang="en-US" sz="3800" kern="0" dirty="0" smtClean="0">
-              <a:solidFill>
-                <a:schemeClr val="tx1"/>
-              </a:solidFill>
-              <a:latin typeface="나눔고딕 ExtraBold" panose="020D0904000000000000" pitchFamily="50" charset="-127"/>
-              <a:ea typeface="나눔고딕 ExtraBold" panose="020D0904000000000000" pitchFamily="50" charset="-127"/>
-              <a:cs typeface="Nanum Gothic"/>
-            </a:endParaRPr>
           </a:p>
         </p:txBody>
       </p:sp>
@@ -24328,16 +26559,18 @@
       </p:grpSpPr>
       <p:sp>
         <p:nvSpPr>
-          <p:cNvPr id="4" name="제목 1"/>
-          <p:cNvSpPr txBox="1">
-            <a:spLocks/>
+          <p:cNvPr id="10242" name="텍스트 개체 틀 3"/>
+          <p:cNvSpPr>
+            <a:spLocks noGrp="1" noChangeArrowheads="1"/>
           </p:cNvSpPr>
-          <p:nvPr/>
+          <p:nvPr>
+            <p:ph type="body" sz="quarter" idx="4294967295"/>
+          </p:nvPr>
         </p:nvSpPr>
         <p:spPr bwMode="auto">
           <a:xfrm>
-            <a:off x="530225" y="2960688"/>
-            <a:ext cx="7921625" cy="492125"/>
+            <a:off x="755650" y="188913"/>
+            <a:ext cx="6840538" cy="522287"/>
           </a:xfrm>
           <a:prstGeom prst="rect">
             <a:avLst/>
@@ -24365,391 +26598,4487 @@
         </p:spPr>
         <p:txBody>
           <a:bodyPr/>
-          <a:lstStyle>
-            <a:lvl1pPr algn="ctr" rtl="0" eaLnBrk="0" fontAlgn="base" latinLnBrk="1" hangingPunct="0">
-              <a:spcBef>
-                <a:spcPct val="0"/>
-              </a:spcBef>
-              <a:spcAft>
-                <a:spcPct val="0"/>
-              </a:spcAft>
-              <a:defRPr kumimoji="1" sz="4400">
-                <a:solidFill>
-                  <a:schemeClr val="tx2"/>
-                </a:solidFill>
-                <a:latin typeface="+mj-lt"/>
-                <a:ea typeface="+mj-ea"/>
-                <a:cs typeface="+mj-cs"/>
-              </a:defRPr>
-            </a:lvl1pPr>
-            <a:lvl2pPr algn="ctr" rtl="0" eaLnBrk="0" fontAlgn="base" latinLnBrk="1" hangingPunct="0">
-              <a:spcBef>
-                <a:spcPct val="0"/>
-              </a:spcBef>
-              <a:spcAft>
-                <a:spcPct val="0"/>
-              </a:spcAft>
-              <a:defRPr kumimoji="1" sz="4400">
-                <a:solidFill>
-                  <a:schemeClr val="tx2"/>
-                </a:solidFill>
-                <a:latin typeface="굴림" pitchFamily="50" charset="-127"/>
-                <a:ea typeface="굴림" pitchFamily="50" charset="-127"/>
-              </a:defRPr>
-            </a:lvl2pPr>
-            <a:lvl3pPr algn="ctr" rtl="0" eaLnBrk="0" fontAlgn="base" latinLnBrk="1" hangingPunct="0">
-              <a:spcBef>
-                <a:spcPct val="0"/>
-              </a:spcBef>
-              <a:spcAft>
-                <a:spcPct val="0"/>
-              </a:spcAft>
-              <a:defRPr kumimoji="1" sz="4400">
-                <a:solidFill>
-                  <a:schemeClr val="tx2"/>
-                </a:solidFill>
-                <a:latin typeface="굴림" pitchFamily="50" charset="-127"/>
-                <a:ea typeface="굴림" pitchFamily="50" charset="-127"/>
-              </a:defRPr>
-            </a:lvl3pPr>
-            <a:lvl4pPr algn="ctr" rtl="0" eaLnBrk="0" fontAlgn="base" latinLnBrk="1" hangingPunct="0">
-              <a:spcBef>
-                <a:spcPct val="0"/>
-              </a:spcBef>
-              <a:spcAft>
-                <a:spcPct val="0"/>
-              </a:spcAft>
-              <a:defRPr kumimoji="1" sz="4400">
-                <a:solidFill>
-                  <a:schemeClr val="tx2"/>
-                </a:solidFill>
-                <a:latin typeface="굴림" pitchFamily="50" charset="-127"/>
-                <a:ea typeface="굴림" pitchFamily="50" charset="-127"/>
-              </a:defRPr>
-            </a:lvl4pPr>
-            <a:lvl5pPr algn="ctr" rtl="0" eaLnBrk="0" fontAlgn="base" latinLnBrk="1" hangingPunct="0">
-              <a:spcBef>
-                <a:spcPct val="0"/>
-              </a:spcBef>
-              <a:spcAft>
-                <a:spcPct val="0"/>
-              </a:spcAft>
-              <a:defRPr kumimoji="1" sz="4400">
-                <a:solidFill>
-                  <a:schemeClr val="tx2"/>
-                </a:solidFill>
-                <a:latin typeface="굴림" pitchFamily="50" charset="-127"/>
-                <a:ea typeface="굴림" pitchFamily="50" charset="-127"/>
-              </a:defRPr>
-            </a:lvl5pPr>
-            <a:lvl6pPr marL="457200" algn="ctr" rtl="0" fontAlgn="base" latinLnBrk="1">
-              <a:spcBef>
-                <a:spcPct val="0"/>
-              </a:spcBef>
-              <a:spcAft>
-                <a:spcPct val="0"/>
-              </a:spcAft>
-              <a:defRPr kumimoji="1" sz="4400">
-                <a:solidFill>
-                  <a:schemeClr val="tx2"/>
-                </a:solidFill>
-                <a:latin typeface="굴림" pitchFamily="50" charset="-127"/>
-                <a:ea typeface="굴림" pitchFamily="50" charset="-127"/>
-              </a:defRPr>
-            </a:lvl6pPr>
-            <a:lvl7pPr marL="914400" algn="ctr" rtl="0" fontAlgn="base" latinLnBrk="1">
-              <a:spcBef>
-                <a:spcPct val="0"/>
-              </a:spcBef>
-              <a:spcAft>
-                <a:spcPct val="0"/>
-              </a:spcAft>
-              <a:defRPr kumimoji="1" sz="4400">
-                <a:solidFill>
-                  <a:schemeClr val="tx2"/>
-                </a:solidFill>
-                <a:latin typeface="굴림" pitchFamily="50" charset="-127"/>
-                <a:ea typeface="굴림" pitchFamily="50" charset="-127"/>
-              </a:defRPr>
-            </a:lvl7pPr>
-            <a:lvl8pPr marL="1371600" algn="ctr" rtl="0" fontAlgn="base" latinLnBrk="1">
-              <a:spcBef>
-                <a:spcPct val="0"/>
-              </a:spcBef>
-              <a:spcAft>
-                <a:spcPct val="0"/>
-              </a:spcAft>
-              <a:defRPr kumimoji="1" sz="4400">
-                <a:solidFill>
-                  <a:schemeClr val="tx2"/>
-                </a:solidFill>
-                <a:latin typeface="굴림" pitchFamily="50" charset="-127"/>
-                <a:ea typeface="굴림" pitchFamily="50" charset="-127"/>
-              </a:defRPr>
-            </a:lvl8pPr>
-            <a:lvl9pPr marL="1828800" algn="ctr" rtl="0" fontAlgn="base" latinLnBrk="1">
-              <a:spcBef>
-                <a:spcPct val="0"/>
-              </a:spcBef>
-              <a:spcAft>
-                <a:spcPct val="0"/>
-              </a:spcAft>
-              <a:defRPr kumimoji="1" sz="4400">
-                <a:solidFill>
-                  <a:schemeClr val="tx2"/>
-                </a:solidFill>
-                <a:latin typeface="굴림" pitchFamily="50" charset="-127"/>
-                <a:ea typeface="굴림" pitchFamily="50" charset="-127"/>
-              </a:defRPr>
-            </a:lvl9pPr>
-          </a:lstStyle>
-          <a:p>
-            <a:pPr algn="l">
-              <a:defRPr/>
-            </a:pPr>
-            <a:r>
-              <a:rPr lang="ko-KR" altLang="en-US" sz="3800" kern="0" dirty="0" err="1" smtClean="0">
-                <a:solidFill>
-                  <a:schemeClr val="tx1"/>
-                </a:solidFill>
-                <a:latin typeface="나눔고딕 ExtraBold" panose="020D0904000000000000" pitchFamily="50" charset="-127"/>
-                <a:ea typeface="나눔고딕 ExtraBold" panose="020D0904000000000000" pitchFamily="50" charset="-127"/>
-                <a:cs typeface="Nanum Gothic"/>
-              </a:rPr>
-              <a:t>로지스틱</a:t>
-            </a:r>
-            <a:r>
-              <a:rPr lang="ko-KR" altLang="en-US" sz="3800" kern="0" dirty="0" smtClean="0">
-                <a:solidFill>
-                  <a:schemeClr val="tx1"/>
-                </a:solidFill>
-                <a:latin typeface="나눔고딕 ExtraBold" panose="020D0904000000000000" pitchFamily="50" charset="-127"/>
-                <a:ea typeface="나눔고딕 ExtraBold" panose="020D0904000000000000" pitchFamily="50" charset="-127"/>
-                <a:cs typeface="Nanum Gothic"/>
-              </a:rPr>
-              <a:t> 회귀</a:t>
-            </a:r>
-          </a:p>
-        </p:txBody>
-      </p:sp>
-      <p:sp>
-        <p:nvSpPr>
-          <p:cNvPr id="5" name="내용 개체 틀 2"/>
-          <p:cNvSpPr txBox="1">
-            <a:spLocks/>
-          </p:cNvSpPr>
-          <p:nvPr/>
-        </p:nvSpPr>
-        <p:spPr bwMode="auto">
-          <a:xfrm>
-            <a:off x="530225" y="2024063"/>
-            <a:ext cx="1079500" cy="936625"/>
-          </a:xfrm>
-          <a:prstGeom prst="rect">
-            <a:avLst/>
-          </a:prstGeom>
-          <a:noFill/>
-          <a:extLst>
-            <a:ext uri="{909E8E84-426E-40DD-AFC4-6F175D3DCCD1}">
-              <a14:hiddenFill xmlns:a14="http://schemas.microsoft.com/office/drawing/2010/main">
-                <a:solidFill>
-                  <a:srgbClr val="FFFFFF"/>
-                </a:solidFill>
-              </a14:hiddenFill>
-            </a:ext>
-            <a:ext uri="{91240B29-F687-4F45-9708-019B960494DF}">
-              <a14:hiddenLine xmlns:a14="http://schemas.microsoft.com/office/drawing/2010/main" w="9525">
-                <a:solidFill>
-                  <a:srgbClr val="000000"/>
-                </a:solidFill>
-                <a:miter lim="800000"/>
-                <a:headEnd/>
-                <a:tailEnd/>
-              </a14:hiddenLine>
-            </a:ext>
-          </a:extLst>
-        </p:spPr>
-        <p:txBody>
-          <a:bodyPr/>
-          <a:lstStyle>
-            <a:lvl1pPr marL="342900" indent="-342900" algn="l" rtl="0" eaLnBrk="0" fontAlgn="base" latinLnBrk="1" hangingPunct="0">
-              <a:spcBef>
-                <a:spcPct val="20000"/>
-              </a:spcBef>
-              <a:spcAft>
-                <a:spcPct val="0"/>
-              </a:spcAft>
-              <a:buChar char="•"/>
-              <a:defRPr kumimoji="1" sz="3200">
-                <a:solidFill>
-                  <a:schemeClr val="tx1"/>
-                </a:solidFill>
-                <a:latin typeface="+mn-lt"/>
-                <a:ea typeface="+mn-ea"/>
-                <a:cs typeface="+mn-cs"/>
-              </a:defRPr>
-            </a:lvl1pPr>
-            <a:lvl2pPr marL="742950" indent="-285750" algn="l" rtl="0" eaLnBrk="0" fontAlgn="base" latinLnBrk="1" hangingPunct="0">
-              <a:spcBef>
-                <a:spcPct val="20000"/>
-              </a:spcBef>
-              <a:spcAft>
-                <a:spcPct val="0"/>
-              </a:spcAft>
-              <a:buChar char="–"/>
-              <a:defRPr kumimoji="1" sz="2800">
-                <a:solidFill>
-                  <a:schemeClr val="tx1"/>
-                </a:solidFill>
-                <a:latin typeface="+mn-lt"/>
-                <a:ea typeface="+mn-ea"/>
-              </a:defRPr>
-            </a:lvl2pPr>
-            <a:lvl3pPr marL="1143000" indent="-228600" algn="l" rtl="0" eaLnBrk="0" fontAlgn="base" latinLnBrk="1" hangingPunct="0">
-              <a:spcBef>
-                <a:spcPct val="20000"/>
-              </a:spcBef>
-              <a:spcAft>
-                <a:spcPct val="0"/>
-              </a:spcAft>
-              <a:buChar char="•"/>
-              <a:defRPr kumimoji="1" sz="2400">
-                <a:solidFill>
-                  <a:schemeClr val="tx1"/>
-                </a:solidFill>
-                <a:latin typeface="+mn-lt"/>
-                <a:ea typeface="+mn-ea"/>
-              </a:defRPr>
-            </a:lvl3pPr>
-            <a:lvl4pPr marL="1600200" indent="-228600" algn="l" rtl="0" eaLnBrk="0" fontAlgn="base" latinLnBrk="1" hangingPunct="0">
-              <a:spcBef>
-                <a:spcPct val="20000"/>
-              </a:spcBef>
-              <a:spcAft>
-                <a:spcPct val="0"/>
-              </a:spcAft>
-              <a:buChar char="–"/>
-              <a:defRPr kumimoji="1" sz="2000">
-                <a:solidFill>
-                  <a:schemeClr val="tx1"/>
-                </a:solidFill>
-                <a:latin typeface="+mn-lt"/>
-                <a:ea typeface="+mn-ea"/>
-              </a:defRPr>
-            </a:lvl4pPr>
-            <a:lvl5pPr marL="2057400" indent="-228600" algn="l" rtl="0" eaLnBrk="0" fontAlgn="base" latinLnBrk="1" hangingPunct="0">
-              <a:spcBef>
-                <a:spcPct val="20000"/>
-              </a:spcBef>
-              <a:spcAft>
-                <a:spcPct val="0"/>
-              </a:spcAft>
-              <a:buChar char="»"/>
-              <a:defRPr kumimoji="1" sz="2000">
-                <a:solidFill>
-                  <a:schemeClr val="tx1"/>
-                </a:solidFill>
-                <a:latin typeface="+mn-lt"/>
-                <a:ea typeface="+mn-ea"/>
-              </a:defRPr>
-            </a:lvl5pPr>
-            <a:lvl6pPr marL="2514600" indent="-228600" algn="l" rtl="0" fontAlgn="base" latinLnBrk="1">
-              <a:spcBef>
-                <a:spcPct val="20000"/>
-              </a:spcBef>
-              <a:spcAft>
-                <a:spcPct val="0"/>
-              </a:spcAft>
-              <a:buChar char="»"/>
-              <a:defRPr kumimoji="1" sz="2000">
-                <a:solidFill>
-                  <a:schemeClr val="tx1"/>
-                </a:solidFill>
-                <a:latin typeface="+mn-lt"/>
-                <a:ea typeface="+mn-ea"/>
-              </a:defRPr>
-            </a:lvl6pPr>
-            <a:lvl7pPr marL="2971800" indent="-228600" algn="l" rtl="0" fontAlgn="base" latinLnBrk="1">
-              <a:spcBef>
-                <a:spcPct val="20000"/>
-              </a:spcBef>
-              <a:spcAft>
-                <a:spcPct val="0"/>
-              </a:spcAft>
-              <a:buChar char="»"/>
-              <a:defRPr kumimoji="1" sz="2000">
-                <a:solidFill>
-                  <a:schemeClr val="tx1"/>
-                </a:solidFill>
-                <a:latin typeface="+mn-lt"/>
-                <a:ea typeface="+mn-ea"/>
-              </a:defRPr>
-            </a:lvl7pPr>
-            <a:lvl8pPr marL="3429000" indent="-228600" algn="l" rtl="0" fontAlgn="base" latinLnBrk="1">
-              <a:spcBef>
-                <a:spcPct val="20000"/>
-              </a:spcBef>
-              <a:spcAft>
-                <a:spcPct val="0"/>
-              </a:spcAft>
-              <a:buChar char="»"/>
-              <a:defRPr kumimoji="1" sz="2000">
-                <a:solidFill>
-                  <a:schemeClr val="tx1"/>
-                </a:solidFill>
-                <a:latin typeface="+mn-lt"/>
-                <a:ea typeface="+mn-ea"/>
-              </a:defRPr>
-            </a:lvl8pPr>
-            <a:lvl9pPr marL="3886200" indent="-228600" algn="l" rtl="0" fontAlgn="base" latinLnBrk="1">
-              <a:spcBef>
-                <a:spcPct val="20000"/>
-              </a:spcBef>
-              <a:spcAft>
-                <a:spcPct val="0"/>
-              </a:spcAft>
-              <a:buChar char="»"/>
-              <a:defRPr kumimoji="1" sz="2000">
-                <a:solidFill>
-                  <a:schemeClr val="tx1"/>
-                </a:solidFill>
-                <a:latin typeface="+mn-lt"/>
-                <a:ea typeface="+mn-ea"/>
-              </a:defRPr>
-            </a:lvl9pPr>
-          </a:lstStyle>
+          <a:lstStyle/>
           <a:p>
             <a:pPr marL="0" indent="0">
               <a:buFontTx/>
               <a:buNone/>
-              <a:defRPr/>
             </a:pPr>
             <a:r>
-              <a:rPr lang="en-US" altLang="ko-KR" sz="3800" kern="0" dirty="0" smtClean="0">
-                <a:solidFill>
-                  <a:srgbClr val="0070C0"/>
-                </a:solidFill>
+              <a:rPr lang="en-US" altLang="ko-KR" sz="2800" dirty="0">
                 <a:latin typeface="나눔고딕 ExtraBold" panose="020D0904000000000000" pitchFamily="50" charset="-127"/>
                 <a:ea typeface="나눔고딕 ExtraBold" panose="020D0904000000000000" pitchFamily="50" charset="-127"/>
-                <a:cs typeface="Nanum Gothic"/>
               </a:rPr>
-              <a:t>04.</a:t>
-            </a:r>
-            <a:endParaRPr lang="ko-KR" altLang="en-US" sz="3800" kern="0" dirty="0" smtClean="0">
-              <a:solidFill>
-                <a:srgbClr val="0070C0"/>
-              </a:solidFill>
+              <a:t>3</a:t>
+            </a:r>
+            <a:r>
+              <a:rPr lang="en-US" altLang="ko-KR" sz="2800" dirty="0" smtClean="0">
+                <a:latin typeface="나눔고딕 ExtraBold" panose="020D0904000000000000" pitchFamily="50" charset="-127"/>
+                <a:ea typeface="나눔고딕 ExtraBold" panose="020D0904000000000000" pitchFamily="50" charset="-127"/>
+              </a:rPr>
+              <a:t>. </a:t>
+            </a:r>
+            <a:r>
+              <a:rPr lang="ko-KR" altLang="en-US" sz="2800" dirty="0" smtClean="0">
+                <a:latin typeface="나눔고딕 ExtraBold" panose="020D0904000000000000" pitchFamily="50" charset="-127"/>
+                <a:ea typeface="나눔고딕 ExtraBold" panose="020D0904000000000000" pitchFamily="50" charset="-127"/>
+              </a:rPr>
+              <a:t>신경망에서 </a:t>
+            </a:r>
+            <a:r>
+              <a:rPr lang="ko-KR" altLang="en-US" sz="2800" dirty="0" err="1" smtClean="0">
+                <a:latin typeface="나눔고딕 ExtraBold" panose="020D0904000000000000" pitchFamily="50" charset="-127"/>
+                <a:ea typeface="나눔고딕 ExtraBold" panose="020D0904000000000000" pitchFamily="50" charset="-127"/>
+              </a:rPr>
+              <a:t>딥러닝으로</a:t>
+            </a:r>
+            <a:endParaRPr lang="ko-KR" altLang="en-US" sz="2800" dirty="0" smtClean="0">
               <a:latin typeface="나눔고딕 ExtraBold" panose="020D0904000000000000" pitchFamily="50" charset="-127"/>
               <a:ea typeface="나눔고딕 ExtraBold" panose="020D0904000000000000" pitchFamily="50" charset="-127"/>
-              <a:cs typeface="Nanum Gothic"/>
             </a:endParaRPr>
           </a:p>
         </p:txBody>
       </p:sp>
+      <p:graphicFrame>
+        <p:nvGraphicFramePr>
+          <p:cNvPr id="2" name="표 1"/>
+          <p:cNvGraphicFramePr>
+            <a:graphicFrameLocks noGrp="1"/>
+          </p:cNvGraphicFramePr>
+          <p:nvPr>
+            <p:extLst>
+              <p:ext uri="{D42A27DB-BD31-4B8C-83A1-F6EECF244321}">
+                <p14:modId xmlns:p14="http://schemas.microsoft.com/office/powerpoint/2010/main" val="4229199238"/>
+              </p:ext>
+            </p:extLst>
+          </p:nvPr>
+        </p:nvGraphicFramePr>
+        <p:xfrm>
+          <a:off x="539552" y="1124744"/>
+          <a:ext cx="7992889" cy="5573061"/>
+        </p:xfrm>
+        <a:graphic>
+          <a:graphicData uri="http://schemas.openxmlformats.org/drawingml/2006/table">
+            <a:tbl>
+              <a:tblPr/>
+              <a:tblGrid>
+                <a:gridCol w="1602712">
+                  <a:extLst>
+                    <a:ext uri="{9D8B030D-6E8A-4147-A177-3AD203B41FA5}">
+                      <a16:colId xmlns:a16="http://schemas.microsoft.com/office/drawing/2014/main" val="1252529337"/>
+                    </a:ext>
+                  </a:extLst>
+                </a:gridCol>
+                <a:gridCol w="2573752">
+                  <a:extLst>
+                    <a:ext uri="{9D8B030D-6E8A-4147-A177-3AD203B41FA5}">
+                      <a16:colId xmlns:a16="http://schemas.microsoft.com/office/drawing/2014/main" val="3706697386"/>
+                    </a:ext>
+                  </a:extLst>
+                </a:gridCol>
+                <a:gridCol w="792088">
+                  <a:extLst>
+                    <a:ext uri="{9D8B030D-6E8A-4147-A177-3AD203B41FA5}">
+                      <a16:colId xmlns:a16="http://schemas.microsoft.com/office/drawing/2014/main" val="958592461"/>
+                    </a:ext>
+                  </a:extLst>
+                </a:gridCol>
+                <a:gridCol w="3024337">
+                  <a:extLst>
+                    <a:ext uri="{9D8B030D-6E8A-4147-A177-3AD203B41FA5}">
+                      <a16:colId xmlns:a16="http://schemas.microsoft.com/office/drawing/2014/main" val="659883280"/>
+                    </a:ext>
+                  </a:extLst>
+                </a:gridCol>
+              </a:tblGrid>
+              <a:tr h="176116">
+                <a:tc>
+                  <a:txBody>
+                    <a:bodyPr/>
+                    <a:lstStyle/>
+                    <a:p>
+                      <a:pPr algn="ctr" fontAlgn="t" latinLnBrk="1"/>
+                      <a:r>
+                        <a:rPr kumimoji="1" lang="ko-KR" altLang="en-US" sz="1200" b="1" kern="1200" dirty="0" smtClean="0">
+                          <a:gradFill>
+                            <a:gsLst>
+                              <a:gs pos="0">
+                                <a:srgbClr val="404040"/>
+                              </a:gs>
+                              <a:gs pos="100000">
+                                <a:srgbClr val="404040"/>
+                              </a:gs>
+                            </a:gsLst>
+                            <a:lin ang="5400000" scaled="0"/>
+                          </a:gradFill>
+                          <a:latin typeface="나눔고딕" panose="020D0604000000000000" pitchFamily="50" charset="-127"/>
+                          <a:ea typeface="나눔고딕 ExtraBold"/>
+                          <a:cs typeface="+mn-cs"/>
+                        </a:rPr>
+                        <a:t>고급 경사 </a:t>
+                      </a:r>
+                      <a:r>
+                        <a:rPr kumimoji="1" lang="ko-KR" altLang="en-US" sz="1200" b="1" kern="1200" dirty="0" err="1" smtClean="0">
+                          <a:gradFill>
+                            <a:gsLst>
+                              <a:gs pos="0">
+                                <a:srgbClr val="404040"/>
+                              </a:gs>
+                              <a:gs pos="100000">
+                                <a:srgbClr val="404040"/>
+                              </a:gs>
+                            </a:gsLst>
+                            <a:lin ang="5400000" scaled="0"/>
+                          </a:gradFill>
+                          <a:latin typeface="나눔고딕" panose="020D0604000000000000" pitchFamily="50" charset="-127"/>
+                          <a:ea typeface="나눔고딕 ExtraBold"/>
+                          <a:cs typeface="+mn-cs"/>
+                        </a:rPr>
+                        <a:t>하강법</a:t>
+                      </a:r>
+                      <a:endParaRPr kumimoji="1" lang="ko-KR" altLang="en-US" sz="1200" b="1" kern="1200" dirty="0" smtClean="0">
+                        <a:gradFill>
+                          <a:gsLst>
+                            <a:gs pos="0">
+                              <a:srgbClr val="404040"/>
+                            </a:gs>
+                            <a:gs pos="100000">
+                              <a:srgbClr val="404040"/>
+                            </a:gs>
+                          </a:gsLst>
+                          <a:lin ang="5400000" scaled="0"/>
+                        </a:gradFill>
+                        <a:latin typeface="나눔고딕" panose="020D0604000000000000" pitchFamily="50" charset="-127"/>
+                        <a:ea typeface="나눔고딕 ExtraBold"/>
+                        <a:cs typeface="+mn-cs"/>
+                      </a:endParaRPr>
+                    </a:p>
+                  </a:txBody>
+                  <a:tcPr marL="26213" marR="26213" marT="13106" marB="13106" anchor="ctr">
+                    <a:lnL w="9525" cap="flat" cmpd="sng" algn="ctr">
+                      <a:solidFill>
+                        <a:srgbClr val="B3B3B3"/>
+                      </a:solidFill>
+                      <a:prstDash val="solid"/>
+                      <a:round/>
+                      <a:headEnd type="none" w="med" len="med"/>
+                      <a:tailEnd type="none" w="med" len="med"/>
+                    </a:lnL>
+                    <a:lnR w="9525" cap="flat" cmpd="sng" algn="ctr">
+                      <a:solidFill>
+                        <a:srgbClr val="B3B3B3"/>
+                      </a:solidFill>
+                      <a:prstDash val="solid"/>
+                      <a:round/>
+                      <a:headEnd type="none" w="med" len="med"/>
+                      <a:tailEnd type="none" w="med" len="med"/>
+                    </a:lnR>
+                    <a:lnT w="9525" cap="flat" cmpd="sng" algn="ctr">
+                      <a:solidFill>
+                        <a:srgbClr val="B3B3B3"/>
+                      </a:solidFill>
+                      <a:prstDash val="solid"/>
+                      <a:round/>
+                      <a:headEnd type="none" w="med" len="med"/>
+                      <a:tailEnd type="none" w="med" len="med"/>
+                    </a:lnT>
+                    <a:lnB w="9525" cap="flat" cmpd="sng" algn="ctr">
+                      <a:solidFill>
+                        <a:srgbClr val="B3B3B3"/>
+                      </a:solidFill>
+                      <a:prstDash val="solid"/>
+                      <a:round/>
+                      <a:headEnd type="none" w="med" len="med"/>
+                      <a:tailEnd type="none" w="med" len="med"/>
+                    </a:lnB>
+                    <a:solidFill>
+                      <a:srgbClr val="E3E3E3"/>
+                    </a:solidFill>
+                  </a:tcPr>
+                </a:tc>
+                <a:tc>
+                  <a:txBody>
+                    <a:bodyPr/>
+                    <a:lstStyle/>
+                    <a:p>
+                      <a:pPr algn="ctr" fontAlgn="t" latinLnBrk="1"/>
+                      <a:r>
+                        <a:rPr kumimoji="1" lang="ko-KR" altLang="en-US" sz="1200" b="1" kern="1200" dirty="0" smtClean="0">
+                          <a:gradFill>
+                            <a:gsLst>
+                              <a:gs pos="0">
+                                <a:srgbClr val="404040"/>
+                              </a:gs>
+                              <a:gs pos="100000">
+                                <a:srgbClr val="404040"/>
+                              </a:gs>
+                            </a:gsLst>
+                            <a:lin ang="5400000" scaled="0"/>
+                          </a:gradFill>
+                          <a:latin typeface="나눔고딕" panose="020D0604000000000000" pitchFamily="50" charset="-127"/>
+                          <a:ea typeface="나눔고딕 ExtraBold"/>
+                          <a:cs typeface="+mn-cs"/>
+                        </a:rPr>
+                        <a:t>개요</a:t>
+                      </a:r>
+                    </a:p>
+                  </a:txBody>
+                  <a:tcPr marL="26213" marR="26213" marT="13106" marB="13106" anchor="ctr">
+                    <a:lnL w="9525" cap="flat" cmpd="sng" algn="ctr">
+                      <a:solidFill>
+                        <a:srgbClr val="B3B3B3"/>
+                      </a:solidFill>
+                      <a:prstDash val="solid"/>
+                      <a:round/>
+                      <a:headEnd type="none" w="med" len="med"/>
+                      <a:tailEnd type="none" w="med" len="med"/>
+                    </a:lnL>
+                    <a:lnR w="9525" cap="flat" cmpd="sng" algn="ctr">
+                      <a:solidFill>
+                        <a:srgbClr val="B3B3B3"/>
+                      </a:solidFill>
+                      <a:prstDash val="solid"/>
+                      <a:round/>
+                      <a:headEnd type="none" w="med" len="med"/>
+                      <a:tailEnd type="none" w="med" len="med"/>
+                    </a:lnR>
+                    <a:lnT w="9525" cap="flat" cmpd="sng" algn="ctr">
+                      <a:solidFill>
+                        <a:srgbClr val="B3B3B3"/>
+                      </a:solidFill>
+                      <a:prstDash val="solid"/>
+                      <a:round/>
+                      <a:headEnd type="none" w="med" len="med"/>
+                      <a:tailEnd type="none" w="med" len="med"/>
+                    </a:lnT>
+                    <a:lnB w="9525" cap="flat" cmpd="sng" algn="ctr">
+                      <a:solidFill>
+                        <a:srgbClr val="B3B3B3"/>
+                      </a:solidFill>
+                      <a:prstDash val="solid"/>
+                      <a:round/>
+                      <a:headEnd type="none" w="med" len="med"/>
+                      <a:tailEnd type="none" w="med" len="med"/>
+                    </a:lnB>
+                    <a:solidFill>
+                      <a:srgbClr val="E3E3E3"/>
+                    </a:solidFill>
+                  </a:tcPr>
+                </a:tc>
+                <a:tc>
+                  <a:txBody>
+                    <a:bodyPr/>
+                    <a:lstStyle/>
+                    <a:p>
+                      <a:pPr algn="ctr" fontAlgn="t" latinLnBrk="1"/>
+                      <a:r>
+                        <a:rPr kumimoji="1" lang="ko-KR" altLang="en-US" sz="1200" b="1" kern="1200" dirty="0" smtClean="0">
+                          <a:gradFill>
+                            <a:gsLst>
+                              <a:gs pos="0">
+                                <a:srgbClr val="404040"/>
+                              </a:gs>
+                              <a:gs pos="100000">
+                                <a:srgbClr val="404040"/>
+                              </a:gs>
+                            </a:gsLst>
+                            <a:lin ang="5400000" scaled="0"/>
+                          </a:gradFill>
+                          <a:latin typeface="나눔고딕" panose="020D0604000000000000" pitchFamily="50" charset="-127"/>
+                          <a:ea typeface="나눔고딕 ExtraBold"/>
+                          <a:cs typeface="+mn-cs"/>
+                        </a:rPr>
+                        <a:t>효과</a:t>
+                      </a:r>
+                    </a:p>
+                  </a:txBody>
+                  <a:tcPr marL="26213" marR="26213" marT="13106" marB="13106" anchor="ctr">
+                    <a:lnL w="9525" cap="flat" cmpd="sng" algn="ctr">
+                      <a:solidFill>
+                        <a:srgbClr val="B3B3B3"/>
+                      </a:solidFill>
+                      <a:prstDash val="solid"/>
+                      <a:round/>
+                      <a:headEnd type="none" w="med" len="med"/>
+                      <a:tailEnd type="none" w="med" len="med"/>
+                    </a:lnL>
+                    <a:lnR w="9525" cap="flat" cmpd="sng" algn="ctr">
+                      <a:solidFill>
+                        <a:srgbClr val="B3B3B3"/>
+                      </a:solidFill>
+                      <a:prstDash val="solid"/>
+                      <a:round/>
+                      <a:headEnd type="none" w="med" len="med"/>
+                      <a:tailEnd type="none" w="med" len="med"/>
+                    </a:lnR>
+                    <a:lnT w="9525" cap="flat" cmpd="sng" algn="ctr">
+                      <a:solidFill>
+                        <a:srgbClr val="B3B3B3"/>
+                      </a:solidFill>
+                      <a:prstDash val="solid"/>
+                      <a:round/>
+                      <a:headEnd type="none" w="med" len="med"/>
+                      <a:tailEnd type="none" w="med" len="med"/>
+                    </a:lnT>
+                    <a:lnB w="9525" cap="flat" cmpd="sng" algn="ctr">
+                      <a:solidFill>
+                        <a:srgbClr val="B3B3B3"/>
+                      </a:solidFill>
+                      <a:prstDash val="solid"/>
+                      <a:round/>
+                      <a:headEnd type="none" w="med" len="med"/>
+                      <a:tailEnd type="none" w="med" len="med"/>
+                    </a:lnB>
+                    <a:solidFill>
+                      <a:srgbClr val="E3E3E3"/>
+                    </a:solidFill>
+                  </a:tcPr>
+                </a:tc>
+                <a:tc>
+                  <a:txBody>
+                    <a:bodyPr/>
+                    <a:lstStyle/>
+                    <a:p>
+                      <a:pPr algn="ctr" fontAlgn="t" latinLnBrk="1"/>
+                      <a:r>
+                        <a:rPr kumimoji="1" lang="ko-KR" altLang="en-US" sz="1200" b="1" kern="1200" dirty="0" err="1" smtClean="0">
+                          <a:gradFill>
+                            <a:gsLst>
+                              <a:gs pos="0">
+                                <a:srgbClr val="404040"/>
+                              </a:gs>
+                              <a:gs pos="100000">
+                                <a:srgbClr val="404040"/>
+                              </a:gs>
+                            </a:gsLst>
+                            <a:lin ang="5400000" scaled="0"/>
+                          </a:gradFill>
+                          <a:latin typeface="나눔고딕" panose="020D0604000000000000" pitchFamily="50" charset="-127"/>
+                          <a:ea typeface="나눔고딕 ExtraBold"/>
+                          <a:cs typeface="+mn-cs"/>
+                        </a:rPr>
+                        <a:t>케라스</a:t>
+                      </a:r>
+                      <a:r>
+                        <a:rPr kumimoji="1" lang="ko-KR" altLang="en-US" sz="1200" b="1" kern="1200" dirty="0" smtClean="0">
+                          <a:gradFill>
+                            <a:gsLst>
+                              <a:gs pos="0">
+                                <a:srgbClr val="404040"/>
+                              </a:gs>
+                              <a:gs pos="100000">
+                                <a:srgbClr val="404040"/>
+                              </a:gs>
+                            </a:gsLst>
+                            <a:lin ang="5400000" scaled="0"/>
+                          </a:gradFill>
+                          <a:latin typeface="나눔고딕" panose="020D0604000000000000" pitchFamily="50" charset="-127"/>
+                          <a:ea typeface="나눔고딕 ExtraBold"/>
+                          <a:cs typeface="+mn-cs"/>
+                        </a:rPr>
+                        <a:t> 사용법</a:t>
+                      </a:r>
+                    </a:p>
+                  </a:txBody>
+                  <a:tcPr marL="26213" marR="26213" marT="13106" marB="13106" anchor="ctr">
+                    <a:lnL w="9525" cap="flat" cmpd="sng" algn="ctr">
+                      <a:solidFill>
+                        <a:srgbClr val="B3B3B3"/>
+                      </a:solidFill>
+                      <a:prstDash val="solid"/>
+                      <a:round/>
+                      <a:headEnd type="none" w="med" len="med"/>
+                      <a:tailEnd type="none" w="med" len="med"/>
+                    </a:lnL>
+                    <a:lnR w="9525" cap="flat" cmpd="sng" algn="ctr">
+                      <a:solidFill>
+                        <a:srgbClr val="B3B3B3"/>
+                      </a:solidFill>
+                      <a:prstDash val="solid"/>
+                      <a:round/>
+                      <a:headEnd type="none" w="med" len="med"/>
+                      <a:tailEnd type="none" w="med" len="med"/>
+                    </a:lnR>
+                    <a:lnT w="9525" cap="flat" cmpd="sng" algn="ctr">
+                      <a:solidFill>
+                        <a:srgbClr val="B3B3B3"/>
+                      </a:solidFill>
+                      <a:prstDash val="solid"/>
+                      <a:round/>
+                      <a:headEnd type="none" w="med" len="med"/>
+                      <a:tailEnd type="none" w="med" len="med"/>
+                    </a:lnT>
+                    <a:lnB w="9525" cap="flat" cmpd="sng" algn="ctr">
+                      <a:solidFill>
+                        <a:srgbClr val="B3B3B3"/>
+                      </a:solidFill>
+                      <a:prstDash val="solid"/>
+                      <a:round/>
+                      <a:headEnd type="none" w="med" len="med"/>
+                      <a:tailEnd type="none" w="med" len="med"/>
+                    </a:lnB>
+                    <a:solidFill>
+                      <a:srgbClr val="E3E3E3"/>
+                    </a:solidFill>
+                  </a:tcPr>
+                </a:tc>
+                <a:extLst>
+                  <a:ext uri="{0D108BD9-81ED-4DB2-BD59-A6C34878D82A}">
+                    <a16:rowId xmlns:a16="http://schemas.microsoft.com/office/drawing/2014/main" val="3354465901"/>
+                  </a:ext>
+                </a:extLst>
+              </a:tr>
+              <a:tr h="478029">
+                <a:tc>
+                  <a:txBody>
+                    <a:bodyPr/>
+                    <a:lstStyle/>
+                    <a:p>
+                      <a:pPr algn="l" fontAlgn="t" latinLnBrk="1"/>
+                      <a:r>
+                        <a:rPr kumimoji="1" lang="en-US" altLang="ko-KR" sz="1200" b="1" kern="1200" dirty="0" smtClean="0">
+                          <a:gradFill>
+                            <a:gsLst>
+                              <a:gs pos="0">
+                                <a:srgbClr val="404040"/>
+                              </a:gs>
+                              <a:gs pos="100000">
+                                <a:srgbClr val="404040"/>
+                              </a:gs>
+                            </a:gsLst>
+                            <a:lin ang="5400000" scaled="0"/>
+                          </a:gradFill>
+                          <a:latin typeface="나눔고딕" panose="020D0604000000000000" pitchFamily="50" charset="-127"/>
+                          <a:ea typeface="나눔고딕 ExtraBold"/>
+                          <a:cs typeface="+mn-cs"/>
+                        </a:rPr>
+                        <a:t>1. </a:t>
+                      </a:r>
+                      <a:r>
+                        <a:rPr kumimoji="1" lang="ko-KR" altLang="en-US" sz="1200" b="1" kern="1200" dirty="0" smtClean="0">
+                          <a:gradFill>
+                            <a:gsLst>
+                              <a:gs pos="0">
+                                <a:srgbClr val="404040"/>
+                              </a:gs>
+                              <a:gs pos="100000">
+                                <a:srgbClr val="404040"/>
+                              </a:gs>
+                            </a:gsLst>
+                            <a:lin ang="5400000" scaled="0"/>
+                          </a:gradFill>
+                          <a:latin typeface="나눔고딕" panose="020D0604000000000000" pitchFamily="50" charset="-127"/>
+                          <a:ea typeface="나눔고딕 ExtraBold"/>
+                          <a:cs typeface="+mn-cs"/>
+                        </a:rPr>
+                        <a:t>확률적 경사 </a:t>
+                      </a:r>
+                      <a:r>
+                        <a:rPr kumimoji="1" lang="ko-KR" altLang="en-US" sz="1200" b="1" kern="1200" dirty="0" err="1" smtClean="0">
+                          <a:gradFill>
+                            <a:gsLst>
+                              <a:gs pos="0">
+                                <a:srgbClr val="404040"/>
+                              </a:gs>
+                              <a:gs pos="100000">
+                                <a:srgbClr val="404040"/>
+                              </a:gs>
+                            </a:gsLst>
+                            <a:lin ang="5400000" scaled="0"/>
+                          </a:gradFill>
+                          <a:latin typeface="나눔고딕" panose="020D0604000000000000" pitchFamily="50" charset="-127"/>
+                          <a:ea typeface="나눔고딕 ExtraBold"/>
+                          <a:cs typeface="+mn-cs"/>
+                        </a:rPr>
+                        <a:t>하강법</a:t>
+                      </a:r>
+                      <a:r>
+                        <a:rPr kumimoji="1" lang="ko-KR" altLang="en-US" sz="1200" b="1" kern="1200" dirty="0" smtClean="0">
+                          <a:gradFill>
+                            <a:gsLst>
+                              <a:gs pos="0">
+                                <a:srgbClr val="404040"/>
+                              </a:gs>
+                              <a:gs pos="100000">
+                                <a:srgbClr val="404040"/>
+                              </a:gs>
+                            </a:gsLst>
+                            <a:lin ang="5400000" scaled="0"/>
+                          </a:gradFill>
+                          <a:latin typeface="나눔고딕" panose="020D0604000000000000" pitchFamily="50" charset="-127"/>
+                          <a:ea typeface="나눔고딕 ExtraBold"/>
+                          <a:cs typeface="+mn-cs"/>
+                        </a:rPr>
+                        <a:t/>
+                      </a:r>
+                      <a:br>
+                        <a:rPr kumimoji="1" lang="ko-KR" altLang="en-US" sz="1200" b="1" kern="1200" dirty="0" smtClean="0">
+                          <a:gradFill>
+                            <a:gsLst>
+                              <a:gs pos="0">
+                                <a:srgbClr val="404040"/>
+                              </a:gs>
+                              <a:gs pos="100000">
+                                <a:srgbClr val="404040"/>
+                              </a:gs>
+                            </a:gsLst>
+                            <a:lin ang="5400000" scaled="0"/>
+                          </a:gradFill>
+                          <a:latin typeface="나눔고딕" panose="020D0604000000000000" pitchFamily="50" charset="-127"/>
+                          <a:ea typeface="나눔고딕 ExtraBold"/>
+                          <a:cs typeface="+mn-cs"/>
+                        </a:rPr>
+                      </a:br>
+                      <a:r>
+                        <a:rPr kumimoji="1" lang="ko-KR" altLang="en-US" sz="1200" b="1" kern="1200" dirty="0" smtClean="0">
+                          <a:gradFill>
+                            <a:gsLst>
+                              <a:gs pos="0">
+                                <a:srgbClr val="404040"/>
+                              </a:gs>
+                              <a:gs pos="100000">
+                                <a:srgbClr val="404040"/>
+                              </a:gs>
+                            </a:gsLst>
+                            <a:lin ang="5400000" scaled="0"/>
+                          </a:gradFill>
+                          <a:latin typeface="나눔고딕" panose="020D0604000000000000" pitchFamily="50" charset="-127"/>
+                          <a:ea typeface="나눔고딕 ExtraBold"/>
+                          <a:cs typeface="+mn-cs"/>
+                        </a:rPr>
+                        <a:t>   </a:t>
+                      </a:r>
+                      <a:r>
+                        <a:rPr kumimoji="1" lang="en-US" altLang="ko-KR" sz="1200" b="1" kern="1200" dirty="0" smtClean="0">
+                          <a:gradFill>
+                            <a:gsLst>
+                              <a:gs pos="0">
+                                <a:srgbClr val="404040"/>
+                              </a:gs>
+                              <a:gs pos="100000">
+                                <a:srgbClr val="404040"/>
+                              </a:gs>
+                            </a:gsLst>
+                            <a:lin ang="5400000" scaled="0"/>
+                          </a:gradFill>
+                          <a:latin typeface="나눔고딕" panose="020D0604000000000000" pitchFamily="50" charset="-127"/>
+                          <a:ea typeface="나눔고딕 ExtraBold"/>
+                          <a:cs typeface="+mn-cs"/>
+                        </a:rPr>
+                        <a:t>(</a:t>
+                      </a:r>
+                      <a:r>
+                        <a:rPr kumimoji="1" lang="en-US" altLang="ko-KR" sz="1200" b="1" kern="1200" dirty="0" smtClean="0">
+                          <a:gradFill>
+                            <a:gsLst>
+                              <a:gs pos="0">
+                                <a:srgbClr val="404040"/>
+                              </a:gs>
+                              <a:gs pos="100000">
+                                <a:srgbClr val="404040"/>
+                              </a:gs>
+                            </a:gsLst>
+                            <a:lin ang="5400000" scaled="0"/>
+                          </a:gradFill>
+                          <a:latin typeface="나눔고딕" panose="020D0604000000000000" pitchFamily="50" charset="-127"/>
+                          <a:ea typeface="나눔고딕 ExtraBold"/>
+                          <a:cs typeface="+mn-cs"/>
+                        </a:rPr>
+                        <a:t>SGD)</a:t>
+                      </a:r>
+                    </a:p>
+                  </a:txBody>
+                  <a:tcPr marL="26213" marR="26213" marT="13106" marB="13106" anchor="ctr">
+                    <a:lnL w="19050" cap="flat" cmpd="sng" algn="ctr">
+                      <a:solidFill>
+                        <a:srgbClr val="FFFFFF"/>
+                      </a:solidFill>
+                      <a:prstDash val="solid"/>
+                      <a:round/>
+                      <a:headEnd type="none" w="med" len="med"/>
+                      <a:tailEnd type="none" w="med" len="med"/>
+                    </a:lnL>
+                    <a:lnR w="9525" cap="flat" cmpd="sng" algn="ctr">
+                      <a:solidFill>
+                        <a:srgbClr val="B3B3B3"/>
+                      </a:solidFill>
+                      <a:prstDash val="solid"/>
+                      <a:round/>
+                      <a:headEnd type="none" w="med" len="med"/>
+                      <a:tailEnd type="none" w="med" len="med"/>
+                    </a:lnR>
+                    <a:lnT w="9525" cap="flat" cmpd="sng" algn="ctr">
+                      <a:solidFill>
+                        <a:srgbClr val="B3B3B3"/>
+                      </a:solidFill>
+                      <a:prstDash val="solid"/>
+                      <a:round/>
+                      <a:headEnd type="none" w="med" len="med"/>
+                      <a:tailEnd type="none" w="med" len="med"/>
+                    </a:lnT>
+                    <a:lnB w="9525" cap="flat" cmpd="sng" algn="ctr">
+                      <a:solidFill>
+                        <a:srgbClr val="B3B3B3"/>
+                      </a:solidFill>
+                      <a:prstDash val="solid"/>
+                      <a:round/>
+                      <a:headEnd type="none" w="med" len="med"/>
+                      <a:tailEnd type="none" w="med" len="med"/>
+                    </a:lnB>
+                  </a:tcPr>
+                </a:tc>
+                <a:tc>
+                  <a:txBody>
+                    <a:bodyPr/>
+                    <a:lstStyle/>
+                    <a:p>
+                      <a:pPr algn="l" fontAlgn="t" latinLnBrk="1"/>
+                      <a:r>
+                        <a:rPr kumimoji="1" lang="ko-KR" altLang="en-US" sz="1200" b="1" kern="1200" dirty="0" err="1" smtClean="0">
+                          <a:gradFill>
+                            <a:gsLst>
+                              <a:gs pos="0">
+                                <a:srgbClr val="404040"/>
+                              </a:gs>
+                              <a:gs pos="100000">
+                                <a:srgbClr val="404040"/>
+                              </a:gs>
+                            </a:gsLst>
+                            <a:lin ang="5400000" scaled="0"/>
+                          </a:gradFill>
+                          <a:latin typeface="나눔고딕" panose="020D0604000000000000" pitchFamily="50" charset="-127"/>
+                          <a:ea typeface="나눔고딕 ExtraBold"/>
+                          <a:cs typeface="+mn-cs"/>
+                        </a:rPr>
+                        <a:t>랜덤하게</a:t>
+                      </a:r>
+                      <a:r>
+                        <a:rPr kumimoji="1" lang="ko-KR" altLang="en-US" sz="1200" b="1" kern="1200" dirty="0" smtClean="0">
+                          <a:gradFill>
+                            <a:gsLst>
+                              <a:gs pos="0">
+                                <a:srgbClr val="404040"/>
+                              </a:gs>
+                              <a:gs pos="100000">
+                                <a:srgbClr val="404040"/>
+                              </a:gs>
+                            </a:gsLst>
+                            <a:lin ang="5400000" scaled="0"/>
+                          </a:gradFill>
+                          <a:latin typeface="나눔고딕" panose="020D0604000000000000" pitchFamily="50" charset="-127"/>
+                          <a:ea typeface="나눔고딕 ExtraBold"/>
+                          <a:cs typeface="+mn-cs"/>
+                        </a:rPr>
+                        <a:t> 추출한 일부 데이터를 사용해 더 빨리</a:t>
+                      </a:r>
+                      <a:r>
+                        <a:rPr kumimoji="1" lang="en-US" altLang="ko-KR" sz="1200" b="1" kern="1200" dirty="0" smtClean="0">
+                          <a:gradFill>
+                            <a:gsLst>
+                              <a:gs pos="0">
+                                <a:srgbClr val="404040"/>
+                              </a:gs>
+                              <a:gs pos="100000">
+                                <a:srgbClr val="404040"/>
+                              </a:gs>
+                            </a:gsLst>
+                            <a:lin ang="5400000" scaled="0"/>
+                          </a:gradFill>
+                          <a:latin typeface="나눔고딕" panose="020D0604000000000000" pitchFamily="50" charset="-127"/>
+                          <a:ea typeface="나눔고딕 ExtraBold"/>
+                          <a:cs typeface="+mn-cs"/>
+                        </a:rPr>
+                        <a:t>, </a:t>
+                      </a:r>
+                      <a:r>
+                        <a:rPr kumimoji="1" lang="ko-KR" altLang="en-US" sz="1200" b="1" kern="1200" dirty="0" smtClean="0">
+                          <a:gradFill>
+                            <a:gsLst>
+                              <a:gs pos="0">
+                                <a:srgbClr val="404040"/>
+                              </a:gs>
+                              <a:gs pos="100000">
+                                <a:srgbClr val="404040"/>
+                              </a:gs>
+                            </a:gsLst>
+                            <a:lin ang="5400000" scaled="0"/>
+                          </a:gradFill>
+                          <a:latin typeface="나눔고딕" panose="020D0604000000000000" pitchFamily="50" charset="-127"/>
+                          <a:ea typeface="나눔고딕 ExtraBold"/>
+                          <a:cs typeface="+mn-cs"/>
+                        </a:rPr>
+                        <a:t>자주 업데이트를 하게 하는 것</a:t>
+                      </a:r>
+                    </a:p>
+                  </a:txBody>
+                  <a:tcPr marL="26213" marR="26213" marT="13106" marB="13106" anchor="ctr">
+                    <a:lnL w="9525" cap="flat" cmpd="sng" algn="ctr">
+                      <a:solidFill>
+                        <a:srgbClr val="B3B3B3"/>
+                      </a:solidFill>
+                      <a:prstDash val="solid"/>
+                      <a:round/>
+                      <a:headEnd type="none" w="med" len="med"/>
+                      <a:tailEnd type="none" w="med" len="med"/>
+                    </a:lnL>
+                    <a:lnR w="9525" cap="flat" cmpd="sng" algn="ctr">
+                      <a:solidFill>
+                        <a:srgbClr val="B3B3B3"/>
+                      </a:solidFill>
+                      <a:prstDash val="solid"/>
+                      <a:round/>
+                      <a:headEnd type="none" w="med" len="med"/>
+                      <a:tailEnd type="none" w="med" len="med"/>
+                    </a:lnR>
+                    <a:lnT w="9525" cap="flat" cmpd="sng" algn="ctr">
+                      <a:solidFill>
+                        <a:srgbClr val="B3B3B3"/>
+                      </a:solidFill>
+                      <a:prstDash val="solid"/>
+                      <a:round/>
+                      <a:headEnd type="none" w="med" len="med"/>
+                      <a:tailEnd type="none" w="med" len="med"/>
+                    </a:lnT>
+                    <a:lnB w="9525" cap="flat" cmpd="sng" algn="ctr">
+                      <a:solidFill>
+                        <a:srgbClr val="B3B3B3"/>
+                      </a:solidFill>
+                      <a:prstDash val="solid"/>
+                      <a:round/>
+                      <a:headEnd type="none" w="med" len="med"/>
+                      <a:tailEnd type="none" w="med" len="med"/>
+                    </a:lnB>
+                  </a:tcPr>
+                </a:tc>
+                <a:tc>
+                  <a:txBody>
+                    <a:bodyPr/>
+                    <a:lstStyle/>
+                    <a:p>
+                      <a:pPr algn="ctr" fontAlgn="t" latinLnBrk="1"/>
+                      <a:r>
+                        <a:rPr kumimoji="1" lang="ko-KR" altLang="en-US" sz="1200" b="1" kern="1200" dirty="0" smtClean="0">
+                          <a:gradFill>
+                            <a:gsLst>
+                              <a:gs pos="0">
+                                <a:srgbClr val="404040"/>
+                              </a:gs>
+                              <a:gs pos="100000">
+                                <a:srgbClr val="404040"/>
+                              </a:gs>
+                            </a:gsLst>
+                            <a:lin ang="5400000" scaled="0"/>
+                          </a:gradFill>
+                          <a:latin typeface="나눔고딕" panose="020D0604000000000000" pitchFamily="50" charset="-127"/>
+                          <a:ea typeface="나눔고딕 ExtraBold"/>
+                          <a:cs typeface="+mn-cs"/>
+                        </a:rPr>
+                        <a:t>속도 개선</a:t>
+                      </a:r>
+                    </a:p>
+                  </a:txBody>
+                  <a:tcPr marL="26213" marR="26213" marT="13106" marB="13106" anchor="ctr">
+                    <a:lnL w="9525" cap="flat" cmpd="sng" algn="ctr">
+                      <a:solidFill>
+                        <a:srgbClr val="B3B3B3"/>
+                      </a:solidFill>
+                      <a:prstDash val="solid"/>
+                      <a:round/>
+                      <a:headEnd type="none" w="med" len="med"/>
+                      <a:tailEnd type="none" w="med" len="med"/>
+                    </a:lnL>
+                    <a:lnR w="9525" cap="flat" cmpd="sng" algn="ctr">
+                      <a:solidFill>
+                        <a:srgbClr val="B3B3B3"/>
+                      </a:solidFill>
+                      <a:prstDash val="solid"/>
+                      <a:round/>
+                      <a:headEnd type="none" w="med" len="med"/>
+                      <a:tailEnd type="none" w="med" len="med"/>
+                    </a:lnR>
+                    <a:lnT w="9525" cap="flat" cmpd="sng" algn="ctr">
+                      <a:solidFill>
+                        <a:srgbClr val="B3B3B3"/>
+                      </a:solidFill>
+                      <a:prstDash val="solid"/>
+                      <a:round/>
+                      <a:headEnd type="none" w="med" len="med"/>
+                      <a:tailEnd type="none" w="med" len="med"/>
+                    </a:lnT>
+                    <a:lnB w="9525" cap="flat" cmpd="sng" algn="ctr">
+                      <a:solidFill>
+                        <a:srgbClr val="B3B3B3"/>
+                      </a:solidFill>
+                      <a:prstDash val="solid"/>
+                      <a:round/>
+                      <a:headEnd type="none" w="med" len="med"/>
+                      <a:tailEnd type="none" w="med" len="med"/>
+                    </a:lnB>
+                  </a:tcPr>
+                </a:tc>
+                <a:tc>
+                  <a:txBody>
+                    <a:bodyPr/>
+                    <a:lstStyle/>
+                    <a:p>
+                      <a:pPr algn="l" fontAlgn="t" latinLnBrk="1"/>
+                      <a:r>
+                        <a:rPr kumimoji="1" lang="en-US" altLang="ko-KR" sz="1200" b="1" kern="1200" dirty="0" err="1" smtClean="0">
+                          <a:gradFill>
+                            <a:gsLst>
+                              <a:gs pos="0">
+                                <a:srgbClr val="404040"/>
+                              </a:gs>
+                              <a:gs pos="100000">
+                                <a:srgbClr val="404040"/>
+                              </a:gs>
+                            </a:gsLst>
+                            <a:lin ang="5400000" scaled="0"/>
+                          </a:gradFill>
+                          <a:latin typeface="나눔고딕" panose="020D0604000000000000" pitchFamily="50" charset="-127"/>
+                          <a:ea typeface="나눔고딕 ExtraBold"/>
+                          <a:cs typeface="+mn-cs"/>
+                        </a:rPr>
+                        <a:t>keras.optimizers.SGD</a:t>
+                      </a:r>
+                      <a:r>
+                        <a:rPr kumimoji="1" lang="en-US" altLang="ko-KR" sz="1200" b="1" kern="1200" dirty="0" smtClean="0">
+                          <a:gradFill>
+                            <a:gsLst>
+                              <a:gs pos="0">
+                                <a:srgbClr val="404040"/>
+                              </a:gs>
+                              <a:gs pos="100000">
+                                <a:srgbClr val="404040"/>
+                              </a:gs>
+                            </a:gsLst>
+                            <a:lin ang="5400000" scaled="0"/>
+                          </a:gradFill>
+                          <a:latin typeface="나눔고딕" panose="020D0604000000000000" pitchFamily="50" charset="-127"/>
+                          <a:ea typeface="나눔고딕 ExtraBold"/>
+                          <a:cs typeface="+mn-cs"/>
+                        </a:rPr>
+                        <a:t>(</a:t>
+                      </a:r>
+                      <a:r>
+                        <a:rPr kumimoji="1" lang="en-US" altLang="ko-KR" sz="1200" b="1" kern="1200" dirty="0" err="1" smtClean="0">
+                          <a:gradFill>
+                            <a:gsLst>
+                              <a:gs pos="0">
+                                <a:srgbClr val="404040"/>
+                              </a:gs>
+                              <a:gs pos="100000">
+                                <a:srgbClr val="404040"/>
+                              </a:gs>
+                            </a:gsLst>
+                            <a:lin ang="5400000" scaled="0"/>
+                          </a:gradFill>
+                          <a:latin typeface="나눔고딕" panose="020D0604000000000000" pitchFamily="50" charset="-127"/>
+                          <a:ea typeface="나눔고딕 ExtraBold"/>
+                          <a:cs typeface="+mn-cs"/>
+                        </a:rPr>
+                        <a:t>lr</a:t>
+                      </a:r>
+                      <a:r>
+                        <a:rPr kumimoji="1" lang="en-US" altLang="ko-KR" sz="1200" b="1" kern="1200" dirty="0" smtClean="0">
+                          <a:gradFill>
+                            <a:gsLst>
+                              <a:gs pos="0">
+                                <a:srgbClr val="404040"/>
+                              </a:gs>
+                              <a:gs pos="100000">
+                                <a:srgbClr val="404040"/>
+                              </a:gs>
+                            </a:gsLst>
+                            <a:lin ang="5400000" scaled="0"/>
+                          </a:gradFill>
+                          <a:latin typeface="나눔고딕" panose="020D0604000000000000" pitchFamily="50" charset="-127"/>
+                          <a:ea typeface="나눔고딕 ExtraBold"/>
+                          <a:cs typeface="+mn-cs"/>
+                        </a:rPr>
+                        <a:t>=0.1</a:t>
+                      </a:r>
+                      <a:r>
+                        <a:rPr kumimoji="1" lang="en-US" altLang="ko-KR" sz="1200" b="1" kern="1200" dirty="0" smtClean="0">
+                          <a:gradFill>
+                            <a:gsLst>
+                              <a:gs pos="0">
+                                <a:srgbClr val="404040"/>
+                              </a:gs>
+                              <a:gs pos="100000">
+                                <a:srgbClr val="404040"/>
+                              </a:gs>
+                            </a:gsLst>
+                            <a:lin ang="5400000" scaled="0"/>
+                          </a:gradFill>
+                          <a:latin typeface="나눔고딕" panose="020D0604000000000000" pitchFamily="50" charset="-127"/>
+                          <a:ea typeface="나눔고딕 ExtraBold"/>
+                          <a:cs typeface="+mn-cs"/>
+                        </a:rPr>
+                        <a:t>)</a:t>
+                      </a:r>
+                    </a:p>
+                    <a:p>
+                      <a:pPr algn="l" fontAlgn="t" latinLnBrk="1"/>
+                      <a:r>
+                        <a:rPr kumimoji="1" lang="ko-KR" altLang="en-US" sz="1200" b="1" kern="1200" dirty="0" err="1" smtClean="0">
+                          <a:gradFill>
+                            <a:gsLst>
+                              <a:gs pos="0">
+                                <a:srgbClr val="404040"/>
+                              </a:gs>
+                              <a:gs pos="100000">
+                                <a:srgbClr val="404040"/>
+                              </a:gs>
+                            </a:gsLst>
+                            <a:lin ang="5400000" scaled="0"/>
+                          </a:gradFill>
+                          <a:latin typeface="나눔고딕" panose="020D0604000000000000" pitchFamily="50" charset="-127"/>
+                          <a:ea typeface="나눔고딕 ExtraBold"/>
+                          <a:cs typeface="+mn-cs"/>
+                        </a:rPr>
+                        <a:t>케라스</a:t>
+                      </a:r>
+                      <a:r>
+                        <a:rPr kumimoji="1" lang="ko-KR" altLang="en-US" sz="1200" b="1" kern="1200" dirty="0" smtClean="0">
+                          <a:gradFill>
+                            <a:gsLst>
+                              <a:gs pos="0">
+                                <a:srgbClr val="404040"/>
+                              </a:gs>
+                              <a:gs pos="100000">
+                                <a:srgbClr val="404040"/>
+                              </a:gs>
+                            </a:gsLst>
+                            <a:lin ang="5400000" scaled="0"/>
+                          </a:gradFill>
+                          <a:latin typeface="나눔고딕" panose="020D0604000000000000" pitchFamily="50" charset="-127"/>
+                          <a:ea typeface="나눔고딕 ExtraBold"/>
+                          <a:cs typeface="+mn-cs"/>
+                        </a:rPr>
+                        <a:t> 최적화 함수를 이용합니다</a:t>
+                      </a:r>
+                      <a:r>
+                        <a:rPr kumimoji="1" lang="en-US" altLang="ko-KR" sz="1200" b="1" kern="1200" dirty="0" smtClean="0">
+                          <a:gradFill>
+                            <a:gsLst>
+                              <a:gs pos="0">
+                                <a:srgbClr val="404040"/>
+                              </a:gs>
+                              <a:gs pos="100000">
+                                <a:srgbClr val="404040"/>
+                              </a:gs>
+                            </a:gsLst>
+                            <a:lin ang="5400000" scaled="0"/>
+                          </a:gradFill>
+                          <a:latin typeface="나눔고딕" panose="020D0604000000000000" pitchFamily="50" charset="-127"/>
+                          <a:ea typeface="나눔고딕 ExtraBold"/>
+                          <a:cs typeface="+mn-cs"/>
+                        </a:rPr>
+                        <a:t>.</a:t>
+                      </a:r>
+                    </a:p>
+                  </a:txBody>
+                  <a:tcPr marL="26213" marR="26213" marT="13106" marB="13106" anchor="ctr">
+                    <a:lnL w="9525" cap="flat" cmpd="sng" algn="ctr">
+                      <a:solidFill>
+                        <a:srgbClr val="B3B3B3"/>
+                      </a:solidFill>
+                      <a:prstDash val="solid"/>
+                      <a:round/>
+                      <a:headEnd type="none" w="med" len="med"/>
+                      <a:tailEnd type="none" w="med" len="med"/>
+                    </a:lnL>
+                    <a:lnR w="19050" cap="flat" cmpd="sng" algn="ctr">
+                      <a:solidFill>
+                        <a:srgbClr val="FFFFFF"/>
+                      </a:solidFill>
+                      <a:prstDash val="solid"/>
+                      <a:round/>
+                      <a:headEnd type="none" w="med" len="med"/>
+                      <a:tailEnd type="none" w="med" len="med"/>
+                    </a:lnR>
+                    <a:lnT w="9525" cap="flat" cmpd="sng" algn="ctr">
+                      <a:solidFill>
+                        <a:srgbClr val="B3B3B3"/>
+                      </a:solidFill>
+                      <a:prstDash val="solid"/>
+                      <a:round/>
+                      <a:headEnd type="none" w="med" len="med"/>
+                      <a:tailEnd type="none" w="med" len="med"/>
+                    </a:lnT>
+                    <a:lnB w="9525" cap="flat" cmpd="sng" algn="ctr">
+                      <a:solidFill>
+                        <a:srgbClr val="B3B3B3"/>
+                      </a:solidFill>
+                      <a:prstDash val="solid"/>
+                      <a:round/>
+                      <a:headEnd type="none" w="med" len="med"/>
+                      <a:tailEnd type="none" w="med" len="med"/>
+                    </a:lnB>
+                  </a:tcPr>
+                </a:tc>
+                <a:extLst>
+                  <a:ext uri="{0D108BD9-81ED-4DB2-BD59-A6C34878D82A}">
+                    <a16:rowId xmlns:a16="http://schemas.microsoft.com/office/drawing/2014/main" val="295008910"/>
+                  </a:ext>
+                </a:extLst>
+              </a:tr>
+              <a:tr h="478029">
+                <a:tc>
+                  <a:txBody>
+                    <a:bodyPr/>
+                    <a:lstStyle/>
+                    <a:p>
+                      <a:pPr algn="l" fontAlgn="t" latinLnBrk="1"/>
+                      <a:r>
+                        <a:rPr kumimoji="1" lang="en-US" altLang="ko-KR" sz="1200" b="1" kern="1200" dirty="0" smtClean="0">
+                          <a:gradFill>
+                            <a:gsLst>
+                              <a:gs pos="0">
+                                <a:srgbClr val="404040"/>
+                              </a:gs>
+                              <a:gs pos="100000">
+                                <a:srgbClr val="404040"/>
+                              </a:gs>
+                            </a:gsLst>
+                            <a:lin ang="5400000" scaled="0"/>
+                          </a:gradFill>
+                          <a:latin typeface="나눔고딕" panose="020D0604000000000000" pitchFamily="50" charset="-127"/>
+                          <a:ea typeface="나눔고딕 ExtraBold"/>
+                          <a:cs typeface="+mn-cs"/>
+                        </a:rPr>
+                        <a:t>2. </a:t>
+                      </a:r>
+                      <a:r>
+                        <a:rPr kumimoji="1" lang="ko-KR" altLang="en-US" sz="1200" b="1" kern="1200" dirty="0" smtClean="0">
+                          <a:gradFill>
+                            <a:gsLst>
+                              <a:gs pos="0">
+                                <a:srgbClr val="404040"/>
+                              </a:gs>
+                              <a:gs pos="100000">
+                                <a:srgbClr val="404040"/>
+                              </a:gs>
+                            </a:gsLst>
+                            <a:lin ang="5400000" scaled="0"/>
+                          </a:gradFill>
+                          <a:latin typeface="나눔고딕" panose="020D0604000000000000" pitchFamily="50" charset="-127"/>
+                          <a:ea typeface="나눔고딕 ExtraBold"/>
+                          <a:cs typeface="+mn-cs"/>
+                        </a:rPr>
+                        <a:t>모멘텀</a:t>
+                      </a:r>
+                    </a:p>
+                    <a:p>
+                      <a:pPr algn="l" fontAlgn="t" latinLnBrk="1"/>
+                      <a:r>
+                        <a:rPr kumimoji="1" lang="en-US" altLang="ko-KR" sz="1200" b="1" kern="1200" dirty="0" smtClean="0">
+                          <a:gradFill>
+                            <a:gsLst>
+                              <a:gs pos="0">
+                                <a:srgbClr val="404040"/>
+                              </a:gs>
+                              <a:gs pos="100000">
+                                <a:srgbClr val="404040"/>
+                              </a:gs>
+                            </a:gsLst>
+                            <a:lin ang="5400000" scaled="0"/>
+                          </a:gradFill>
+                          <a:latin typeface="나눔고딕" panose="020D0604000000000000" pitchFamily="50" charset="-127"/>
+                          <a:ea typeface="나눔고딕 ExtraBold"/>
+                          <a:cs typeface="+mn-cs"/>
+                        </a:rPr>
+                        <a:t>   (</a:t>
+                      </a:r>
+                      <a:r>
+                        <a:rPr kumimoji="1" lang="en-US" altLang="en-US" sz="1200" b="1" kern="1200" dirty="0" smtClean="0">
+                          <a:gradFill>
+                            <a:gsLst>
+                              <a:gs pos="0">
+                                <a:srgbClr val="404040"/>
+                              </a:gs>
+                              <a:gs pos="100000">
+                                <a:srgbClr val="404040"/>
+                              </a:gs>
+                            </a:gsLst>
+                            <a:lin ang="5400000" scaled="0"/>
+                          </a:gradFill>
+                          <a:latin typeface="나눔고딕" panose="020D0604000000000000" pitchFamily="50" charset="-127"/>
+                          <a:ea typeface="나눔고딕 ExtraBold"/>
+                          <a:cs typeface="+mn-cs"/>
+                        </a:rPr>
+                        <a:t>Momentum)</a:t>
+                      </a:r>
+                    </a:p>
+                  </a:txBody>
+                  <a:tcPr marL="26213" marR="26213" marT="13106" marB="13106" anchor="ctr">
+                    <a:lnL w="19050" cap="flat" cmpd="sng" algn="ctr">
+                      <a:solidFill>
+                        <a:srgbClr val="FFFFFF"/>
+                      </a:solidFill>
+                      <a:prstDash val="solid"/>
+                      <a:round/>
+                      <a:headEnd type="none" w="med" len="med"/>
+                      <a:tailEnd type="none" w="med" len="med"/>
+                    </a:lnL>
+                    <a:lnR w="9525" cap="flat" cmpd="sng" algn="ctr">
+                      <a:solidFill>
+                        <a:srgbClr val="B3B3B3"/>
+                      </a:solidFill>
+                      <a:prstDash val="solid"/>
+                      <a:round/>
+                      <a:headEnd type="none" w="med" len="med"/>
+                      <a:tailEnd type="none" w="med" len="med"/>
+                    </a:lnR>
+                    <a:lnT w="9525" cap="flat" cmpd="sng" algn="ctr">
+                      <a:solidFill>
+                        <a:srgbClr val="B3B3B3"/>
+                      </a:solidFill>
+                      <a:prstDash val="solid"/>
+                      <a:round/>
+                      <a:headEnd type="none" w="med" len="med"/>
+                      <a:tailEnd type="none" w="med" len="med"/>
+                    </a:lnT>
+                    <a:lnB w="9525" cap="flat" cmpd="sng" algn="ctr">
+                      <a:solidFill>
+                        <a:srgbClr val="B3B3B3"/>
+                      </a:solidFill>
+                      <a:prstDash val="solid"/>
+                      <a:round/>
+                      <a:headEnd type="none" w="med" len="med"/>
+                      <a:tailEnd type="none" w="med" len="med"/>
+                    </a:lnB>
+                  </a:tcPr>
+                </a:tc>
+                <a:tc>
+                  <a:txBody>
+                    <a:bodyPr/>
+                    <a:lstStyle/>
+                    <a:p>
+                      <a:pPr algn="l" fontAlgn="t" latinLnBrk="1"/>
+                      <a:r>
+                        <a:rPr kumimoji="1" lang="ko-KR" altLang="en-US" sz="1200" b="1" kern="1200" dirty="0" smtClean="0">
+                          <a:gradFill>
+                            <a:gsLst>
+                              <a:gs pos="0">
+                                <a:srgbClr val="404040"/>
+                              </a:gs>
+                              <a:gs pos="100000">
+                                <a:srgbClr val="404040"/>
+                              </a:gs>
+                            </a:gsLst>
+                            <a:lin ang="5400000" scaled="0"/>
+                          </a:gradFill>
+                          <a:latin typeface="나눔고딕" panose="020D0604000000000000" pitchFamily="50" charset="-127"/>
+                          <a:ea typeface="나눔고딕 ExtraBold"/>
+                          <a:cs typeface="+mn-cs"/>
+                        </a:rPr>
+                        <a:t>관성의 방향을 고려해 진동과 폭을 줄이는 효과</a:t>
+                      </a:r>
+                    </a:p>
+                  </a:txBody>
+                  <a:tcPr marL="26213" marR="26213" marT="13106" marB="13106" anchor="ctr">
+                    <a:lnL w="9525" cap="flat" cmpd="sng" algn="ctr">
+                      <a:solidFill>
+                        <a:srgbClr val="B3B3B3"/>
+                      </a:solidFill>
+                      <a:prstDash val="solid"/>
+                      <a:round/>
+                      <a:headEnd type="none" w="med" len="med"/>
+                      <a:tailEnd type="none" w="med" len="med"/>
+                    </a:lnL>
+                    <a:lnR w="9525" cap="flat" cmpd="sng" algn="ctr">
+                      <a:solidFill>
+                        <a:srgbClr val="B3B3B3"/>
+                      </a:solidFill>
+                      <a:prstDash val="solid"/>
+                      <a:round/>
+                      <a:headEnd type="none" w="med" len="med"/>
+                      <a:tailEnd type="none" w="med" len="med"/>
+                    </a:lnR>
+                    <a:lnT w="9525" cap="flat" cmpd="sng" algn="ctr">
+                      <a:solidFill>
+                        <a:srgbClr val="B3B3B3"/>
+                      </a:solidFill>
+                      <a:prstDash val="solid"/>
+                      <a:round/>
+                      <a:headEnd type="none" w="med" len="med"/>
+                      <a:tailEnd type="none" w="med" len="med"/>
+                    </a:lnT>
+                    <a:lnB w="9525" cap="flat" cmpd="sng" algn="ctr">
+                      <a:solidFill>
+                        <a:srgbClr val="B3B3B3"/>
+                      </a:solidFill>
+                      <a:prstDash val="solid"/>
+                      <a:round/>
+                      <a:headEnd type="none" w="med" len="med"/>
+                      <a:tailEnd type="none" w="med" len="med"/>
+                    </a:lnB>
+                  </a:tcPr>
+                </a:tc>
+                <a:tc>
+                  <a:txBody>
+                    <a:bodyPr/>
+                    <a:lstStyle/>
+                    <a:p>
+                      <a:pPr algn="ctr" fontAlgn="t" latinLnBrk="1"/>
+                      <a:r>
+                        <a:rPr kumimoji="1" lang="ko-KR" altLang="en-US" sz="1200" b="1" kern="1200" dirty="0" smtClean="0">
+                          <a:gradFill>
+                            <a:gsLst>
+                              <a:gs pos="0">
+                                <a:srgbClr val="404040"/>
+                              </a:gs>
+                              <a:gs pos="100000">
+                                <a:srgbClr val="404040"/>
+                              </a:gs>
+                            </a:gsLst>
+                            <a:lin ang="5400000" scaled="0"/>
+                          </a:gradFill>
+                          <a:latin typeface="나눔고딕" panose="020D0604000000000000" pitchFamily="50" charset="-127"/>
+                          <a:ea typeface="나눔고딕 ExtraBold"/>
+                          <a:cs typeface="+mn-cs"/>
+                        </a:rPr>
+                        <a:t>정확도</a:t>
+                      </a:r>
+                    </a:p>
+                    <a:p>
+                      <a:pPr algn="ctr" fontAlgn="t" latinLnBrk="1"/>
+                      <a:r>
+                        <a:rPr kumimoji="1" lang="ko-KR" altLang="en-US" sz="1200" b="1" kern="1200" dirty="0" smtClean="0">
+                          <a:gradFill>
+                            <a:gsLst>
+                              <a:gs pos="0">
+                                <a:srgbClr val="404040"/>
+                              </a:gs>
+                              <a:gs pos="100000">
+                                <a:srgbClr val="404040"/>
+                              </a:gs>
+                            </a:gsLst>
+                            <a:lin ang="5400000" scaled="0"/>
+                          </a:gradFill>
+                          <a:latin typeface="나눔고딕" panose="020D0604000000000000" pitchFamily="50" charset="-127"/>
+                          <a:ea typeface="나눔고딕 ExtraBold"/>
+                          <a:cs typeface="+mn-cs"/>
+                        </a:rPr>
+                        <a:t>개선</a:t>
+                      </a:r>
+                    </a:p>
+                  </a:txBody>
+                  <a:tcPr marL="26213" marR="26213" marT="13106" marB="13106" anchor="ctr">
+                    <a:lnL w="9525" cap="flat" cmpd="sng" algn="ctr">
+                      <a:solidFill>
+                        <a:srgbClr val="B3B3B3"/>
+                      </a:solidFill>
+                      <a:prstDash val="solid"/>
+                      <a:round/>
+                      <a:headEnd type="none" w="med" len="med"/>
+                      <a:tailEnd type="none" w="med" len="med"/>
+                    </a:lnL>
+                    <a:lnR w="9525" cap="flat" cmpd="sng" algn="ctr">
+                      <a:solidFill>
+                        <a:srgbClr val="B3B3B3"/>
+                      </a:solidFill>
+                      <a:prstDash val="solid"/>
+                      <a:round/>
+                      <a:headEnd type="none" w="med" len="med"/>
+                      <a:tailEnd type="none" w="med" len="med"/>
+                    </a:lnR>
+                    <a:lnT w="9525" cap="flat" cmpd="sng" algn="ctr">
+                      <a:solidFill>
+                        <a:srgbClr val="B3B3B3"/>
+                      </a:solidFill>
+                      <a:prstDash val="solid"/>
+                      <a:round/>
+                      <a:headEnd type="none" w="med" len="med"/>
+                      <a:tailEnd type="none" w="med" len="med"/>
+                    </a:lnT>
+                    <a:lnB w="9525" cap="flat" cmpd="sng" algn="ctr">
+                      <a:solidFill>
+                        <a:srgbClr val="B3B3B3"/>
+                      </a:solidFill>
+                      <a:prstDash val="solid"/>
+                      <a:round/>
+                      <a:headEnd type="none" w="med" len="med"/>
+                      <a:tailEnd type="none" w="med" len="med"/>
+                    </a:lnB>
+                  </a:tcPr>
+                </a:tc>
+                <a:tc>
+                  <a:txBody>
+                    <a:bodyPr/>
+                    <a:lstStyle/>
+                    <a:p>
+                      <a:pPr algn="l" fontAlgn="t" latinLnBrk="1"/>
+                      <a:r>
+                        <a:rPr kumimoji="1" lang="en-US" altLang="ko-KR" sz="1200" b="1" kern="1200" dirty="0" err="1" smtClean="0">
+                          <a:gradFill>
+                            <a:gsLst>
+                              <a:gs pos="0">
+                                <a:srgbClr val="404040"/>
+                              </a:gs>
+                              <a:gs pos="100000">
+                                <a:srgbClr val="404040"/>
+                              </a:gs>
+                            </a:gsLst>
+                            <a:lin ang="5400000" scaled="0"/>
+                          </a:gradFill>
+                          <a:latin typeface="나눔고딕" panose="020D0604000000000000" pitchFamily="50" charset="-127"/>
+                          <a:ea typeface="나눔고딕 ExtraBold"/>
+                          <a:cs typeface="+mn-cs"/>
+                        </a:rPr>
+                        <a:t>keras.optimizers.SGD</a:t>
+                      </a:r>
+                      <a:r>
+                        <a:rPr kumimoji="1" lang="en-US" altLang="ko-KR" sz="1200" b="1" kern="1200" dirty="0" smtClean="0">
+                          <a:gradFill>
+                            <a:gsLst>
+                              <a:gs pos="0">
+                                <a:srgbClr val="404040"/>
+                              </a:gs>
+                              <a:gs pos="100000">
+                                <a:srgbClr val="404040"/>
+                              </a:gs>
+                            </a:gsLst>
+                            <a:lin ang="5400000" scaled="0"/>
+                          </a:gradFill>
+                          <a:latin typeface="나눔고딕" panose="020D0604000000000000" pitchFamily="50" charset="-127"/>
+                          <a:ea typeface="나눔고딕 ExtraBold"/>
+                          <a:cs typeface="+mn-cs"/>
+                        </a:rPr>
+                        <a:t>(</a:t>
+                      </a:r>
+                      <a:r>
+                        <a:rPr kumimoji="1" lang="en-US" altLang="ko-KR" sz="1200" b="1" kern="1200" dirty="0" err="1" smtClean="0">
+                          <a:gradFill>
+                            <a:gsLst>
+                              <a:gs pos="0">
+                                <a:srgbClr val="404040"/>
+                              </a:gs>
+                              <a:gs pos="100000">
+                                <a:srgbClr val="404040"/>
+                              </a:gs>
+                            </a:gsLst>
+                            <a:lin ang="5400000" scaled="0"/>
+                          </a:gradFill>
+                          <a:latin typeface="나눔고딕" panose="020D0604000000000000" pitchFamily="50" charset="-127"/>
+                          <a:ea typeface="나눔고딕 ExtraBold"/>
+                          <a:cs typeface="+mn-cs"/>
+                        </a:rPr>
+                        <a:t>lr</a:t>
+                      </a:r>
+                      <a:r>
+                        <a:rPr kumimoji="1" lang="en-US" altLang="ko-KR" sz="1200" b="1" kern="1200" dirty="0" smtClean="0">
+                          <a:gradFill>
+                            <a:gsLst>
+                              <a:gs pos="0">
+                                <a:srgbClr val="404040"/>
+                              </a:gs>
+                              <a:gs pos="100000">
+                                <a:srgbClr val="404040"/>
+                              </a:gs>
+                            </a:gsLst>
+                            <a:lin ang="5400000" scaled="0"/>
+                          </a:gradFill>
+                          <a:latin typeface="나눔고딕" panose="020D0604000000000000" pitchFamily="50" charset="-127"/>
+                          <a:ea typeface="나눔고딕 ExtraBold"/>
+                          <a:cs typeface="+mn-cs"/>
+                        </a:rPr>
+                        <a:t>=0.1</a:t>
+                      </a:r>
+                      <a:r>
+                        <a:rPr kumimoji="1" lang="en-US" altLang="ko-KR" sz="1200" b="1" kern="1200" dirty="0" smtClean="0">
+                          <a:gradFill>
+                            <a:gsLst>
+                              <a:gs pos="0">
+                                <a:srgbClr val="404040"/>
+                              </a:gs>
+                              <a:gs pos="100000">
+                                <a:srgbClr val="404040"/>
+                              </a:gs>
+                            </a:gsLst>
+                            <a:lin ang="5400000" scaled="0"/>
+                          </a:gradFill>
+                          <a:latin typeface="나눔고딕" panose="020D0604000000000000" pitchFamily="50" charset="-127"/>
+                          <a:ea typeface="나눔고딕 ExtraBold"/>
+                          <a:cs typeface="+mn-cs"/>
+                        </a:rPr>
+                        <a:t>, </a:t>
+                      </a:r>
+                      <a:endParaRPr kumimoji="1" lang="en-US" altLang="ko-KR" sz="1200" b="1" kern="1200" dirty="0" smtClean="0">
+                        <a:gradFill>
+                          <a:gsLst>
+                            <a:gs pos="0">
+                              <a:srgbClr val="404040"/>
+                            </a:gs>
+                            <a:gs pos="100000">
+                              <a:srgbClr val="404040"/>
+                            </a:gs>
+                          </a:gsLst>
+                          <a:lin ang="5400000" scaled="0"/>
+                        </a:gradFill>
+                        <a:latin typeface="나눔고딕" panose="020D0604000000000000" pitchFamily="50" charset="-127"/>
+                        <a:ea typeface="나눔고딕 ExtraBold"/>
+                        <a:cs typeface="+mn-cs"/>
+                      </a:endParaRPr>
+                    </a:p>
+                    <a:p>
+                      <a:pPr algn="l" fontAlgn="t" latinLnBrk="1"/>
+                      <a:r>
+                        <a:rPr kumimoji="1" lang="en-US" altLang="ko-KR" sz="1200" b="1" kern="1200" dirty="0" smtClean="0">
+                          <a:gradFill>
+                            <a:gsLst>
+                              <a:gs pos="0">
+                                <a:srgbClr val="404040"/>
+                              </a:gs>
+                              <a:gs pos="100000">
+                                <a:srgbClr val="404040"/>
+                              </a:gs>
+                            </a:gsLst>
+                            <a:lin ang="5400000" scaled="0"/>
+                          </a:gradFill>
+                          <a:latin typeface="나눔고딕" panose="020D0604000000000000" pitchFamily="50" charset="-127"/>
+                          <a:ea typeface="나눔고딕 ExtraBold"/>
+                          <a:cs typeface="+mn-cs"/>
+                        </a:rPr>
+                        <a:t>                                    momentum=0.9</a:t>
+                      </a:r>
+                      <a:r>
+                        <a:rPr kumimoji="1" lang="en-US" altLang="ko-KR" sz="1200" b="1" kern="1200" dirty="0" smtClean="0">
+                          <a:gradFill>
+                            <a:gsLst>
+                              <a:gs pos="0">
+                                <a:srgbClr val="404040"/>
+                              </a:gs>
+                              <a:gs pos="100000">
+                                <a:srgbClr val="404040"/>
+                              </a:gs>
+                            </a:gsLst>
+                            <a:lin ang="5400000" scaled="0"/>
+                          </a:gradFill>
+                          <a:latin typeface="나눔고딕" panose="020D0604000000000000" pitchFamily="50" charset="-127"/>
+                          <a:ea typeface="나눔고딕 ExtraBold"/>
+                          <a:cs typeface="+mn-cs"/>
+                        </a:rPr>
+                        <a:t>)</a:t>
+                      </a:r>
+                    </a:p>
+                    <a:p>
+                      <a:pPr algn="l" fontAlgn="t" latinLnBrk="1"/>
+                      <a:r>
+                        <a:rPr kumimoji="1" lang="ko-KR" altLang="en-US" sz="1200" b="1" kern="1200" dirty="0" smtClean="0">
+                          <a:gradFill>
+                            <a:gsLst>
+                              <a:gs pos="0">
+                                <a:srgbClr val="404040"/>
+                              </a:gs>
+                              <a:gs pos="100000">
+                                <a:srgbClr val="404040"/>
+                              </a:gs>
+                            </a:gsLst>
+                            <a:lin ang="5400000" scaled="0"/>
+                          </a:gradFill>
+                          <a:latin typeface="나눔고딕" panose="020D0604000000000000" pitchFamily="50" charset="-127"/>
+                          <a:ea typeface="나눔고딕 ExtraBold"/>
+                          <a:cs typeface="+mn-cs"/>
+                        </a:rPr>
+                        <a:t>모멘텀 계수를 추가합니다</a:t>
+                      </a:r>
+                      <a:r>
+                        <a:rPr kumimoji="1" lang="en-US" altLang="ko-KR" sz="1200" b="1" kern="1200" dirty="0" smtClean="0">
+                          <a:gradFill>
+                            <a:gsLst>
+                              <a:gs pos="0">
+                                <a:srgbClr val="404040"/>
+                              </a:gs>
+                              <a:gs pos="100000">
+                                <a:srgbClr val="404040"/>
+                              </a:gs>
+                            </a:gsLst>
+                            <a:lin ang="5400000" scaled="0"/>
+                          </a:gradFill>
+                          <a:latin typeface="나눔고딕" panose="020D0604000000000000" pitchFamily="50" charset="-127"/>
+                          <a:ea typeface="나눔고딕 ExtraBold"/>
+                          <a:cs typeface="+mn-cs"/>
+                        </a:rPr>
+                        <a:t>.</a:t>
+                      </a:r>
+                    </a:p>
+                  </a:txBody>
+                  <a:tcPr marL="26213" marR="26213" marT="13106" marB="13106" anchor="ctr">
+                    <a:lnL w="9525" cap="flat" cmpd="sng" algn="ctr">
+                      <a:solidFill>
+                        <a:srgbClr val="B3B3B3"/>
+                      </a:solidFill>
+                      <a:prstDash val="solid"/>
+                      <a:round/>
+                      <a:headEnd type="none" w="med" len="med"/>
+                      <a:tailEnd type="none" w="med" len="med"/>
+                    </a:lnL>
+                    <a:lnR w="19050" cap="flat" cmpd="sng" algn="ctr">
+                      <a:solidFill>
+                        <a:srgbClr val="FFFFFF"/>
+                      </a:solidFill>
+                      <a:prstDash val="solid"/>
+                      <a:round/>
+                      <a:headEnd type="none" w="med" len="med"/>
+                      <a:tailEnd type="none" w="med" len="med"/>
+                    </a:lnR>
+                    <a:lnT w="9525" cap="flat" cmpd="sng" algn="ctr">
+                      <a:solidFill>
+                        <a:srgbClr val="B3B3B3"/>
+                      </a:solidFill>
+                      <a:prstDash val="solid"/>
+                      <a:round/>
+                      <a:headEnd type="none" w="med" len="med"/>
+                      <a:tailEnd type="none" w="med" len="med"/>
+                    </a:lnT>
+                    <a:lnB w="9525" cap="flat" cmpd="sng" algn="ctr">
+                      <a:solidFill>
+                        <a:srgbClr val="B3B3B3"/>
+                      </a:solidFill>
+                      <a:prstDash val="solid"/>
+                      <a:round/>
+                      <a:headEnd type="none" w="med" len="med"/>
+                      <a:tailEnd type="none" w="med" len="med"/>
+                    </a:lnB>
+                  </a:tcPr>
+                </a:tc>
+                <a:extLst>
+                  <a:ext uri="{0D108BD9-81ED-4DB2-BD59-A6C34878D82A}">
+                    <a16:rowId xmlns:a16="http://schemas.microsoft.com/office/drawing/2014/main" val="2714127992"/>
+                  </a:ext>
+                </a:extLst>
+              </a:tr>
+              <a:tr h="553507">
+                <a:tc>
+                  <a:txBody>
+                    <a:bodyPr/>
+                    <a:lstStyle/>
+                    <a:p>
+                      <a:pPr algn="l" fontAlgn="t" latinLnBrk="1"/>
+                      <a:r>
+                        <a:rPr kumimoji="1" lang="en-US" altLang="ko-KR" sz="1200" b="1" kern="1200" dirty="0" smtClean="0">
+                          <a:gradFill>
+                            <a:gsLst>
+                              <a:gs pos="0">
+                                <a:srgbClr val="404040"/>
+                              </a:gs>
+                              <a:gs pos="100000">
+                                <a:srgbClr val="404040"/>
+                              </a:gs>
+                            </a:gsLst>
+                            <a:lin ang="5400000" scaled="0"/>
+                          </a:gradFill>
+                          <a:latin typeface="나눔고딕" panose="020D0604000000000000" pitchFamily="50" charset="-127"/>
+                          <a:ea typeface="나눔고딕 ExtraBold"/>
+                          <a:cs typeface="+mn-cs"/>
+                        </a:rPr>
+                        <a:t>3. </a:t>
+                      </a:r>
+                      <a:r>
+                        <a:rPr kumimoji="1" lang="ko-KR" altLang="en-US" sz="1200" b="1" kern="1200" dirty="0" err="1" smtClean="0">
+                          <a:gradFill>
+                            <a:gsLst>
+                              <a:gs pos="0">
+                                <a:srgbClr val="404040"/>
+                              </a:gs>
+                              <a:gs pos="100000">
+                                <a:srgbClr val="404040"/>
+                              </a:gs>
+                            </a:gsLst>
+                            <a:lin ang="5400000" scaled="0"/>
+                          </a:gradFill>
+                          <a:latin typeface="나눔고딕" panose="020D0604000000000000" pitchFamily="50" charset="-127"/>
+                          <a:ea typeface="나눔고딕 ExtraBold"/>
+                          <a:cs typeface="+mn-cs"/>
+                        </a:rPr>
+                        <a:t>네스테로프</a:t>
+                      </a:r>
+                      <a:r>
+                        <a:rPr kumimoji="1" lang="ko-KR" altLang="en-US" sz="1200" b="1" kern="1200" dirty="0" smtClean="0">
+                          <a:gradFill>
+                            <a:gsLst>
+                              <a:gs pos="0">
+                                <a:srgbClr val="404040"/>
+                              </a:gs>
+                              <a:gs pos="100000">
+                                <a:srgbClr val="404040"/>
+                              </a:gs>
+                            </a:gsLst>
+                            <a:lin ang="5400000" scaled="0"/>
+                          </a:gradFill>
+                          <a:latin typeface="나눔고딕" panose="020D0604000000000000" pitchFamily="50" charset="-127"/>
+                          <a:ea typeface="나눔고딕 ExtraBold"/>
+                          <a:cs typeface="+mn-cs"/>
+                        </a:rPr>
+                        <a:t> 모멘텀</a:t>
+                      </a:r>
+                      <a:br>
+                        <a:rPr kumimoji="1" lang="ko-KR" altLang="en-US" sz="1200" b="1" kern="1200" dirty="0" smtClean="0">
+                          <a:gradFill>
+                            <a:gsLst>
+                              <a:gs pos="0">
+                                <a:srgbClr val="404040"/>
+                              </a:gs>
+                              <a:gs pos="100000">
+                                <a:srgbClr val="404040"/>
+                              </a:gs>
+                            </a:gsLst>
+                            <a:lin ang="5400000" scaled="0"/>
+                          </a:gradFill>
+                          <a:latin typeface="나눔고딕" panose="020D0604000000000000" pitchFamily="50" charset="-127"/>
+                          <a:ea typeface="나눔고딕 ExtraBold"/>
+                          <a:cs typeface="+mn-cs"/>
+                        </a:rPr>
+                      </a:br>
+                      <a:r>
+                        <a:rPr kumimoji="1" lang="ko-KR" altLang="en-US" sz="1200" b="1" kern="1200" dirty="0" smtClean="0">
+                          <a:gradFill>
+                            <a:gsLst>
+                              <a:gs pos="0">
+                                <a:srgbClr val="404040"/>
+                              </a:gs>
+                              <a:gs pos="100000">
+                                <a:srgbClr val="404040"/>
+                              </a:gs>
+                            </a:gsLst>
+                            <a:lin ang="5400000" scaled="0"/>
+                          </a:gradFill>
+                          <a:latin typeface="나눔고딕" panose="020D0604000000000000" pitchFamily="50" charset="-127"/>
+                          <a:ea typeface="나눔고딕 ExtraBold"/>
+                          <a:cs typeface="+mn-cs"/>
+                        </a:rPr>
+                        <a:t>   </a:t>
+                      </a:r>
+                      <a:r>
+                        <a:rPr kumimoji="1" lang="en-US" altLang="ko-KR" sz="1200" b="1" kern="1200" dirty="0" smtClean="0">
+                          <a:gradFill>
+                            <a:gsLst>
+                              <a:gs pos="0">
+                                <a:srgbClr val="404040"/>
+                              </a:gs>
+                              <a:gs pos="100000">
+                                <a:srgbClr val="404040"/>
+                              </a:gs>
+                            </a:gsLst>
+                            <a:lin ang="5400000" scaled="0"/>
+                          </a:gradFill>
+                          <a:latin typeface="나눔고딕" panose="020D0604000000000000" pitchFamily="50" charset="-127"/>
+                          <a:ea typeface="나눔고딕 ExtraBold"/>
+                          <a:cs typeface="+mn-cs"/>
+                        </a:rPr>
+                        <a:t>(</a:t>
+                      </a:r>
+                      <a:r>
+                        <a:rPr kumimoji="1" lang="en-US" altLang="ko-KR" sz="1200" b="1" kern="1200" dirty="0" smtClean="0">
+                          <a:gradFill>
+                            <a:gsLst>
+                              <a:gs pos="0">
+                                <a:srgbClr val="404040"/>
+                              </a:gs>
+                              <a:gs pos="100000">
+                                <a:srgbClr val="404040"/>
+                              </a:gs>
+                            </a:gsLst>
+                            <a:lin ang="5400000" scaled="0"/>
+                          </a:gradFill>
+                          <a:latin typeface="나눔고딕" panose="020D0604000000000000" pitchFamily="50" charset="-127"/>
+                          <a:ea typeface="나눔고딕 ExtraBold"/>
+                          <a:cs typeface="+mn-cs"/>
+                        </a:rPr>
+                        <a:t>NAG)</a:t>
+                      </a:r>
+                    </a:p>
+                  </a:txBody>
+                  <a:tcPr marL="26213" marR="26213" marT="13106" marB="13106" anchor="ctr">
+                    <a:lnL w="19050" cap="flat" cmpd="sng" algn="ctr">
+                      <a:solidFill>
+                        <a:srgbClr val="FFFFFF"/>
+                      </a:solidFill>
+                      <a:prstDash val="solid"/>
+                      <a:round/>
+                      <a:headEnd type="none" w="med" len="med"/>
+                      <a:tailEnd type="none" w="med" len="med"/>
+                    </a:lnL>
+                    <a:lnR w="9525" cap="flat" cmpd="sng" algn="ctr">
+                      <a:solidFill>
+                        <a:srgbClr val="B3B3B3"/>
+                      </a:solidFill>
+                      <a:prstDash val="solid"/>
+                      <a:round/>
+                      <a:headEnd type="none" w="med" len="med"/>
+                      <a:tailEnd type="none" w="med" len="med"/>
+                    </a:lnR>
+                    <a:lnT w="9525" cap="flat" cmpd="sng" algn="ctr">
+                      <a:solidFill>
+                        <a:srgbClr val="B3B3B3"/>
+                      </a:solidFill>
+                      <a:prstDash val="solid"/>
+                      <a:round/>
+                      <a:headEnd type="none" w="med" len="med"/>
+                      <a:tailEnd type="none" w="med" len="med"/>
+                    </a:lnT>
+                    <a:lnB w="9525" cap="flat" cmpd="sng" algn="ctr">
+                      <a:solidFill>
+                        <a:srgbClr val="B3B3B3"/>
+                      </a:solidFill>
+                      <a:prstDash val="solid"/>
+                      <a:round/>
+                      <a:headEnd type="none" w="med" len="med"/>
+                      <a:tailEnd type="none" w="med" len="med"/>
+                    </a:lnB>
+                  </a:tcPr>
+                </a:tc>
+                <a:tc>
+                  <a:txBody>
+                    <a:bodyPr/>
+                    <a:lstStyle/>
+                    <a:p>
+                      <a:pPr algn="l" fontAlgn="t" latinLnBrk="1"/>
+                      <a:r>
+                        <a:rPr kumimoji="1" lang="ko-KR" altLang="en-US" sz="1200" b="1" kern="1200" dirty="0" smtClean="0">
+                          <a:gradFill>
+                            <a:gsLst>
+                              <a:gs pos="0">
+                                <a:srgbClr val="404040"/>
+                              </a:gs>
+                              <a:gs pos="100000">
+                                <a:srgbClr val="404040"/>
+                              </a:gs>
+                            </a:gsLst>
+                            <a:lin ang="5400000" scaled="0"/>
+                          </a:gradFill>
+                          <a:latin typeface="나눔고딕" panose="020D0604000000000000" pitchFamily="50" charset="-127"/>
+                          <a:ea typeface="나눔고딕 ExtraBold"/>
+                          <a:cs typeface="+mn-cs"/>
+                        </a:rPr>
+                        <a:t>모멘텀이 이동시킬 방향으로 미리 이동해서 </a:t>
+                      </a:r>
+                      <a:r>
+                        <a:rPr kumimoji="1" lang="ko-KR" altLang="en-US" sz="1200" b="1" kern="1200" dirty="0" err="1" smtClean="0">
+                          <a:gradFill>
+                            <a:gsLst>
+                              <a:gs pos="0">
+                                <a:srgbClr val="404040"/>
+                              </a:gs>
+                              <a:gs pos="100000">
+                                <a:srgbClr val="404040"/>
+                              </a:gs>
+                            </a:gsLst>
+                            <a:lin ang="5400000" scaled="0"/>
+                          </a:gradFill>
+                          <a:latin typeface="나눔고딕" panose="020D0604000000000000" pitchFamily="50" charset="-127"/>
+                          <a:ea typeface="나눔고딕 ExtraBold"/>
+                          <a:cs typeface="+mn-cs"/>
+                        </a:rPr>
+                        <a:t>그레이디언트를</a:t>
+                      </a:r>
+                      <a:r>
+                        <a:rPr kumimoji="1" lang="ko-KR" altLang="en-US" sz="1200" b="1" kern="1200" dirty="0" smtClean="0">
+                          <a:gradFill>
+                            <a:gsLst>
+                              <a:gs pos="0">
+                                <a:srgbClr val="404040"/>
+                              </a:gs>
+                              <a:gs pos="100000">
+                                <a:srgbClr val="404040"/>
+                              </a:gs>
+                            </a:gsLst>
+                            <a:lin ang="5400000" scaled="0"/>
+                          </a:gradFill>
+                          <a:latin typeface="나눔고딕" panose="020D0604000000000000" pitchFamily="50" charset="-127"/>
+                          <a:ea typeface="나눔고딕 ExtraBold"/>
+                          <a:cs typeface="+mn-cs"/>
+                        </a:rPr>
+                        <a:t> 계산</a:t>
+                      </a:r>
+                      <a:r>
+                        <a:rPr kumimoji="1" lang="en-US" altLang="ko-KR" sz="1200" b="1" kern="1200" dirty="0" smtClean="0">
+                          <a:gradFill>
+                            <a:gsLst>
+                              <a:gs pos="0">
+                                <a:srgbClr val="404040"/>
+                              </a:gs>
+                              <a:gs pos="100000">
+                                <a:srgbClr val="404040"/>
+                              </a:gs>
+                            </a:gsLst>
+                            <a:lin ang="5400000" scaled="0"/>
+                          </a:gradFill>
+                          <a:latin typeface="나눔고딕" panose="020D0604000000000000" pitchFamily="50" charset="-127"/>
+                          <a:ea typeface="나눔고딕 ExtraBold"/>
+                          <a:cs typeface="+mn-cs"/>
+                        </a:rPr>
+                        <a:t>. </a:t>
+                      </a:r>
+                      <a:r>
+                        <a:rPr kumimoji="1" lang="ko-KR" altLang="en-US" sz="1200" b="1" kern="1200" dirty="0" smtClean="0">
+                          <a:gradFill>
+                            <a:gsLst>
+                              <a:gs pos="0">
+                                <a:srgbClr val="404040"/>
+                              </a:gs>
+                              <a:gs pos="100000">
+                                <a:srgbClr val="404040"/>
+                              </a:gs>
+                            </a:gsLst>
+                            <a:lin ang="5400000" scaled="0"/>
+                          </a:gradFill>
+                          <a:latin typeface="나눔고딕" panose="020D0604000000000000" pitchFamily="50" charset="-127"/>
+                          <a:ea typeface="나눔고딕 ExtraBold"/>
+                          <a:cs typeface="+mn-cs"/>
+                        </a:rPr>
+                        <a:t>불필요한 이동을 줄이는 효과</a:t>
+                      </a:r>
+                    </a:p>
+                  </a:txBody>
+                  <a:tcPr marL="26213" marR="26213" marT="13106" marB="13106" anchor="ctr">
+                    <a:lnL w="9525" cap="flat" cmpd="sng" algn="ctr">
+                      <a:solidFill>
+                        <a:srgbClr val="B3B3B3"/>
+                      </a:solidFill>
+                      <a:prstDash val="solid"/>
+                      <a:round/>
+                      <a:headEnd type="none" w="med" len="med"/>
+                      <a:tailEnd type="none" w="med" len="med"/>
+                    </a:lnL>
+                    <a:lnR w="9525" cap="flat" cmpd="sng" algn="ctr">
+                      <a:solidFill>
+                        <a:srgbClr val="B3B3B3"/>
+                      </a:solidFill>
+                      <a:prstDash val="solid"/>
+                      <a:round/>
+                      <a:headEnd type="none" w="med" len="med"/>
+                      <a:tailEnd type="none" w="med" len="med"/>
+                    </a:lnR>
+                    <a:lnT w="9525" cap="flat" cmpd="sng" algn="ctr">
+                      <a:solidFill>
+                        <a:srgbClr val="B3B3B3"/>
+                      </a:solidFill>
+                      <a:prstDash val="solid"/>
+                      <a:round/>
+                      <a:headEnd type="none" w="med" len="med"/>
+                      <a:tailEnd type="none" w="med" len="med"/>
+                    </a:lnT>
+                    <a:lnB w="9525" cap="flat" cmpd="sng" algn="ctr">
+                      <a:solidFill>
+                        <a:srgbClr val="B3B3B3"/>
+                      </a:solidFill>
+                      <a:prstDash val="solid"/>
+                      <a:round/>
+                      <a:headEnd type="none" w="med" len="med"/>
+                      <a:tailEnd type="none" w="med" len="med"/>
+                    </a:lnB>
+                  </a:tcPr>
+                </a:tc>
+                <a:tc>
+                  <a:txBody>
+                    <a:bodyPr/>
+                    <a:lstStyle/>
+                    <a:p>
+                      <a:pPr algn="ctr" fontAlgn="t" latinLnBrk="1"/>
+                      <a:r>
+                        <a:rPr kumimoji="1" lang="ko-KR" altLang="en-US" sz="1200" b="1" kern="1200" dirty="0" smtClean="0">
+                          <a:gradFill>
+                            <a:gsLst>
+                              <a:gs pos="0">
+                                <a:srgbClr val="404040"/>
+                              </a:gs>
+                              <a:gs pos="100000">
+                                <a:srgbClr val="404040"/>
+                              </a:gs>
+                            </a:gsLst>
+                            <a:lin ang="5400000" scaled="0"/>
+                          </a:gradFill>
+                          <a:latin typeface="나눔고딕" panose="020D0604000000000000" pitchFamily="50" charset="-127"/>
+                          <a:ea typeface="나눔고딕 ExtraBold"/>
+                          <a:cs typeface="+mn-cs"/>
+                        </a:rPr>
+                        <a:t>정확도</a:t>
+                      </a:r>
+                    </a:p>
+                    <a:p>
+                      <a:pPr algn="ctr" fontAlgn="t" latinLnBrk="1"/>
+                      <a:r>
+                        <a:rPr kumimoji="1" lang="ko-KR" altLang="en-US" sz="1200" b="1" kern="1200" dirty="0" smtClean="0">
+                          <a:gradFill>
+                            <a:gsLst>
+                              <a:gs pos="0">
+                                <a:srgbClr val="404040"/>
+                              </a:gs>
+                              <a:gs pos="100000">
+                                <a:srgbClr val="404040"/>
+                              </a:gs>
+                            </a:gsLst>
+                            <a:lin ang="5400000" scaled="0"/>
+                          </a:gradFill>
+                          <a:latin typeface="나눔고딕" panose="020D0604000000000000" pitchFamily="50" charset="-127"/>
+                          <a:ea typeface="나눔고딕 ExtraBold"/>
+                          <a:cs typeface="+mn-cs"/>
+                        </a:rPr>
+                        <a:t>개선</a:t>
+                      </a:r>
+                    </a:p>
+                  </a:txBody>
+                  <a:tcPr marL="26213" marR="26213" marT="13106" marB="13106" anchor="ctr">
+                    <a:lnL w="9525" cap="flat" cmpd="sng" algn="ctr">
+                      <a:solidFill>
+                        <a:srgbClr val="B3B3B3"/>
+                      </a:solidFill>
+                      <a:prstDash val="solid"/>
+                      <a:round/>
+                      <a:headEnd type="none" w="med" len="med"/>
+                      <a:tailEnd type="none" w="med" len="med"/>
+                    </a:lnL>
+                    <a:lnR w="9525" cap="flat" cmpd="sng" algn="ctr">
+                      <a:solidFill>
+                        <a:srgbClr val="B3B3B3"/>
+                      </a:solidFill>
+                      <a:prstDash val="solid"/>
+                      <a:round/>
+                      <a:headEnd type="none" w="med" len="med"/>
+                      <a:tailEnd type="none" w="med" len="med"/>
+                    </a:lnR>
+                    <a:lnT w="9525" cap="flat" cmpd="sng" algn="ctr">
+                      <a:solidFill>
+                        <a:srgbClr val="B3B3B3"/>
+                      </a:solidFill>
+                      <a:prstDash val="solid"/>
+                      <a:round/>
+                      <a:headEnd type="none" w="med" len="med"/>
+                      <a:tailEnd type="none" w="med" len="med"/>
+                    </a:lnT>
+                    <a:lnB w="9525" cap="flat" cmpd="sng" algn="ctr">
+                      <a:solidFill>
+                        <a:srgbClr val="B3B3B3"/>
+                      </a:solidFill>
+                      <a:prstDash val="solid"/>
+                      <a:round/>
+                      <a:headEnd type="none" w="med" len="med"/>
+                      <a:tailEnd type="none" w="med" len="med"/>
+                    </a:lnB>
+                  </a:tcPr>
+                </a:tc>
+                <a:tc>
+                  <a:txBody>
+                    <a:bodyPr/>
+                    <a:lstStyle/>
+                    <a:p>
+                      <a:pPr algn="l" fontAlgn="t" latinLnBrk="1"/>
+                      <a:r>
+                        <a:rPr kumimoji="1" lang="en-US" altLang="en-US" sz="1200" b="1" kern="1200" dirty="0" err="1" smtClean="0">
+                          <a:gradFill>
+                            <a:gsLst>
+                              <a:gs pos="0">
+                                <a:srgbClr val="404040"/>
+                              </a:gs>
+                              <a:gs pos="100000">
+                                <a:srgbClr val="404040"/>
+                              </a:gs>
+                            </a:gsLst>
+                            <a:lin ang="5400000" scaled="0"/>
+                          </a:gradFill>
+                          <a:latin typeface="나눔고딕" panose="020D0604000000000000" pitchFamily="50" charset="-127"/>
+                          <a:ea typeface="나눔고딕 ExtraBold"/>
+                          <a:cs typeface="+mn-cs"/>
+                        </a:rPr>
+                        <a:t>keras.optimizers.SGD</a:t>
+                      </a:r>
+                      <a:r>
+                        <a:rPr kumimoji="1" lang="en-US" altLang="en-US" sz="1200" b="1" kern="1200" dirty="0" smtClean="0">
+                          <a:gradFill>
+                            <a:gsLst>
+                              <a:gs pos="0">
+                                <a:srgbClr val="404040"/>
+                              </a:gs>
+                              <a:gs pos="100000">
+                                <a:srgbClr val="404040"/>
+                              </a:gs>
+                            </a:gsLst>
+                            <a:lin ang="5400000" scaled="0"/>
+                          </a:gradFill>
+                          <a:latin typeface="나눔고딕" panose="020D0604000000000000" pitchFamily="50" charset="-127"/>
+                          <a:ea typeface="나눔고딕 ExtraBold"/>
+                          <a:cs typeface="+mn-cs"/>
+                        </a:rPr>
+                        <a:t>(</a:t>
+                      </a:r>
+                      <a:r>
+                        <a:rPr kumimoji="1" lang="en-US" altLang="en-US" sz="1200" b="1" kern="1200" dirty="0" err="1" smtClean="0">
+                          <a:gradFill>
+                            <a:gsLst>
+                              <a:gs pos="0">
+                                <a:srgbClr val="404040"/>
+                              </a:gs>
+                              <a:gs pos="100000">
+                                <a:srgbClr val="404040"/>
+                              </a:gs>
+                            </a:gsLst>
+                            <a:lin ang="5400000" scaled="0"/>
+                          </a:gradFill>
+                          <a:latin typeface="나눔고딕" panose="020D0604000000000000" pitchFamily="50" charset="-127"/>
+                          <a:ea typeface="나눔고딕 ExtraBold"/>
+                          <a:cs typeface="+mn-cs"/>
+                        </a:rPr>
+                        <a:t>lr</a:t>
+                      </a:r>
+                      <a:r>
+                        <a:rPr kumimoji="1" lang="en-US" altLang="en-US" sz="1200" b="1" kern="1200" dirty="0" smtClean="0">
+                          <a:gradFill>
+                            <a:gsLst>
+                              <a:gs pos="0">
+                                <a:srgbClr val="404040"/>
+                              </a:gs>
+                              <a:gs pos="100000">
+                                <a:srgbClr val="404040"/>
+                              </a:gs>
+                            </a:gsLst>
+                            <a:lin ang="5400000" scaled="0"/>
+                          </a:gradFill>
+                          <a:latin typeface="나눔고딕" panose="020D0604000000000000" pitchFamily="50" charset="-127"/>
+                          <a:ea typeface="나눔고딕 ExtraBold"/>
+                          <a:cs typeface="+mn-cs"/>
+                        </a:rPr>
+                        <a:t>=0.1</a:t>
+                      </a:r>
+                      <a:r>
+                        <a:rPr kumimoji="1" lang="en-US" altLang="en-US" sz="1200" b="1" kern="1200" dirty="0" smtClean="0">
+                          <a:gradFill>
+                            <a:gsLst>
+                              <a:gs pos="0">
+                                <a:srgbClr val="404040"/>
+                              </a:gs>
+                              <a:gs pos="100000">
+                                <a:srgbClr val="404040"/>
+                              </a:gs>
+                            </a:gsLst>
+                            <a:lin ang="5400000" scaled="0"/>
+                          </a:gradFill>
+                          <a:latin typeface="나눔고딕" panose="020D0604000000000000" pitchFamily="50" charset="-127"/>
+                          <a:ea typeface="나눔고딕 ExtraBold"/>
+                          <a:cs typeface="+mn-cs"/>
+                        </a:rPr>
+                        <a:t>, </a:t>
+                      </a:r>
+                      <a:endParaRPr kumimoji="1" lang="en-US" altLang="en-US" sz="1200" b="1" kern="1200" dirty="0" smtClean="0">
+                        <a:gradFill>
+                          <a:gsLst>
+                            <a:gs pos="0">
+                              <a:srgbClr val="404040"/>
+                            </a:gs>
+                            <a:gs pos="100000">
+                              <a:srgbClr val="404040"/>
+                            </a:gs>
+                          </a:gsLst>
+                          <a:lin ang="5400000" scaled="0"/>
+                        </a:gradFill>
+                        <a:latin typeface="나눔고딕" panose="020D0604000000000000" pitchFamily="50" charset="-127"/>
+                        <a:ea typeface="나눔고딕 ExtraBold"/>
+                        <a:cs typeface="+mn-cs"/>
+                      </a:endParaRPr>
+                    </a:p>
+                    <a:p>
+                      <a:pPr algn="l" fontAlgn="t" latinLnBrk="1"/>
+                      <a:r>
+                        <a:rPr kumimoji="1" lang="en-US" altLang="en-US" sz="1200" b="1" kern="1200" dirty="0" smtClean="0">
+                          <a:gradFill>
+                            <a:gsLst>
+                              <a:gs pos="0">
+                                <a:srgbClr val="404040"/>
+                              </a:gs>
+                              <a:gs pos="100000">
+                                <a:srgbClr val="404040"/>
+                              </a:gs>
+                            </a:gsLst>
+                            <a:lin ang="5400000" scaled="0"/>
+                          </a:gradFill>
+                          <a:latin typeface="나눔고딕" panose="020D0604000000000000" pitchFamily="50" charset="-127"/>
+                          <a:ea typeface="나눔고딕 ExtraBold"/>
+                          <a:cs typeface="+mn-cs"/>
+                        </a:rPr>
+                        <a:t>                                    momentum=0.9,</a:t>
+                      </a:r>
+                    </a:p>
+                    <a:p>
+                      <a:pPr algn="l" fontAlgn="t" latinLnBrk="1"/>
+                      <a:r>
+                        <a:rPr kumimoji="1" lang="en-US" altLang="en-US" sz="1200" b="1" kern="1200" baseline="0" dirty="0" smtClean="0">
+                          <a:gradFill>
+                            <a:gsLst>
+                              <a:gs pos="0">
+                                <a:srgbClr val="404040"/>
+                              </a:gs>
+                              <a:gs pos="100000">
+                                <a:srgbClr val="404040"/>
+                              </a:gs>
+                            </a:gsLst>
+                            <a:lin ang="5400000" scaled="0"/>
+                          </a:gradFill>
+                          <a:latin typeface="나눔고딕" panose="020D0604000000000000" pitchFamily="50" charset="-127"/>
+                          <a:ea typeface="나눔고딕 ExtraBold"/>
+                          <a:cs typeface="+mn-cs"/>
+                        </a:rPr>
+                        <a:t>                                    </a:t>
+                      </a:r>
+                      <a:r>
+                        <a:rPr kumimoji="1" lang="en-US" altLang="en-US" sz="1200" b="1" kern="1200" dirty="0" err="1" smtClean="0">
+                          <a:gradFill>
+                            <a:gsLst>
+                              <a:gs pos="0">
+                                <a:srgbClr val="404040"/>
+                              </a:gs>
+                              <a:gs pos="100000">
+                                <a:srgbClr val="404040"/>
+                              </a:gs>
+                            </a:gsLst>
+                            <a:lin ang="5400000" scaled="0"/>
+                          </a:gradFill>
+                          <a:latin typeface="나눔고딕" panose="020D0604000000000000" pitchFamily="50" charset="-127"/>
+                          <a:ea typeface="나눔고딕 ExtraBold"/>
+                          <a:cs typeface="+mn-cs"/>
+                        </a:rPr>
+                        <a:t>nesterov</a:t>
+                      </a:r>
+                      <a:r>
+                        <a:rPr kumimoji="1" lang="en-US" altLang="en-US" sz="1200" b="1" kern="1200" dirty="0" smtClean="0">
+                          <a:gradFill>
+                            <a:gsLst>
+                              <a:gs pos="0">
+                                <a:srgbClr val="404040"/>
+                              </a:gs>
+                              <a:gs pos="100000">
+                                <a:srgbClr val="404040"/>
+                              </a:gs>
+                            </a:gsLst>
+                            <a:lin ang="5400000" scaled="0"/>
+                          </a:gradFill>
+                          <a:latin typeface="나눔고딕" panose="020D0604000000000000" pitchFamily="50" charset="-127"/>
+                          <a:ea typeface="나눔고딕 ExtraBold"/>
+                          <a:cs typeface="+mn-cs"/>
+                        </a:rPr>
+                        <a:t>=True</a:t>
+                      </a:r>
+                      <a:r>
+                        <a:rPr kumimoji="1" lang="en-US" altLang="en-US" sz="1200" b="1" kern="1200" dirty="0" smtClean="0">
+                          <a:gradFill>
+                            <a:gsLst>
+                              <a:gs pos="0">
+                                <a:srgbClr val="404040"/>
+                              </a:gs>
+                              <a:gs pos="100000">
+                                <a:srgbClr val="404040"/>
+                              </a:gs>
+                            </a:gsLst>
+                            <a:lin ang="5400000" scaled="0"/>
+                          </a:gradFill>
+                          <a:latin typeface="나눔고딕" panose="020D0604000000000000" pitchFamily="50" charset="-127"/>
+                          <a:ea typeface="나눔고딕 ExtraBold"/>
+                          <a:cs typeface="+mn-cs"/>
+                        </a:rPr>
+                        <a:t>)</a:t>
+                      </a:r>
+                    </a:p>
+                    <a:p>
+                      <a:pPr algn="l" fontAlgn="t" latinLnBrk="1"/>
+                      <a:r>
+                        <a:rPr kumimoji="1" lang="ko-KR" altLang="en-US" sz="1200" b="1" kern="1200" dirty="0" err="1" smtClean="0">
+                          <a:gradFill>
+                            <a:gsLst>
+                              <a:gs pos="0">
+                                <a:srgbClr val="404040"/>
+                              </a:gs>
+                              <a:gs pos="100000">
+                                <a:srgbClr val="404040"/>
+                              </a:gs>
+                            </a:gsLst>
+                            <a:lin ang="5400000" scaled="0"/>
+                          </a:gradFill>
+                          <a:latin typeface="나눔고딕" panose="020D0604000000000000" pitchFamily="50" charset="-127"/>
+                          <a:ea typeface="나눔고딕 ExtraBold"/>
+                          <a:cs typeface="+mn-cs"/>
+                        </a:rPr>
+                        <a:t>네스테로프</a:t>
+                      </a:r>
+                      <a:r>
+                        <a:rPr kumimoji="1" lang="ko-KR" altLang="en-US" sz="1200" b="1" kern="1200" dirty="0" smtClean="0">
+                          <a:gradFill>
+                            <a:gsLst>
+                              <a:gs pos="0">
+                                <a:srgbClr val="404040"/>
+                              </a:gs>
+                              <a:gs pos="100000">
+                                <a:srgbClr val="404040"/>
+                              </a:gs>
+                            </a:gsLst>
+                            <a:lin ang="5400000" scaled="0"/>
+                          </a:gradFill>
+                          <a:latin typeface="나눔고딕" panose="020D0604000000000000" pitchFamily="50" charset="-127"/>
+                          <a:ea typeface="나눔고딕 ExtraBold"/>
+                          <a:cs typeface="+mn-cs"/>
+                        </a:rPr>
+                        <a:t> 옵션을 추가합니다</a:t>
+                      </a:r>
+                      <a:r>
+                        <a:rPr kumimoji="1" lang="en-US" altLang="ko-KR" sz="1200" b="1" kern="1200" dirty="0" smtClean="0">
+                          <a:gradFill>
+                            <a:gsLst>
+                              <a:gs pos="0">
+                                <a:srgbClr val="404040"/>
+                              </a:gs>
+                              <a:gs pos="100000">
+                                <a:srgbClr val="404040"/>
+                              </a:gs>
+                            </a:gsLst>
+                            <a:lin ang="5400000" scaled="0"/>
+                          </a:gradFill>
+                          <a:latin typeface="나눔고딕" panose="020D0604000000000000" pitchFamily="50" charset="-127"/>
+                          <a:ea typeface="나눔고딕 ExtraBold"/>
+                          <a:cs typeface="+mn-cs"/>
+                        </a:rPr>
+                        <a:t>.</a:t>
+                      </a:r>
+                    </a:p>
+                  </a:txBody>
+                  <a:tcPr marL="26213" marR="26213" marT="13106" marB="13106" anchor="ctr">
+                    <a:lnL w="9525" cap="flat" cmpd="sng" algn="ctr">
+                      <a:solidFill>
+                        <a:srgbClr val="B3B3B3"/>
+                      </a:solidFill>
+                      <a:prstDash val="solid"/>
+                      <a:round/>
+                      <a:headEnd type="none" w="med" len="med"/>
+                      <a:tailEnd type="none" w="med" len="med"/>
+                    </a:lnL>
+                    <a:lnR w="19050" cap="flat" cmpd="sng" algn="ctr">
+                      <a:solidFill>
+                        <a:srgbClr val="FFFFFF"/>
+                      </a:solidFill>
+                      <a:prstDash val="solid"/>
+                      <a:round/>
+                      <a:headEnd type="none" w="med" len="med"/>
+                      <a:tailEnd type="none" w="med" len="med"/>
+                    </a:lnR>
+                    <a:lnT w="9525" cap="flat" cmpd="sng" algn="ctr">
+                      <a:solidFill>
+                        <a:srgbClr val="B3B3B3"/>
+                      </a:solidFill>
+                      <a:prstDash val="solid"/>
+                      <a:round/>
+                      <a:headEnd type="none" w="med" len="med"/>
+                      <a:tailEnd type="none" w="med" len="med"/>
+                    </a:lnT>
+                    <a:lnB w="9525" cap="flat" cmpd="sng" algn="ctr">
+                      <a:solidFill>
+                        <a:srgbClr val="B3B3B3"/>
+                      </a:solidFill>
+                      <a:prstDash val="solid"/>
+                      <a:round/>
+                      <a:headEnd type="none" w="med" len="med"/>
+                      <a:tailEnd type="none" w="med" len="med"/>
+                    </a:lnB>
+                  </a:tcPr>
+                </a:tc>
+                <a:extLst>
+                  <a:ext uri="{0D108BD9-81ED-4DB2-BD59-A6C34878D82A}">
+                    <a16:rowId xmlns:a16="http://schemas.microsoft.com/office/drawing/2014/main" val="2070232185"/>
+                  </a:ext>
+                </a:extLst>
+              </a:tr>
+              <a:tr h="1308290">
+                <a:tc>
+                  <a:txBody>
+                    <a:bodyPr/>
+                    <a:lstStyle/>
+                    <a:p>
+                      <a:pPr algn="l" fontAlgn="t" latinLnBrk="1"/>
+                      <a:r>
+                        <a:rPr kumimoji="1" lang="en-US" altLang="ko-KR" sz="1200" b="1" kern="1200" dirty="0" smtClean="0">
+                          <a:gradFill>
+                            <a:gsLst>
+                              <a:gs pos="0">
+                                <a:srgbClr val="404040"/>
+                              </a:gs>
+                              <a:gs pos="100000">
+                                <a:srgbClr val="404040"/>
+                              </a:gs>
+                            </a:gsLst>
+                            <a:lin ang="5400000" scaled="0"/>
+                          </a:gradFill>
+                          <a:latin typeface="나눔고딕" panose="020D0604000000000000" pitchFamily="50" charset="-127"/>
+                          <a:ea typeface="나눔고딕 ExtraBold"/>
+                          <a:cs typeface="+mn-cs"/>
+                        </a:rPr>
+                        <a:t>4. </a:t>
+                      </a:r>
+                      <a:r>
+                        <a:rPr kumimoji="1" lang="ko-KR" altLang="en-US" sz="1200" b="1" kern="1200" dirty="0" err="1" smtClean="0">
+                          <a:gradFill>
+                            <a:gsLst>
+                              <a:gs pos="0">
+                                <a:srgbClr val="404040"/>
+                              </a:gs>
+                              <a:gs pos="100000">
+                                <a:srgbClr val="404040"/>
+                              </a:gs>
+                            </a:gsLst>
+                            <a:lin ang="5400000" scaled="0"/>
+                          </a:gradFill>
+                          <a:latin typeface="나눔고딕" panose="020D0604000000000000" pitchFamily="50" charset="-127"/>
+                          <a:ea typeface="나눔고딕 ExtraBold"/>
+                          <a:cs typeface="+mn-cs"/>
+                        </a:rPr>
+                        <a:t>아다그라드</a:t>
+                      </a:r>
+                      <a:endParaRPr kumimoji="1" lang="ko-KR" altLang="en-US" sz="1200" b="1" kern="1200" dirty="0" smtClean="0">
+                        <a:gradFill>
+                          <a:gsLst>
+                            <a:gs pos="0">
+                              <a:srgbClr val="404040"/>
+                            </a:gs>
+                            <a:gs pos="100000">
+                              <a:srgbClr val="404040"/>
+                            </a:gs>
+                          </a:gsLst>
+                          <a:lin ang="5400000" scaled="0"/>
+                        </a:gradFill>
+                        <a:latin typeface="나눔고딕" panose="020D0604000000000000" pitchFamily="50" charset="-127"/>
+                        <a:ea typeface="나눔고딕 ExtraBold"/>
+                        <a:cs typeface="+mn-cs"/>
+                      </a:endParaRPr>
+                    </a:p>
+                    <a:p>
+                      <a:pPr algn="l" fontAlgn="t" latinLnBrk="1"/>
+                      <a:r>
+                        <a:rPr kumimoji="1" lang="en-US" altLang="ko-KR" sz="1200" b="1" kern="1200" dirty="0" smtClean="0">
+                          <a:gradFill>
+                            <a:gsLst>
+                              <a:gs pos="0">
+                                <a:srgbClr val="404040"/>
+                              </a:gs>
+                              <a:gs pos="100000">
+                                <a:srgbClr val="404040"/>
+                              </a:gs>
+                            </a:gsLst>
+                            <a:lin ang="5400000" scaled="0"/>
+                          </a:gradFill>
+                          <a:latin typeface="나눔고딕" panose="020D0604000000000000" pitchFamily="50" charset="-127"/>
+                          <a:ea typeface="나눔고딕 ExtraBold"/>
+                          <a:cs typeface="+mn-cs"/>
+                        </a:rPr>
+                        <a:t>   (</a:t>
+                      </a:r>
+                      <a:r>
+                        <a:rPr kumimoji="1" lang="en-US" altLang="en-US" sz="1200" b="1" kern="1200" dirty="0" err="1" smtClean="0">
+                          <a:gradFill>
+                            <a:gsLst>
+                              <a:gs pos="0">
+                                <a:srgbClr val="404040"/>
+                              </a:gs>
+                              <a:gs pos="100000">
+                                <a:srgbClr val="404040"/>
+                              </a:gs>
+                            </a:gsLst>
+                            <a:lin ang="5400000" scaled="0"/>
+                          </a:gradFill>
+                          <a:latin typeface="나눔고딕" panose="020D0604000000000000" pitchFamily="50" charset="-127"/>
+                          <a:ea typeface="나눔고딕 ExtraBold"/>
+                          <a:cs typeface="+mn-cs"/>
+                        </a:rPr>
+                        <a:t>Adagrad</a:t>
+                      </a:r>
+                      <a:r>
+                        <a:rPr kumimoji="1" lang="en-US" altLang="en-US" sz="1200" b="1" kern="1200" dirty="0" smtClean="0">
+                          <a:gradFill>
+                            <a:gsLst>
+                              <a:gs pos="0">
+                                <a:srgbClr val="404040"/>
+                              </a:gs>
+                              <a:gs pos="100000">
+                                <a:srgbClr val="404040"/>
+                              </a:gs>
+                            </a:gsLst>
+                            <a:lin ang="5400000" scaled="0"/>
+                          </a:gradFill>
+                          <a:latin typeface="나눔고딕" panose="020D0604000000000000" pitchFamily="50" charset="-127"/>
+                          <a:ea typeface="나눔고딕 ExtraBold"/>
+                          <a:cs typeface="+mn-cs"/>
+                        </a:rPr>
+                        <a:t>)</a:t>
+                      </a:r>
+                    </a:p>
+                  </a:txBody>
+                  <a:tcPr marL="26213" marR="26213" marT="13106" marB="13106" anchor="ctr">
+                    <a:lnL w="19050" cap="flat" cmpd="sng" algn="ctr">
+                      <a:solidFill>
+                        <a:srgbClr val="FFFFFF"/>
+                      </a:solidFill>
+                      <a:prstDash val="solid"/>
+                      <a:round/>
+                      <a:headEnd type="none" w="med" len="med"/>
+                      <a:tailEnd type="none" w="med" len="med"/>
+                    </a:lnL>
+                    <a:lnR w="9525" cap="flat" cmpd="sng" algn="ctr">
+                      <a:solidFill>
+                        <a:srgbClr val="B3B3B3"/>
+                      </a:solidFill>
+                      <a:prstDash val="solid"/>
+                      <a:round/>
+                      <a:headEnd type="none" w="med" len="med"/>
+                      <a:tailEnd type="none" w="med" len="med"/>
+                    </a:lnR>
+                    <a:lnT w="9525" cap="flat" cmpd="sng" algn="ctr">
+                      <a:solidFill>
+                        <a:srgbClr val="B3B3B3"/>
+                      </a:solidFill>
+                      <a:prstDash val="solid"/>
+                      <a:round/>
+                      <a:headEnd type="none" w="med" len="med"/>
+                      <a:tailEnd type="none" w="med" len="med"/>
+                    </a:lnT>
+                    <a:lnB w="9525" cap="flat" cmpd="sng" algn="ctr">
+                      <a:solidFill>
+                        <a:srgbClr val="B3B3B3"/>
+                      </a:solidFill>
+                      <a:prstDash val="solid"/>
+                      <a:round/>
+                      <a:headEnd type="none" w="med" len="med"/>
+                      <a:tailEnd type="none" w="med" len="med"/>
+                    </a:lnB>
+                  </a:tcPr>
+                </a:tc>
+                <a:tc>
+                  <a:txBody>
+                    <a:bodyPr/>
+                    <a:lstStyle/>
+                    <a:p>
+                      <a:pPr algn="l" fontAlgn="t" latinLnBrk="1"/>
+                      <a:r>
+                        <a:rPr kumimoji="1" lang="ko-KR" altLang="en-US" sz="1200" b="1" kern="1200" dirty="0" smtClean="0">
+                          <a:gradFill>
+                            <a:gsLst>
+                              <a:gs pos="0">
+                                <a:srgbClr val="404040"/>
+                              </a:gs>
+                              <a:gs pos="100000">
+                                <a:srgbClr val="404040"/>
+                              </a:gs>
+                            </a:gsLst>
+                            <a:lin ang="5400000" scaled="0"/>
+                          </a:gradFill>
+                          <a:latin typeface="나눔고딕" panose="020D0604000000000000" pitchFamily="50" charset="-127"/>
+                          <a:ea typeface="나눔고딕 ExtraBold"/>
+                          <a:cs typeface="+mn-cs"/>
+                        </a:rPr>
+                        <a:t>변수의 업데이트가 잦으면 </a:t>
+                      </a:r>
+                      <a:r>
+                        <a:rPr kumimoji="1" lang="ko-KR" altLang="en-US" sz="1200" b="1" kern="1200" dirty="0" err="1" smtClean="0">
+                          <a:gradFill>
+                            <a:gsLst>
+                              <a:gs pos="0">
+                                <a:srgbClr val="404040"/>
+                              </a:gs>
+                              <a:gs pos="100000">
+                                <a:srgbClr val="404040"/>
+                              </a:gs>
+                            </a:gsLst>
+                            <a:lin ang="5400000" scaled="0"/>
+                          </a:gradFill>
+                          <a:latin typeface="나눔고딕" panose="020D0604000000000000" pitchFamily="50" charset="-127"/>
+                          <a:ea typeface="나눔고딕 ExtraBold"/>
+                          <a:cs typeface="+mn-cs"/>
+                        </a:rPr>
+                        <a:t>학습률을</a:t>
+                      </a:r>
+                      <a:r>
+                        <a:rPr kumimoji="1" lang="ko-KR" altLang="en-US" sz="1200" b="1" kern="1200" dirty="0" smtClean="0">
+                          <a:gradFill>
+                            <a:gsLst>
+                              <a:gs pos="0">
+                                <a:srgbClr val="404040"/>
+                              </a:gs>
+                              <a:gs pos="100000">
+                                <a:srgbClr val="404040"/>
+                              </a:gs>
+                            </a:gsLst>
+                            <a:lin ang="5400000" scaled="0"/>
+                          </a:gradFill>
+                          <a:latin typeface="나눔고딕" panose="020D0604000000000000" pitchFamily="50" charset="-127"/>
+                          <a:ea typeface="나눔고딕 ExtraBold"/>
+                          <a:cs typeface="+mn-cs"/>
+                        </a:rPr>
+                        <a:t> 적게 하여 이동 보폭을 조절하는 방법</a:t>
+                      </a:r>
+                    </a:p>
+                  </a:txBody>
+                  <a:tcPr marL="26213" marR="26213" marT="13106" marB="13106" anchor="ctr">
+                    <a:lnL w="9525" cap="flat" cmpd="sng" algn="ctr">
+                      <a:solidFill>
+                        <a:srgbClr val="B3B3B3"/>
+                      </a:solidFill>
+                      <a:prstDash val="solid"/>
+                      <a:round/>
+                      <a:headEnd type="none" w="med" len="med"/>
+                      <a:tailEnd type="none" w="med" len="med"/>
+                    </a:lnL>
+                    <a:lnR w="9525" cap="flat" cmpd="sng" algn="ctr">
+                      <a:solidFill>
+                        <a:srgbClr val="B3B3B3"/>
+                      </a:solidFill>
+                      <a:prstDash val="solid"/>
+                      <a:round/>
+                      <a:headEnd type="none" w="med" len="med"/>
+                      <a:tailEnd type="none" w="med" len="med"/>
+                    </a:lnR>
+                    <a:lnT w="9525" cap="flat" cmpd="sng" algn="ctr">
+                      <a:solidFill>
+                        <a:srgbClr val="B3B3B3"/>
+                      </a:solidFill>
+                      <a:prstDash val="solid"/>
+                      <a:round/>
+                      <a:headEnd type="none" w="med" len="med"/>
+                      <a:tailEnd type="none" w="med" len="med"/>
+                    </a:lnT>
+                    <a:lnB w="9525" cap="flat" cmpd="sng" algn="ctr">
+                      <a:solidFill>
+                        <a:srgbClr val="B3B3B3"/>
+                      </a:solidFill>
+                      <a:prstDash val="solid"/>
+                      <a:round/>
+                      <a:headEnd type="none" w="med" len="med"/>
+                      <a:tailEnd type="none" w="med" len="med"/>
+                    </a:lnB>
+                  </a:tcPr>
+                </a:tc>
+                <a:tc>
+                  <a:txBody>
+                    <a:bodyPr/>
+                    <a:lstStyle/>
+                    <a:p>
+                      <a:pPr algn="ctr" fontAlgn="t" latinLnBrk="1"/>
+                      <a:r>
+                        <a:rPr kumimoji="1" lang="ko-KR" altLang="en-US" sz="1200" b="1" kern="1200" dirty="0" smtClean="0">
+                          <a:gradFill>
+                            <a:gsLst>
+                              <a:gs pos="0">
+                                <a:srgbClr val="404040"/>
+                              </a:gs>
+                              <a:gs pos="100000">
+                                <a:srgbClr val="404040"/>
+                              </a:gs>
+                            </a:gsLst>
+                            <a:lin ang="5400000" scaled="0"/>
+                          </a:gradFill>
+                          <a:latin typeface="나눔고딕" panose="020D0604000000000000" pitchFamily="50" charset="-127"/>
+                          <a:ea typeface="나눔고딕 ExtraBold"/>
+                          <a:cs typeface="+mn-cs"/>
+                        </a:rPr>
+                        <a:t>보폭 크기 개선</a:t>
+                      </a:r>
+                    </a:p>
+                  </a:txBody>
+                  <a:tcPr marL="26213" marR="26213" marT="13106" marB="13106" anchor="ctr">
+                    <a:lnL w="9525" cap="flat" cmpd="sng" algn="ctr">
+                      <a:solidFill>
+                        <a:srgbClr val="B3B3B3"/>
+                      </a:solidFill>
+                      <a:prstDash val="solid"/>
+                      <a:round/>
+                      <a:headEnd type="none" w="med" len="med"/>
+                      <a:tailEnd type="none" w="med" len="med"/>
+                    </a:lnL>
+                    <a:lnR w="9525" cap="flat" cmpd="sng" algn="ctr">
+                      <a:solidFill>
+                        <a:srgbClr val="B3B3B3"/>
+                      </a:solidFill>
+                      <a:prstDash val="solid"/>
+                      <a:round/>
+                      <a:headEnd type="none" w="med" len="med"/>
+                      <a:tailEnd type="none" w="med" len="med"/>
+                    </a:lnR>
+                    <a:lnT w="9525" cap="flat" cmpd="sng" algn="ctr">
+                      <a:solidFill>
+                        <a:srgbClr val="B3B3B3"/>
+                      </a:solidFill>
+                      <a:prstDash val="solid"/>
+                      <a:round/>
+                      <a:headEnd type="none" w="med" len="med"/>
+                      <a:tailEnd type="none" w="med" len="med"/>
+                    </a:lnT>
+                    <a:lnB w="9525" cap="flat" cmpd="sng" algn="ctr">
+                      <a:solidFill>
+                        <a:srgbClr val="B3B3B3"/>
+                      </a:solidFill>
+                      <a:prstDash val="solid"/>
+                      <a:round/>
+                      <a:headEnd type="none" w="med" len="med"/>
+                      <a:tailEnd type="none" w="med" len="med"/>
+                    </a:lnB>
+                  </a:tcPr>
+                </a:tc>
+                <a:tc>
+                  <a:txBody>
+                    <a:bodyPr/>
+                    <a:lstStyle/>
+                    <a:p>
+                      <a:pPr algn="l" fontAlgn="t" latinLnBrk="1"/>
+                      <a:r>
+                        <a:rPr kumimoji="1" lang="en-US" altLang="ko-KR" sz="1200" b="1" kern="1200" dirty="0" err="1" smtClean="0">
+                          <a:gradFill>
+                            <a:gsLst>
+                              <a:gs pos="0">
+                                <a:srgbClr val="404040"/>
+                              </a:gs>
+                              <a:gs pos="100000">
+                                <a:srgbClr val="404040"/>
+                              </a:gs>
+                            </a:gsLst>
+                            <a:lin ang="5400000" scaled="0"/>
+                          </a:gradFill>
+                          <a:latin typeface="나눔고딕" panose="020D0604000000000000" pitchFamily="50" charset="-127"/>
+                          <a:ea typeface="나눔고딕 ExtraBold"/>
+                          <a:cs typeface="+mn-cs"/>
+                        </a:rPr>
+                        <a:t>keras.optimizers.Adagrad</a:t>
+                      </a:r>
+                      <a:r>
+                        <a:rPr kumimoji="1" lang="en-US" altLang="ko-KR" sz="1200" b="1" kern="1200" dirty="0" smtClean="0">
+                          <a:gradFill>
+                            <a:gsLst>
+                              <a:gs pos="0">
+                                <a:srgbClr val="404040"/>
+                              </a:gs>
+                              <a:gs pos="100000">
+                                <a:srgbClr val="404040"/>
+                              </a:gs>
+                            </a:gsLst>
+                            <a:lin ang="5400000" scaled="0"/>
+                          </a:gradFill>
+                          <a:latin typeface="나눔고딕" panose="020D0604000000000000" pitchFamily="50" charset="-127"/>
+                          <a:ea typeface="나눔고딕 ExtraBold"/>
+                          <a:cs typeface="+mn-cs"/>
+                        </a:rPr>
+                        <a:t>(</a:t>
+                      </a:r>
+                      <a:r>
+                        <a:rPr kumimoji="1" lang="en-US" altLang="ko-KR" sz="1200" b="1" kern="1200" dirty="0" err="1" smtClean="0">
+                          <a:gradFill>
+                            <a:gsLst>
+                              <a:gs pos="0">
+                                <a:srgbClr val="404040"/>
+                              </a:gs>
+                              <a:gs pos="100000">
+                                <a:srgbClr val="404040"/>
+                              </a:gs>
+                            </a:gsLst>
+                            <a:lin ang="5400000" scaled="0"/>
+                          </a:gradFill>
+                          <a:latin typeface="나눔고딕" panose="020D0604000000000000" pitchFamily="50" charset="-127"/>
+                          <a:ea typeface="나눔고딕 ExtraBold"/>
+                          <a:cs typeface="+mn-cs"/>
+                        </a:rPr>
+                        <a:t>lr</a:t>
+                      </a:r>
+                      <a:r>
+                        <a:rPr kumimoji="1" lang="en-US" altLang="ko-KR" sz="1200" b="1" kern="1200" dirty="0" smtClean="0">
+                          <a:gradFill>
+                            <a:gsLst>
+                              <a:gs pos="0">
+                                <a:srgbClr val="404040"/>
+                              </a:gs>
+                              <a:gs pos="100000">
+                                <a:srgbClr val="404040"/>
+                              </a:gs>
+                            </a:gsLst>
+                            <a:lin ang="5400000" scaled="0"/>
+                          </a:gradFill>
+                          <a:latin typeface="나눔고딕" panose="020D0604000000000000" pitchFamily="50" charset="-127"/>
+                          <a:ea typeface="나눔고딕 ExtraBold"/>
+                          <a:cs typeface="+mn-cs"/>
+                        </a:rPr>
+                        <a:t>=0.01,</a:t>
+                      </a:r>
+                    </a:p>
+                    <a:p>
+                      <a:pPr algn="l" fontAlgn="t" latinLnBrk="1"/>
+                      <a:r>
+                        <a:rPr kumimoji="1" lang="en-US" altLang="ko-KR" sz="1200" b="1" kern="1200" dirty="0" smtClean="0">
+                          <a:gradFill>
+                            <a:gsLst>
+                              <a:gs pos="0">
+                                <a:srgbClr val="404040"/>
+                              </a:gs>
+                              <a:gs pos="100000">
+                                <a:srgbClr val="404040"/>
+                              </a:gs>
+                            </a:gsLst>
+                            <a:lin ang="5400000" scaled="0"/>
+                          </a:gradFill>
+                          <a:latin typeface="나눔고딕" panose="020D0604000000000000" pitchFamily="50" charset="-127"/>
+                          <a:ea typeface="나눔고딕 ExtraBold"/>
+                          <a:cs typeface="+mn-cs"/>
+                        </a:rPr>
+                        <a:t>                                           epsilon=1e-6</a:t>
+                      </a:r>
+                      <a:r>
+                        <a:rPr kumimoji="1" lang="en-US" altLang="ko-KR" sz="1200" b="1" kern="1200" dirty="0" smtClean="0">
+                          <a:gradFill>
+                            <a:gsLst>
+                              <a:gs pos="0">
+                                <a:srgbClr val="404040"/>
+                              </a:gs>
+                              <a:gs pos="100000">
+                                <a:srgbClr val="404040"/>
+                              </a:gs>
+                            </a:gsLst>
+                            <a:lin ang="5400000" scaled="0"/>
+                          </a:gradFill>
+                          <a:latin typeface="나눔고딕" panose="020D0604000000000000" pitchFamily="50" charset="-127"/>
+                          <a:ea typeface="나눔고딕 ExtraBold"/>
+                          <a:cs typeface="+mn-cs"/>
+                        </a:rPr>
+                        <a:t>)</a:t>
+                      </a:r>
+                    </a:p>
+                    <a:p>
+                      <a:pPr algn="l" fontAlgn="t" latinLnBrk="1"/>
+                      <a:r>
+                        <a:rPr kumimoji="1" lang="ko-KR" altLang="en-US" sz="1200" b="1" kern="1200" dirty="0" err="1" smtClean="0">
+                          <a:gradFill>
+                            <a:gsLst>
+                              <a:gs pos="0">
+                                <a:srgbClr val="404040"/>
+                              </a:gs>
+                              <a:gs pos="100000">
+                                <a:srgbClr val="404040"/>
+                              </a:gs>
+                            </a:gsLst>
+                            <a:lin ang="5400000" scaled="0"/>
+                          </a:gradFill>
+                          <a:latin typeface="나눔고딕" panose="020D0604000000000000" pitchFamily="50" charset="-127"/>
+                          <a:ea typeface="나눔고딕 ExtraBold"/>
+                          <a:cs typeface="+mn-cs"/>
+                        </a:rPr>
+                        <a:t>아다그라드</a:t>
+                      </a:r>
+                      <a:r>
+                        <a:rPr kumimoji="1" lang="ko-KR" altLang="en-US" sz="1200" b="1" kern="1200" dirty="0" smtClean="0">
+                          <a:gradFill>
+                            <a:gsLst>
+                              <a:gs pos="0">
+                                <a:srgbClr val="404040"/>
+                              </a:gs>
+                              <a:gs pos="100000">
+                                <a:srgbClr val="404040"/>
+                              </a:gs>
+                            </a:gsLst>
+                            <a:lin ang="5400000" scaled="0"/>
+                          </a:gradFill>
+                          <a:latin typeface="나눔고딕" panose="020D0604000000000000" pitchFamily="50" charset="-127"/>
+                          <a:ea typeface="나눔고딕 ExtraBold"/>
+                          <a:cs typeface="+mn-cs"/>
+                        </a:rPr>
+                        <a:t> 함수를 사용합니다</a:t>
+                      </a:r>
+                      <a:r>
+                        <a:rPr kumimoji="1" lang="en-US" altLang="ko-KR" sz="1200" b="1" kern="1200" dirty="0" smtClean="0">
+                          <a:gradFill>
+                            <a:gsLst>
+                              <a:gs pos="0">
+                                <a:srgbClr val="404040"/>
+                              </a:gs>
+                              <a:gs pos="100000">
+                                <a:srgbClr val="404040"/>
+                              </a:gs>
+                            </a:gsLst>
+                            <a:lin ang="5400000" scaled="0"/>
+                          </a:gradFill>
+                          <a:latin typeface="나눔고딕" panose="020D0604000000000000" pitchFamily="50" charset="-127"/>
+                          <a:ea typeface="나눔고딕 ExtraBold"/>
+                          <a:cs typeface="+mn-cs"/>
+                        </a:rPr>
+                        <a:t>.</a:t>
+                      </a:r>
+                    </a:p>
+                    <a:p>
+                      <a:pPr algn="l" fontAlgn="t" latinLnBrk="1"/>
+                      <a:r>
+                        <a:rPr kumimoji="1" lang="en-US" altLang="ko-KR" sz="1200" b="1" kern="1200" dirty="0" smtClean="0">
+                          <a:gradFill>
+                            <a:gsLst>
+                              <a:gs pos="0">
+                                <a:srgbClr val="404040"/>
+                              </a:gs>
+                              <a:gs pos="100000">
+                                <a:srgbClr val="404040"/>
+                              </a:gs>
+                            </a:gsLst>
+                            <a:lin ang="5400000" scaled="0"/>
+                          </a:gradFill>
+                          <a:latin typeface="나눔고딕" panose="020D0604000000000000" pitchFamily="50" charset="-127"/>
+                          <a:ea typeface="나눔고딕 ExtraBold"/>
+                          <a:cs typeface="+mn-cs"/>
+                        </a:rPr>
+                        <a:t> </a:t>
+                      </a:r>
+                    </a:p>
+                    <a:p>
+                      <a:pPr algn="l" fontAlgn="t" latinLnBrk="1"/>
+                      <a:r>
+                        <a:rPr kumimoji="1" lang="en-US" altLang="ko-KR" sz="1200" b="1" kern="1200" dirty="0" smtClean="0">
+                          <a:gradFill>
+                            <a:gsLst>
+                              <a:gs pos="0">
+                                <a:srgbClr val="404040"/>
+                              </a:gs>
+                              <a:gs pos="100000">
+                                <a:srgbClr val="404040"/>
+                              </a:gs>
+                            </a:gsLst>
+                            <a:lin ang="5400000" scaled="0"/>
+                          </a:gradFill>
+                          <a:latin typeface="나눔고딕" panose="020D0604000000000000" pitchFamily="50" charset="-127"/>
+                          <a:ea typeface="나눔고딕 ExtraBold"/>
+                          <a:cs typeface="+mn-cs"/>
+                        </a:rPr>
+                        <a:t>※ </a:t>
+                      </a:r>
+                      <a:r>
+                        <a:rPr kumimoji="1" lang="ko-KR" altLang="en-US" sz="1200" b="1" kern="1200" dirty="0" smtClean="0">
+                          <a:gradFill>
+                            <a:gsLst>
+                              <a:gs pos="0">
+                                <a:srgbClr val="404040"/>
+                              </a:gs>
+                              <a:gs pos="100000">
+                                <a:srgbClr val="404040"/>
+                              </a:gs>
+                            </a:gsLst>
+                            <a:lin ang="5400000" scaled="0"/>
+                          </a:gradFill>
+                          <a:latin typeface="나눔고딕" panose="020D0604000000000000" pitchFamily="50" charset="-127"/>
+                          <a:ea typeface="나눔고딕 ExtraBold"/>
+                          <a:cs typeface="+mn-cs"/>
+                        </a:rPr>
+                        <a:t>참고</a:t>
+                      </a:r>
+                      <a:r>
+                        <a:rPr kumimoji="1" lang="en-US" altLang="ko-KR" sz="1200" b="1" kern="1200" dirty="0" smtClean="0">
+                          <a:gradFill>
+                            <a:gsLst>
+                              <a:gs pos="0">
+                                <a:srgbClr val="404040"/>
+                              </a:gs>
+                              <a:gs pos="100000">
+                                <a:srgbClr val="404040"/>
+                              </a:gs>
+                            </a:gsLst>
+                            <a:lin ang="5400000" scaled="0"/>
+                          </a:gradFill>
+                          <a:latin typeface="나눔고딕" panose="020D0604000000000000" pitchFamily="50" charset="-127"/>
+                          <a:ea typeface="나눔고딕 ExtraBold"/>
+                          <a:cs typeface="+mn-cs"/>
+                        </a:rPr>
+                        <a:t>: </a:t>
+                      </a:r>
+                      <a:r>
+                        <a:rPr kumimoji="1" lang="ko-KR" altLang="en-US" sz="1200" b="1" kern="1200" dirty="0" smtClean="0">
+                          <a:gradFill>
+                            <a:gsLst>
+                              <a:gs pos="0">
+                                <a:srgbClr val="404040"/>
+                              </a:gs>
+                              <a:gs pos="100000">
+                                <a:srgbClr val="404040"/>
+                              </a:gs>
+                            </a:gsLst>
+                            <a:lin ang="5400000" scaled="0"/>
+                          </a:gradFill>
+                          <a:latin typeface="나눔고딕" panose="020D0604000000000000" pitchFamily="50" charset="-127"/>
+                          <a:ea typeface="나눔고딕 ExtraBold"/>
+                          <a:cs typeface="+mn-cs"/>
+                        </a:rPr>
+                        <a:t>여기서 </a:t>
+                      </a:r>
+                      <a:r>
+                        <a:rPr kumimoji="1" lang="en-US" altLang="ko-KR" sz="1200" b="1" kern="1200" dirty="0" smtClean="0">
+                          <a:gradFill>
+                            <a:gsLst>
+                              <a:gs pos="0">
+                                <a:srgbClr val="404040"/>
+                              </a:gs>
+                              <a:gs pos="100000">
+                                <a:srgbClr val="404040"/>
+                              </a:gs>
+                            </a:gsLst>
+                            <a:lin ang="5400000" scaled="0"/>
+                          </a:gradFill>
+                          <a:latin typeface="나눔고딕" panose="020D0604000000000000" pitchFamily="50" charset="-127"/>
+                          <a:ea typeface="나눔고딕 ExtraBold"/>
+                          <a:cs typeface="+mn-cs"/>
+                        </a:rPr>
+                        <a:t>epsilon, rho, decay </a:t>
+                      </a:r>
+                      <a:r>
+                        <a:rPr kumimoji="1" lang="ko-KR" altLang="en-US" sz="1200" b="1" kern="1200" dirty="0" smtClean="0">
+                          <a:gradFill>
+                            <a:gsLst>
+                              <a:gs pos="0">
+                                <a:srgbClr val="404040"/>
+                              </a:gs>
+                              <a:gs pos="100000">
+                                <a:srgbClr val="404040"/>
+                              </a:gs>
+                            </a:gsLst>
+                            <a:lin ang="5400000" scaled="0"/>
+                          </a:gradFill>
+                          <a:latin typeface="나눔고딕" panose="020D0604000000000000" pitchFamily="50" charset="-127"/>
+                          <a:ea typeface="나눔고딕 ExtraBold"/>
+                          <a:cs typeface="+mn-cs"/>
+                        </a:rPr>
+                        <a:t>같은 </a:t>
+                      </a:r>
+                      <a:r>
+                        <a:rPr kumimoji="1" lang="ko-KR" altLang="en-US" sz="1200" b="1" kern="1200" dirty="0" err="1" smtClean="0">
+                          <a:gradFill>
+                            <a:gsLst>
+                              <a:gs pos="0">
+                                <a:srgbClr val="404040"/>
+                              </a:gs>
+                              <a:gs pos="100000">
+                                <a:srgbClr val="404040"/>
+                              </a:gs>
+                            </a:gsLst>
+                            <a:lin ang="5400000" scaled="0"/>
+                          </a:gradFill>
+                          <a:latin typeface="나눔고딕" panose="020D0604000000000000" pitchFamily="50" charset="-127"/>
+                          <a:ea typeface="나눔고딕 ExtraBold"/>
+                          <a:cs typeface="+mn-cs"/>
+                        </a:rPr>
+                        <a:t>파라미터는</a:t>
+                      </a:r>
+                      <a:r>
+                        <a:rPr kumimoji="1" lang="ko-KR" altLang="en-US" sz="1200" b="1" kern="1200" dirty="0" smtClean="0">
+                          <a:gradFill>
+                            <a:gsLst>
+                              <a:gs pos="0">
+                                <a:srgbClr val="404040"/>
+                              </a:gs>
+                              <a:gs pos="100000">
+                                <a:srgbClr val="404040"/>
+                              </a:gs>
+                            </a:gsLst>
+                            <a:lin ang="5400000" scaled="0"/>
+                          </a:gradFill>
+                          <a:latin typeface="나눔고딕" panose="020D0604000000000000" pitchFamily="50" charset="-127"/>
+                          <a:ea typeface="나눔고딕 ExtraBold"/>
+                          <a:cs typeface="+mn-cs"/>
+                        </a:rPr>
+                        <a:t> 바꾸지 않고 그대로 사용하기를 권장하고 있습니다</a:t>
+                      </a:r>
+                      <a:r>
+                        <a:rPr kumimoji="1" lang="en-US" altLang="ko-KR" sz="1200" b="1" kern="1200" dirty="0" smtClean="0">
+                          <a:gradFill>
+                            <a:gsLst>
+                              <a:gs pos="0">
+                                <a:srgbClr val="404040"/>
+                              </a:gs>
+                              <a:gs pos="100000">
+                                <a:srgbClr val="404040"/>
+                              </a:gs>
+                            </a:gsLst>
+                            <a:lin ang="5400000" scaled="0"/>
+                          </a:gradFill>
+                          <a:latin typeface="나눔고딕" panose="020D0604000000000000" pitchFamily="50" charset="-127"/>
+                          <a:ea typeface="나눔고딕 ExtraBold"/>
+                          <a:cs typeface="+mn-cs"/>
+                        </a:rPr>
+                        <a:t>. </a:t>
+                      </a:r>
+                      <a:r>
+                        <a:rPr kumimoji="1" lang="ko-KR" altLang="en-US" sz="1200" b="1" kern="1200" dirty="0" smtClean="0">
+                          <a:gradFill>
+                            <a:gsLst>
+                              <a:gs pos="0">
+                                <a:srgbClr val="404040"/>
+                              </a:gs>
+                              <a:gs pos="100000">
+                                <a:srgbClr val="404040"/>
+                              </a:gs>
+                            </a:gsLst>
+                            <a:lin ang="5400000" scaled="0"/>
+                          </a:gradFill>
+                          <a:latin typeface="나눔고딕" panose="020D0604000000000000" pitchFamily="50" charset="-127"/>
+                          <a:ea typeface="나눔고딕 ExtraBold"/>
+                          <a:cs typeface="+mn-cs"/>
+                        </a:rPr>
+                        <a:t>따라서 </a:t>
+                      </a:r>
+                      <a:r>
+                        <a:rPr kumimoji="1" lang="en-US" altLang="ko-KR" sz="1200" b="1" kern="1200" dirty="0" err="1" smtClean="0">
+                          <a:gradFill>
+                            <a:gsLst>
+                              <a:gs pos="0">
+                                <a:srgbClr val="404040"/>
+                              </a:gs>
+                              <a:gs pos="100000">
+                                <a:srgbClr val="404040"/>
+                              </a:gs>
+                            </a:gsLst>
+                            <a:lin ang="5400000" scaled="0"/>
+                          </a:gradFill>
+                          <a:latin typeface="나눔고딕" panose="020D0604000000000000" pitchFamily="50" charset="-127"/>
+                          <a:ea typeface="나눔고딕 ExtraBold"/>
+                          <a:cs typeface="+mn-cs"/>
+                        </a:rPr>
+                        <a:t>lr</a:t>
+                      </a:r>
+                      <a:r>
+                        <a:rPr kumimoji="1" lang="en-US" altLang="ko-KR" sz="1200" b="1" kern="1200" dirty="0" smtClean="0">
+                          <a:gradFill>
+                            <a:gsLst>
+                              <a:gs pos="0">
+                                <a:srgbClr val="404040"/>
+                              </a:gs>
+                              <a:gs pos="100000">
+                                <a:srgbClr val="404040"/>
+                              </a:gs>
+                            </a:gsLst>
+                            <a:lin ang="5400000" scaled="0"/>
+                          </a:gradFill>
+                          <a:latin typeface="나눔고딕" panose="020D0604000000000000" pitchFamily="50" charset="-127"/>
+                          <a:ea typeface="나눔고딕 ExtraBold"/>
+                          <a:cs typeface="+mn-cs"/>
+                        </a:rPr>
+                        <a:t>, </a:t>
+                      </a:r>
+                      <a:r>
+                        <a:rPr kumimoji="1" lang="ko-KR" altLang="en-US" sz="1200" b="1" kern="1200" dirty="0" smtClean="0">
+                          <a:gradFill>
+                            <a:gsLst>
+                              <a:gs pos="0">
+                                <a:srgbClr val="404040"/>
+                              </a:gs>
+                              <a:gs pos="100000">
+                                <a:srgbClr val="404040"/>
+                              </a:gs>
+                            </a:gsLst>
+                            <a:lin ang="5400000" scaled="0"/>
+                          </a:gradFill>
+                          <a:latin typeface="나눔고딕" panose="020D0604000000000000" pitchFamily="50" charset="-127"/>
+                          <a:ea typeface="나눔고딕 ExtraBold"/>
+                          <a:cs typeface="+mn-cs"/>
+                        </a:rPr>
+                        <a:t>즉 </a:t>
+                      </a:r>
+                      <a:r>
+                        <a:rPr kumimoji="1" lang="en-US" altLang="ko-KR" sz="1200" b="1" kern="1200" dirty="0" smtClean="0">
+                          <a:gradFill>
+                            <a:gsLst>
+                              <a:gs pos="0">
+                                <a:srgbClr val="404040"/>
+                              </a:gs>
+                              <a:gs pos="100000">
+                                <a:srgbClr val="404040"/>
+                              </a:gs>
+                            </a:gsLst>
+                            <a:lin ang="5400000" scaled="0"/>
+                          </a:gradFill>
+                          <a:latin typeface="나눔고딕" panose="020D0604000000000000" pitchFamily="50" charset="-127"/>
+                          <a:ea typeface="나눔고딕 ExtraBold"/>
+                          <a:cs typeface="+mn-cs"/>
+                        </a:rPr>
+                        <a:t>learning rate(</a:t>
+                      </a:r>
+                      <a:r>
+                        <a:rPr kumimoji="1" lang="ko-KR" altLang="en-US" sz="1200" b="1" kern="1200" dirty="0" err="1" smtClean="0">
+                          <a:gradFill>
+                            <a:gsLst>
+                              <a:gs pos="0">
+                                <a:srgbClr val="404040"/>
+                              </a:gs>
+                              <a:gs pos="100000">
+                                <a:srgbClr val="404040"/>
+                              </a:gs>
+                            </a:gsLst>
+                            <a:lin ang="5400000" scaled="0"/>
+                          </a:gradFill>
+                          <a:latin typeface="나눔고딕" panose="020D0604000000000000" pitchFamily="50" charset="-127"/>
+                          <a:ea typeface="나눔고딕 ExtraBold"/>
+                          <a:cs typeface="+mn-cs"/>
+                        </a:rPr>
+                        <a:t>학습률</a:t>
+                      </a:r>
+                      <a:r>
+                        <a:rPr kumimoji="1" lang="en-US" altLang="ko-KR" sz="1200" b="1" kern="1200" dirty="0" smtClean="0">
+                          <a:gradFill>
+                            <a:gsLst>
+                              <a:gs pos="0">
+                                <a:srgbClr val="404040"/>
+                              </a:gs>
+                              <a:gs pos="100000">
+                                <a:srgbClr val="404040"/>
+                              </a:gs>
+                            </a:gsLst>
+                            <a:lin ang="5400000" scaled="0"/>
+                          </a:gradFill>
+                          <a:latin typeface="나눔고딕" panose="020D0604000000000000" pitchFamily="50" charset="-127"/>
+                          <a:ea typeface="나눔고딕 ExtraBold"/>
+                          <a:cs typeface="+mn-cs"/>
+                        </a:rPr>
+                        <a:t>) </a:t>
+                      </a:r>
+                      <a:r>
+                        <a:rPr kumimoji="1" lang="ko-KR" altLang="en-US" sz="1200" b="1" kern="1200" dirty="0" smtClean="0">
+                          <a:gradFill>
+                            <a:gsLst>
+                              <a:gs pos="0">
+                                <a:srgbClr val="404040"/>
+                              </a:gs>
+                              <a:gs pos="100000">
+                                <a:srgbClr val="404040"/>
+                              </a:gs>
+                            </a:gsLst>
+                            <a:lin ang="5400000" scaled="0"/>
+                          </a:gradFill>
+                          <a:latin typeface="나눔고딕" panose="020D0604000000000000" pitchFamily="50" charset="-127"/>
+                          <a:ea typeface="나눔고딕 ExtraBold"/>
+                          <a:cs typeface="+mn-cs"/>
+                        </a:rPr>
+                        <a:t>값만 적절히 조절하면 됩니다</a:t>
+                      </a:r>
+                      <a:r>
+                        <a:rPr kumimoji="1" lang="en-US" altLang="ko-KR" sz="1200" b="1" kern="1200" dirty="0" smtClean="0">
+                          <a:gradFill>
+                            <a:gsLst>
+                              <a:gs pos="0">
+                                <a:srgbClr val="404040"/>
+                              </a:gs>
+                              <a:gs pos="100000">
+                                <a:srgbClr val="404040"/>
+                              </a:gs>
+                            </a:gsLst>
+                            <a:lin ang="5400000" scaled="0"/>
+                          </a:gradFill>
+                          <a:latin typeface="나눔고딕" panose="020D0604000000000000" pitchFamily="50" charset="-127"/>
+                          <a:ea typeface="나눔고딕 ExtraBold"/>
+                          <a:cs typeface="+mn-cs"/>
+                        </a:rPr>
+                        <a:t>.</a:t>
+                      </a:r>
+                    </a:p>
+                  </a:txBody>
+                  <a:tcPr marL="26213" marR="26213" marT="13106" marB="13106" anchor="ctr">
+                    <a:lnL w="9525" cap="flat" cmpd="sng" algn="ctr">
+                      <a:solidFill>
+                        <a:srgbClr val="B3B3B3"/>
+                      </a:solidFill>
+                      <a:prstDash val="solid"/>
+                      <a:round/>
+                      <a:headEnd type="none" w="med" len="med"/>
+                      <a:tailEnd type="none" w="med" len="med"/>
+                    </a:lnL>
+                    <a:lnR w="19050" cap="flat" cmpd="sng" algn="ctr">
+                      <a:solidFill>
+                        <a:srgbClr val="FFFFFF"/>
+                      </a:solidFill>
+                      <a:prstDash val="solid"/>
+                      <a:round/>
+                      <a:headEnd type="none" w="med" len="med"/>
+                      <a:tailEnd type="none" w="med" len="med"/>
+                    </a:lnR>
+                    <a:lnT w="9525" cap="flat" cmpd="sng" algn="ctr">
+                      <a:solidFill>
+                        <a:srgbClr val="B3B3B3"/>
+                      </a:solidFill>
+                      <a:prstDash val="solid"/>
+                      <a:round/>
+                      <a:headEnd type="none" w="med" len="med"/>
+                      <a:tailEnd type="none" w="med" len="med"/>
+                    </a:lnT>
+                    <a:lnB w="9525" cap="flat" cmpd="sng" algn="ctr">
+                      <a:solidFill>
+                        <a:srgbClr val="B3B3B3"/>
+                      </a:solidFill>
+                      <a:prstDash val="solid"/>
+                      <a:round/>
+                      <a:headEnd type="none" w="med" len="med"/>
+                      <a:tailEnd type="none" w="med" len="med"/>
+                    </a:lnB>
+                  </a:tcPr>
+                </a:tc>
+                <a:extLst>
+                  <a:ext uri="{0D108BD9-81ED-4DB2-BD59-A6C34878D82A}">
+                    <a16:rowId xmlns:a16="http://schemas.microsoft.com/office/drawing/2014/main" val="2350950807"/>
+                  </a:ext>
+                </a:extLst>
+              </a:tr>
+              <a:tr h="553507">
+                <a:tc>
+                  <a:txBody>
+                    <a:bodyPr/>
+                    <a:lstStyle/>
+                    <a:p>
+                      <a:pPr algn="l" fontAlgn="t" latinLnBrk="1"/>
+                      <a:r>
+                        <a:rPr kumimoji="1" lang="en-US" altLang="ko-KR" sz="1200" b="1" kern="1200" dirty="0" smtClean="0">
+                          <a:gradFill>
+                            <a:gsLst>
+                              <a:gs pos="0">
+                                <a:srgbClr val="404040"/>
+                              </a:gs>
+                              <a:gs pos="100000">
+                                <a:srgbClr val="404040"/>
+                              </a:gs>
+                            </a:gsLst>
+                            <a:lin ang="5400000" scaled="0"/>
+                          </a:gradFill>
+                          <a:latin typeface="나눔고딕" panose="020D0604000000000000" pitchFamily="50" charset="-127"/>
+                          <a:ea typeface="나눔고딕 ExtraBold"/>
+                          <a:cs typeface="+mn-cs"/>
+                        </a:rPr>
+                        <a:t>5. </a:t>
+                      </a:r>
+                      <a:r>
+                        <a:rPr kumimoji="1" lang="ko-KR" altLang="en-US" sz="1200" b="1" kern="1200" dirty="0" err="1" smtClean="0">
+                          <a:gradFill>
+                            <a:gsLst>
+                              <a:gs pos="0">
+                                <a:srgbClr val="404040"/>
+                              </a:gs>
+                              <a:gs pos="100000">
+                                <a:srgbClr val="404040"/>
+                              </a:gs>
+                            </a:gsLst>
+                            <a:lin ang="5400000" scaled="0"/>
+                          </a:gradFill>
+                          <a:latin typeface="나눔고딕" panose="020D0604000000000000" pitchFamily="50" charset="-127"/>
+                          <a:ea typeface="나눔고딕 ExtraBold"/>
+                          <a:cs typeface="+mn-cs"/>
+                        </a:rPr>
+                        <a:t>알엠에스프롭</a:t>
+                      </a:r>
+                      <a:endParaRPr kumimoji="1" lang="ko-KR" altLang="en-US" sz="1200" b="1" kern="1200" dirty="0" smtClean="0">
+                        <a:gradFill>
+                          <a:gsLst>
+                            <a:gs pos="0">
+                              <a:srgbClr val="404040"/>
+                            </a:gs>
+                            <a:gs pos="100000">
+                              <a:srgbClr val="404040"/>
+                            </a:gs>
+                          </a:gsLst>
+                          <a:lin ang="5400000" scaled="0"/>
+                        </a:gradFill>
+                        <a:latin typeface="나눔고딕" panose="020D0604000000000000" pitchFamily="50" charset="-127"/>
+                        <a:ea typeface="나눔고딕 ExtraBold"/>
+                        <a:cs typeface="+mn-cs"/>
+                      </a:endParaRPr>
+                    </a:p>
+                    <a:p>
+                      <a:pPr algn="l" fontAlgn="t" latinLnBrk="1"/>
+                      <a:r>
+                        <a:rPr kumimoji="1" lang="en-US" altLang="ko-KR" sz="1200" b="1" kern="1200" dirty="0" smtClean="0">
+                          <a:gradFill>
+                            <a:gsLst>
+                              <a:gs pos="0">
+                                <a:srgbClr val="404040"/>
+                              </a:gs>
+                              <a:gs pos="100000">
+                                <a:srgbClr val="404040"/>
+                              </a:gs>
+                            </a:gsLst>
+                            <a:lin ang="5400000" scaled="0"/>
+                          </a:gradFill>
+                          <a:latin typeface="나눔고딕" panose="020D0604000000000000" pitchFamily="50" charset="-127"/>
+                          <a:ea typeface="나눔고딕 ExtraBold"/>
+                          <a:cs typeface="+mn-cs"/>
+                        </a:rPr>
+                        <a:t>   (</a:t>
+                      </a:r>
+                      <a:r>
+                        <a:rPr kumimoji="1" lang="en-US" altLang="ko-KR" sz="1200" b="1" kern="1200" dirty="0" err="1" smtClean="0">
+                          <a:gradFill>
+                            <a:gsLst>
+                              <a:gs pos="0">
+                                <a:srgbClr val="404040"/>
+                              </a:gs>
+                              <a:gs pos="100000">
+                                <a:srgbClr val="404040"/>
+                              </a:gs>
+                            </a:gsLst>
+                            <a:lin ang="5400000" scaled="0"/>
+                          </a:gradFill>
+                          <a:latin typeface="나눔고딕" panose="020D0604000000000000" pitchFamily="50" charset="-127"/>
+                          <a:ea typeface="나눔고딕 ExtraBold"/>
+                          <a:cs typeface="+mn-cs"/>
+                        </a:rPr>
+                        <a:t>RMSProp</a:t>
+                      </a:r>
+                      <a:r>
+                        <a:rPr kumimoji="1" lang="en-US" altLang="ko-KR" sz="1200" b="1" kern="1200" dirty="0" smtClean="0">
+                          <a:gradFill>
+                            <a:gsLst>
+                              <a:gs pos="0">
+                                <a:srgbClr val="404040"/>
+                              </a:gs>
+                              <a:gs pos="100000">
+                                <a:srgbClr val="404040"/>
+                              </a:gs>
+                            </a:gsLst>
+                            <a:lin ang="5400000" scaled="0"/>
+                          </a:gradFill>
+                          <a:latin typeface="나눔고딕" panose="020D0604000000000000" pitchFamily="50" charset="-127"/>
+                          <a:ea typeface="나눔고딕 ExtraBold"/>
+                          <a:cs typeface="+mn-cs"/>
+                        </a:rPr>
+                        <a:t>)</a:t>
+                      </a:r>
+                    </a:p>
+                  </a:txBody>
+                  <a:tcPr marL="26213" marR="26213" marT="13106" marB="13106" anchor="ctr">
+                    <a:lnL w="19050" cap="flat" cmpd="sng" algn="ctr">
+                      <a:solidFill>
+                        <a:srgbClr val="FFFFFF"/>
+                      </a:solidFill>
+                      <a:prstDash val="solid"/>
+                      <a:round/>
+                      <a:headEnd type="none" w="med" len="med"/>
+                      <a:tailEnd type="none" w="med" len="med"/>
+                    </a:lnL>
+                    <a:lnR w="9525" cap="flat" cmpd="sng" algn="ctr">
+                      <a:solidFill>
+                        <a:srgbClr val="B3B3B3"/>
+                      </a:solidFill>
+                      <a:prstDash val="solid"/>
+                      <a:round/>
+                      <a:headEnd type="none" w="med" len="med"/>
+                      <a:tailEnd type="none" w="med" len="med"/>
+                    </a:lnR>
+                    <a:lnT w="9525" cap="flat" cmpd="sng" algn="ctr">
+                      <a:solidFill>
+                        <a:srgbClr val="B3B3B3"/>
+                      </a:solidFill>
+                      <a:prstDash val="solid"/>
+                      <a:round/>
+                      <a:headEnd type="none" w="med" len="med"/>
+                      <a:tailEnd type="none" w="med" len="med"/>
+                    </a:lnT>
+                    <a:lnB w="9525" cap="flat" cmpd="sng" algn="ctr">
+                      <a:solidFill>
+                        <a:srgbClr val="B3B3B3"/>
+                      </a:solidFill>
+                      <a:prstDash val="solid"/>
+                      <a:round/>
+                      <a:headEnd type="none" w="med" len="med"/>
+                      <a:tailEnd type="none" w="med" len="med"/>
+                    </a:lnB>
+                  </a:tcPr>
+                </a:tc>
+                <a:tc>
+                  <a:txBody>
+                    <a:bodyPr/>
+                    <a:lstStyle/>
+                    <a:p>
+                      <a:pPr algn="l" fontAlgn="t" latinLnBrk="1"/>
+                      <a:r>
+                        <a:rPr kumimoji="1" lang="ko-KR" altLang="en-US" sz="1200" b="1" kern="1200" dirty="0" err="1" smtClean="0">
+                          <a:gradFill>
+                            <a:gsLst>
+                              <a:gs pos="0">
+                                <a:srgbClr val="404040"/>
+                              </a:gs>
+                              <a:gs pos="100000">
+                                <a:srgbClr val="404040"/>
+                              </a:gs>
+                            </a:gsLst>
+                            <a:lin ang="5400000" scaled="0"/>
+                          </a:gradFill>
+                          <a:latin typeface="나눔고딕" panose="020D0604000000000000" pitchFamily="50" charset="-127"/>
+                          <a:ea typeface="나눔고딕 ExtraBold"/>
+                          <a:cs typeface="+mn-cs"/>
+                        </a:rPr>
+                        <a:t>아다그라드의</a:t>
+                      </a:r>
+                      <a:r>
+                        <a:rPr kumimoji="1" lang="ko-KR" altLang="en-US" sz="1200" b="1" kern="1200" dirty="0" smtClean="0">
+                          <a:gradFill>
+                            <a:gsLst>
+                              <a:gs pos="0">
+                                <a:srgbClr val="404040"/>
+                              </a:gs>
+                              <a:gs pos="100000">
+                                <a:srgbClr val="404040"/>
+                              </a:gs>
+                            </a:gsLst>
+                            <a:lin ang="5400000" scaled="0"/>
+                          </a:gradFill>
+                          <a:latin typeface="나눔고딕" panose="020D0604000000000000" pitchFamily="50" charset="-127"/>
+                          <a:ea typeface="나눔고딕 ExtraBold"/>
+                          <a:cs typeface="+mn-cs"/>
+                        </a:rPr>
+                        <a:t> 보폭 민감도를 보완한 방법</a:t>
+                      </a:r>
+                    </a:p>
+                  </a:txBody>
+                  <a:tcPr marL="26213" marR="26213" marT="13106" marB="13106" anchor="ctr">
+                    <a:lnL w="9525" cap="flat" cmpd="sng" algn="ctr">
+                      <a:solidFill>
+                        <a:srgbClr val="B3B3B3"/>
+                      </a:solidFill>
+                      <a:prstDash val="solid"/>
+                      <a:round/>
+                      <a:headEnd type="none" w="med" len="med"/>
+                      <a:tailEnd type="none" w="med" len="med"/>
+                    </a:lnL>
+                    <a:lnR w="9525" cap="flat" cmpd="sng" algn="ctr">
+                      <a:solidFill>
+                        <a:srgbClr val="B3B3B3"/>
+                      </a:solidFill>
+                      <a:prstDash val="solid"/>
+                      <a:round/>
+                      <a:headEnd type="none" w="med" len="med"/>
+                      <a:tailEnd type="none" w="med" len="med"/>
+                    </a:lnR>
+                    <a:lnT w="9525" cap="flat" cmpd="sng" algn="ctr">
+                      <a:solidFill>
+                        <a:srgbClr val="B3B3B3"/>
+                      </a:solidFill>
+                      <a:prstDash val="solid"/>
+                      <a:round/>
+                      <a:headEnd type="none" w="med" len="med"/>
+                      <a:tailEnd type="none" w="med" len="med"/>
+                    </a:lnT>
+                    <a:lnB w="9525" cap="flat" cmpd="sng" algn="ctr">
+                      <a:solidFill>
+                        <a:srgbClr val="B3B3B3"/>
+                      </a:solidFill>
+                      <a:prstDash val="solid"/>
+                      <a:round/>
+                      <a:headEnd type="none" w="med" len="med"/>
+                      <a:tailEnd type="none" w="med" len="med"/>
+                    </a:lnB>
+                  </a:tcPr>
+                </a:tc>
+                <a:tc>
+                  <a:txBody>
+                    <a:bodyPr/>
+                    <a:lstStyle/>
+                    <a:p>
+                      <a:pPr algn="ctr" fontAlgn="t" latinLnBrk="1"/>
+                      <a:r>
+                        <a:rPr kumimoji="1" lang="ko-KR" altLang="en-US" sz="1200" b="1" kern="1200" dirty="0" smtClean="0">
+                          <a:gradFill>
+                            <a:gsLst>
+                              <a:gs pos="0">
+                                <a:srgbClr val="404040"/>
+                              </a:gs>
+                              <a:gs pos="100000">
+                                <a:srgbClr val="404040"/>
+                              </a:gs>
+                            </a:gsLst>
+                            <a:lin ang="5400000" scaled="0"/>
+                          </a:gradFill>
+                          <a:latin typeface="나눔고딕" panose="020D0604000000000000" pitchFamily="50" charset="-127"/>
+                          <a:ea typeface="나눔고딕 ExtraBold"/>
+                          <a:cs typeface="+mn-cs"/>
+                        </a:rPr>
+                        <a:t>보폭 크기 개선</a:t>
+                      </a:r>
+                    </a:p>
+                  </a:txBody>
+                  <a:tcPr marL="26213" marR="26213" marT="13106" marB="13106" anchor="ctr">
+                    <a:lnL w="9525" cap="flat" cmpd="sng" algn="ctr">
+                      <a:solidFill>
+                        <a:srgbClr val="B3B3B3"/>
+                      </a:solidFill>
+                      <a:prstDash val="solid"/>
+                      <a:round/>
+                      <a:headEnd type="none" w="med" len="med"/>
+                      <a:tailEnd type="none" w="med" len="med"/>
+                    </a:lnL>
+                    <a:lnR w="9525" cap="flat" cmpd="sng" algn="ctr">
+                      <a:solidFill>
+                        <a:srgbClr val="B3B3B3"/>
+                      </a:solidFill>
+                      <a:prstDash val="solid"/>
+                      <a:round/>
+                      <a:headEnd type="none" w="med" len="med"/>
+                      <a:tailEnd type="none" w="med" len="med"/>
+                    </a:lnR>
+                    <a:lnT w="9525" cap="flat" cmpd="sng" algn="ctr">
+                      <a:solidFill>
+                        <a:srgbClr val="B3B3B3"/>
+                      </a:solidFill>
+                      <a:prstDash val="solid"/>
+                      <a:round/>
+                      <a:headEnd type="none" w="med" len="med"/>
+                      <a:tailEnd type="none" w="med" len="med"/>
+                    </a:lnT>
+                    <a:lnB w="9525" cap="flat" cmpd="sng" algn="ctr">
+                      <a:solidFill>
+                        <a:srgbClr val="B3B3B3"/>
+                      </a:solidFill>
+                      <a:prstDash val="solid"/>
+                      <a:round/>
+                      <a:headEnd type="none" w="med" len="med"/>
+                      <a:tailEnd type="none" w="med" len="med"/>
+                    </a:lnB>
+                  </a:tcPr>
+                </a:tc>
+                <a:tc>
+                  <a:txBody>
+                    <a:bodyPr/>
+                    <a:lstStyle/>
+                    <a:p>
+                      <a:pPr algn="l" fontAlgn="t" latinLnBrk="1"/>
+                      <a:r>
+                        <a:rPr kumimoji="1" lang="en-US" altLang="ko-KR" sz="1200" b="1" kern="1200" dirty="0" err="1" smtClean="0">
+                          <a:gradFill>
+                            <a:gsLst>
+                              <a:gs pos="0">
+                                <a:srgbClr val="404040"/>
+                              </a:gs>
+                              <a:gs pos="100000">
+                                <a:srgbClr val="404040"/>
+                              </a:gs>
+                            </a:gsLst>
+                            <a:lin ang="5400000" scaled="0"/>
+                          </a:gradFill>
+                          <a:latin typeface="나눔고딕" panose="020D0604000000000000" pitchFamily="50" charset="-127"/>
+                          <a:ea typeface="나눔고딕 ExtraBold"/>
+                          <a:cs typeface="+mn-cs"/>
+                        </a:rPr>
+                        <a:t>keras.optimizers.RMSprop</a:t>
+                      </a:r>
+                      <a:r>
+                        <a:rPr kumimoji="1" lang="en-US" altLang="ko-KR" sz="1200" b="1" kern="1200" dirty="0" smtClean="0">
+                          <a:gradFill>
+                            <a:gsLst>
+                              <a:gs pos="0">
+                                <a:srgbClr val="404040"/>
+                              </a:gs>
+                              <a:gs pos="100000">
+                                <a:srgbClr val="404040"/>
+                              </a:gs>
+                            </a:gsLst>
+                            <a:lin ang="5400000" scaled="0"/>
+                          </a:gradFill>
+                          <a:latin typeface="나눔고딕" panose="020D0604000000000000" pitchFamily="50" charset="-127"/>
+                          <a:ea typeface="나눔고딕 ExtraBold"/>
+                          <a:cs typeface="+mn-cs"/>
+                        </a:rPr>
+                        <a:t>(</a:t>
+                      </a:r>
+                      <a:r>
+                        <a:rPr kumimoji="1" lang="en-US" altLang="ko-KR" sz="1200" b="1" kern="1200" dirty="0" err="1" smtClean="0">
+                          <a:gradFill>
+                            <a:gsLst>
+                              <a:gs pos="0">
+                                <a:srgbClr val="404040"/>
+                              </a:gs>
+                              <a:gs pos="100000">
+                                <a:srgbClr val="404040"/>
+                              </a:gs>
+                            </a:gsLst>
+                            <a:lin ang="5400000" scaled="0"/>
+                          </a:gradFill>
+                          <a:latin typeface="나눔고딕" panose="020D0604000000000000" pitchFamily="50" charset="-127"/>
+                          <a:ea typeface="나눔고딕 ExtraBold"/>
+                          <a:cs typeface="+mn-cs"/>
+                        </a:rPr>
+                        <a:t>lr</a:t>
+                      </a:r>
+                      <a:r>
+                        <a:rPr kumimoji="1" lang="en-US" altLang="ko-KR" sz="1200" b="1" kern="1200" dirty="0" smtClean="0">
+                          <a:gradFill>
+                            <a:gsLst>
+                              <a:gs pos="0">
+                                <a:srgbClr val="404040"/>
+                              </a:gs>
+                              <a:gs pos="100000">
+                                <a:srgbClr val="404040"/>
+                              </a:gs>
+                            </a:gsLst>
+                            <a:lin ang="5400000" scaled="0"/>
+                          </a:gradFill>
+                          <a:latin typeface="나눔고딕" panose="020D0604000000000000" pitchFamily="50" charset="-127"/>
+                          <a:ea typeface="나눔고딕 ExtraBold"/>
+                          <a:cs typeface="+mn-cs"/>
+                        </a:rPr>
+                        <a:t>=0.001,</a:t>
+                      </a:r>
+                    </a:p>
+                    <a:p>
+                      <a:pPr algn="l" fontAlgn="t" latinLnBrk="1"/>
+                      <a:r>
+                        <a:rPr kumimoji="1" lang="en-US" altLang="ko-KR" sz="1200" b="1" kern="1200" dirty="0" smtClean="0">
+                          <a:gradFill>
+                            <a:gsLst>
+                              <a:gs pos="0">
+                                <a:srgbClr val="404040"/>
+                              </a:gs>
+                              <a:gs pos="100000">
+                                <a:srgbClr val="404040"/>
+                              </a:gs>
+                            </a:gsLst>
+                            <a:lin ang="5400000" scaled="0"/>
+                          </a:gradFill>
+                          <a:latin typeface="나눔고딕" panose="020D0604000000000000" pitchFamily="50" charset="-127"/>
+                          <a:ea typeface="나눔고딕 ExtraBold"/>
+                          <a:cs typeface="+mn-cs"/>
+                        </a:rPr>
+                        <a:t>                                            rho=0.9,</a:t>
+                      </a:r>
+                    </a:p>
+                    <a:p>
+                      <a:pPr algn="l" fontAlgn="t" latinLnBrk="1"/>
+                      <a:r>
+                        <a:rPr kumimoji="1" lang="en-US" altLang="ko-KR" sz="1200" b="1" kern="1200" dirty="0" smtClean="0">
+                          <a:gradFill>
+                            <a:gsLst>
+                              <a:gs pos="0">
+                                <a:srgbClr val="404040"/>
+                              </a:gs>
+                              <a:gs pos="100000">
+                                <a:srgbClr val="404040"/>
+                              </a:gs>
+                            </a:gsLst>
+                            <a:lin ang="5400000" scaled="0"/>
+                          </a:gradFill>
+                          <a:latin typeface="나눔고딕" panose="020D0604000000000000" pitchFamily="50" charset="-127"/>
+                          <a:ea typeface="나눔고딕 ExtraBold"/>
+                          <a:cs typeface="+mn-cs"/>
+                        </a:rPr>
+                        <a:t>                                            epsilon=1e-08,</a:t>
+                      </a:r>
+                    </a:p>
+                    <a:p>
+                      <a:pPr algn="l" fontAlgn="t" latinLnBrk="1"/>
+                      <a:r>
+                        <a:rPr kumimoji="1" lang="en-US" altLang="ko-KR" sz="1200" b="1" kern="1200" dirty="0" smtClean="0">
+                          <a:gradFill>
+                            <a:gsLst>
+                              <a:gs pos="0">
+                                <a:srgbClr val="404040"/>
+                              </a:gs>
+                              <a:gs pos="100000">
+                                <a:srgbClr val="404040"/>
+                              </a:gs>
+                            </a:gsLst>
+                            <a:lin ang="5400000" scaled="0"/>
+                          </a:gradFill>
+                          <a:latin typeface="나눔고딕" panose="020D0604000000000000" pitchFamily="50" charset="-127"/>
+                          <a:ea typeface="나눔고딕 ExtraBold"/>
+                          <a:cs typeface="+mn-cs"/>
+                        </a:rPr>
+                        <a:t>                                            decay=0.0</a:t>
+                      </a:r>
+                      <a:r>
+                        <a:rPr kumimoji="1" lang="en-US" altLang="ko-KR" sz="1200" b="1" kern="1200" dirty="0" smtClean="0">
+                          <a:gradFill>
+                            <a:gsLst>
+                              <a:gs pos="0">
+                                <a:srgbClr val="404040"/>
+                              </a:gs>
+                              <a:gs pos="100000">
+                                <a:srgbClr val="404040"/>
+                              </a:gs>
+                            </a:gsLst>
+                            <a:lin ang="5400000" scaled="0"/>
+                          </a:gradFill>
+                          <a:latin typeface="나눔고딕" panose="020D0604000000000000" pitchFamily="50" charset="-127"/>
+                          <a:ea typeface="나눔고딕 ExtraBold"/>
+                          <a:cs typeface="+mn-cs"/>
+                        </a:rPr>
+                        <a:t>)</a:t>
+                      </a:r>
+                    </a:p>
+                    <a:p>
+                      <a:pPr algn="l" fontAlgn="t" latinLnBrk="1"/>
+                      <a:r>
+                        <a:rPr kumimoji="1" lang="ko-KR" altLang="en-US" sz="1200" b="1" kern="1200" dirty="0" err="1" smtClean="0">
+                          <a:gradFill>
+                            <a:gsLst>
+                              <a:gs pos="0">
+                                <a:srgbClr val="404040"/>
+                              </a:gs>
+                              <a:gs pos="100000">
+                                <a:srgbClr val="404040"/>
+                              </a:gs>
+                            </a:gsLst>
+                            <a:lin ang="5400000" scaled="0"/>
+                          </a:gradFill>
+                          <a:latin typeface="나눔고딕" panose="020D0604000000000000" pitchFamily="50" charset="-127"/>
+                          <a:ea typeface="나눔고딕 ExtraBold"/>
+                          <a:cs typeface="+mn-cs"/>
+                        </a:rPr>
+                        <a:t>알엠에스프롭</a:t>
+                      </a:r>
+                      <a:r>
+                        <a:rPr kumimoji="1" lang="ko-KR" altLang="en-US" sz="1200" b="1" kern="1200" dirty="0" smtClean="0">
+                          <a:gradFill>
+                            <a:gsLst>
+                              <a:gs pos="0">
+                                <a:srgbClr val="404040"/>
+                              </a:gs>
+                              <a:gs pos="100000">
+                                <a:srgbClr val="404040"/>
+                              </a:gs>
+                            </a:gsLst>
+                            <a:lin ang="5400000" scaled="0"/>
+                          </a:gradFill>
+                          <a:latin typeface="나눔고딕" panose="020D0604000000000000" pitchFamily="50" charset="-127"/>
+                          <a:ea typeface="나눔고딕 ExtraBold"/>
+                          <a:cs typeface="+mn-cs"/>
+                        </a:rPr>
+                        <a:t> 함수를 사용합니다</a:t>
+                      </a:r>
+                      <a:r>
+                        <a:rPr kumimoji="1" lang="en-US" altLang="ko-KR" sz="1200" b="1" kern="1200" dirty="0" smtClean="0">
+                          <a:gradFill>
+                            <a:gsLst>
+                              <a:gs pos="0">
+                                <a:srgbClr val="404040"/>
+                              </a:gs>
+                              <a:gs pos="100000">
+                                <a:srgbClr val="404040"/>
+                              </a:gs>
+                            </a:gsLst>
+                            <a:lin ang="5400000" scaled="0"/>
+                          </a:gradFill>
+                          <a:latin typeface="나눔고딕" panose="020D0604000000000000" pitchFamily="50" charset="-127"/>
+                          <a:ea typeface="나눔고딕 ExtraBold"/>
+                          <a:cs typeface="+mn-cs"/>
+                        </a:rPr>
+                        <a:t>.</a:t>
+                      </a:r>
+                    </a:p>
+                  </a:txBody>
+                  <a:tcPr marL="26213" marR="26213" marT="13106" marB="13106" anchor="ctr">
+                    <a:lnL w="9525" cap="flat" cmpd="sng" algn="ctr">
+                      <a:solidFill>
+                        <a:srgbClr val="B3B3B3"/>
+                      </a:solidFill>
+                      <a:prstDash val="solid"/>
+                      <a:round/>
+                      <a:headEnd type="none" w="med" len="med"/>
+                      <a:tailEnd type="none" w="med" len="med"/>
+                    </a:lnL>
+                    <a:lnR w="19050" cap="flat" cmpd="sng" algn="ctr">
+                      <a:solidFill>
+                        <a:srgbClr val="FFFFFF"/>
+                      </a:solidFill>
+                      <a:prstDash val="solid"/>
+                      <a:round/>
+                      <a:headEnd type="none" w="med" len="med"/>
+                      <a:tailEnd type="none" w="med" len="med"/>
+                    </a:lnR>
+                    <a:lnT w="9525" cap="flat" cmpd="sng" algn="ctr">
+                      <a:solidFill>
+                        <a:srgbClr val="B3B3B3"/>
+                      </a:solidFill>
+                      <a:prstDash val="solid"/>
+                      <a:round/>
+                      <a:headEnd type="none" w="med" len="med"/>
+                      <a:tailEnd type="none" w="med" len="med"/>
+                    </a:lnT>
+                    <a:lnB w="9525" cap="flat" cmpd="sng" algn="ctr">
+                      <a:solidFill>
+                        <a:srgbClr val="B3B3B3"/>
+                      </a:solidFill>
+                      <a:prstDash val="solid"/>
+                      <a:round/>
+                      <a:headEnd type="none" w="med" len="med"/>
+                      <a:tailEnd type="none" w="med" len="med"/>
+                    </a:lnB>
+                  </a:tcPr>
+                </a:tc>
+                <a:extLst>
+                  <a:ext uri="{0D108BD9-81ED-4DB2-BD59-A6C34878D82A}">
+                    <a16:rowId xmlns:a16="http://schemas.microsoft.com/office/drawing/2014/main" val="2667617098"/>
+                  </a:ext>
+                </a:extLst>
+              </a:tr>
+              <a:tr h="628985">
+                <a:tc>
+                  <a:txBody>
+                    <a:bodyPr/>
+                    <a:lstStyle/>
+                    <a:p>
+                      <a:pPr algn="l" fontAlgn="t" latinLnBrk="1"/>
+                      <a:r>
+                        <a:rPr kumimoji="1" lang="en-US" altLang="ko-KR" sz="1200" b="1" kern="1200" dirty="0" smtClean="0">
+                          <a:gradFill>
+                            <a:gsLst>
+                              <a:gs pos="0">
+                                <a:srgbClr val="404040"/>
+                              </a:gs>
+                              <a:gs pos="100000">
+                                <a:srgbClr val="404040"/>
+                              </a:gs>
+                            </a:gsLst>
+                            <a:lin ang="5400000" scaled="0"/>
+                          </a:gradFill>
+                          <a:latin typeface="나눔고딕" panose="020D0604000000000000" pitchFamily="50" charset="-127"/>
+                          <a:ea typeface="나눔고딕 ExtraBold"/>
+                          <a:cs typeface="+mn-cs"/>
+                        </a:rPr>
+                        <a:t>6. </a:t>
+                      </a:r>
+                      <a:r>
+                        <a:rPr kumimoji="1" lang="ko-KR" altLang="en-US" sz="1200" b="1" kern="1200" dirty="0" smtClean="0">
+                          <a:gradFill>
+                            <a:gsLst>
+                              <a:gs pos="0">
+                                <a:srgbClr val="404040"/>
+                              </a:gs>
+                              <a:gs pos="100000">
+                                <a:srgbClr val="404040"/>
+                              </a:gs>
+                            </a:gsLst>
+                            <a:lin ang="5400000" scaled="0"/>
+                          </a:gradFill>
+                          <a:latin typeface="나눔고딕" panose="020D0604000000000000" pitchFamily="50" charset="-127"/>
+                          <a:ea typeface="나눔고딕 ExtraBold"/>
+                          <a:cs typeface="+mn-cs"/>
+                        </a:rPr>
+                        <a:t>아담</a:t>
+                      </a:r>
+                      <a:endParaRPr kumimoji="1" lang="en-US" altLang="ko-KR" sz="1200" b="1" kern="1200" dirty="0" smtClean="0">
+                        <a:gradFill>
+                          <a:gsLst>
+                            <a:gs pos="0">
+                              <a:srgbClr val="404040"/>
+                            </a:gs>
+                            <a:gs pos="100000">
+                              <a:srgbClr val="404040"/>
+                            </a:gs>
+                          </a:gsLst>
+                          <a:lin ang="5400000" scaled="0"/>
+                        </a:gradFill>
+                        <a:latin typeface="나눔고딕" panose="020D0604000000000000" pitchFamily="50" charset="-127"/>
+                        <a:ea typeface="나눔고딕 ExtraBold"/>
+                        <a:cs typeface="+mn-cs"/>
+                      </a:endParaRPr>
+                    </a:p>
+                    <a:p>
+                      <a:pPr algn="l" fontAlgn="t" latinLnBrk="1"/>
+                      <a:r>
+                        <a:rPr kumimoji="1" lang="en-US" altLang="ko-KR" sz="1200" b="1" kern="1200" dirty="0" smtClean="0">
+                          <a:gradFill>
+                            <a:gsLst>
+                              <a:gs pos="0">
+                                <a:srgbClr val="404040"/>
+                              </a:gs>
+                              <a:gs pos="100000">
+                                <a:srgbClr val="404040"/>
+                              </a:gs>
+                            </a:gsLst>
+                            <a:lin ang="5400000" scaled="0"/>
+                          </a:gradFill>
+                          <a:latin typeface="나눔고딕" panose="020D0604000000000000" pitchFamily="50" charset="-127"/>
+                          <a:ea typeface="나눔고딕 ExtraBold"/>
+                          <a:cs typeface="+mn-cs"/>
+                        </a:rPr>
+                        <a:t>   (</a:t>
+                      </a:r>
+                      <a:r>
+                        <a:rPr kumimoji="1" lang="en-US" altLang="en-US" sz="1200" b="1" kern="1200" dirty="0" smtClean="0">
+                          <a:gradFill>
+                            <a:gsLst>
+                              <a:gs pos="0">
+                                <a:srgbClr val="404040"/>
+                              </a:gs>
+                              <a:gs pos="100000">
+                                <a:srgbClr val="404040"/>
+                              </a:gs>
+                            </a:gsLst>
+                            <a:lin ang="5400000" scaled="0"/>
+                          </a:gradFill>
+                          <a:latin typeface="나눔고딕" panose="020D0604000000000000" pitchFamily="50" charset="-127"/>
+                          <a:ea typeface="나눔고딕 ExtraBold"/>
+                          <a:cs typeface="+mn-cs"/>
+                        </a:rPr>
+                        <a:t>Adam)</a:t>
+                      </a:r>
+                    </a:p>
+                  </a:txBody>
+                  <a:tcPr marL="26213" marR="26213" marT="13106" marB="13106" anchor="ctr">
+                    <a:lnL w="19050" cap="flat" cmpd="sng" algn="ctr">
+                      <a:solidFill>
+                        <a:srgbClr val="FFFFFF"/>
+                      </a:solidFill>
+                      <a:prstDash val="solid"/>
+                      <a:round/>
+                      <a:headEnd type="none" w="med" len="med"/>
+                      <a:tailEnd type="none" w="med" len="med"/>
+                    </a:lnL>
+                    <a:lnR w="9525" cap="flat" cmpd="sng" algn="ctr">
+                      <a:solidFill>
+                        <a:srgbClr val="B3B3B3"/>
+                      </a:solidFill>
+                      <a:prstDash val="solid"/>
+                      <a:round/>
+                      <a:headEnd type="none" w="med" len="med"/>
+                      <a:tailEnd type="none" w="med" len="med"/>
+                    </a:lnR>
+                    <a:lnT w="9525" cap="flat" cmpd="sng" algn="ctr">
+                      <a:solidFill>
+                        <a:srgbClr val="B3B3B3"/>
+                      </a:solidFill>
+                      <a:prstDash val="solid"/>
+                      <a:round/>
+                      <a:headEnd type="none" w="med" len="med"/>
+                      <a:tailEnd type="none" w="med" len="med"/>
+                    </a:lnT>
+                    <a:lnB w="9525" cap="flat" cmpd="sng" algn="ctr">
+                      <a:solidFill>
+                        <a:srgbClr val="B3B3B3"/>
+                      </a:solidFill>
+                      <a:prstDash val="solid"/>
+                      <a:round/>
+                      <a:headEnd type="none" w="med" len="med"/>
+                      <a:tailEnd type="none" w="med" len="med"/>
+                    </a:lnB>
+                  </a:tcPr>
+                </a:tc>
+                <a:tc>
+                  <a:txBody>
+                    <a:bodyPr/>
+                    <a:lstStyle/>
+                    <a:p>
+                      <a:pPr algn="l" fontAlgn="t" latinLnBrk="1"/>
+                      <a:r>
+                        <a:rPr kumimoji="1" lang="ko-KR" altLang="en-US" sz="1200" b="1" kern="1200" dirty="0" smtClean="0">
+                          <a:gradFill>
+                            <a:gsLst>
+                              <a:gs pos="0">
+                                <a:srgbClr val="404040"/>
+                              </a:gs>
+                              <a:gs pos="100000">
+                                <a:srgbClr val="404040"/>
+                              </a:gs>
+                            </a:gsLst>
+                            <a:lin ang="5400000" scaled="0"/>
+                          </a:gradFill>
+                          <a:latin typeface="나눔고딕" panose="020D0604000000000000" pitchFamily="50" charset="-127"/>
+                          <a:ea typeface="나눔고딕 ExtraBold"/>
+                          <a:cs typeface="+mn-cs"/>
+                        </a:rPr>
+                        <a:t>모멘텀과 </a:t>
+                      </a:r>
+                      <a:r>
+                        <a:rPr kumimoji="1" lang="ko-KR" altLang="en-US" sz="1200" b="1" kern="1200" dirty="0" err="1" smtClean="0">
+                          <a:gradFill>
+                            <a:gsLst>
+                              <a:gs pos="0">
+                                <a:srgbClr val="404040"/>
+                              </a:gs>
+                              <a:gs pos="100000">
+                                <a:srgbClr val="404040"/>
+                              </a:gs>
+                            </a:gsLst>
+                            <a:lin ang="5400000" scaled="0"/>
+                          </a:gradFill>
+                          <a:latin typeface="나눔고딕" panose="020D0604000000000000" pitchFamily="50" charset="-127"/>
+                          <a:ea typeface="나눔고딕 ExtraBold"/>
+                          <a:cs typeface="+mn-cs"/>
+                        </a:rPr>
+                        <a:t>알엠에스프롭</a:t>
+                      </a:r>
+                      <a:r>
+                        <a:rPr kumimoji="1" lang="ko-KR" altLang="en-US" sz="1200" b="1" kern="1200" dirty="0" smtClean="0">
+                          <a:gradFill>
+                            <a:gsLst>
+                              <a:gs pos="0">
+                                <a:srgbClr val="404040"/>
+                              </a:gs>
+                              <a:gs pos="100000">
+                                <a:srgbClr val="404040"/>
+                              </a:gs>
+                            </a:gsLst>
+                            <a:lin ang="5400000" scaled="0"/>
+                          </a:gradFill>
+                          <a:latin typeface="나눔고딕" panose="020D0604000000000000" pitchFamily="50" charset="-127"/>
+                          <a:ea typeface="나눔고딕 ExtraBold"/>
+                          <a:cs typeface="+mn-cs"/>
+                        </a:rPr>
+                        <a:t> 방법을 합친 방법</a:t>
+                      </a:r>
+                    </a:p>
+                  </a:txBody>
+                  <a:tcPr marL="26213" marR="26213" marT="13106" marB="13106" anchor="ctr">
+                    <a:lnL w="9525" cap="flat" cmpd="sng" algn="ctr">
+                      <a:solidFill>
+                        <a:srgbClr val="B3B3B3"/>
+                      </a:solidFill>
+                      <a:prstDash val="solid"/>
+                      <a:round/>
+                      <a:headEnd type="none" w="med" len="med"/>
+                      <a:tailEnd type="none" w="med" len="med"/>
+                    </a:lnL>
+                    <a:lnR w="9525" cap="flat" cmpd="sng" algn="ctr">
+                      <a:solidFill>
+                        <a:srgbClr val="B3B3B3"/>
+                      </a:solidFill>
+                      <a:prstDash val="solid"/>
+                      <a:round/>
+                      <a:headEnd type="none" w="med" len="med"/>
+                      <a:tailEnd type="none" w="med" len="med"/>
+                    </a:lnR>
+                    <a:lnT w="9525" cap="flat" cmpd="sng" algn="ctr">
+                      <a:solidFill>
+                        <a:srgbClr val="B3B3B3"/>
+                      </a:solidFill>
+                      <a:prstDash val="solid"/>
+                      <a:round/>
+                      <a:headEnd type="none" w="med" len="med"/>
+                      <a:tailEnd type="none" w="med" len="med"/>
+                    </a:lnT>
+                    <a:lnB w="9525" cap="flat" cmpd="sng" algn="ctr">
+                      <a:solidFill>
+                        <a:srgbClr val="B3B3B3"/>
+                      </a:solidFill>
+                      <a:prstDash val="solid"/>
+                      <a:round/>
+                      <a:headEnd type="none" w="med" len="med"/>
+                      <a:tailEnd type="none" w="med" len="med"/>
+                    </a:lnB>
+                  </a:tcPr>
+                </a:tc>
+                <a:tc>
+                  <a:txBody>
+                    <a:bodyPr/>
+                    <a:lstStyle/>
+                    <a:p>
+                      <a:pPr algn="ctr" fontAlgn="t" latinLnBrk="1"/>
+                      <a:r>
+                        <a:rPr kumimoji="1" lang="ko-KR" altLang="en-US" sz="1200" b="1" kern="1200" dirty="0" smtClean="0">
+                          <a:gradFill>
+                            <a:gsLst>
+                              <a:gs pos="0">
+                                <a:srgbClr val="404040"/>
+                              </a:gs>
+                              <a:gs pos="100000">
+                                <a:srgbClr val="404040"/>
+                              </a:gs>
+                            </a:gsLst>
+                            <a:lin ang="5400000" scaled="0"/>
+                          </a:gradFill>
+                          <a:latin typeface="나눔고딕" panose="020D0604000000000000" pitchFamily="50" charset="-127"/>
+                          <a:ea typeface="나눔고딕 ExtraBold"/>
+                          <a:cs typeface="+mn-cs"/>
+                        </a:rPr>
+                        <a:t>정확도와</a:t>
+                      </a:r>
+                    </a:p>
+                    <a:p>
+                      <a:pPr algn="ctr" fontAlgn="t" latinLnBrk="1"/>
+                      <a:r>
+                        <a:rPr kumimoji="1" lang="ko-KR" altLang="en-US" sz="1200" b="1" kern="1200" dirty="0" smtClean="0">
+                          <a:gradFill>
+                            <a:gsLst>
+                              <a:gs pos="0">
+                                <a:srgbClr val="404040"/>
+                              </a:gs>
+                              <a:gs pos="100000">
+                                <a:srgbClr val="404040"/>
+                              </a:gs>
+                            </a:gsLst>
+                            <a:lin ang="5400000" scaled="0"/>
+                          </a:gradFill>
+                          <a:latin typeface="나눔고딕" panose="020D0604000000000000" pitchFamily="50" charset="-127"/>
+                          <a:ea typeface="나눔고딕 ExtraBold"/>
+                          <a:cs typeface="+mn-cs"/>
+                        </a:rPr>
+                        <a:t>보폭 크기</a:t>
+                      </a:r>
+                    </a:p>
+                    <a:p>
+                      <a:pPr algn="ctr" fontAlgn="t" latinLnBrk="1"/>
+                      <a:r>
+                        <a:rPr kumimoji="1" lang="ko-KR" altLang="en-US" sz="1200" b="1" kern="1200" dirty="0" smtClean="0">
+                          <a:gradFill>
+                            <a:gsLst>
+                              <a:gs pos="0">
+                                <a:srgbClr val="404040"/>
+                              </a:gs>
+                              <a:gs pos="100000">
+                                <a:srgbClr val="404040"/>
+                              </a:gs>
+                            </a:gsLst>
+                            <a:lin ang="5400000" scaled="0"/>
+                          </a:gradFill>
+                          <a:latin typeface="나눔고딕" panose="020D0604000000000000" pitchFamily="50" charset="-127"/>
+                          <a:ea typeface="나눔고딕 ExtraBold"/>
+                          <a:cs typeface="+mn-cs"/>
+                        </a:rPr>
+                        <a:t>개선</a:t>
+                      </a:r>
+                    </a:p>
+                  </a:txBody>
+                  <a:tcPr marL="26213" marR="26213" marT="13106" marB="13106" anchor="ctr">
+                    <a:lnL w="9525" cap="flat" cmpd="sng" algn="ctr">
+                      <a:solidFill>
+                        <a:srgbClr val="B3B3B3"/>
+                      </a:solidFill>
+                      <a:prstDash val="solid"/>
+                      <a:round/>
+                      <a:headEnd type="none" w="med" len="med"/>
+                      <a:tailEnd type="none" w="med" len="med"/>
+                    </a:lnL>
+                    <a:lnR w="9525" cap="flat" cmpd="sng" algn="ctr">
+                      <a:solidFill>
+                        <a:srgbClr val="B3B3B3"/>
+                      </a:solidFill>
+                      <a:prstDash val="solid"/>
+                      <a:round/>
+                      <a:headEnd type="none" w="med" len="med"/>
+                      <a:tailEnd type="none" w="med" len="med"/>
+                    </a:lnR>
+                    <a:lnT w="9525" cap="flat" cmpd="sng" algn="ctr">
+                      <a:solidFill>
+                        <a:srgbClr val="B3B3B3"/>
+                      </a:solidFill>
+                      <a:prstDash val="solid"/>
+                      <a:round/>
+                      <a:headEnd type="none" w="med" len="med"/>
+                      <a:tailEnd type="none" w="med" len="med"/>
+                    </a:lnT>
+                    <a:lnB w="9525" cap="flat" cmpd="sng" algn="ctr">
+                      <a:solidFill>
+                        <a:srgbClr val="B3B3B3"/>
+                      </a:solidFill>
+                      <a:prstDash val="solid"/>
+                      <a:round/>
+                      <a:headEnd type="none" w="med" len="med"/>
+                      <a:tailEnd type="none" w="med" len="med"/>
+                    </a:lnB>
+                  </a:tcPr>
+                </a:tc>
+                <a:tc>
+                  <a:txBody>
+                    <a:bodyPr/>
+                    <a:lstStyle/>
+                    <a:p>
+                      <a:pPr algn="l" fontAlgn="t" latinLnBrk="1"/>
+                      <a:r>
+                        <a:rPr kumimoji="1" lang="en-US" altLang="en-US" sz="1200" b="1" kern="1200" dirty="0" err="1" smtClean="0">
+                          <a:gradFill>
+                            <a:gsLst>
+                              <a:gs pos="0">
+                                <a:srgbClr val="404040"/>
+                              </a:gs>
+                              <a:gs pos="100000">
+                                <a:srgbClr val="404040"/>
+                              </a:gs>
+                            </a:gsLst>
+                            <a:lin ang="5400000" scaled="0"/>
+                          </a:gradFill>
+                          <a:latin typeface="나눔고딕" panose="020D0604000000000000" pitchFamily="50" charset="-127"/>
+                          <a:ea typeface="나눔고딕 ExtraBold"/>
+                          <a:cs typeface="+mn-cs"/>
+                        </a:rPr>
+                        <a:t>keras.optimizers.Adam</a:t>
+                      </a:r>
+                      <a:r>
+                        <a:rPr kumimoji="1" lang="en-US" altLang="en-US" sz="1200" b="1" kern="1200" dirty="0" smtClean="0">
+                          <a:gradFill>
+                            <a:gsLst>
+                              <a:gs pos="0">
+                                <a:srgbClr val="404040"/>
+                              </a:gs>
+                              <a:gs pos="100000">
+                                <a:srgbClr val="404040"/>
+                              </a:gs>
+                            </a:gsLst>
+                            <a:lin ang="5400000" scaled="0"/>
+                          </a:gradFill>
+                          <a:latin typeface="나눔고딕" panose="020D0604000000000000" pitchFamily="50" charset="-127"/>
+                          <a:ea typeface="나눔고딕 ExtraBold"/>
+                          <a:cs typeface="+mn-cs"/>
+                        </a:rPr>
+                        <a:t>(</a:t>
+                      </a:r>
+                      <a:r>
+                        <a:rPr kumimoji="1" lang="en-US" altLang="en-US" sz="1200" b="1" kern="1200" dirty="0" err="1" smtClean="0">
+                          <a:gradFill>
+                            <a:gsLst>
+                              <a:gs pos="0">
+                                <a:srgbClr val="404040"/>
+                              </a:gs>
+                              <a:gs pos="100000">
+                                <a:srgbClr val="404040"/>
+                              </a:gs>
+                            </a:gsLst>
+                            <a:lin ang="5400000" scaled="0"/>
+                          </a:gradFill>
+                          <a:latin typeface="나눔고딕" panose="020D0604000000000000" pitchFamily="50" charset="-127"/>
+                          <a:ea typeface="나눔고딕 ExtraBold"/>
+                          <a:cs typeface="+mn-cs"/>
+                        </a:rPr>
+                        <a:t>lr</a:t>
+                      </a:r>
+                      <a:r>
+                        <a:rPr kumimoji="1" lang="en-US" altLang="en-US" sz="1200" b="1" kern="1200" dirty="0" smtClean="0">
+                          <a:gradFill>
+                            <a:gsLst>
+                              <a:gs pos="0">
+                                <a:srgbClr val="404040"/>
+                              </a:gs>
+                              <a:gs pos="100000">
+                                <a:srgbClr val="404040"/>
+                              </a:gs>
+                            </a:gsLst>
+                            <a:lin ang="5400000" scaled="0"/>
+                          </a:gradFill>
+                          <a:latin typeface="나눔고딕" panose="020D0604000000000000" pitchFamily="50" charset="-127"/>
+                          <a:ea typeface="나눔고딕 ExtraBold"/>
+                          <a:cs typeface="+mn-cs"/>
+                        </a:rPr>
+                        <a:t>=0.001,</a:t>
+                      </a:r>
+                    </a:p>
+                    <a:p>
+                      <a:pPr algn="l" fontAlgn="t" latinLnBrk="1"/>
+                      <a:r>
+                        <a:rPr kumimoji="1" lang="en-US" altLang="en-US" sz="1200" b="1" kern="1200" dirty="0" smtClean="0">
+                          <a:gradFill>
+                            <a:gsLst>
+                              <a:gs pos="0">
+                                <a:srgbClr val="404040"/>
+                              </a:gs>
+                              <a:gs pos="100000">
+                                <a:srgbClr val="404040"/>
+                              </a:gs>
+                            </a:gsLst>
+                            <a:lin ang="5400000" scaled="0"/>
+                          </a:gradFill>
+                          <a:latin typeface="나눔고딕" panose="020D0604000000000000" pitchFamily="50" charset="-127"/>
+                          <a:ea typeface="나눔고딕 ExtraBold"/>
+                          <a:cs typeface="+mn-cs"/>
+                        </a:rPr>
+                        <a:t>                                       beta_1=0.9,</a:t>
+                      </a:r>
+                    </a:p>
+                    <a:p>
+                      <a:pPr algn="l" fontAlgn="t" latinLnBrk="1"/>
+                      <a:r>
+                        <a:rPr kumimoji="1" lang="en-US" altLang="en-US" sz="1200" b="1" kern="1200" dirty="0" smtClean="0">
+                          <a:gradFill>
+                            <a:gsLst>
+                              <a:gs pos="0">
+                                <a:srgbClr val="404040"/>
+                              </a:gs>
+                              <a:gs pos="100000">
+                                <a:srgbClr val="404040"/>
+                              </a:gs>
+                            </a:gsLst>
+                            <a:lin ang="5400000" scaled="0"/>
+                          </a:gradFill>
+                          <a:latin typeface="나눔고딕" panose="020D0604000000000000" pitchFamily="50" charset="-127"/>
+                          <a:ea typeface="나눔고딕 ExtraBold"/>
+                          <a:cs typeface="+mn-cs"/>
+                        </a:rPr>
+                        <a:t>                                       beta_2=0.999</a:t>
+                      </a:r>
+                      <a:r>
+                        <a:rPr kumimoji="1" lang="en-US" altLang="en-US" sz="1200" b="1" kern="1200" dirty="0" smtClean="0">
+                          <a:gradFill>
+                            <a:gsLst>
+                              <a:gs pos="0">
+                                <a:srgbClr val="404040"/>
+                              </a:gs>
+                              <a:gs pos="100000">
+                                <a:srgbClr val="404040"/>
+                              </a:gs>
+                            </a:gsLst>
+                            <a:lin ang="5400000" scaled="0"/>
+                          </a:gradFill>
+                          <a:latin typeface="나눔고딕" panose="020D0604000000000000" pitchFamily="50" charset="-127"/>
+                          <a:ea typeface="나눔고딕 ExtraBold"/>
+                          <a:cs typeface="+mn-cs"/>
+                        </a:rPr>
+                        <a:t>, </a:t>
+                      </a:r>
+                      <a:endParaRPr kumimoji="1" lang="en-US" altLang="en-US" sz="1200" b="1" kern="1200" dirty="0" smtClean="0">
+                        <a:gradFill>
+                          <a:gsLst>
+                            <a:gs pos="0">
+                              <a:srgbClr val="404040"/>
+                            </a:gs>
+                            <a:gs pos="100000">
+                              <a:srgbClr val="404040"/>
+                            </a:gs>
+                          </a:gsLst>
+                          <a:lin ang="5400000" scaled="0"/>
+                        </a:gradFill>
+                        <a:latin typeface="나눔고딕" panose="020D0604000000000000" pitchFamily="50" charset="-127"/>
+                        <a:ea typeface="나눔고딕 ExtraBold"/>
+                        <a:cs typeface="+mn-cs"/>
+                      </a:endParaRPr>
+                    </a:p>
+                    <a:p>
+                      <a:pPr algn="l" fontAlgn="t" latinLnBrk="1"/>
+                      <a:r>
+                        <a:rPr kumimoji="1" lang="en-US" altLang="en-US" sz="1200" b="1" kern="1200" dirty="0" smtClean="0">
+                          <a:gradFill>
+                            <a:gsLst>
+                              <a:gs pos="0">
+                                <a:srgbClr val="404040"/>
+                              </a:gs>
+                              <a:gs pos="100000">
+                                <a:srgbClr val="404040"/>
+                              </a:gs>
+                            </a:gsLst>
+                            <a:lin ang="5400000" scaled="0"/>
+                          </a:gradFill>
+                          <a:latin typeface="나눔고딕" panose="020D0604000000000000" pitchFamily="50" charset="-127"/>
+                          <a:ea typeface="나눔고딕 ExtraBold"/>
+                          <a:cs typeface="+mn-cs"/>
+                        </a:rPr>
+                        <a:t>                                       epsilon=1e-08,</a:t>
+                      </a:r>
+                    </a:p>
+                    <a:p>
+                      <a:pPr algn="l" fontAlgn="t" latinLnBrk="1"/>
+                      <a:r>
+                        <a:rPr kumimoji="1" lang="en-US" altLang="en-US" sz="1200" b="1" kern="1200" dirty="0" smtClean="0">
+                          <a:gradFill>
+                            <a:gsLst>
+                              <a:gs pos="0">
+                                <a:srgbClr val="404040"/>
+                              </a:gs>
+                              <a:gs pos="100000">
+                                <a:srgbClr val="404040"/>
+                              </a:gs>
+                            </a:gsLst>
+                            <a:lin ang="5400000" scaled="0"/>
+                          </a:gradFill>
+                          <a:latin typeface="나눔고딕" panose="020D0604000000000000" pitchFamily="50" charset="-127"/>
+                          <a:ea typeface="나눔고딕 ExtraBold"/>
+                          <a:cs typeface="+mn-cs"/>
+                        </a:rPr>
+                        <a:t>                                       decay </a:t>
+                      </a:r>
+                      <a:r>
+                        <a:rPr kumimoji="1" lang="en-US" altLang="en-US" sz="1200" b="1" kern="1200" dirty="0" smtClean="0">
+                          <a:gradFill>
+                            <a:gsLst>
+                              <a:gs pos="0">
+                                <a:srgbClr val="404040"/>
+                              </a:gs>
+                              <a:gs pos="100000">
+                                <a:srgbClr val="404040"/>
+                              </a:gs>
+                            </a:gsLst>
+                            <a:lin ang="5400000" scaled="0"/>
+                          </a:gradFill>
+                          <a:latin typeface="나눔고딕" panose="020D0604000000000000" pitchFamily="50" charset="-127"/>
+                          <a:ea typeface="나눔고딕 ExtraBold"/>
+                          <a:cs typeface="+mn-cs"/>
+                        </a:rPr>
+                        <a:t>= 0.0)</a:t>
+                      </a:r>
+                    </a:p>
+                    <a:p>
+                      <a:pPr algn="l" fontAlgn="t" latinLnBrk="1"/>
+                      <a:r>
+                        <a:rPr kumimoji="1" lang="ko-KR" altLang="en-US" sz="1200" b="1" kern="1200" dirty="0" smtClean="0">
+                          <a:gradFill>
+                            <a:gsLst>
+                              <a:gs pos="0">
+                                <a:srgbClr val="404040"/>
+                              </a:gs>
+                              <a:gs pos="100000">
+                                <a:srgbClr val="404040"/>
+                              </a:gs>
+                            </a:gsLst>
+                            <a:lin ang="5400000" scaled="0"/>
+                          </a:gradFill>
+                          <a:latin typeface="나눔고딕" panose="020D0604000000000000" pitchFamily="50" charset="-127"/>
+                          <a:ea typeface="나눔고딕 ExtraBold"/>
+                          <a:cs typeface="+mn-cs"/>
+                        </a:rPr>
+                        <a:t>아담 함수를 사용합니다</a:t>
+                      </a:r>
+                      <a:r>
+                        <a:rPr kumimoji="1" lang="en-US" altLang="ko-KR" sz="1200" b="1" kern="1200" dirty="0" smtClean="0">
+                          <a:gradFill>
+                            <a:gsLst>
+                              <a:gs pos="0">
+                                <a:srgbClr val="404040"/>
+                              </a:gs>
+                              <a:gs pos="100000">
+                                <a:srgbClr val="404040"/>
+                              </a:gs>
+                            </a:gsLst>
+                            <a:lin ang="5400000" scaled="0"/>
+                          </a:gradFill>
+                          <a:latin typeface="나눔고딕" panose="020D0604000000000000" pitchFamily="50" charset="-127"/>
+                          <a:ea typeface="나눔고딕 ExtraBold"/>
+                          <a:cs typeface="+mn-cs"/>
+                        </a:rPr>
+                        <a:t>.</a:t>
+                      </a:r>
+                    </a:p>
+                  </a:txBody>
+                  <a:tcPr marL="26213" marR="26213" marT="13106" marB="13106" anchor="ctr">
+                    <a:lnL w="9525" cap="flat" cmpd="sng" algn="ctr">
+                      <a:solidFill>
+                        <a:srgbClr val="B3B3B3"/>
+                      </a:solidFill>
+                      <a:prstDash val="solid"/>
+                      <a:round/>
+                      <a:headEnd type="none" w="med" len="med"/>
+                      <a:tailEnd type="none" w="med" len="med"/>
+                    </a:lnL>
+                    <a:lnR w="19050" cap="flat" cmpd="sng" algn="ctr">
+                      <a:solidFill>
+                        <a:srgbClr val="FFFFFF"/>
+                      </a:solidFill>
+                      <a:prstDash val="solid"/>
+                      <a:round/>
+                      <a:headEnd type="none" w="med" len="med"/>
+                      <a:tailEnd type="none" w="med" len="med"/>
+                    </a:lnR>
+                    <a:lnT w="9525" cap="flat" cmpd="sng" algn="ctr">
+                      <a:solidFill>
+                        <a:srgbClr val="B3B3B3"/>
+                      </a:solidFill>
+                      <a:prstDash val="solid"/>
+                      <a:round/>
+                      <a:headEnd type="none" w="med" len="med"/>
+                      <a:tailEnd type="none" w="med" len="med"/>
+                    </a:lnT>
+                    <a:lnB w="9525" cap="flat" cmpd="sng" algn="ctr">
+                      <a:solidFill>
+                        <a:srgbClr val="B3B3B3"/>
+                      </a:solidFill>
+                      <a:prstDash val="solid"/>
+                      <a:round/>
+                      <a:headEnd type="none" w="med" len="med"/>
+                      <a:tailEnd type="none" w="med" len="med"/>
+                    </a:lnB>
+                  </a:tcPr>
+                </a:tc>
+                <a:extLst>
+                  <a:ext uri="{0D108BD9-81ED-4DB2-BD59-A6C34878D82A}">
+                    <a16:rowId xmlns:a16="http://schemas.microsoft.com/office/drawing/2014/main" val="1293604390"/>
+                  </a:ext>
+                </a:extLst>
+              </a:tr>
+            </a:tbl>
+          </a:graphicData>
+        </a:graphic>
+      </p:graphicFrame>
     </p:spTree>
     <p:extLst>
       <p:ext uri="{BB962C8B-B14F-4D97-AF65-F5344CB8AC3E}">
-        <p14:creationId xmlns:p14="http://schemas.microsoft.com/office/powerpoint/2010/main" val="1271375533"/>
+        <p14:creationId xmlns:p14="http://schemas.microsoft.com/office/powerpoint/2010/main" val="348029965"/>
       </p:ext>
     </p:extLst>
   </p:cSld>
@@ -24965,6 +31294,463 @@
               <a:defRPr/>
             </a:pPr>
             <a:r>
+              <a:rPr lang="ko-KR" altLang="en-US" sz="3800" kern="0" dirty="0" err="1" smtClean="0">
+                <a:solidFill>
+                  <a:schemeClr val="tx1"/>
+                </a:solidFill>
+                <a:latin typeface="나눔고딕 ExtraBold" panose="020D0904000000000000" pitchFamily="50" charset="-127"/>
+                <a:ea typeface="나눔고딕 ExtraBold" panose="020D0904000000000000" pitchFamily="50" charset="-127"/>
+                <a:cs typeface="Nanum Gothic"/>
+              </a:rPr>
+              <a:t>로지스틱</a:t>
+            </a:r>
+            <a:r>
+              <a:rPr lang="ko-KR" altLang="en-US" sz="3800" kern="0" dirty="0" smtClean="0">
+                <a:solidFill>
+                  <a:schemeClr val="tx1"/>
+                </a:solidFill>
+                <a:latin typeface="나눔고딕 ExtraBold" panose="020D0904000000000000" pitchFamily="50" charset="-127"/>
+                <a:ea typeface="나눔고딕 ExtraBold" panose="020D0904000000000000" pitchFamily="50" charset="-127"/>
+                <a:cs typeface="Nanum Gothic"/>
+              </a:rPr>
+              <a:t> 회귀</a:t>
+            </a:r>
+          </a:p>
+        </p:txBody>
+      </p:sp>
+      <p:sp>
+        <p:nvSpPr>
+          <p:cNvPr id="5" name="내용 개체 틀 2"/>
+          <p:cNvSpPr txBox="1">
+            <a:spLocks/>
+          </p:cNvSpPr>
+          <p:nvPr/>
+        </p:nvSpPr>
+        <p:spPr bwMode="auto">
+          <a:xfrm>
+            <a:off x="530225" y="2024063"/>
+            <a:ext cx="1079500" cy="936625"/>
+          </a:xfrm>
+          <a:prstGeom prst="rect">
+            <a:avLst/>
+          </a:prstGeom>
+          <a:noFill/>
+          <a:extLst>
+            <a:ext uri="{909E8E84-426E-40DD-AFC4-6F175D3DCCD1}">
+              <a14:hiddenFill xmlns:a14="http://schemas.microsoft.com/office/drawing/2010/main">
+                <a:solidFill>
+                  <a:srgbClr val="FFFFFF"/>
+                </a:solidFill>
+              </a14:hiddenFill>
+            </a:ext>
+            <a:ext uri="{91240B29-F687-4F45-9708-019B960494DF}">
+              <a14:hiddenLine xmlns:a14="http://schemas.microsoft.com/office/drawing/2010/main" w="9525">
+                <a:solidFill>
+                  <a:srgbClr val="000000"/>
+                </a:solidFill>
+                <a:miter lim="800000"/>
+                <a:headEnd/>
+                <a:tailEnd/>
+              </a14:hiddenLine>
+            </a:ext>
+          </a:extLst>
+        </p:spPr>
+        <p:txBody>
+          <a:bodyPr/>
+          <a:lstStyle>
+            <a:lvl1pPr marL="342900" indent="-342900" algn="l" rtl="0" eaLnBrk="0" fontAlgn="base" latinLnBrk="1" hangingPunct="0">
+              <a:spcBef>
+                <a:spcPct val="20000"/>
+              </a:spcBef>
+              <a:spcAft>
+                <a:spcPct val="0"/>
+              </a:spcAft>
+              <a:buChar char="•"/>
+              <a:defRPr kumimoji="1" sz="3200">
+                <a:solidFill>
+                  <a:schemeClr val="tx1"/>
+                </a:solidFill>
+                <a:latin typeface="+mn-lt"/>
+                <a:ea typeface="+mn-ea"/>
+                <a:cs typeface="+mn-cs"/>
+              </a:defRPr>
+            </a:lvl1pPr>
+            <a:lvl2pPr marL="742950" indent="-285750" algn="l" rtl="0" eaLnBrk="0" fontAlgn="base" latinLnBrk="1" hangingPunct="0">
+              <a:spcBef>
+                <a:spcPct val="20000"/>
+              </a:spcBef>
+              <a:spcAft>
+                <a:spcPct val="0"/>
+              </a:spcAft>
+              <a:buChar char="–"/>
+              <a:defRPr kumimoji="1" sz="2800">
+                <a:solidFill>
+                  <a:schemeClr val="tx1"/>
+                </a:solidFill>
+                <a:latin typeface="+mn-lt"/>
+                <a:ea typeface="+mn-ea"/>
+              </a:defRPr>
+            </a:lvl2pPr>
+            <a:lvl3pPr marL="1143000" indent="-228600" algn="l" rtl="0" eaLnBrk="0" fontAlgn="base" latinLnBrk="1" hangingPunct="0">
+              <a:spcBef>
+                <a:spcPct val="20000"/>
+              </a:spcBef>
+              <a:spcAft>
+                <a:spcPct val="0"/>
+              </a:spcAft>
+              <a:buChar char="•"/>
+              <a:defRPr kumimoji="1" sz="2400">
+                <a:solidFill>
+                  <a:schemeClr val="tx1"/>
+                </a:solidFill>
+                <a:latin typeface="+mn-lt"/>
+                <a:ea typeface="+mn-ea"/>
+              </a:defRPr>
+            </a:lvl3pPr>
+            <a:lvl4pPr marL="1600200" indent="-228600" algn="l" rtl="0" eaLnBrk="0" fontAlgn="base" latinLnBrk="1" hangingPunct="0">
+              <a:spcBef>
+                <a:spcPct val="20000"/>
+              </a:spcBef>
+              <a:spcAft>
+                <a:spcPct val="0"/>
+              </a:spcAft>
+              <a:buChar char="–"/>
+              <a:defRPr kumimoji="1" sz="2000">
+                <a:solidFill>
+                  <a:schemeClr val="tx1"/>
+                </a:solidFill>
+                <a:latin typeface="+mn-lt"/>
+                <a:ea typeface="+mn-ea"/>
+              </a:defRPr>
+            </a:lvl4pPr>
+            <a:lvl5pPr marL="2057400" indent="-228600" algn="l" rtl="0" eaLnBrk="0" fontAlgn="base" latinLnBrk="1" hangingPunct="0">
+              <a:spcBef>
+                <a:spcPct val="20000"/>
+              </a:spcBef>
+              <a:spcAft>
+                <a:spcPct val="0"/>
+              </a:spcAft>
+              <a:buChar char="»"/>
+              <a:defRPr kumimoji="1" sz="2000">
+                <a:solidFill>
+                  <a:schemeClr val="tx1"/>
+                </a:solidFill>
+                <a:latin typeface="+mn-lt"/>
+                <a:ea typeface="+mn-ea"/>
+              </a:defRPr>
+            </a:lvl5pPr>
+            <a:lvl6pPr marL="2514600" indent="-228600" algn="l" rtl="0" fontAlgn="base" latinLnBrk="1">
+              <a:spcBef>
+                <a:spcPct val="20000"/>
+              </a:spcBef>
+              <a:spcAft>
+                <a:spcPct val="0"/>
+              </a:spcAft>
+              <a:buChar char="»"/>
+              <a:defRPr kumimoji="1" sz="2000">
+                <a:solidFill>
+                  <a:schemeClr val="tx1"/>
+                </a:solidFill>
+                <a:latin typeface="+mn-lt"/>
+                <a:ea typeface="+mn-ea"/>
+              </a:defRPr>
+            </a:lvl6pPr>
+            <a:lvl7pPr marL="2971800" indent="-228600" algn="l" rtl="0" fontAlgn="base" latinLnBrk="1">
+              <a:spcBef>
+                <a:spcPct val="20000"/>
+              </a:spcBef>
+              <a:spcAft>
+                <a:spcPct val="0"/>
+              </a:spcAft>
+              <a:buChar char="»"/>
+              <a:defRPr kumimoji="1" sz="2000">
+                <a:solidFill>
+                  <a:schemeClr val="tx1"/>
+                </a:solidFill>
+                <a:latin typeface="+mn-lt"/>
+                <a:ea typeface="+mn-ea"/>
+              </a:defRPr>
+            </a:lvl7pPr>
+            <a:lvl8pPr marL="3429000" indent="-228600" algn="l" rtl="0" fontAlgn="base" latinLnBrk="1">
+              <a:spcBef>
+                <a:spcPct val="20000"/>
+              </a:spcBef>
+              <a:spcAft>
+                <a:spcPct val="0"/>
+              </a:spcAft>
+              <a:buChar char="»"/>
+              <a:defRPr kumimoji="1" sz="2000">
+                <a:solidFill>
+                  <a:schemeClr val="tx1"/>
+                </a:solidFill>
+                <a:latin typeface="+mn-lt"/>
+                <a:ea typeface="+mn-ea"/>
+              </a:defRPr>
+            </a:lvl8pPr>
+            <a:lvl9pPr marL="3886200" indent="-228600" algn="l" rtl="0" fontAlgn="base" latinLnBrk="1">
+              <a:spcBef>
+                <a:spcPct val="20000"/>
+              </a:spcBef>
+              <a:spcAft>
+                <a:spcPct val="0"/>
+              </a:spcAft>
+              <a:buChar char="»"/>
+              <a:defRPr kumimoji="1" sz="2000">
+                <a:solidFill>
+                  <a:schemeClr val="tx1"/>
+                </a:solidFill>
+                <a:latin typeface="+mn-lt"/>
+                <a:ea typeface="+mn-ea"/>
+              </a:defRPr>
+            </a:lvl9pPr>
+          </a:lstStyle>
+          <a:p>
+            <a:pPr marL="0" indent="0">
+              <a:buFontTx/>
+              <a:buNone/>
+              <a:defRPr/>
+            </a:pPr>
+            <a:r>
+              <a:rPr lang="en-US" altLang="ko-KR" sz="3800" kern="0" dirty="0" smtClean="0">
+                <a:solidFill>
+                  <a:srgbClr val="0070C0"/>
+                </a:solidFill>
+                <a:latin typeface="나눔고딕 ExtraBold" panose="020D0904000000000000" pitchFamily="50" charset="-127"/>
+                <a:ea typeface="나눔고딕 ExtraBold" panose="020D0904000000000000" pitchFamily="50" charset="-127"/>
+                <a:cs typeface="Nanum Gothic"/>
+              </a:rPr>
+              <a:t>04.</a:t>
+            </a:r>
+            <a:endParaRPr lang="ko-KR" altLang="en-US" sz="3800" kern="0" dirty="0" smtClean="0">
+              <a:solidFill>
+                <a:srgbClr val="0070C0"/>
+              </a:solidFill>
+              <a:latin typeface="나눔고딕 ExtraBold" panose="020D0904000000000000" pitchFamily="50" charset="-127"/>
+              <a:ea typeface="나눔고딕 ExtraBold" panose="020D0904000000000000" pitchFamily="50" charset="-127"/>
+              <a:cs typeface="Nanum Gothic"/>
+            </a:endParaRPr>
+          </a:p>
+        </p:txBody>
+      </p:sp>
+    </p:spTree>
+    <p:extLst>
+      <p:ext uri="{BB962C8B-B14F-4D97-AF65-F5344CB8AC3E}">
+        <p14:creationId xmlns:p14="http://schemas.microsoft.com/office/powerpoint/2010/main" val="1271375533"/>
+      </p:ext>
+    </p:extLst>
+  </p:cSld>
+  <p:clrMapOvr>
+    <a:masterClrMapping/>
+  </p:clrMapOvr>
+  <p:timing>
+    <p:tnLst>
+      <p:par>
+        <p:cTn id="1" dur="indefinite" restart="never" nodeType="tmRoot"/>
+      </p:par>
+    </p:tnLst>
+  </p:timing>
+</p:sld>
+</file>
+
+<file path=ppt/slides/slide24.xml><?xml version="1.0" encoding="utf-8"?>
+<p:sld xmlns:a="http://schemas.openxmlformats.org/drawingml/2006/main" xmlns:r="http://schemas.openxmlformats.org/officeDocument/2006/relationships" xmlns:p="http://schemas.openxmlformats.org/presentationml/2006/main">
+  <p:cSld>
+    <p:spTree>
+      <p:nvGrpSpPr>
+        <p:cNvPr id="1" name=""/>
+        <p:cNvGrpSpPr/>
+        <p:nvPr/>
+      </p:nvGrpSpPr>
+      <p:grpSpPr>
+        <a:xfrm>
+          <a:off x="0" y="0"/>
+          <a:ext cx="0" cy="0"/>
+          <a:chOff x="0" y="0"/>
+          <a:chExt cx="0" cy="0"/>
+        </a:xfrm>
+      </p:grpSpPr>
+      <p:sp>
+        <p:nvSpPr>
+          <p:cNvPr id="4" name="제목 1"/>
+          <p:cNvSpPr txBox="1">
+            <a:spLocks/>
+          </p:cNvSpPr>
+          <p:nvPr/>
+        </p:nvSpPr>
+        <p:spPr bwMode="auto">
+          <a:xfrm>
+            <a:off x="530225" y="2960688"/>
+            <a:ext cx="7921625" cy="492125"/>
+          </a:xfrm>
+          <a:prstGeom prst="rect">
+            <a:avLst/>
+          </a:prstGeom>
+          <a:noFill/>
+          <a:extLst>
+            <a:ext uri="{909E8E84-426E-40DD-AFC4-6F175D3DCCD1}">
+              <a14:hiddenFill xmlns:a14="http://schemas.microsoft.com/office/drawing/2010/main">
+                <a:solidFill>
+                  <a:srgbClr val="FFFFFF"/>
+                </a:solidFill>
+              </a14:hiddenFill>
+            </a:ext>
+            <a:ext uri="{91240B29-F687-4F45-9708-019B960494DF}">
+              <a14:hiddenLine xmlns:a14="http://schemas.microsoft.com/office/drawing/2010/main" w="9525">
+                <a:solidFill>
+                  <a:srgbClr val="000000"/>
+                </a:solidFill>
+                <a:miter lim="800000"/>
+                <a:headEnd/>
+                <a:tailEnd/>
+              </a14:hiddenLine>
+            </a:ext>
+          </a:extLst>
+        </p:spPr>
+        <p:txBody>
+          <a:bodyPr/>
+          <a:lstStyle>
+            <a:lvl1pPr algn="ctr" rtl="0" eaLnBrk="0" fontAlgn="base" latinLnBrk="1" hangingPunct="0">
+              <a:spcBef>
+                <a:spcPct val="0"/>
+              </a:spcBef>
+              <a:spcAft>
+                <a:spcPct val="0"/>
+              </a:spcAft>
+              <a:defRPr kumimoji="1" sz="4400">
+                <a:solidFill>
+                  <a:schemeClr val="tx2"/>
+                </a:solidFill>
+                <a:latin typeface="+mj-lt"/>
+                <a:ea typeface="+mj-ea"/>
+                <a:cs typeface="+mj-cs"/>
+              </a:defRPr>
+            </a:lvl1pPr>
+            <a:lvl2pPr algn="ctr" rtl="0" eaLnBrk="0" fontAlgn="base" latinLnBrk="1" hangingPunct="0">
+              <a:spcBef>
+                <a:spcPct val="0"/>
+              </a:spcBef>
+              <a:spcAft>
+                <a:spcPct val="0"/>
+              </a:spcAft>
+              <a:defRPr kumimoji="1" sz="4400">
+                <a:solidFill>
+                  <a:schemeClr val="tx2"/>
+                </a:solidFill>
+                <a:latin typeface="굴림" pitchFamily="50" charset="-127"/>
+                <a:ea typeface="굴림" pitchFamily="50" charset="-127"/>
+              </a:defRPr>
+            </a:lvl2pPr>
+            <a:lvl3pPr algn="ctr" rtl="0" eaLnBrk="0" fontAlgn="base" latinLnBrk="1" hangingPunct="0">
+              <a:spcBef>
+                <a:spcPct val="0"/>
+              </a:spcBef>
+              <a:spcAft>
+                <a:spcPct val="0"/>
+              </a:spcAft>
+              <a:defRPr kumimoji="1" sz="4400">
+                <a:solidFill>
+                  <a:schemeClr val="tx2"/>
+                </a:solidFill>
+                <a:latin typeface="굴림" pitchFamily="50" charset="-127"/>
+                <a:ea typeface="굴림" pitchFamily="50" charset="-127"/>
+              </a:defRPr>
+            </a:lvl3pPr>
+            <a:lvl4pPr algn="ctr" rtl="0" eaLnBrk="0" fontAlgn="base" latinLnBrk="1" hangingPunct="0">
+              <a:spcBef>
+                <a:spcPct val="0"/>
+              </a:spcBef>
+              <a:spcAft>
+                <a:spcPct val="0"/>
+              </a:spcAft>
+              <a:defRPr kumimoji="1" sz="4400">
+                <a:solidFill>
+                  <a:schemeClr val="tx2"/>
+                </a:solidFill>
+                <a:latin typeface="굴림" pitchFamily="50" charset="-127"/>
+                <a:ea typeface="굴림" pitchFamily="50" charset="-127"/>
+              </a:defRPr>
+            </a:lvl4pPr>
+            <a:lvl5pPr algn="ctr" rtl="0" eaLnBrk="0" fontAlgn="base" latinLnBrk="1" hangingPunct="0">
+              <a:spcBef>
+                <a:spcPct val="0"/>
+              </a:spcBef>
+              <a:spcAft>
+                <a:spcPct val="0"/>
+              </a:spcAft>
+              <a:defRPr kumimoji="1" sz="4400">
+                <a:solidFill>
+                  <a:schemeClr val="tx2"/>
+                </a:solidFill>
+                <a:latin typeface="굴림" pitchFamily="50" charset="-127"/>
+                <a:ea typeface="굴림" pitchFamily="50" charset="-127"/>
+              </a:defRPr>
+            </a:lvl5pPr>
+            <a:lvl6pPr marL="457200" algn="ctr" rtl="0" fontAlgn="base" latinLnBrk="1">
+              <a:spcBef>
+                <a:spcPct val="0"/>
+              </a:spcBef>
+              <a:spcAft>
+                <a:spcPct val="0"/>
+              </a:spcAft>
+              <a:defRPr kumimoji="1" sz="4400">
+                <a:solidFill>
+                  <a:schemeClr val="tx2"/>
+                </a:solidFill>
+                <a:latin typeface="굴림" pitchFamily="50" charset="-127"/>
+                <a:ea typeface="굴림" pitchFamily="50" charset="-127"/>
+              </a:defRPr>
+            </a:lvl6pPr>
+            <a:lvl7pPr marL="914400" algn="ctr" rtl="0" fontAlgn="base" latinLnBrk="1">
+              <a:spcBef>
+                <a:spcPct val="0"/>
+              </a:spcBef>
+              <a:spcAft>
+                <a:spcPct val="0"/>
+              </a:spcAft>
+              <a:defRPr kumimoji="1" sz="4400">
+                <a:solidFill>
+                  <a:schemeClr val="tx2"/>
+                </a:solidFill>
+                <a:latin typeface="굴림" pitchFamily="50" charset="-127"/>
+                <a:ea typeface="굴림" pitchFamily="50" charset="-127"/>
+              </a:defRPr>
+            </a:lvl7pPr>
+            <a:lvl8pPr marL="1371600" algn="ctr" rtl="0" fontAlgn="base" latinLnBrk="1">
+              <a:spcBef>
+                <a:spcPct val="0"/>
+              </a:spcBef>
+              <a:spcAft>
+                <a:spcPct val="0"/>
+              </a:spcAft>
+              <a:defRPr kumimoji="1" sz="4400">
+                <a:solidFill>
+                  <a:schemeClr val="tx2"/>
+                </a:solidFill>
+                <a:latin typeface="굴림" pitchFamily="50" charset="-127"/>
+                <a:ea typeface="굴림" pitchFamily="50" charset="-127"/>
+              </a:defRPr>
+            </a:lvl8pPr>
+            <a:lvl9pPr marL="1828800" algn="ctr" rtl="0" fontAlgn="base" latinLnBrk="1">
+              <a:spcBef>
+                <a:spcPct val="0"/>
+              </a:spcBef>
+              <a:spcAft>
+                <a:spcPct val="0"/>
+              </a:spcAft>
+              <a:defRPr kumimoji="1" sz="4400">
+                <a:solidFill>
+                  <a:schemeClr val="tx2"/>
+                </a:solidFill>
+                <a:latin typeface="굴림" pitchFamily="50" charset="-127"/>
+                <a:ea typeface="굴림" pitchFamily="50" charset="-127"/>
+              </a:defRPr>
+            </a:lvl9pPr>
+          </a:lstStyle>
+          <a:p>
+            <a:pPr algn="l">
+              <a:defRPr/>
+            </a:pPr>
+            <a:r>
               <a:rPr lang="ko-KR" altLang="en-US" sz="3800" kern="0" dirty="0" smtClean="0">
                 <a:solidFill>
                   <a:schemeClr val="tx1"/>
@@ -25212,7 +31998,7 @@
 </p:sld>
 </file>
 
-<file path=ppt/slides/slide24.xml><?xml version="1.0" encoding="utf-8"?>
+<file path=ppt/slides/slide25.xml><?xml version="1.0" encoding="utf-8"?>
 <p:sld xmlns:a="http://schemas.openxmlformats.org/drawingml/2006/main" xmlns:r="http://schemas.openxmlformats.org/officeDocument/2006/relationships" xmlns:p="http://schemas.openxmlformats.org/presentationml/2006/main">
   <p:cSld>
     <p:spTree>
@@ -26085,7 +32871,7 @@
 </p:sld>
 </file>
 
-<file path=ppt/slides/slide25.xml><?xml version="1.0" encoding="utf-8"?>
+<file path=ppt/slides/slide26.xml><?xml version="1.0" encoding="utf-8"?>
 <p:sld xmlns:a="http://schemas.openxmlformats.org/drawingml/2006/main" xmlns:r="http://schemas.openxmlformats.org/officeDocument/2006/relationships" xmlns:p="http://schemas.openxmlformats.org/presentationml/2006/main">
   <p:cSld>
     <p:spTree>
@@ -26810,14 +33596,7 @@
                 <a:latin typeface="나눔고딕 ExtraBold" panose="020D0904000000000000" pitchFamily="50" charset="-127"/>
                 <a:ea typeface="나눔고딕 ExtraBold" panose="020D0904000000000000" pitchFamily="50" charset="-127"/>
               </a:rPr>
-              <a:t>1</a:t>
-            </a:r>
-            <a:r>
-              <a:rPr lang="en-US" altLang="ko-KR" sz="2800" dirty="0" smtClean="0">
-                <a:latin typeface="나눔고딕 ExtraBold" panose="020D0904000000000000" pitchFamily="50" charset="-127"/>
-                <a:ea typeface="나눔고딕 ExtraBold" panose="020D0904000000000000" pitchFamily="50" charset="-127"/>
-              </a:rPr>
-              <a:t>. </a:t>
+              <a:t>1. </a:t>
             </a:r>
             <a:r>
               <a:rPr lang="ko-KR" altLang="en-US" sz="2800" dirty="0" err="1" smtClean="0">
@@ -29541,14 +36320,7 @@
                 <a:latin typeface="나눔고딕 ExtraBold" panose="020D0904000000000000" pitchFamily="50" charset="-127"/>
                 <a:ea typeface="나눔고딕 ExtraBold" panose="020D0904000000000000" pitchFamily="50" charset="-127"/>
               </a:rPr>
-              <a:t>1</a:t>
-            </a:r>
-            <a:r>
-              <a:rPr lang="en-US" altLang="ko-KR" sz="2800" dirty="0" smtClean="0">
-                <a:latin typeface="나눔고딕 ExtraBold" panose="020D0904000000000000" pitchFamily="50" charset="-127"/>
-                <a:ea typeface="나눔고딕 ExtraBold" panose="020D0904000000000000" pitchFamily="50" charset="-127"/>
-              </a:rPr>
-              <a:t>. </a:t>
+              <a:t>1. </a:t>
             </a:r>
             <a:r>
               <a:rPr lang="ko-KR" altLang="en-US" sz="2800" dirty="0" err="1" smtClean="0">
@@ -30805,14 +37577,7 @@
                 <a:latin typeface="나눔고딕 ExtraBold" panose="020D0904000000000000" pitchFamily="50" charset="-127"/>
                 <a:ea typeface="나눔고딕 ExtraBold" panose="020D0904000000000000" pitchFamily="50" charset="-127"/>
               </a:rPr>
-              <a:t>1</a:t>
-            </a:r>
-            <a:r>
-              <a:rPr lang="en-US" altLang="ko-KR" sz="2800" dirty="0" smtClean="0">
-                <a:latin typeface="나눔고딕 ExtraBold" panose="020D0904000000000000" pitchFamily="50" charset="-127"/>
-                <a:ea typeface="나눔고딕 ExtraBold" panose="020D0904000000000000" pitchFamily="50" charset="-127"/>
-              </a:rPr>
-              <a:t>. </a:t>
+              <a:t>1. </a:t>
             </a:r>
             <a:r>
               <a:rPr lang="ko-KR" altLang="en-US" sz="2800" dirty="0" err="1" smtClean="0">
@@ -32685,14 +39450,7 @@
                 <a:latin typeface="나눔고딕 ExtraBold" panose="020D0904000000000000" pitchFamily="50" charset="-127"/>
                 <a:ea typeface="나눔고딕 ExtraBold" panose="020D0904000000000000" pitchFamily="50" charset="-127"/>
               </a:rPr>
-              <a:t>1</a:t>
-            </a:r>
-            <a:r>
-              <a:rPr lang="en-US" altLang="ko-KR" sz="2800" dirty="0" smtClean="0">
-                <a:latin typeface="나눔고딕 ExtraBold" panose="020D0904000000000000" pitchFamily="50" charset="-127"/>
-                <a:ea typeface="나눔고딕 ExtraBold" panose="020D0904000000000000" pitchFamily="50" charset="-127"/>
-              </a:rPr>
-              <a:t>. </a:t>
+              <a:t>1. </a:t>
             </a:r>
             <a:r>
               <a:rPr lang="ko-KR" altLang="en-US" sz="2800" dirty="0" err="1" smtClean="0">
@@ -34666,14 +41424,7 @@
                 <a:latin typeface="나눔고딕 ExtraBold" panose="020D0904000000000000" pitchFamily="50" charset="-127"/>
                 <a:ea typeface="나눔고딕 ExtraBold" panose="020D0904000000000000" pitchFamily="50" charset="-127"/>
               </a:rPr>
-              <a:t>1</a:t>
-            </a:r>
-            <a:r>
-              <a:rPr lang="en-US" altLang="ko-KR" sz="2800" dirty="0" smtClean="0">
-                <a:latin typeface="나눔고딕 ExtraBold" panose="020D0904000000000000" pitchFamily="50" charset="-127"/>
-                <a:ea typeface="나눔고딕 ExtraBold" panose="020D0904000000000000" pitchFamily="50" charset="-127"/>
-              </a:rPr>
-              <a:t>. </a:t>
+              <a:t>1. </a:t>
             </a:r>
             <a:r>
               <a:rPr lang="ko-KR" altLang="en-US" sz="2800" dirty="0" err="1" smtClean="0">
@@ -35891,14 +42642,7 @@
                 <a:latin typeface="나눔고딕 ExtraBold" panose="020D0904000000000000" pitchFamily="50" charset="-127"/>
                 <a:ea typeface="나눔고딕 ExtraBold" panose="020D0904000000000000" pitchFamily="50" charset="-127"/>
               </a:rPr>
-              <a:t>1</a:t>
-            </a:r>
-            <a:r>
-              <a:rPr lang="en-US" altLang="ko-KR" sz="2800" dirty="0" smtClean="0">
-                <a:latin typeface="나눔고딕 ExtraBold" panose="020D0904000000000000" pitchFamily="50" charset="-127"/>
-                <a:ea typeface="나눔고딕 ExtraBold" panose="020D0904000000000000" pitchFamily="50" charset="-127"/>
-              </a:rPr>
-              <a:t>. </a:t>
+              <a:t>1. </a:t>
             </a:r>
             <a:r>
               <a:rPr lang="ko-KR" altLang="en-US" sz="2800" dirty="0" err="1" smtClean="0">

--- a/Study/정리/Deep Learning02.pptx
+++ b/Study/정리/Deep Learning02.pptx
@@ -5,10 +5,10 @@
     <p:sldMasterId id="2147483648" r:id="rId1"/>
   </p:sldMasterIdLst>
   <p:notesMasterIdLst>
-    <p:notesMasterId r:id="rId28"/>
+    <p:notesMasterId r:id="rId29"/>
   </p:notesMasterIdLst>
   <p:handoutMasterIdLst>
-    <p:handoutMasterId r:id="rId29"/>
+    <p:handoutMasterId r:id="rId30"/>
   </p:handoutMasterIdLst>
   <p:sldIdLst>
     <p:sldId id="268" r:id="rId2"/>
@@ -34,9 +34,10 @@
     <p:sldId id="313" r:id="rId22"/>
     <p:sldId id="314" r:id="rId23"/>
     <p:sldId id="274" r:id="rId24"/>
-    <p:sldId id="277" r:id="rId25"/>
-    <p:sldId id="299" r:id="rId26"/>
-    <p:sldId id="260" r:id="rId27"/>
+    <p:sldId id="315" r:id="rId25"/>
+    <p:sldId id="277" r:id="rId26"/>
+    <p:sldId id="299" r:id="rId27"/>
+    <p:sldId id="260" r:id="rId28"/>
   </p:sldIdLst>
   <p:sldSz cx="9144000" cy="6858000" type="screen4x3"/>
   <p:notesSz cx="6858000" cy="9144000"/>
@@ -1661,7 +1662,7 @@
             <a:prstTxWarp prst="textNoShape">
               <a:avLst/>
             </a:prstTxWarp>
-            <a:normAutofit lnSpcReduction="10000"/>
+            <a:normAutofit fontScale="92500"/>
           </a:bodyPr>
           <a:lstStyle/>
           <a:p>
@@ -2601,11 +2602,7 @@
             </a:r>
             <a:r>
               <a:rPr kumimoji="1" lang="ko-KR" altLang="en-US" dirty="0" err="1" smtClean="0"/>
-              <a:t>특성때문인데</a:t>
-            </a:r>
-            <a:r>
-              <a:rPr kumimoji="1" lang="ko-KR" altLang="en-US" dirty="0" err="1" smtClean="0"/>
-              <a:t>요</a:t>
+              <a:t>특성때문인데요</a:t>
             </a:r>
             <a:endParaRPr kumimoji="1" lang="ko-KR" altLang="en-US" dirty="0" smtClean="0"/>
           </a:p>
@@ -3773,7 +3770,118 @@
               <a:t>하강법입니다</a:t>
             </a:r>
             <a:r>
-              <a:rPr kumimoji="1" lang="en-US" altLang="ko-KR" smtClean="0"/>
+              <a:rPr kumimoji="1" lang="en-US" altLang="ko-KR" dirty="0" smtClean="0"/>
+              <a:t>. </a:t>
+            </a:r>
+            <a:endParaRPr kumimoji="1" lang="en-US" altLang="ko-KR" dirty="0" smtClean="0"/>
+          </a:p>
+          <a:p>
+            <a:r>
+              <a:rPr kumimoji="1" lang="ko-KR" altLang="en-US" dirty="0" smtClean="0"/>
+              <a:t>경사하강법은 불필요하게 많은 </a:t>
+            </a:r>
+            <a:r>
+              <a:rPr kumimoji="1" lang="ko-KR" altLang="en-US" dirty="0" err="1" smtClean="0"/>
+              <a:t>계산량은</a:t>
+            </a:r>
+            <a:r>
+              <a:rPr kumimoji="1" lang="ko-KR" altLang="en-US" dirty="0" smtClean="0"/>
+              <a:t> 속도를 느리게 할 뿐만 아니라</a:t>
+            </a:r>
+            <a:r>
+              <a:rPr kumimoji="1" lang="en-US" altLang="ko-KR" dirty="0" smtClean="0"/>
+              <a:t>, </a:t>
+            </a:r>
+            <a:r>
+              <a:rPr kumimoji="1" lang="ko-KR" altLang="en-US" dirty="0" smtClean="0"/>
+              <a:t>최적 해를 찾기 전에 최적화과정이 멈출 수도 있었습니다</a:t>
+            </a:r>
+            <a:r>
+              <a:rPr kumimoji="1" lang="en-US" altLang="ko-KR" dirty="0" smtClean="0"/>
+              <a:t>. </a:t>
+            </a:r>
+          </a:p>
+          <a:p>
+            <a:r>
+              <a:rPr kumimoji="1" lang="ko-KR" altLang="en-US" dirty="0" smtClean="0"/>
+              <a:t>그래서 이러한 속도의 단점을 보완한 방법이 확률적 경사 </a:t>
+            </a:r>
+            <a:r>
+              <a:rPr kumimoji="1" lang="ko-KR" altLang="en-US" dirty="0" err="1" smtClean="0"/>
+              <a:t>하강법입니다</a:t>
+            </a:r>
+            <a:r>
+              <a:rPr kumimoji="1" lang="en-US" altLang="ko-KR" dirty="0" smtClean="0"/>
+              <a:t>.</a:t>
+            </a:r>
+          </a:p>
+          <a:p>
+            <a:r>
+              <a:rPr kumimoji="1" lang="ko-KR" altLang="en-US" dirty="0" smtClean="0"/>
+              <a:t>전체 데이터를 다 사용하는 것이 아니라 </a:t>
+            </a:r>
+            <a:r>
+              <a:rPr kumimoji="1" lang="ko-KR" altLang="en-US" dirty="0" err="1" smtClean="0"/>
+              <a:t>랜던하게</a:t>
+            </a:r>
+            <a:r>
+              <a:rPr kumimoji="1" lang="ko-KR" altLang="en-US" dirty="0" smtClean="0"/>
+              <a:t> 추출한 일부 데이터를 사용해 더 빨리 더 자주 업데이트를 </a:t>
+            </a:r>
+            <a:r>
+              <a:rPr kumimoji="1" lang="ko-KR" altLang="en-US" dirty="0" err="1" smtClean="0"/>
+              <a:t>하는것이</a:t>
+            </a:r>
+            <a:r>
+              <a:rPr kumimoji="1" lang="ko-KR" altLang="en-US" dirty="0" smtClean="0"/>
+              <a:t> 가능해졌습니다</a:t>
+            </a:r>
+            <a:r>
+              <a:rPr kumimoji="1" lang="en-US" altLang="ko-KR" dirty="0" smtClean="0"/>
+              <a:t>.</a:t>
+            </a:r>
+          </a:p>
+          <a:p>
+            <a:r>
+              <a:rPr kumimoji="1" lang="ko-KR" altLang="en-US" dirty="0" smtClean="0"/>
+              <a:t>보이는 그림은 경사하강법과 확률적 경사하강법의 차이를 보여주는데 </a:t>
+            </a:r>
+            <a:endParaRPr kumimoji="1" lang="en-US" altLang="ko-KR" dirty="0" smtClean="0"/>
+          </a:p>
+          <a:p>
+            <a:r>
+              <a:rPr kumimoji="1" lang="ko-KR" altLang="en-US" dirty="0" err="1" smtClean="0"/>
+              <a:t>랜덤한</a:t>
+            </a:r>
+            <a:r>
+              <a:rPr kumimoji="1" lang="ko-KR" altLang="en-US" dirty="0" smtClean="0"/>
+              <a:t> 일부 데이터를 사용하는 만큼 확률적 경사 </a:t>
+            </a:r>
+            <a:r>
+              <a:rPr kumimoji="1" lang="ko-KR" altLang="en-US" dirty="0" err="1" smtClean="0"/>
+              <a:t>하강법은</a:t>
+            </a:r>
+            <a:r>
+              <a:rPr kumimoji="1" lang="ko-KR" altLang="en-US" dirty="0" smtClean="0"/>
+              <a:t> 중간 결과의 진폭이 크고 불안정해 </a:t>
+            </a:r>
+            <a:r>
+              <a:rPr kumimoji="1" lang="ko-KR" altLang="en-US" dirty="0" err="1" smtClean="0"/>
+              <a:t>보일수도</a:t>
+            </a:r>
+            <a:r>
+              <a:rPr kumimoji="1" lang="ko-KR" altLang="en-US" dirty="0" smtClean="0"/>
+              <a:t> 있지만</a:t>
+            </a:r>
+            <a:endParaRPr kumimoji="1" lang="en-US" altLang="ko-KR" dirty="0" smtClean="0"/>
+          </a:p>
+          <a:p>
+            <a:r>
+              <a:rPr kumimoji="1" lang="ko-KR" altLang="en-US" dirty="0" smtClean="0"/>
+              <a:t>속도가 확연히 빠르면서 최적 해에 근사한 값을 찾아낸다는 장점이 있습니다</a:t>
+            </a:r>
+            <a:r>
+              <a:rPr kumimoji="1" lang="en-US" altLang="ko-KR" dirty="0" smtClean="0"/>
               <a:t>. </a:t>
             </a:r>
             <a:endParaRPr kumimoji="1" lang="ko-KR" altLang="en-US" dirty="0" smtClean="0"/>
@@ -4032,6 +4140,133 @@
           </a:bodyPr>
           <a:lstStyle/>
           <a:p>
+            <a:r>
+              <a:rPr kumimoji="1" lang="ko-KR" altLang="en-US" dirty="0" smtClean="0"/>
+              <a:t>다음은 모멘텀으로 말 그대로 경사 </a:t>
+            </a:r>
+            <a:r>
+              <a:rPr kumimoji="1" lang="ko-KR" altLang="en-US" dirty="0" err="1" smtClean="0"/>
+              <a:t>하강법에</a:t>
+            </a:r>
+            <a:r>
+              <a:rPr kumimoji="1" lang="ko-KR" altLang="en-US" dirty="0" smtClean="0"/>
+              <a:t> 탄력을 더해 준 것입니다</a:t>
+            </a:r>
+            <a:r>
+              <a:rPr kumimoji="1" lang="en-US" altLang="ko-KR" dirty="0" smtClean="0"/>
+              <a:t>. </a:t>
+            </a:r>
+          </a:p>
+          <a:p>
+            <a:r>
+              <a:rPr kumimoji="1" lang="ko-KR" altLang="en-US" dirty="0" smtClean="0"/>
+              <a:t>다시 말해서 경사 </a:t>
+            </a:r>
+            <a:r>
+              <a:rPr kumimoji="1" lang="ko-KR" altLang="en-US" dirty="0" err="1" smtClean="0"/>
+              <a:t>하강법과</a:t>
+            </a:r>
+            <a:r>
+              <a:rPr kumimoji="1" lang="ko-KR" altLang="en-US" dirty="0" smtClean="0"/>
+              <a:t> 마찬가지로 매번 기울기를 구하지만</a:t>
+            </a:r>
+            <a:r>
+              <a:rPr kumimoji="1" lang="en-US" altLang="ko-KR" dirty="0" smtClean="0"/>
+              <a:t>,</a:t>
+            </a:r>
+            <a:r>
+              <a:rPr kumimoji="1" lang="en-US" altLang="ko-KR" baseline="0" dirty="0" smtClean="0"/>
+              <a:t> </a:t>
+            </a:r>
+            <a:r>
+              <a:rPr kumimoji="1" lang="ko-KR" altLang="en-US" baseline="0" dirty="0" smtClean="0"/>
+              <a:t>이를 통해 오차를 수정하기 전 바로 앞 </a:t>
+            </a:r>
+            <a:r>
+              <a:rPr kumimoji="1" lang="ko-KR" altLang="en-US" baseline="0" dirty="0" err="1" smtClean="0"/>
+              <a:t>수정값과</a:t>
+            </a:r>
+            <a:r>
+              <a:rPr kumimoji="1" lang="ko-KR" altLang="en-US" baseline="0" dirty="0" smtClean="0"/>
+              <a:t> </a:t>
+            </a:r>
+            <a:r>
+              <a:rPr kumimoji="1" lang="ko-KR" altLang="en-US" baseline="0" dirty="0" err="1" smtClean="0"/>
+              <a:t>뱡향</a:t>
+            </a:r>
+            <a:r>
+              <a:rPr kumimoji="1" lang="en-US" altLang="ko-KR" baseline="0" dirty="0" smtClean="0"/>
+              <a:t>(+,-)</a:t>
+            </a:r>
+            <a:r>
+              <a:rPr kumimoji="1" lang="ko-KR" altLang="en-US" baseline="0" dirty="0" smtClean="0"/>
+              <a:t>을 참고하여</a:t>
+            </a:r>
+            <a:endParaRPr kumimoji="1" lang="en-US" altLang="ko-KR" baseline="0" dirty="0" smtClean="0"/>
+          </a:p>
+          <a:p>
+            <a:r>
+              <a:rPr kumimoji="1" lang="ko-KR" altLang="en-US" baseline="0" dirty="0" smtClean="0"/>
+              <a:t>같은 방향으로 일정한 비율만 수정되게 하는 방법입니다</a:t>
+            </a:r>
+            <a:r>
+              <a:rPr kumimoji="1" lang="en-US" altLang="ko-KR" baseline="0" dirty="0" smtClean="0"/>
+              <a:t>. </a:t>
+            </a:r>
+          </a:p>
+          <a:p>
+            <a:r>
+              <a:rPr kumimoji="1" lang="ko-KR" altLang="en-US" baseline="0" dirty="0" smtClean="0"/>
+              <a:t>따라서 </a:t>
+            </a:r>
+            <a:r>
+              <a:rPr kumimoji="1" lang="ko-KR" altLang="en-US" baseline="0" dirty="0" err="1" smtClean="0"/>
+              <a:t>수정방향이</a:t>
+            </a:r>
+            <a:r>
+              <a:rPr kumimoji="1" lang="ko-KR" altLang="en-US" baseline="0" dirty="0" smtClean="0"/>
+              <a:t> 양수</a:t>
+            </a:r>
+            <a:r>
+              <a:rPr kumimoji="1" lang="en-US" altLang="ko-KR" baseline="0" dirty="0" smtClean="0"/>
+              <a:t>(+) </a:t>
+            </a:r>
+            <a:r>
+              <a:rPr kumimoji="1" lang="ko-KR" altLang="en-US" baseline="0" dirty="0" smtClean="0"/>
+              <a:t>방향으로 한 번</a:t>
+            </a:r>
+            <a:r>
+              <a:rPr kumimoji="1" lang="en-US" altLang="ko-KR" baseline="0" dirty="0" smtClean="0"/>
+              <a:t>, </a:t>
+            </a:r>
+            <a:r>
+              <a:rPr kumimoji="1" lang="ko-KR" altLang="en-US" baseline="0" dirty="0" smtClean="0"/>
+              <a:t>음수</a:t>
+            </a:r>
+            <a:r>
+              <a:rPr kumimoji="1" lang="en-US" altLang="ko-KR" baseline="0" dirty="0" smtClean="0"/>
+              <a:t>(-) </a:t>
+            </a:r>
+            <a:r>
+              <a:rPr kumimoji="1" lang="ko-KR" altLang="en-US" baseline="0" dirty="0" smtClean="0"/>
+              <a:t>방향으로 한 번 지그재그로 일어나는 현상이 줄어들고</a:t>
+            </a:r>
+            <a:r>
+              <a:rPr kumimoji="1" lang="en-US" altLang="ko-KR" baseline="0" dirty="0" smtClean="0"/>
+              <a:t>,</a:t>
+            </a:r>
+          </a:p>
+          <a:p>
+            <a:r>
+              <a:rPr kumimoji="1" lang="ko-KR" altLang="en-US" baseline="0" dirty="0" smtClean="0"/>
+              <a:t>이전 이동 값을 고려하여 일정 비율만큼만 다음 값을 경정하므로 관성의 효과를 낼 수 있습니다</a:t>
+            </a:r>
+            <a:r>
+              <a:rPr kumimoji="1" lang="en-US" altLang="ko-KR" baseline="0" dirty="0" smtClean="0"/>
+              <a:t>. </a:t>
+            </a:r>
+          </a:p>
+          <a:p>
             <a:endParaRPr kumimoji="1" lang="ko-KR" altLang="en-US" dirty="0" smtClean="0"/>
           </a:p>
         </p:txBody>
@@ -4288,7 +4523,51 @@
           </a:bodyPr>
           <a:lstStyle/>
           <a:p>
-            <a:endParaRPr kumimoji="1" lang="ko-KR" altLang="en-US" dirty="0" smtClean="0"/>
+            <a:r>
+              <a:rPr kumimoji="1" lang="ko-KR" altLang="en-US" dirty="0" smtClean="0"/>
+              <a:t>그래서 각 방법이 개발된 순서대로 정리를 해보았습니다</a:t>
+            </a:r>
+            <a:r>
+              <a:rPr kumimoji="1" lang="en-US" altLang="ko-KR" dirty="0" smtClean="0"/>
+              <a:t>.</a:t>
+            </a:r>
+          </a:p>
+          <a:p>
+            <a:r>
+              <a:rPr kumimoji="1" lang="ko-KR" altLang="en-US" dirty="0" smtClean="0"/>
+              <a:t>각각은 먼저 나온 방법의 단점을 보완해서 다음 방법이 </a:t>
+            </a:r>
+            <a:r>
+              <a:rPr kumimoji="1" lang="ko-KR" altLang="en-US" dirty="0" err="1" smtClean="0"/>
+              <a:t>나온만큼</a:t>
+            </a:r>
+            <a:r>
+              <a:rPr kumimoji="1" lang="ko-KR" altLang="en-US" dirty="0" smtClean="0"/>
+              <a:t> </a:t>
+            </a:r>
+            <a:endParaRPr kumimoji="1" lang="en-US" altLang="ko-KR" dirty="0" smtClean="0"/>
+          </a:p>
+          <a:p>
+            <a:r>
+              <a:rPr kumimoji="1" lang="ko-KR" altLang="en-US" dirty="0" smtClean="0"/>
+              <a:t>마지막에 기재된 아담</a:t>
+            </a:r>
+            <a:r>
+              <a:rPr kumimoji="1" lang="en-US" altLang="ko-KR" dirty="0" smtClean="0"/>
+              <a:t>(Adam)</a:t>
+            </a:r>
+            <a:r>
+              <a:rPr kumimoji="1" lang="ko-KR" altLang="en-US" dirty="0" smtClean="0"/>
+              <a:t>은 현재 가장 많이 사용되는 고급 경사 </a:t>
+            </a:r>
+            <a:r>
+              <a:rPr kumimoji="1" lang="ko-KR" altLang="en-US" dirty="0" err="1" smtClean="0"/>
+              <a:t>하강법입니다</a:t>
+            </a:r>
+            <a:r>
+              <a:rPr kumimoji="1" lang="en-US" altLang="ko-KR" dirty="0" smtClean="0"/>
+              <a:t>. </a:t>
+            </a:r>
           </a:p>
         </p:txBody>
       </p:sp>
@@ -4544,7 +4823,51 @@
           </a:bodyPr>
           <a:lstStyle/>
           <a:p>
+            <a:r>
+              <a:rPr kumimoji="1" lang="ko-KR" altLang="en-US" dirty="0" smtClean="0"/>
+              <a:t>그래서 각 방법이 개발된 순서대로 정리를 해보았습니다</a:t>
+            </a:r>
+            <a:r>
+              <a:rPr kumimoji="1" lang="en-US" altLang="ko-KR" dirty="0" smtClean="0"/>
+              <a:t>.</a:t>
+            </a:r>
+          </a:p>
+          <a:p>
+            <a:r>
+              <a:rPr kumimoji="1" lang="ko-KR" altLang="en-US" dirty="0" smtClean="0"/>
+              <a:t>각각은 먼저 나온 방법의 단점을 보완해서 다음 방법이 </a:t>
+            </a:r>
+            <a:r>
+              <a:rPr kumimoji="1" lang="ko-KR" altLang="en-US" dirty="0" err="1" smtClean="0"/>
+              <a:t>나온만큼</a:t>
+            </a:r>
+            <a:r>
+              <a:rPr kumimoji="1" lang="ko-KR" altLang="en-US" dirty="0" smtClean="0"/>
+              <a:t> </a:t>
+            </a:r>
             <a:endParaRPr kumimoji="1" lang="en-US" altLang="ko-KR" dirty="0" smtClean="0"/>
+          </a:p>
+          <a:p>
+            <a:r>
+              <a:rPr kumimoji="1" lang="ko-KR" altLang="en-US" dirty="0" smtClean="0"/>
+              <a:t>마지막에 기재된 아담</a:t>
+            </a:r>
+            <a:r>
+              <a:rPr kumimoji="1" lang="en-US" altLang="ko-KR" dirty="0" smtClean="0"/>
+              <a:t>(Adam)</a:t>
+            </a:r>
+            <a:r>
+              <a:rPr kumimoji="1" lang="ko-KR" altLang="en-US" dirty="0" smtClean="0"/>
+              <a:t>은 현재 가장 많이 사용되는 고급 경사 </a:t>
+            </a:r>
+            <a:r>
+              <a:rPr kumimoji="1" lang="ko-KR" altLang="en-US" dirty="0" err="1" smtClean="0"/>
+              <a:t>하강법입니다</a:t>
+            </a:r>
+            <a:r>
+              <a:rPr kumimoji="1" lang="en-US" altLang="ko-KR" dirty="0" smtClean="0"/>
+              <a:t>. </a:t>
+            </a:r>
           </a:p>
         </p:txBody>
       </p:sp>
@@ -4693,7 +5016,7 @@
             <a:fld id="{969F08EA-942F-48FB-B6FD-D4FF8599C3D1}" type="slidenum">
               <a:rPr lang="ko-KR" altLang="en-US" smtClean="0"/>
               <a:pPr/>
-              <a:t>25</a:t>
+              <a:t>24</a:t>
             </a:fld>
             <a:endParaRPr lang="en-US" altLang="ko-KR" smtClean="0"/>
           </a:p>
@@ -4702,7 +5025,7 @@
     </p:spTree>
     <p:extLst>
       <p:ext uri="{BB962C8B-B14F-4D97-AF65-F5344CB8AC3E}">
-        <p14:creationId xmlns:p14="http://schemas.microsoft.com/office/powerpoint/2010/main" val="2242059699"/>
+        <p14:creationId xmlns:p14="http://schemas.microsoft.com/office/powerpoint/2010/main" val="402611901"/>
       </p:ext>
     </p:extLst>
   </p:cSld>
@@ -5477,6 +5800,262 @@
     <p:extLst>
       <p:ext uri="{BB962C8B-B14F-4D97-AF65-F5344CB8AC3E}">
         <p14:creationId xmlns:p14="http://schemas.microsoft.com/office/powerpoint/2010/main" val="1791836507"/>
+      </p:ext>
+    </p:extLst>
+  </p:cSld>
+  <p:clrMapOvr>
+    <a:masterClrMapping/>
+  </p:clrMapOvr>
+</p:notes>
+</file>
+
+<file path=ppt/notesSlides/notesSlide20.xml><?xml version="1.0" encoding="utf-8"?>
+<p:notes xmlns:a="http://schemas.openxmlformats.org/drawingml/2006/main" xmlns:r="http://schemas.openxmlformats.org/officeDocument/2006/relationships" xmlns:p="http://schemas.openxmlformats.org/presentationml/2006/main">
+  <p:cSld>
+    <p:spTree>
+      <p:nvGrpSpPr>
+        <p:cNvPr id="1" name=""/>
+        <p:cNvGrpSpPr/>
+        <p:nvPr/>
+      </p:nvGrpSpPr>
+      <p:grpSpPr>
+        <a:xfrm>
+          <a:off x="0" y="0"/>
+          <a:ext cx="0" cy="0"/>
+          <a:chOff x="0" y="0"/>
+          <a:chExt cx="0" cy="0"/>
+        </a:xfrm>
+      </p:grpSpPr>
+      <p:sp>
+        <p:nvSpPr>
+          <p:cNvPr id="11266" name="슬라이드 이미지 개체 틀 1"/>
+          <p:cNvSpPr>
+            <a:spLocks noGrp="1" noRot="1" noChangeAspect="1" noChangeArrowheads="1" noTextEdit="1"/>
+          </p:cNvSpPr>
+          <p:nvPr>
+            <p:ph type="sldImg"/>
+          </p:nvPr>
+        </p:nvSpPr>
+        <p:spPr bwMode="auto">
+          <a:noFill/>
+          <a:ln>
+            <a:solidFill>
+              <a:srgbClr val="000000"/>
+            </a:solidFill>
+            <a:miter lim="800000"/>
+            <a:headEnd/>
+            <a:tailEnd/>
+          </a:ln>
+          <a:extLst>
+            <a:ext uri="{909E8E84-426E-40DD-AFC4-6F175D3DCCD1}">
+              <a14:hiddenFill xmlns:a14="http://schemas.microsoft.com/office/drawing/2010/main">
+                <a:solidFill>
+                  <a:srgbClr val="FFFFFF"/>
+                </a:solidFill>
+              </a14:hiddenFill>
+            </a:ext>
+          </a:extLst>
+        </p:spPr>
+      </p:sp>
+      <p:sp>
+        <p:nvSpPr>
+          <p:cNvPr id="11267" name="슬라이드 노트 개체 틀 2"/>
+          <p:cNvSpPr>
+            <a:spLocks noGrp="1" noChangeArrowheads="1"/>
+          </p:cNvSpPr>
+          <p:nvPr>
+            <p:ph type="body" idx="1"/>
+          </p:nvPr>
+        </p:nvSpPr>
+        <p:spPr bwMode="auto">
+          <a:noFill/>
+          <a:extLst>
+            <a:ext uri="{909E8E84-426E-40DD-AFC4-6F175D3DCCD1}">
+              <a14:hiddenFill xmlns:a14="http://schemas.microsoft.com/office/drawing/2010/main">
+                <a:solidFill>
+                  <a:srgbClr val="FFFFFF"/>
+                </a:solidFill>
+              </a14:hiddenFill>
+            </a:ext>
+            <a:ext uri="{91240B29-F687-4F45-9708-019B960494DF}">
+              <a14:hiddenLine xmlns:a14="http://schemas.microsoft.com/office/drawing/2010/main" w="9525">
+                <a:solidFill>
+                  <a:srgbClr val="000000"/>
+                </a:solidFill>
+                <a:miter lim="800000"/>
+                <a:headEnd/>
+                <a:tailEnd/>
+              </a14:hiddenLine>
+            </a:ext>
+          </a:extLst>
+        </p:spPr>
+        <p:txBody>
+          <a:bodyPr wrap="square" numCol="1" anchor="t" anchorCtr="0" compatLnSpc="1">
+            <a:prstTxWarp prst="textNoShape">
+              <a:avLst/>
+            </a:prstTxWarp>
+          </a:bodyPr>
+          <a:lstStyle/>
+          <a:p>
+            <a:endParaRPr kumimoji="1" lang="en-US" altLang="ko-KR" dirty="0" smtClean="0"/>
+          </a:p>
+        </p:txBody>
+      </p:sp>
+      <p:sp>
+        <p:nvSpPr>
+          <p:cNvPr id="11268" name="슬라이드 번호 개체 틀 3"/>
+          <p:cNvSpPr>
+            <a:spLocks noGrp="1" noChangeArrowheads="1"/>
+          </p:cNvSpPr>
+          <p:nvPr>
+            <p:ph type="sldNum" sz="quarter" idx="5"/>
+          </p:nvPr>
+        </p:nvSpPr>
+        <p:spPr bwMode="auto">
+          <a:noFill/>
+          <a:extLst>
+            <a:ext uri="{909E8E84-426E-40DD-AFC4-6F175D3DCCD1}">
+              <a14:hiddenFill xmlns:a14="http://schemas.microsoft.com/office/drawing/2010/main">
+                <a:solidFill>
+                  <a:srgbClr val="FFFFFF"/>
+                </a:solidFill>
+              </a14:hiddenFill>
+            </a:ext>
+            <a:ext uri="{91240B29-F687-4F45-9708-019B960494DF}">
+              <a14:hiddenLine xmlns:a14="http://schemas.microsoft.com/office/drawing/2010/main" w="9525">
+                <a:solidFill>
+                  <a:srgbClr val="000000"/>
+                </a:solidFill>
+                <a:miter lim="800000"/>
+                <a:headEnd/>
+                <a:tailEnd/>
+              </a14:hiddenLine>
+            </a:ext>
+          </a:extLst>
+        </p:spPr>
+        <p:txBody>
+          <a:bodyPr/>
+          <a:lstStyle>
+            <a:lvl1pPr>
+              <a:defRPr kumimoji="1">
+                <a:solidFill>
+                  <a:schemeClr val="tx1"/>
+                </a:solidFill>
+                <a:latin typeface="굴림" panose="020B0600000101010101" pitchFamily="50" charset="-127"/>
+                <a:ea typeface="굴림" panose="020B0600000101010101" pitchFamily="50" charset="-127"/>
+              </a:defRPr>
+            </a:lvl1pPr>
+            <a:lvl2pPr marL="742950" indent="-285750">
+              <a:defRPr kumimoji="1">
+                <a:solidFill>
+                  <a:schemeClr val="tx1"/>
+                </a:solidFill>
+                <a:latin typeface="굴림" panose="020B0600000101010101" pitchFamily="50" charset="-127"/>
+                <a:ea typeface="굴림" panose="020B0600000101010101" pitchFamily="50" charset="-127"/>
+              </a:defRPr>
+            </a:lvl2pPr>
+            <a:lvl3pPr marL="1143000" indent="-228600">
+              <a:defRPr kumimoji="1">
+                <a:solidFill>
+                  <a:schemeClr val="tx1"/>
+                </a:solidFill>
+                <a:latin typeface="굴림" panose="020B0600000101010101" pitchFamily="50" charset="-127"/>
+                <a:ea typeface="굴림" panose="020B0600000101010101" pitchFamily="50" charset="-127"/>
+              </a:defRPr>
+            </a:lvl3pPr>
+            <a:lvl4pPr marL="1600200" indent="-228600">
+              <a:defRPr kumimoji="1">
+                <a:solidFill>
+                  <a:schemeClr val="tx1"/>
+                </a:solidFill>
+                <a:latin typeface="굴림" panose="020B0600000101010101" pitchFamily="50" charset="-127"/>
+                <a:ea typeface="굴림" panose="020B0600000101010101" pitchFamily="50" charset="-127"/>
+              </a:defRPr>
+            </a:lvl4pPr>
+            <a:lvl5pPr marL="2057400" indent="-228600">
+              <a:defRPr kumimoji="1">
+                <a:solidFill>
+                  <a:schemeClr val="tx1"/>
+                </a:solidFill>
+                <a:latin typeface="굴림" panose="020B0600000101010101" pitchFamily="50" charset="-127"/>
+                <a:ea typeface="굴림" panose="020B0600000101010101" pitchFamily="50" charset="-127"/>
+              </a:defRPr>
+            </a:lvl5pPr>
+            <a:lvl6pPr marL="2514600" indent="-228600" eaLnBrk="0" fontAlgn="base" hangingPunct="0">
+              <a:spcBef>
+                <a:spcPct val="0"/>
+              </a:spcBef>
+              <a:spcAft>
+                <a:spcPct val="0"/>
+              </a:spcAft>
+              <a:defRPr kumimoji="1">
+                <a:solidFill>
+                  <a:schemeClr val="tx1"/>
+                </a:solidFill>
+                <a:latin typeface="굴림" panose="020B0600000101010101" pitchFamily="50" charset="-127"/>
+                <a:ea typeface="굴림" panose="020B0600000101010101" pitchFamily="50" charset="-127"/>
+              </a:defRPr>
+            </a:lvl6pPr>
+            <a:lvl7pPr marL="2971800" indent="-228600" eaLnBrk="0" fontAlgn="base" hangingPunct="0">
+              <a:spcBef>
+                <a:spcPct val="0"/>
+              </a:spcBef>
+              <a:spcAft>
+                <a:spcPct val="0"/>
+              </a:spcAft>
+              <a:defRPr kumimoji="1">
+                <a:solidFill>
+                  <a:schemeClr val="tx1"/>
+                </a:solidFill>
+                <a:latin typeface="굴림" panose="020B0600000101010101" pitchFamily="50" charset="-127"/>
+                <a:ea typeface="굴림" panose="020B0600000101010101" pitchFamily="50" charset="-127"/>
+              </a:defRPr>
+            </a:lvl7pPr>
+            <a:lvl8pPr marL="3429000" indent="-228600" eaLnBrk="0" fontAlgn="base" hangingPunct="0">
+              <a:spcBef>
+                <a:spcPct val="0"/>
+              </a:spcBef>
+              <a:spcAft>
+                <a:spcPct val="0"/>
+              </a:spcAft>
+              <a:defRPr kumimoji="1">
+                <a:solidFill>
+                  <a:schemeClr val="tx1"/>
+                </a:solidFill>
+                <a:latin typeface="굴림" panose="020B0600000101010101" pitchFamily="50" charset="-127"/>
+                <a:ea typeface="굴림" panose="020B0600000101010101" pitchFamily="50" charset="-127"/>
+              </a:defRPr>
+            </a:lvl8pPr>
+            <a:lvl9pPr marL="3886200" indent="-228600" eaLnBrk="0" fontAlgn="base" hangingPunct="0">
+              <a:spcBef>
+                <a:spcPct val="0"/>
+              </a:spcBef>
+              <a:spcAft>
+                <a:spcPct val="0"/>
+              </a:spcAft>
+              <a:defRPr kumimoji="1">
+                <a:solidFill>
+                  <a:schemeClr val="tx1"/>
+                </a:solidFill>
+                <a:latin typeface="굴림" panose="020B0600000101010101" pitchFamily="50" charset="-127"/>
+                <a:ea typeface="굴림" panose="020B0600000101010101" pitchFamily="50" charset="-127"/>
+              </a:defRPr>
+            </a:lvl9pPr>
+          </a:lstStyle>
+          <a:p>
+            <a:fld id="{969F08EA-942F-48FB-B6FD-D4FF8599C3D1}" type="slidenum">
+              <a:rPr lang="ko-KR" altLang="en-US" smtClean="0"/>
+              <a:pPr/>
+              <a:t>26</a:t>
+            </a:fld>
+            <a:endParaRPr lang="en-US" altLang="ko-KR" smtClean="0"/>
+          </a:p>
+        </p:txBody>
+      </p:sp>
+    </p:spTree>
+    <p:extLst>
+      <p:ext uri="{BB962C8B-B14F-4D97-AF65-F5344CB8AC3E}">
+        <p14:creationId xmlns:p14="http://schemas.microsoft.com/office/powerpoint/2010/main" val="2242059699"/>
       </p:ext>
     </p:extLst>
   </p:cSld>
@@ -25625,7 +26204,7 @@
         <p:spPr>
           <a:xfrm>
             <a:off x="251520" y="2285014"/>
-            <a:ext cx="8640960" cy="338554"/>
+            <a:ext cx="8640960" cy="369332"/>
           </a:xfrm>
           <a:prstGeom prst="rect">
             <a:avLst/>
@@ -25916,7 +26495,25 @@
                 <a:latin typeface="나눔고딕" panose="020D0604000000000000" pitchFamily="50" charset="-127"/>
                 <a:ea typeface="나눔고딕 ExtraBold"/>
               </a:rPr>
-              <a:t>확률적 경사 </a:t>
+              <a:t>모멘텀 확률적 </a:t>
+            </a:r>
+            <a:r>
+              <a:rPr lang="ko-KR" altLang="en-US" sz="2000" b="1" dirty="0" smtClean="0">
+                <a:gradFill>
+                  <a:gsLst>
+                    <a:gs pos="0">
+                      <a:srgbClr val="404040"/>
+                    </a:gs>
+                    <a:gs pos="100000">
+                      <a:srgbClr val="404040"/>
+                    </a:gs>
+                  </a:gsLst>
+                  <a:lin ang="5400000" scaled="0"/>
+                </a:gradFill>
+                <a:latin typeface="나눔고딕" panose="020D0604000000000000" pitchFamily="50" charset="-127"/>
+                <a:ea typeface="나눔고딕 ExtraBold"/>
+              </a:rPr>
+              <a:t>경사 </a:t>
             </a:r>
             <a:r>
               <a:rPr lang="ko-KR" altLang="en-US" sz="2000" b="1" dirty="0" err="1" smtClean="0">
@@ -26007,7 +26604,7 @@
         <p:spPr>
           <a:xfrm>
             <a:off x="251520" y="5390405"/>
-            <a:ext cx="8640960" cy="886397"/>
+            <a:ext cx="8640960" cy="590931"/>
           </a:xfrm>
           <a:prstGeom prst="rect">
             <a:avLst/>
@@ -26298,10 +26895,10 @@
                 <a:latin typeface="나눔고딕" panose="020D0604000000000000" pitchFamily="50" charset="-127"/>
                 <a:ea typeface="나눔고딕 ExtraBold"/>
               </a:rPr>
-              <a:t>확률적 경사 </a:t>
-            </a:r>
-            <a:r>
-              <a:rPr lang="ko-KR" altLang="en-US" sz="1600" b="1" dirty="0" err="1" smtClean="0">
+              <a:t>오차를 수정하기 전 바로 앞 수정 값과 방향</a:t>
+            </a:r>
+            <a:r>
+              <a:rPr lang="en-US" altLang="ko-KR" sz="1600" b="1" dirty="0" smtClean="0">
                 <a:gradFill>
                   <a:gsLst>
                     <a:gs pos="0">
@@ -26316,7 +26913,7 @@
                 <a:latin typeface="나눔고딕" panose="020D0604000000000000" pitchFamily="50" charset="-127"/>
                 <a:ea typeface="나눔고딕 ExtraBold"/>
               </a:rPr>
-              <a:t>하강법은</a:t>
+              <a:t>(+,-)</a:t>
             </a:r>
             <a:r>
               <a:rPr lang="ko-KR" altLang="en-US" sz="1600" b="1" dirty="0" smtClean="0">
@@ -26334,43 +26931,7 @@
                 <a:latin typeface="나눔고딕" panose="020D0604000000000000" pitchFamily="50" charset="-127"/>
                 <a:ea typeface="나눔고딕 ExtraBold"/>
               </a:rPr>
-              <a:t> 경사 </a:t>
-            </a:r>
-            <a:r>
-              <a:rPr lang="ko-KR" altLang="en-US" sz="1600" b="1" dirty="0" err="1" smtClean="0">
-                <a:gradFill>
-                  <a:gsLst>
-                    <a:gs pos="0">
-                      <a:srgbClr val="404040"/>
-                    </a:gs>
-                    <a:gs pos="100000">
-                      <a:srgbClr val="404040"/>
-                    </a:gs>
-                  </a:gsLst>
-                  <a:lin ang="5400000" scaled="0"/>
-                </a:gradFill>
-                <a:latin typeface="나눔고딕" panose="020D0604000000000000" pitchFamily="50" charset="-127"/>
-                <a:ea typeface="나눔고딕 ExtraBold"/>
-              </a:rPr>
-              <a:t>하강법의</a:t>
-            </a:r>
-            <a:r>
-              <a:rPr lang="ko-KR" altLang="en-US" sz="1600" b="1" dirty="0" smtClean="0">
-                <a:gradFill>
-                  <a:gsLst>
-                    <a:gs pos="0">
-                      <a:srgbClr val="404040"/>
-                    </a:gs>
-                    <a:gs pos="100000">
-                      <a:srgbClr val="404040"/>
-                    </a:gs>
-                  </a:gsLst>
-                  <a:lin ang="5400000" scaled="0"/>
-                </a:gradFill>
-                <a:latin typeface="나눔고딕" panose="020D0604000000000000" pitchFamily="50" charset="-127"/>
-                <a:ea typeface="나눔고딕 ExtraBold"/>
-              </a:rPr>
-              <a:t> 속도의 단점을 보완</a:t>
+              <a:t>을 참고하여 같은 방향으로 일정한 비율만 수정</a:t>
             </a:r>
             <a:endParaRPr lang="en-US" altLang="ko-KR" sz="1600" b="1" dirty="0" smtClean="0">
               <a:gradFill>
@@ -26408,99 +26969,7 @@
                 <a:latin typeface="나눔고딕" panose="020D0604000000000000" pitchFamily="50" charset="-127"/>
                 <a:ea typeface="나눔고딕 ExtraBold"/>
               </a:rPr>
-              <a:t>전체 데이터를 사용하는 것이 아니라</a:t>
-            </a:r>
-            <a:r>
-              <a:rPr lang="en-US" altLang="ko-KR" sz="1600" b="1" dirty="0" smtClean="0">
-                <a:gradFill>
-                  <a:gsLst>
-                    <a:gs pos="0">
-                      <a:srgbClr val="404040"/>
-                    </a:gs>
-                    <a:gs pos="100000">
-                      <a:srgbClr val="404040"/>
-                    </a:gs>
-                  </a:gsLst>
-                  <a:lin ang="5400000" scaled="0"/>
-                </a:gradFill>
-                <a:latin typeface="나눔고딕" panose="020D0604000000000000" pitchFamily="50" charset="-127"/>
-                <a:ea typeface="나눔고딕 ExtraBold"/>
-              </a:rPr>
-              <a:t>, </a:t>
-            </a:r>
-            <a:r>
-              <a:rPr lang="ko-KR" altLang="en-US" sz="1600" b="1" dirty="0" err="1" smtClean="0">
-                <a:gradFill>
-                  <a:gsLst>
-                    <a:gs pos="0">
-                      <a:srgbClr val="404040"/>
-                    </a:gs>
-                    <a:gs pos="100000">
-                      <a:srgbClr val="404040"/>
-                    </a:gs>
-                  </a:gsLst>
-                  <a:lin ang="5400000" scaled="0"/>
-                </a:gradFill>
-                <a:latin typeface="나눔고딕" panose="020D0604000000000000" pitchFamily="50" charset="-127"/>
-                <a:ea typeface="나눔고딕 ExtraBold"/>
-              </a:rPr>
-              <a:t>랜덤하게</a:t>
-            </a:r>
-            <a:r>
-              <a:rPr lang="ko-KR" altLang="en-US" sz="1600" b="1" dirty="0" smtClean="0">
-                <a:gradFill>
-                  <a:gsLst>
-                    <a:gs pos="0">
-                      <a:srgbClr val="404040"/>
-                    </a:gs>
-                    <a:gs pos="100000">
-                      <a:srgbClr val="404040"/>
-                    </a:gs>
-                  </a:gsLst>
-                  <a:lin ang="5400000" scaled="0"/>
-                </a:gradFill>
-                <a:latin typeface="나눔고딕" panose="020D0604000000000000" pitchFamily="50" charset="-127"/>
-                <a:ea typeface="나눔고딕 ExtraBold"/>
-              </a:rPr>
-              <a:t> 추출한 일부 데이터를 사용</a:t>
-            </a:r>
-            <a:endParaRPr lang="en-US" altLang="ko-KR" sz="1600" b="1" dirty="0" smtClean="0">
-              <a:gradFill>
-                <a:gsLst>
-                  <a:gs pos="0">
-                    <a:srgbClr val="404040"/>
-                  </a:gs>
-                  <a:gs pos="100000">
-                    <a:srgbClr val="404040"/>
-                  </a:gs>
-                </a:gsLst>
-                <a:lin ang="5400000" scaled="0"/>
-              </a:gradFill>
-              <a:latin typeface="나눔고딕" panose="020D0604000000000000" pitchFamily="50" charset="-127"/>
-              <a:ea typeface="나눔고딕 ExtraBold"/>
-            </a:endParaRPr>
-          </a:p>
-          <a:p>
-            <a:pPr algn="l">
-              <a:defRPr/>
-            </a:pPr>
-            <a:r>
-              <a:rPr lang="ko-KR" altLang="en-US" sz="1600" b="1" dirty="0" smtClean="0">
-                <a:gradFill>
-                  <a:gsLst>
-                    <a:gs pos="0">
-                      <a:srgbClr val="404040"/>
-                    </a:gs>
-                    <a:gs pos="100000">
-                      <a:srgbClr val="404040"/>
-                    </a:gs>
-                  </a:gsLst>
-                  <a:lin ang="5400000" scaled="0"/>
-                </a:gradFill>
-                <a:latin typeface="나눔고딕" panose="020D0604000000000000" pitchFamily="50" charset="-127"/>
-                <a:ea typeface="나눔고딕 ExtraBold"/>
-              </a:rPr>
-              <a:t>더 빨리 그리고 자주 업데이트가 가능</a:t>
+              <a:t>지그재그로 일어나는 현상이 줌</a:t>
             </a:r>
             <a:endParaRPr lang="en-US" altLang="ko-KR" sz="1600" b="1" dirty="0" smtClean="0">
               <a:gradFill>
@@ -27165,26 +27634,7 @@
                           <a:ea typeface="나눔고딕 ExtraBold"/>
                           <a:cs typeface="+mn-cs"/>
                         </a:rPr>
-                        <a:t>(</a:t>
-                      </a:r>
-                      <a:r>
-                        <a:rPr kumimoji="1" lang="en-US" altLang="ko-KR" sz="1200" b="1" kern="1200" dirty="0" smtClean="0">
-                          <a:gradFill>
-                            <a:gsLst>
-                              <a:gs pos="0">
-                                <a:srgbClr val="404040"/>
-                              </a:gs>
-                              <a:gs pos="100000">
-                                <a:srgbClr val="404040"/>
-                              </a:gs>
-                            </a:gsLst>
-                            <a:lin ang="5400000" scaled="0"/>
-                          </a:gradFill>
-                          <a:latin typeface="나눔고딕" panose="020D0604000000000000" pitchFamily="50" charset="-127"/>
-                          <a:ea typeface="나눔고딕 ExtraBold"/>
-                          <a:cs typeface="+mn-cs"/>
-                        </a:rPr>
-                        <a:t>SGD)</a:t>
+                        <a:t>(SGD)</a:t>
                       </a:r>
                     </a:p>
                   </a:txBody>
@@ -27496,26 +27946,7 @@
                           <a:ea typeface="나눔고딕 ExtraBold"/>
                           <a:cs typeface="+mn-cs"/>
                         </a:rPr>
-                        <a:t>=0.1</a:t>
-                      </a:r>
-                      <a:r>
-                        <a:rPr kumimoji="1" lang="en-US" altLang="ko-KR" sz="1200" b="1" kern="1200" dirty="0" smtClean="0">
-                          <a:gradFill>
-                            <a:gsLst>
-                              <a:gs pos="0">
-                                <a:srgbClr val="404040"/>
-                              </a:gs>
-                              <a:gs pos="100000">
-                                <a:srgbClr val="404040"/>
-                              </a:gs>
-                            </a:gsLst>
-                            <a:lin ang="5400000" scaled="0"/>
-                          </a:gradFill>
-                          <a:latin typeface="나눔고딕" panose="020D0604000000000000" pitchFamily="50" charset="-127"/>
-                          <a:ea typeface="나눔고딕 ExtraBold"/>
-                          <a:cs typeface="+mn-cs"/>
-                        </a:rPr>
-                        <a:t>)</a:t>
+                        <a:t>=0.1)</a:t>
                       </a:r>
                     </a:p>
                     <a:p>
@@ -27985,43 +28416,8 @@
                           <a:ea typeface="나눔고딕 ExtraBold"/>
                           <a:cs typeface="+mn-cs"/>
                         </a:rPr>
-                        <a:t>=0.1</a:t>
+                        <a:t>=0.1, </a:t>
                       </a:r>
-                      <a:r>
-                        <a:rPr kumimoji="1" lang="en-US" altLang="ko-KR" sz="1200" b="1" kern="1200" dirty="0" smtClean="0">
-                          <a:gradFill>
-                            <a:gsLst>
-                              <a:gs pos="0">
-                                <a:srgbClr val="404040"/>
-                              </a:gs>
-                              <a:gs pos="100000">
-                                <a:srgbClr val="404040"/>
-                              </a:gs>
-                            </a:gsLst>
-                            <a:lin ang="5400000" scaled="0"/>
-                          </a:gradFill>
-                          <a:latin typeface="나눔고딕" panose="020D0604000000000000" pitchFamily="50" charset="-127"/>
-                          <a:ea typeface="나눔고딕 ExtraBold"/>
-                          <a:cs typeface="+mn-cs"/>
-                        </a:rPr>
-                        <a:t>, </a:t>
-                      </a:r>
-                      <a:endParaRPr kumimoji="1" lang="en-US" altLang="ko-KR" sz="1200" b="1" kern="1200" dirty="0" smtClean="0">
-                        <a:gradFill>
-                          <a:gsLst>
-                            <a:gs pos="0">
-                              <a:srgbClr val="404040"/>
-                            </a:gs>
-                            <a:gs pos="100000">
-                              <a:srgbClr val="404040"/>
-                            </a:gs>
-                          </a:gsLst>
-                          <a:lin ang="5400000" scaled="0"/>
-                        </a:gradFill>
-                        <a:latin typeface="나눔고딕" panose="020D0604000000000000" pitchFamily="50" charset="-127"/>
-                        <a:ea typeface="나눔고딕 ExtraBold"/>
-                        <a:cs typeface="+mn-cs"/>
-                      </a:endParaRPr>
                     </a:p>
                     <a:p>
                       <a:pPr algn="l" fontAlgn="t" latinLnBrk="1"/>
@@ -28042,26 +28438,7 @@
                           <a:ea typeface="나눔고딕 ExtraBold"/>
                           <a:cs typeface="+mn-cs"/>
                         </a:rPr>
-                        <a:t>                                    momentum=0.9</a:t>
-                      </a:r>
-                      <a:r>
-                        <a:rPr kumimoji="1" lang="en-US" altLang="ko-KR" sz="1200" b="1" kern="1200" dirty="0" smtClean="0">
-                          <a:gradFill>
-                            <a:gsLst>
-                              <a:gs pos="0">
-                                <a:srgbClr val="404040"/>
-                              </a:gs>
-                              <a:gs pos="100000">
-                                <a:srgbClr val="404040"/>
-                              </a:gs>
-                            </a:gsLst>
-                            <a:lin ang="5400000" scaled="0"/>
-                          </a:gradFill>
-                          <a:latin typeface="나눔고딕" panose="020D0604000000000000" pitchFamily="50" charset="-127"/>
-                          <a:ea typeface="나눔고딕 ExtraBold"/>
-                          <a:cs typeface="+mn-cs"/>
-                        </a:rPr>
-                        <a:t>)</a:t>
+                        <a:t>                                    momentum=0.9)</a:t>
                       </a:r>
                     </a:p>
                     <a:p>
@@ -28269,26 +28646,7 @@
                           <a:ea typeface="나눔고딕 ExtraBold"/>
                           <a:cs typeface="+mn-cs"/>
                         </a:rPr>
-                        <a:t>(</a:t>
-                      </a:r>
-                      <a:r>
-                        <a:rPr kumimoji="1" lang="en-US" altLang="ko-KR" sz="1200" b="1" kern="1200" dirty="0" smtClean="0">
-                          <a:gradFill>
-                            <a:gsLst>
-                              <a:gs pos="0">
-                                <a:srgbClr val="404040"/>
-                              </a:gs>
-                              <a:gs pos="100000">
-                                <a:srgbClr val="404040"/>
-                              </a:gs>
-                            </a:gsLst>
-                            <a:lin ang="5400000" scaled="0"/>
-                          </a:gradFill>
-                          <a:latin typeface="나눔고딕" panose="020D0604000000000000" pitchFamily="50" charset="-127"/>
-                          <a:ea typeface="나눔고딕 ExtraBold"/>
-                          <a:cs typeface="+mn-cs"/>
-                        </a:rPr>
-                        <a:t>NAG)</a:t>
+                        <a:t>(NAG)</a:t>
                       </a:r>
                     </a:p>
                   </a:txBody>
@@ -28641,43 +28999,8 @@
                           <a:ea typeface="나눔고딕 ExtraBold"/>
                           <a:cs typeface="+mn-cs"/>
                         </a:rPr>
-                        <a:t>=0.1</a:t>
+                        <a:t>=0.1, </a:t>
                       </a:r>
-                      <a:r>
-                        <a:rPr kumimoji="1" lang="en-US" altLang="en-US" sz="1200" b="1" kern="1200" dirty="0" smtClean="0">
-                          <a:gradFill>
-                            <a:gsLst>
-                              <a:gs pos="0">
-                                <a:srgbClr val="404040"/>
-                              </a:gs>
-                              <a:gs pos="100000">
-                                <a:srgbClr val="404040"/>
-                              </a:gs>
-                            </a:gsLst>
-                            <a:lin ang="5400000" scaled="0"/>
-                          </a:gradFill>
-                          <a:latin typeface="나눔고딕" panose="020D0604000000000000" pitchFamily="50" charset="-127"/>
-                          <a:ea typeface="나눔고딕 ExtraBold"/>
-                          <a:cs typeface="+mn-cs"/>
-                        </a:rPr>
-                        <a:t>, </a:t>
-                      </a:r>
-                      <a:endParaRPr kumimoji="1" lang="en-US" altLang="en-US" sz="1200" b="1" kern="1200" dirty="0" smtClean="0">
-                        <a:gradFill>
-                          <a:gsLst>
-                            <a:gs pos="0">
-                              <a:srgbClr val="404040"/>
-                            </a:gs>
-                            <a:gs pos="100000">
-                              <a:srgbClr val="404040"/>
-                            </a:gs>
-                          </a:gsLst>
-                          <a:lin ang="5400000" scaled="0"/>
-                        </a:gradFill>
-                        <a:latin typeface="나눔고딕" panose="020D0604000000000000" pitchFamily="50" charset="-127"/>
-                        <a:ea typeface="나눔고딕 ExtraBold"/>
-                        <a:cs typeface="+mn-cs"/>
-                      </a:endParaRPr>
                     </a:p>
                     <a:p>
                       <a:pPr algn="l" fontAlgn="t" latinLnBrk="1"/>
@@ -28758,26 +29081,7 @@
                           <a:ea typeface="나눔고딕 ExtraBold"/>
                           <a:cs typeface="+mn-cs"/>
                         </a:rPr>
-                        <a:t>=True</a:t>
-                      </a:r>
-                      <a:r>
-                        <a:rPr kumimoji="1" lang="en-US" altLang="en-US" sz="1200" b="1" kern="1200" dirty="0" smtClean="0">
-                          <a:gradFill>
-                            <a:gsLst>
-                              <a:gs pos="0">
-                                <a:srgbClr val="404040"/>
-                              </a:gs>
-                              <a:gs pos="100000">
-                                <a:srgbClr val="404040"/>
-                              </a:gs>
-                            </a:gsLst>
-                            <a:lin ang="5400000" scaled="0"/>
-                          </a:gradFill>
-                          <a:latin typeface="나눔고딕" panose="020D0604000000000000" pitchFamily="50" charset="-127"/>
-                          <a:ea typeface="나눔고딕 ExtraBold"/>
-                          <a:cs typeface="+mn-cs"/>
-                        </a:rPr>
-                        <a:t>)</a:t>
+                        <a:t>=True)</a:t>
                       </a:r>
                     </a:p>
                     <a:p>
@@ -29320,26 +29624,7 @@
                           <a:ea typeface="나눔고딕 ExtraBold"/>
                           <a:cs typeface="+mn-cs"/>
                         </a:rPr>
-                        <a:t>                                           epsilon=1e-6</a:t>
-                      </a:r>
-                      <a:r>
-                        <a:rPr kumimoji="1" lang="en-US" altLang="ko-KR" sz="1200" b="1" kern="1200" dirty="0" smtClean="0">
-                          <a:gradFill>
-                            <a:gsLst>
-                              <a:gs pos="0">
-                                <a:srgbClr val="404040"/>
-                              </a:gs>
-                              <a:gs pos="100000">
-                                <a:srgbClr val="404040"/>
-                              </a:gs>
-                            </a:gsLst>
-                            <a:lin ang="5400000" scaled="0"/>
-                          </a:gradFill>
-                          <a:latin typeface="나눔고딕" panose="020D0604000000000000" pitchFamily="50" charset="-127"/>
-                          <a:ea typeface="나눔고딕 ExtraBold"/>
-                          <a:cs typeface="+mn-cs"/>
-                        </a:rPr>
-                        <a:t>)</a:t>
+                        <a:t>                                           epsilon=1e-6)</a:t>
                       </a:r>
                     </a:p>
                     <a:p>
@@ -30274,26 +30559,7 @@
                           <a:ea typeface="나눔고딕 ExtraBold"/>
                           <a:cs typeface="+mn-cs"/>
                         </a:rPr>
-                        <a:t>                                            decay=0.0</a:t>
-                      </a:r>
-                      <a:r>
-                        <a:rPr kumimoji="1" lang="en-US" altLang="ko-KR" sz="1200" b="1" kern="1200" dirty="0" smtClean="0">
-                          <a:gradFill>
-                            <a:gsLst>
-                              <a:gs pos="0">
-                                <a:srgbClr val="404040"/>
-                              </a:gs>
-                              <a:gs pos="100000">
-                                <a:srgbClr val="404040"/>
-                              </a:gs>
-                            </a:gsLst>
-                            <a:lin ang="5400000" scaled="0"/>
-                          </a:gradFill>
-                          <a:latin typeface="나눔고딕" panose="020D0604000000000000" pitchFamily="50" charset="-127"/>
-                          <a:ea typeface="나눔고딕 ExtraBold"/>
-                          <a:cs typeface="+mn-cs"/>
-                        </a:rPr>
-                        <a:t>)</a:t>
+                        <a:t>                                            decay=0.0)</a:t>
                       </a:r>
                     </a:p>
                     <a:p>
@@ -30883,43 +31149,8 @@
                           <a:ea typeface="나눔고딕 ExtraBold"/>
                           <a:cs typeface="+mn-cs"/>
                         </a:rPr>
-                        <a:t>                                       beta_2=0.999</a:t>
+                        <a:t>                                       beta_2=0.999, </a:t>
                       </a:r>
-                      <a:r>
-                        <a:rPr kumimoji="1" lang="en-US" altLang="en-US" sz="1200" b="1" kern="1200" dirty="0" smtClean="0">
-                          <a:gradFill>
-                            <a:gsLst>
-                              <a:gs pos="0">
-                                <a:srgbClr val="404040"/>
-                              </a:gs>
-                              <a:gs pos="100000">
-                                <a:srgbClr val="404040"/>
-                              </a:gs>
-                            </a:gsLst>
-                            <a:lin ang="5400000" scaled="0"/>
-                          </a:gradFill>
-                          <a:latin typeface="나눔고딕" panose="020D0604000000000000" pitchFamily="50" charset="-127"/>
-                          <a:ea typeface="나눔고딕 ExtraBold"/>
-                          <a:cs typeface="+mn-cs"/>
-                        </a:rPr>
-                        <a:t>, </a:t>
-                      </a:r>
-                      <a:endParaRPr kumimoji="1" lang="en-US" altLang="en-US" sz="1200" b="1" kern="1200" dirty="0" smtClean="0">
-                        <a:gradFill>
-                          <a:gsLst>
-                            <a:gs pos="0">
-                              <a:srgbClr val="404040"/>
-                            </a:gs>
-                            <a:gs pos="100000">
-                              <a:srgbClr val="404040"/>
-                            </a:gs>
-                          </a:gsLst>
-                          <a:lin ang="5400000" scaled="0"/>
-                        </a:gradFill>
-                        <a:latin typeface="나눔고딕" panose="020D0604000000000000" pitchFamily="50" charset="-127"/>
-                        <a:ea typeface="나눔고딕 ExtraBold"/>
-                        <a:cs typeface="+mn-cs"/>
-                      </a:endParaRPr>
                     </a:p>
                     <a:p>
                       <a:pPr algn="l" fontAlgn="t" latinLnBrk="1"/>
@@ -30962,26 +31193,7 @@
                           <a:ea typeface="나눔고딕 ExtraBold"/>
                           <a:cs typeface="+mn-cs"/>
                         </a:rPr>
-                        <a:t>                                       decay </a:t>
-                      </a:r>
-                      <a:r>
-                        <a:rPr kumimoji="1" lang="en-US" altLang="en-US" sz="1200" b="1" kern="1200" dirty="0" smtClean="0">
-                          <a:gradFill>
-                            <a:gsLst>
-                              <a:gs pos="0">
-                                <a:srgbClr val="404040"/>
-                              </a:gs>
-                              <a:gs pos="100000">
-                                <a:srgbClr val="404040"/>
-                              </a:gs>
-                            </a:gsLst>
-                            <a:lin ang="5400000" scaled="0"/>
-                          </a:gradFill>
-                          <a:latin typeface="나눔고딕" panose="020D0604000000000000" pitchFamily="50" charset="-127"/>
-                          <a:ea typeface="나눔고딕 ExtraBold"/>
-                          <a:cs typeface="+mn-cs"/>
-                        </a:rPr>
-                        <a:t>= 0.0)</a:t>
+                        <a:t>                                       decay = 0.0)</a:t>
                       </a:r>
                     </a:p>
                     <a:p>
@@ -31302,7 +31514,7 @@
                 <a:ea typeface="나눔고딕 ExtraBold" panose="020D0904000000000000" pitchFamily="50" charset="-127"/>
                 <a:cs typeface="Nanum Gothic"/>
               </a:rPr>
-              <a:t>로지스틱</a:t>
+              <a:t>딥러닝</a:t>
             </a:r>
             <a:r>
               <a:rPr lang="ko-KR" altLang="en-US" sz="3800" kern="0" dirty="0" smtClean="0">
@@ -31313,8 +31525,49 @@
                 <a:ea typeface="나눔고딕 ExtraBold" panose="020D0904000000000000" pitchFamily="50" charset="-127"/>
                 <a:cs typeface="Nanum Gothic"/>
               </a:rPr>
-              <a:t> 회귀</a:t>
-            </a:r>
+              <a:t> 실습</a:t>
+            </a:r>
+            <a:r>
+              <a:rPr lang="en-US" altLang="ko-KR" sz="3800" kern="0" dirty="0" smtClean="0">
+                <a:solidFill>
+                  <a:schemeClr val="tx1"/>
+                </a:solidFill>
+                <a:latin typeface="나눔고딕 ExtraBold" panose="020D0904000000000000" pitchFamily="50" charset="-127"/>
+                <a:ea typeface="나눔고딕 ExtraBold" panose="020D0904000000000000" pitchFamily="50" charset="-127"/>
+                <a:cs typeface="Nanum Gothic"/>
+              </a:rPr>
+              <a:t>(</a:t>
+            </a:r>
+            <a:r>
+              <a:rPr lang="en-US" altLang="ko-KR" sz="3800" kern="0" dirty="0" err="1" smtClean="0">
+                <a:solidFill>
+                  <a:schemeClr val="tx1"/>
+                </a:solidFill>
+                <a:latin typeface="나눔고딕 ExtraBold" panose="020D0904000000000000" pitchFamily="50" charset="-127"/>
+                <a:ea typeface="나눔고딕 ExtraBold" panose="020D0904000000000000" pitchFamily="50" charset="-127"/>
+                <a:cs typeface="Nanum Gothic"/>
+              </a:rPr>
+              <a:t>Keras</a:t>
+            </a:r>
+            <a:r>
+              <a:rPr lang="en-US" altLang="ko-KR" sz="3800" kern="0" dirty="0" smtClean="0">
+                <a:solidFill>
+                  <a:schemeClr val="tx1"/>
+                </a:solidFill>
+                <a:latin typeface="나눔고딕 ExtraBold" panose="020D0904000000000000" pitchFamily="50" charset="-127"/>
+                <a:ea typeface="나눔고딕 ExtraBold" panose="020D0904000000000000" pitchFamily="50" charset="-127"/>
+                <a:cs typeface="Nanum Gothic"/>
+              </a:rPr>
+              <a:t>)</a:t>
+            </a:r>
+            <a:endParaRPr lang="ko-KR" altLang="en-US" sz="3800" kern="0" dirty="0" smtClean="0">
+              <a:solidFill>
+                <a:schemeClr val="tx1"/>
+              </a:solidFill>
+              <a:latin typeface="나눔고딕 ExtraBold" panose="020D0904000000000000" pitchFamily="50" charset="-127"/>
+              <a:ea typeface="나눔고딕 ExtraBold" panose="020D0904000000000000" pitchFamily="50" charset="-127"/>
+              <a:cs typeface="Nanum Gothic"/>
+            </a:endParaRPr>
           </a:p>
         </p:txBody>
       </p:sp>
@@ -31571,6 +31824,118 @@
       </p:grpSpPr>
       <p:sp>
         <p:nvSpPr>
+          <p:cNvPr id="10242" name="텍스트 개체 틀 3"/>
+          <p:cNvSpPr>
+            <a:spLocks noGrp="1" noChangeArrowheads="1"/>
+          </p:cNvSpPr>
+          <p:nvPr>
+            <p:ph type="body" sz="quarter" idx="4294967295"/>
+          </p:nvPr>
+        </p:nvSpPr>
+        <p:spPr bwMode="auto">
+          <a:xfrm>
+            <a:off x="755650" y="188913"/>
+            <a:ext cx="6840538" cy="522287"/>
+          </a:xfrm>
+          <a:prstGeom prst="rect">
+            <a:avLst/>
+          </a:prstGeom>
+          <a:noFill/>
+          <a:extLst>
+            <a:ext uri="{909E8E84-426E-40DD-AFC4-6F175D3DCCD1}">
+              <a14:hiddenFill xmlns:a14="http://schemas.microsoft.com/office/drawing/2010/main">
+                <a:solidFill>
+                  <a:srgbClr val="FFFFFF"/>
+                </a:solidFill>
+              </a14:hiddenFill>
+            </a:ext>
+            <a:ext uri="{91240B29-F687-4F45-9708-019B960494DF}">
+              <a14:hiddenLine xmlns:a14="http://schemas.microsoft.com/office/drawing/2010/main" w="9525">
+                <a:solidFill>
+                  <a:srgbClr val="000000"/>
+                </a:solidFill>
+                <a:miter lim="800000"/>
+                <a:headEnd/>
+                <a:tailEnd/>
+              </a14:hiddenLine>
+            </a:ext>
+          </a:extLst>
+        </p:spPr>
+        <p:txBody>
+          <a:bodyPr/>
+          <a:lstStyle/>
+          <a:p>
+            <a:pPr marL="0" indent="0">
+              <a:buFontTx/>
+              <a:buNone/>
+            </a:pPr>
+            <a:r>
+              <a:rPr lang="en-US" altLang="ko-KR" sz="2800" dirty="0" smtClean="0">
+                <a:latin typeface="나눔고딕 ExtraBold" panose="020D0904000000000000" pitchFamily="50" charset="-127"/>
+                <a:ea typeface="나눔고딕 ExtraBold" panose="020D0904000000000000" pitchFamily="50" charset="-127"/>
+              </a:rPr>
+              <a:t>4. </a:t>
+            </a:r>
+            <a:r>
+              <a:rPr lang="ko-KR" altLang="en-US" sz="2800" dirty="0" err="1" smtClean="0">
+                <a:latin typeface="나눔고딕 ExtraBold" panose="020D0904000000000000" pitchFamily="50" charset="-127"/>
+                <a:ea typeface="나눔고딕 ExtraBold" panose="020D0904000000000000" pitchFamily="50" charset="-127"/>
+              </a:rPr>
+              <a:t>딥러닝</a:t>
+            </a:r>
+            <a:r>
+              <a:rPr lang="ko-KR" altLang="en-US" sz="2800" dirty="0" smtClean="0">
+                <a:latin typeface="나눔고딕 ExtraBold" panose="020D0904000000000000" pitchFamily="50" charset="-127"/>
+                <a:ea typeface="나눔고딕 ExtraBold" panose="020D0904000000000000" pitchFamily="50" charset="-127"/>
+              </a:rPr>
+              <a:t> 실습</a:t>
+            </a:r>
+            <a:endParaRPr lang="ko-KR" altLang="en-US" sz="2800" dirty="0" smtClean="0">
+              <a:latin typeface="나눔고딕 ExtraBold" panose="020D0904000000000000" pitchFamily="50" charset="-127"/>
+              <a:ea typeface="나눔고딕 ExtraBold" panose="020D0904000000000000" pitchFamily="50" charset="-127"/>
+            </a:endParaRPr>
+          </a:p>
+        </p:txBody>
+      </p:sp>
+    </p:spTree>
+    <p:extLst>
+      <p:ext uri="{BB962C8B-B14F-4D97-AF65-F5344CB8AC3E}">
+        <p14:creationId xmlns:p14="http://schemas.microsoft.com/office/powerpoint/2010/main" val="1807551595"/>
+      </p:ext>
+    </p:extLst>
+  </p:cSld>
+  <p:clrMapOvr>
+    <a:masterClrMapping/>
+  </p:clrMapOvr>
+  <p:timing>
+    <p:tnLst>
+      <p:par>
+        <p:cTn id="1" dur="indefinite" restart="never" nodeType="tmRoot"/>
+      </p:par>
+    </p:tnLst>
+  </p:timing>
+</p:sld>
+</file>
+
+<file path=ppt/slides/slide25.xml><?xml version="1.0" encoding="utf-8"?>
+<p:sld xmlns:a="http://schemas.openxmlformats.org/drawingml/2006/main" xmlns:r="http://schemas.openxmlformats.org/officeDocument/2006/relationships" xmlns:p="http://schemas.openxmlformats.org/presentationml/2006/main">
+  <p:cSld>
+    <p:spTree>
+      <p:nvGrpSpPr>
+        <p:cNvPr id="1" name=""/>
+        <p:cNvGrpSpPr/>
+        <p:nvPr/>
+      </p:nvGrpSpPr>
+      <p:grpSpPr>
+        <a:xfrm>
+          <a:off x="0" y="0"/>
+          <a:ext cx="0" cy="0"/>
+          <a:chOff x="0" y="0"/>
+          <a:chExt cx="0" cy="0"/>
+        </a:xfrm>
+      </p:grpSpPr>
+      <p:sp>
+        <p:nvSpPr>
           <p:cNvPr id="4" name="제목 1"/>
           <p:cNvSpPr txBox="1">
             <a:spLocks/>
@@ -31998,7 +32363,7 @@
 </p:sld>
 </file>
 
-<file path=ppt/slides/slide25.xml><?xml version="1.0" encoding="utf-8"?>
+<file path=ppt/slides/slide26.xml><?xml version="1.0" encoding="utf-8"?>
 <p:sld xmlns:a="http://schemas.openxmlformats.org/drawingml/2006/main" xmlns:r="http://schemas.openxmlformats.org/officeDocument/2006/relationships" xmlns:p="http://schemas.openxmlformats.org/presentationml/2006/main">
   <p:cSld>
     <p:spTree>
@@ -32871,7 +33236,7 @@
 </p:sld>
 </file>
 
-<file path=ppt/slides/slide26.xml><?xml version="1.0" encoding="utf-8"?>
+<file path=ppt/slides/slide27.xml><?xml version="1.0" encoding="utf-8"?>
 <p:sld xmlns:a="http://schemas.openxmlformats.org/drawingml/2006/main" xmlns:r="http://schemas.openxmlformats.org/officeDocument/2006/relationships" xmlns:p="http://schemas.openxmlformats.org/presentationml/2006/main">
   <p:cSld>
     <p:spTree>
